--- a/ppt/服务器设计_组件篇.pptx
+++ b/ppt/服务器设计_组件篇.pptx
@@ -5,23 +5,25 @@
     <p:sldMasterId id="2147483648" r:id="rId1"/>
   </p:sldMasterIdLst>
   <p:notesMasterIdLst>
-    <p:notesMasterId r:id="rId6"/>
+    <p:notesMasterId r:id="rId16"/>
   </p:notesMasterIdLst>
   <p:handoutMasterIdLst>
-    <p:handoutMasterId r:id="rId16"/>
+    <p:handoutMasterId r:id="rId17"/>
   </p:handoutMasterIdLst>
   <p:sldIdLst>
-    <p:sldId id="274" r:id="rId3"/>
-    <p:sldId id="278" r:id="rId4"/>
-    <p:sldId id="280" r:id="rId5"/>
-    <p:sldId id="279" r:id="rId7"/>
-    <p:sldId id="283" r:id="rId8"/>
-    <p:sldId id="282" r:id="rId9"/>
-    <p:sldId id="284" r:id="rId10"/>
-    <p:sldId id="285" r:id="rId11"/>
-    <p:sldId id="286" r:id="rId12"/>
-    <p:sldId id="287" r:id="rId13"/>
-    <p:sldId id="288" r:id="rId14"/>
+    <p:sldId id="274" r:id="rId2"/>
+    <p:sldId id="278" r:id="rId3"/>
+    <p:sldId id="280" r:id="rId4"/>
+    <p:sldId id="279" r:id="rId5"/>
+    <p:sldId id="283" r:id="rId6"/>
+    <p:sldId id="282" r:id="rId7"/>
+    <p:sldId id="284" r:id="rId8"/>
+    <p:sldId id="285" r:id="rId9"/>
+    <p:sldId id="286" r:id="rId10"/>
+    <p:sldId id="287" r:id="rId11"/>
+    <p:sldId id="288" r:id="rId12"/>
+    <p:sldId id="290" r:id="rId13"/>
+    <p:sldId id="289" r:id="rId14"/>
     <p:sldId id="281" r:id="rId15"/>
   </p:sldIdLst>
   <p:sldSz cx="9144000" cy="5143500" type="screen16x9"/>
@@ -206,6 +208,7 @@
           <a:p>
             <a:fld id="{5F920F0F-0E56-2B45-B1BF-268524318682}" type="datetimeFigureOut">
               <a:rPr kumimoji="1" lang="zh-CN" altLang="en-US" smtClean="0"/>
+              <a:t>2020/2/25</a:t>
             </a:fld>
             <a:endParaRPr kumimoji="1" lang="zh-CN" altLang="en-US"/>
           </a:p>
@@ -271,12 +274,18 @@
           <a:p>
             <a:fld id="{DE1A26BA-2BD7-424D-9E31-04AA10F01EFC}" type="slidenum">
               <a:rPr kumimoji="1" lang="zh-CN" altLang="en-US" smtClean="0"/>
+              <a:t>‹#›</a:t>
             </a:fld>
             <a:endParaRPr kumimoji="1" lang="zh-CN" altLang="en-US"/>
           </a:p>
         </p:txBody>
       </p:sp>
     </p:spTree>
+    <p:extLst>
+      <p:ext uri="{BB962C8B-B14F-4D97-AF65-F5344CB8AC3E}">
+        <p14:creationId xmlns:p14="http://schemas.microsoft.com/office/powerpoint/2010/main" val="4176984933"/>
+      </p:ext>
+    </p:extLst>
   </p:cSld>
   <p:clrMap bg1="lt1" tx1="dk1" bg2="lt2" tx2="dk2" accent1="accent1" accent2="accent2" accent3="accent3" accent4="accent4" accent5="accent5" accent6="accent6" hlink="hlink" folHlink="folHlink"/>
   <p:hf hdr="0" ftr="0" dt="0"/>
@@ -365,6 +374,7 @@
           <a:p>
             <a:fld id="{FB86081A-1E41-D34E-AC33-11FD77CCCD8D}" type="datetimeFigureOut">
               <a:rPr kumimoji="1" lang="zh-CN" altLang="en-US" smtClean="0"/>
+              <a:t>2020/2/25</a:t>
             </a:fld>
             <a:endParaRPr kumimoji="1" lang="zh-CN" altLang="en-US"/>
           </a:p>
@@ -431,7 +441,6 @@
               <a:rPr kumimoji="1" lang="zh-CN" altLang="en-US" smtClean="0"/>
               <a:t>单击此处编辑母版文本样式</a:t>
             </a:r>
-            <a:endParaRPr kumimoji="1" lang="zh-CN" altLang="en-US" smtClean="0"/>
           </a:p>
           <a:p>
             <a:pPr lvl="1"/>
@@ -439,7 +448,6 @@
               <a:rPr kumimoji="1" lang="zh-CN" altLang="en-US" smtClean="0"/>
               <a:t>二级</a:t>
             </a:r>
-            <a:endParaRPr kumimoji="1" lang="zh-CN" altLang="en-US" smtClean="0"/>
           </a:p>
           <a:p>
             <a:pPr lvl="2"/>
@@ -447,7 +455,6 @@
               <a:rPr kumimoji="1" lang="zh-CN" altLang="en-US" smtClean="0"/>
               <a:t>三级</a:t>
             </a:r>
-            <a:endParaRPr kumimoji="1" lang="zh-CN" altLang="en-US" smtClean="0"/>
           </a:p>
           <a:p>
             <a:pPr lvl="3"/>
@@ -455,7 +462,6 @@
               <a:rPr kumimoji="1" lang="zh-CN" altLang="en-US" smtClean="0"/>
               <a:t>四级</a:t>
             </a:r>
-            <a:endParaRPr kumimoji="1" lang="zh-CN" altLang="en-US" smtClean="0"/>
           </a:p>
           <a:p>
             <a:pPr lvl="4"/>
@@ -527,12 +533,18 @@
           <a:p>
             <a:fld id="{8AF453D5-9B32-8F40-BF12-CF5772967439}" type="slidenum">
               <a:rPr kumimoji="1" lang="zh-CN" altLang="en-US" smtClean="0"/>
+              <a:t>‹#›</a:t>
             </a:fld>
             <a:endParaRPr kumimoji="1" lang="zh-CN" altLang="en-US"/>
           </a:p>
         </p:txBody>
       </p:sp>
     </p:spTree>
+    <p:extLst>
+      <p:ext uri="{BB962C8B-B14F-4D97-AF65-F5344CB8AC3E}">
+        <p14:creationId xmlns:p14="http://schemas.microsoft.com/office/powerpoint/2010/main" val="3264454653"/>
+      </p:ext>
+    </p:extLst>
   </p:cSld>
   <p:clrMap bg1="lt1" tx1="dk1" bg2="lt2" tx2="dk2" accent1="accent1" accent2="accent2" accent3="accent3" accent4="accent4" accent5="accent5" accent6="accent6" hlink="hlink" folHlink="folHlink"/>
   <p:hf hdr="0" ftr="0" dt="0"/>
@@ -806,6 +818,7 @@
           <a:p>
             <a:fld id="{8AF453D5-9B32-8F40-BF12-CF5772967439}" type="slidenum">
               <a:rPr kumimoji="1" lang="zh-CN" altLang="en-US" smtClean="0"/>
+              <a:t>2</a:t>
             </a:fld>
             <a:endParaRPr kumimoji="1" lang="zh-CN" altLang="en-US"/>
           </a:p>
@@ -938,6 +951,7 @@
           <a:p>
             <a:fld id="{8AF453D5-9B32-8F40-BF12-CF5772967439}" type="slidenum">
               <a:rPr kumimoji="1" lang="zh-CN" altLang="en-US" smtClean="0"/>
+              <a:t>3</a:t>
             </a:fld>
             <a:endParaRPr kumimoji="1" lang="zh-CN" altLang="en-US"/>
           </a:p>
@@ -1018,6 +1032,7 @@
           <a:p>
             <a:fld id="{8AF453D5-9B32-8F40-BF12-CF5772967439}" type="slidenum">
               <a:rPr kumimoji="1" lang="zh-CN" altLang="en-US" smtClean="0"/>
+              <a:t>4</a:t>
             </a:fld>
             <a:endParaRPr kumimoji="1" lang="zh-CN" altLang="en-US"/>
           </a:p>
@@ -1084,7 +1099,6 @@
               <a:rPr lang="zh-CN" altLang="en-US" dirty="0" smtClean="0"/>
               <a:t>里面关键词</a:t>
             </a:r>
-            <a:endParaRPr lang="zh-CN" altLang="en-US" dirty="0" smtClean="0"/>
           </a:p>
           <a:p>
             <a:pPr>
@@ -1094,7 +1108,6 @@
               <a:rPr lang="en-US" dirty="0" smtClean="0"/>
               <a:t>Replicated state machine </a:t>
             </a:r>
-            <a:endParaRPr lang="en-US" dirty="0" smtClean="0"/>
           </a:p>
           <a:p>
             <a:pPr>
@@ -1108,7 +1121,6 @@
               <a:rPr lang="en-US" dirty="0" smtClean="0"/>
               <a:t>rules repeatedly </a:t>
             </a:r>
-            <a:endParaRPr lang="en-US" dirty="0" smtClean="0"/>
           </a:p>
           <a:p>
             <a:pPr>
@@ -1139,6 +1151,7 @@
           <a:p>
             <a:fld id="{8AF453D5-9B32-8F40-BF12-CF5772967439}" type="slidenum">
               <a:rPr kumimoji="1" lang="zh-CN" altLang="en-US" smtClean="0"/>
+              <a:t>5</a:t>
             </a:fld>
             <a:endParaRPr kumimoji="1" lang="zh-CN" altLang="en-US"/>
           </a:p>
@@ -1225,6 +1238,7 @@
           <a:p>
             <a:fld id="{8AF453D5-9B32-8F40-BF12-CF5772967439}" type="slidenum">
               <a:rPr kumimoji="1" lang="zh-CN" altLang="en-US" smtClean="0"/>
+              <a:t>6</a:t>
             </a:fld>
             <a:endParaRPr kumimoji="1" lang="zh-CN" altLang="en-US"/>
           </a:p>
@@ -1510,6 +1524,7 @@
           <a:p>
             <a:fld id="{8AF453D5-9B32-8F40-BF12-CF5772967439}" type="slidenum">
               <a:rPr kumimoji="1" lang="zh-CN" altLang="en-US" smtClean="0"/>
+              <a:t>8</a:t>
             </a:fld>
             <a:endParaRPr kumimoji="1" lang="zh-CN" altLang="en-US"/>
           </a:p>
@@ -1652,12 +1667,268 @@
           <a:p>
             <a:fld id="{8AF453D5-9B32-8F40-BF12-CF5772967439}" type="slidenum">
               <a:rPr kumimoji="1" lang="zh-CN" altLang="en-US" smtClean="0"/>
+              <a:t>9</a:t>
             </a:fld>
             <a:endParaRPr kumimoji="1" lang="zh-CN" altLang="en-US"/>
           </a:p>
         </p:txBody>
       </p:sp>
     </p:spTree>
+  </p:cSld>
+  <p:clrMapOvr>
+    <a:masterClrMapping/>
+  </p:clrMapOvr>
+</p:notes>
+</file>
+
+<file path=ppt/notesSlides/notesSlide8.xml><?xml version="1.0" encoding="utf-8"?>
+<p:notes xmlns:a="http://schemas.openxmlformats.org/drawingml/2006/main" xmlns:r="http://schemas.openxmlformats.org/officeDocument/2006/relationships" xmlns:p="http://schemas.openxmlformats.org/presentationml/2006/main">
+  <p:cSld>
+    <p:spTree>
+      <p:nvGrpSpPr>
+        <p:cNvPr id="1" name=""/>
+        <p:cNvGrpSpPr/>
+        <p:nvPr/>
+      </p:nvGrpSpPr>
+      <p:grpSpPr>
+        <a:xfrm>
+          <a:off x="0" y="0"/>
+          <a:ext cx="0" cy="0"/>
+          <a:chOff x="0" y="0"/>
+          <a:chExt cx="0" cy="0"/>
+        </a:xfrm>
+      </p:grpSpPr>
+      <p:sp>
+        <p:nvSpPr>
+          <p:cNvPr id="2" name="幻灯片图像占位符 1"/>
+          <p:cNvSpPr>
+            <a:spLocks noGrp="1" noRot="1" noChangeAspect="1"/>
+          </p:cNvSpPr>
+          <p:nvPr>
+            <p:ph type="sldImg"/>
+          </p:nvPr>
+        </p:nvSpPr>
+        <p:spPr/>
+      </p:sp>
+      <p:sp>
+        <p:nvSpPr>
+          <p:cNvPr id="3" name="备注占位符 2"/>
+          <p:cNvSpPr>
+            <a:spLocks noGrp="1"/>
+          </p:cNvSpPr>
+          <p:nvPr>
+            <p:ph type="body" idx="1"/>
+          </p:nvPr>
+        </p:nvSpPr>
+        <p:spPr/>
+        <p:txBody>
+          <a:bodyPr/>
+          <a:lstStyle/>
+          <a:p>
+            <a:r>
+              <a:rPr lang="en-US" altLang="zh-CN" sz="1200" b="0" i="0" kern="1200" dirty="0" smtClean="0">
+                <a:solidFill>
+                  <a:schemeClr val="tx1"/>
+                </a:solidFill>
+                <a:effectLst/>
+                <a:latin typeface="+mn-lt"/>
+                <a:ea typeface="+mn-ea"/>
+                <a:cs typeface="+mn-cs"/>
+              </a:rPr>
+              <a:t>#</a:t>
+            </a:r>
+            <a:r>
+              <a:rPr lang="zh-CN" altLang="en-US" sz="1200" b="0" i="0" kern="1200" dirty="0" smtClean="0">
+                <a:solidFill>
+                  <a:schemeClr val="tx1"/>
+                </a:solidFill>
+                <a:effectLst/>
+                <a:latin typeface="+mn-lt"/>
+                <a:ea typeface="+mn-ea"/>
+                <a:cs typeface="+mn-cs"/>
+              </a:rPr>
+              <a:t>陈咬金第一斧 如何解决</a:t>
+            </a:r>
+          </a:p>
+          <a:p>
+            <a:r>
+              <a:rPr lang="en-US" altLang="zh-CN" dirty="0" smtClean="0">
+                <a:effectLst/>
+              </a:rPr>
+              <a:t>task: </a:t>
+            </a:r>
+            <a:r>
+              <a:rPr lang="zh-CN" altLang="en-US" dirty="0" smtClean="0">
+                <a:effectLst/>
+              </a:rPr>
+              <a:t>通过</a:t>
+            </a:r>
+            <a:r>
+              <a:rPr lang="zh-CN" altLang="en-US" sz="1200" kern="1200" dirty="0" smtClean="0">
+                <a:solidFill>
+                  <a:schemeClr val="tx1"/>
+                </a:solidFill>
+                <a:effectLst/>
+                <a:latin typeface="+mn-lt"/>
+                <a:ea typeface="+mn-ea"/>
+                <a:cs typeface="+mn-cs"/>
+                <a:hlinkClick r:id="rId3"/>
+              </a:rPr>
+              <a:t>阅读</a:t>
+            </a:r>
+            <a:r>
+              <a:rPr lang="en-US" altLang="zh-CN" sz="1200" kern="1200" dirty="0" smtClean="0">
+                <a:solidFill>
+                  <a:schemeClr val="tx1"/>
+                </a:solidFill>
+                <a:effectLst/>
+                <a:latin typeface="+mn-lt"/>
+                <a:ea typeface="+mn-ea"/>
+                <a:cs typeface="+mn-cs"/>
+                <a:hlinkClick r:id="rId3"/>
+              </a:rPr>
+              <a:t>Redis</a:t>
+            </a:r>
+            <a:r>
+              <a:rPr lang="zh-CN" altLang="en-US" sz="1200" kern="1200" dirty="0" smtClean="0">
+                <a:solidFill>
+                  <a:schemeClr val="tx1"/>
+                </a:solidFill>
+                <a:effectLst/>
+                <a:latin typeface="+mn-lt"/>
+                <a:ea typeface="+mn-ea"/>
+                <a:cs typeface="+mn-cs"/>
+                <a:hlinkClick r:id="rId3"/>
+              </a:rPr>
+              <a:t>设计</a:t>
+            </a:r>
+            <a:r>
+              <a:rPr lang="zh-CN" altLang="en-US" dirty="0" smtClean="0">
+                <a:effectLst/>
+              </a:rPr>
+              <a:t>，然后延伸到后面的每个章节。</a:t>
+            </a:r>
+          </a:p>
+          <a:p>
+            <a:r>
+              <a:rPr lang="en-US" altLang="zh-CN" sz="1200" b="1" i="0" kern="1200" dirty="0" smtClean="0">
+                <a:solidFill>
+                  <a:schemeClr val="tx1"/>
+                </a:solidFill>
+                <a:effectLst/>
+                <a:latin typeface="+mn-lt"/>
+                <a:ea typeface="+mn-ea"/>
+                <a:cs typeface="+mn-cs"/>
+              </a:rPr>
+              <a:t>#</a:t>
+            </a:r>
+            <a:r>
+              <a:rPr lang="zh-CN" altLang="en-US" sz="1200" b="1" i="0" kern="1200" dirty="0" smtClean="0">
+                <a:solidFill>
+                  <a:schemeClr val="tx1"/>
+                </a:solidFill>
+                <a:effectLst/>
+                <a:latin typeface="+mn-lt"/>
+                <a:ea typeface="+mn-ea"/>
+                <a:cs typeface="+mn-cs"/>
+              </a:rPr>
+              <a:t>陈咬金第二斧 给出有几种，不多不漏？</a:t>
+            </a:r>
+          </a:p>
+          <a:p>
+            <a:r>
+              <a:rPr lang="en-US" altLang="zh-CN" dirty="0" err="1" smtClean="0">
+                <a:effectLst/>
+              </a:rPr>
+              <a:t>intset</a:t>
+            </a:r>
+            <a:r>
+              <a:rPr lang="zh-CN" altLang="en-US" dirty="0" smtClean="0">
+                <a:effectLst/>
+              </a:rPr>
+              <a:t>：就是有序的数组</a:t>
+            </a:r>
+          </a:p>
+          <a:p>
+            <a:r>
+              <a:rPr lang="en-US" altLang="zh-CN" dirty="0" err="1" smtClean="0">
+                <a:effectLst/>
+              </a:rPr>
+              <a:t>hashtable</a:t>
+            </a:r>
+            <a:r>
+              <a:rPr lang="zh-CN" altLang="en-US" dirty="0" smtClean="0">
+                <a:effectLst/>
+              </a:rPr>
+              <a:t>：二维数组</a:t>
+            </a:r>
+          </a:p>
+          <a:p>
+            <a:r>
+              <a:rPr lang="en-US" altLang="zh-CN" sz="1200" b="0" i="0" kern="1200" dirty="0" smtClean="0">
+                <a:solidFill>
+                  <a:schemeClr val="tx1"/>
+                </a:solidFill>
+                <a:effectLst/>
+                <a:latin typeface="+mn-lt"/>
+                <a:ea typeface="+mn-ea"/>
+                <a:cs typeface="+mn-cs"/>
+              </a:rPr>
+              <a:t>#</a:t>
+            </a:r>
+            <a:r>
+              <a:rPr lang="zh-CN" altLang="en-US" sz="1200" b="0" i="0" kern="1200" dirty="0" smtClean="0">
+                <a:solidFill>
+                  <a:schemeClr val="tx1"/>
+                </a:solidFill>
+                <a:effectLst/>
+                <a:latin typeface="+mn-lt"/>
+                <a:ea typeface="+mn-ea"/>
+                <a:cs typeface="+mn-cs"/>
+              </a:rPr>
+              <a:t>陈咬金第三斧 看源码</a:t>
+            </a:r>
+            <a:endParaRPr lang="zh-CN" altLang="en-US" sz="1200" b="0" i="0" kern="1200" dirty="0">
+              <a:solidFill>
+                <a:schemeClr val="tx1"/>
+              </a:solidFill>
+              <a:effectLst/>
+              <a:latin typeface="+mn-lt"/>
+              <a:ea typeface="+mn-ea"/>
+              <a:cs typeface="+mn-cs"/>
+            </a:endParaRPr>
+          </a:p>
+        </p:txBody>
+      </p:sp>
+      <p:sp>
+        <p:nvSpPr>
+          <p:cNvPr id="4" name="灯片编号占位符 3"/>
+          <p:cNvSpPr>
+            <a:spLocks noGrp="1"/>
+          </p:cNvSpPr>
+          <p:nvPr>
+            <p:ph type="sldNum" sz="quarter" idx="10"/>
+          </p:nvPr>
+        </p:nvSpPr>
+        <p:spPr/>
+        <p:txBody>
+          <a:bodyPr/>
+          <a:lstStyle/>
+          <a:p>
+            <a:fld id="{8AF453D5-9B32-8F40-BF12-CF5772967439}" type="slidenum">
+              <a:rPr kumimoji="1" lang="zh-CN" altLang="en-US" smtClean="0"/>
+              <a:t>10</a:t>
+            </a:fld>
+            <a:endParaRPr kumimoji="1" lang="zh-CN" altLang="en-US"/>
+          </a:p>
+        </p:txBody>
+      </p:sp>
+    </p:spTree>
+    <p:extLst>
+      <p:ext uri="{BB962C8B-B14F-4D97-AF65-F5344CB8AC3E}">
+        <p14:creationId xmlns:p14="http://schemas.microsoft.com/office/powerpoint/2010/main" val="1114621081"/>
+      </p:ext>
+    </p:extLst>
   </p:cSld>
   <p:clrMapOvr>
     <a:masterClrMapping/>
@@ -2235,7 +2506,6 @@
               <a:rPr lang="zh-CN" altLang="en-US" dirty="0" smtClean="0"/>
               <a:t>单击此处编辑母版文本样式</a:t>
             </a:r>
-            <a:endParaRPr lang="zh-CN" altLang="en-US" dirty="0" smtClean="0"/>
           </a:p>
           <a:p>
             <a:pPr lvl="1"/>
@@ -2243,7 +2513,6 @@
               <a:rPr lang="zh-CN" altLang="en-US" dirty="0" smtClean="0"/>
               <a:t>第二级</a:t>
             </a:r>
-            <a:endParaRPr lang="zh-CN" altLang="en-US" dirty="0" smtClean="0"/>
           </a:p>
           <a:p>
             <a:pPr lvl="2"/>
@@ -2251,7 +2520,6 @@
               <a:rPr lang="zh-CN" altLang="en-US" dirty="0" smtClean="0"/>
               <a:t>第三级</a:t>
             </a:r>
-            <a:endParaRPr lang="zh-CN" altLang="en-US" dirty="0" smtClean="0"/>
           </a:p>
           <a:p>
             <a:pPr lvl="3"/>
@@ -2259,7 +2527,6 @@
               <a:rPr lang="zh-CN" altLang="en-US" dirty="0" smtClean="0"/>
               <a:t>第四级</a:t>
             </a:r>
-            <a:endParaRPr lang="zh-CN" altLang="en-US" dirty="0" smtClean="0"/>
           </a:p>
           <a:p>
             <a:pPr lvl="4"/>
@@ -2507,7 +2774,6 @@
               <a:rPr lang="zh-CN" altLang="en-US" smtClean="0"/>
               <a:t>单击此处编辑母版文本样式</a:t>
             </a:r>
-            <a:endParaRPr lang="zh-CN" altLang="en-US" smtClean="0"/>
           </a:p>
           <a:p>
             <a:pPr lvl="1"/>
@@ -2515,7 +2781,6 @@
               <a:rPr lang="zh-CN" altLang="en-US" smtClean="0"/>
               <a:t>第二级</a:t>
             </a:r>
-            <a:endParaRPr lang="zh-CN" altLang="en-US" smtClean="0"/>
           </a:p>
           <a:p>
             <a:pPr lvl="2"/>
@@ -2523,7 +2788,6 @@
               <a:rPr lang="zh-CN" altLang="en-US" smtClean="0"/>
               <a:t>第三级</a:t>
             </a:r>
-            <a:endParaRPr lang="zh-CN" altLang="en-US" smtClean="0"/>
           </a:p>
           <a:p>
             <a:pPr lvl="3"/>
@@ -2531,7 +2795,6 @@
               <a:rPr lang="zh-CN" altLang="en-US" smtClean="0"/>
               <a:t>第四级</a:t>
             </a:r>
-            <a:endParaRPr lang="zh-CN" altLang="en-US" smtClean="0"/>
           </a:p>
           <a:p>
             <a:pPr lvl="4"/>
@@ -2790,7 +3053,6 @@
               <a:rPr lang="zh-CN" altLang="en-US" smtClean="0"/>
               <a:t>单击此处编辑母版文本样式</a:t>
             </a:r>
-            <a:endParaRPr lang="zh-CN" altLang="en-US" smtClean="0"/>
           </a:p>
           <a:p>
             <a:pPr lvl="1"/>
@@ -2798,7 +3060,6 @@
               <a:rPr lang="zh-CN" altLang="en-US" smtClean="0"/>
               <a:t>第二级</a:t>
             </a:r>
-            <a:endParaRPr lang="zh-CN" altLang="en-US" smtClean="0"/>
           </a:p>
           <a:p>
             <a:pPr lvl="2"/>
@@ -2806,7 +3067,6 @@
               <a:rPr lang="zh-CN" altLang="en-US" smtClean="0"/>
               <a:t>第三级</a:t>
             </a:r>
-            <a:endParaRPr lang="zh-CN" altLang="en-US" smtClean="0"/>
           </a:p>
           <a:p>
             <a:pPr lvl="3"/>
@@ -2814,7 +3074,6 @@
               <a:rPr lang="zh-CN" altLang="en-US" smtClean="0"/>
               <a:t>第四级</a:t>
             </a:r>
-            <a:endParaRPr lang="zh-CN" altLang="en-US" smtClean="0"/>
           </a:p>
           <a:p>
             <a:pPr lvl="4"/>
@@ -2881,7 +3140,6 @@
               <a:rPr lang="zh-CN" altLang="en-US" smtClean="0"/>
               <a:t>单击此处编辑母版文本样式</a:t>
             </a:r>
-            <a:endParaRPr lang="zh-CN" altLang="en-US" smtClean="0"/>
           </a:p>
           <a:p>
             <a:pPr lvl="1"/>
@@ -2889,7 +3147,6 @@
               <a:rPr lang="zh-CN" altLang="en-US" smtClean="0"/>
               <a:t>第二级</a:t>
             </a:r>
-            <a:endParaRPr lang="zh-CN" altLang="en-US" smtClean="0"/>
           </a:p>
           <a:p>
             <a:pPr lvl="2"/>
@@ -2897,7 +3154,6 @@
               <a:rPr lang="zh-CN" altLang="en-US" smtClean="0"/>
               <a:t>第三级</a:t>
             </a:r>
-            <a:endParaRPr lang="zh-CN" altLang="en-US" smtClean="0"/>
           </a:p>
           <a:p>
             <a:pPr lvl="3"/>
@@ -2905,7 +3161,6 @@
               <a:rPr lang="zh-CN" altLang="en-US" smtClean="0"/>
               <a:t>第四级</a:t>
             </a:r>
-            <a:endParaRPr lang="zh-CN" altLang="en-US" smtClean="0"/>
           </a:p>
           <a:p>
             <a:pPr lvl="4"/>
@@ -3228,7 +3483,6 @@
               <a:rPr lang="zh-CN" altLang="en-US" smtClean="0"/>
               <a:t>单击此处编辑母版文本样式</a:t>
             </a:r>
-            <a:endParaRPr lang="zh-CN" altLang="en-US" smtClean="0"/>
           </a:p>
           <a:p>
             <a:pPr lvl="1"/>
@@ -3236,7 +3490,6 @@
               <a:rPr lang="zh-CN" altLang="en-US" smtClean="0"/>
               <a:t>第二级</a:t>
             </a:r>
-            <a:endParaRPr lang="zh-CN" altLang="en-US" smtClean="0"/>
           </a:p>
           <a:p>
             <a:pPr lvl="2"/>
@@ -3244,7 +3497,6 @@
               <a:rPr lang="zh-CN" altLang="en-US" smtClean="0"/>
               <a:t>第三级</a:t>
             </a:r>
-            <a:endParaRPr lang="zh-CN" altLang="en-US" smtClean="0"/>
           </a:p>
           <a:p>
             <a:pPr lvl="3"/>
@@ -3252,7 +3504,6 @@
               <a:rPr lang="zh-CN" altLang="en-US" smtClean="0"/>
               <a:t>第四级</a:t>
             </a:r>
-            <a:endParaRPr lang="zh-CN" altLang="en-US" smtClean="0"/>
           </a:p>
           <a:p>
             <a:pPr lvl="4"/>
@@ -3508,7 +3759,6 @@
               <a:rPr lang="zh-CN" altLang="en-US" smtClean="0"/>
               <a:t>单击此处编辑母版文本样式</a:t>
             </a:r>
-            <a:endParaRPr lang="zh-CN" altLang="en-US" smtClean="0"/>
           </a:p>
         </p:txBody>
       </p:sp>
@@ -3534,6 +3784,7 @@
           <a:p>
             <a:fld id="{7BC3C6E0-25AE-8A44-A617-CADD813DE539}" type="datetime1">
               <a:rPr lang="zh-CN" altLang="en-US" smtClean="0"/>
+              <a:t>2020/2/25</a:t>
             </a:fld>
             <a:endParaRPr lang="zh-CN" altLang="en-US" dirty="0"/>
           </a:p>
@@ -3685,7 +3936,6 @@
               <a:rPr lang="zh-CN" altLang="en-US" dirty="0"/>
               <a:t>谢谢</a:t>
             </a:r>
-            <a:endParaRPr lang="zh-CN" altLang="en-US" dirty="0"/>
           </a:p>
         </p:txBody>
       </p:sp>
@@ -3876,7 +4126,6 @@
               <a:rPr lang="zh-CN" altLang="en-US" dirty="0" smtClean="0"/>
               <a:t>单击此处编辑母版文本样式</a:t>
             </a:r>
-            <a:endParaRPr lang="zh-CN" altLang="en-US" dirty="0" smtClean="0"/>
           </a:p>
           <a:p>
             <a:pPr lvl="1"/>
@@ -3884,7 +4133,6 @@
               <a:rPr lang="zh-CN" altLang="en-US" dirty="0" smtClean="0"/>
               <a:t>第二级</a:t>
             </a:r>
-            <a:endParaRPr lang="zh-CN" altLang="en-US" dirty="0" smtClean="0"/>
           </a:p>
           <a:p>
             <a:pPr lvl="2"/>
@@ -3892,7 +4140,6 @@
               <a:rPr lang="zh-CN" altLang="en-US" dirty="0" smtClean="0"/>
               <a:t>第三级</a:t>
             </a:r>
-            <a:endParaRPr lang="zh-CN" altLang="en-US" dirty="0" smtClean="0"/>
           </a:p>
           <a:p>
             <a:pPr lvl="3"/>
@@ -3900,7 +4147,6 @@
               <a:rPr lang="zh-CN" altLang="en-US" dirty="0" smtClean="0"/>
               <a:t>第四级</a:t>
             </a:r>
-            <a:endParaRPr lang="zh-CN" altLang="en-US" dirty="0" smtClean="0"/>
           </a:p>
           <a:p>
             <a:pPr lvl="4"/>
@@ -3947,6 +4193,7 @@
           <a:p>
             <a:fld id="{B8DE94C4-0AC0-E74D-83DE-D1778C094258}" type="datetime1">
               <a:rPr lang="zh-CN" altLang="en-US" smtClean="0"/>
+              <a:t>2020/2/25</a:t>
             </a:fld>
             <a:endParaRPr lang="zh-CN" altLang="en-US" dirty="0"/>
           </a:p>
@@ -4024,6 +4271,7 @@
           <a:p>
             <a:fld id="{0C913308-F349-4B6D-A68A-DD1791B4A57B}" type="slidenum">
               <a:rPr lang="zh-CN" altLang="en-US" smtClean="0"/>
+              <a:t>‹#›</a:t>
             </a:fld>
             <a:endParaRPr lang="zh-CN" altLang="en-US"/>
           </a:p>
@@ -4396,11 +4644,6 @@
               </a:rPr>
               <a:t>）</a:t>
             </a:r>
-            <a:endParaRPr lang="zh-CN" altLang="en-US" sz="2000" dirty="0">
-              <a:solidFill>
-                <a:schemeClr val="tx1"/>
-              </a:solidFill>
-            </a:endParaRPr>
           </a:p>
         </p:txBody>
       </p:sp>
@@ -4517,6 +4760,7 @@
           <a:p>
             <a:fld id="{0C913308-F349-4B6D-A68A-DD1791B4A57B}" type="slidenum">
               <a:rPr lang="zh-CN" altLang="en-US" smtClean="0"/>
+              <a:t>0</a:t>
             </a:fld>
             <a:endParaRPr lang="zh-CN" altLang="en-US" dirty="0"/>
           </a:p>
@@ -4606,7 +4850,7 @@
           </p:nvPr>
         </p:nvPicPr>
         <p:blipFill>
-          <a:blip r:embed="rId1">
+          <a:blip r:embed="rId3">
             <a:extLst>
               <a:ext uri="{28A0092B-C50C-407E-A947-70E740481C1C}">
                 <a14:useLocalDpi xmlns:a14="http://schemas.microsoft.com/office/drawing/2010/main" val="0"/>
@@ -4656,11 +4900,11 @@
   <p:clrMapOvr>
     <a:masterClrMapping/>
   </p:clrMapOvr>
-  <mc:AlternateContent xmlns:mc="http://schemas.openxmlformats.org/markup-compatibility/2006">
-    <mc:Choice xmlns:p14="http://schemas.microsoft.com/office/powerpoint/2010/main" Requires="p14">
+  <mc:AlternateContent xmlns:mc="http://schemas.openxmlformats.org/markup-compatibility/2006" xmlns:p14="http://schemas.microsoft.com/office/powerpoint/2010/main">
+    <mc:Choice Requires="p14">
       <p:transition spd="slow" p14:dur="2000"/>
     </mc:Choice>
-    <mc:Fallback>
+    <mc:Fallback xmlns="">
       <p:transition spd="slow"/>
     </mc:Fallback>
   </mc:AlternateContent>
@@ -4722,30 +4966,48 @@
           </a:fontRef>
         </p:style>
         <p:txBody>
-          <a:bodyPr/>
+          <a:bodyPr>
+            <a:normAutofit/>
+          </a:bodyPr>
           <a:lstStyle/>
           <a:p>
             <a:r>
-              <a:rPr lang="en-US" altLang="zh-CN" dirty="0"/>
+              <a:rPr lang="en-US" altLang="zh-CN" sz="1800" dirty="0"/>
               <a:t> </a:t>
             </a:r>
             <a:r>
-              <a:rPr lang="en-US" altLang="zh-CN" dirty="0" smtClean="0"/>
+              <a:rPr lang="en-US" altLang="zh-CN" sz="1800" dirty="0" smtClean="0"/>
               <a:t>  </a:t>
             </a:r>
             <a:r>
-              <a:rPr lang="zh-CN" altLang="en-US" dirty="0" smtClean="0"/>
+              <a:rPr lang="zh-CN" altLang="en-US" sz="1800" dirty="0" smtClean="0"/>
               <a:t>第三题 </a:t>
             </a:r>
             <a:r>
-              <a:rPr lang="en-US" altLang="zh-CN" dirty="0" smtClean="0"/>
+              <a:rPr lang="en-US" altLang="zh-CN" sz="1800" dirty="0" smtClean="0"/>
               <a:t>redis </a:t>
             </a:r>
             <a:r>
-              <a:rPr lang="zh-CN" altLang="en-US" dirty="0" smtClean="0"/>
-              <a:t>对象编码方式   </a:t>
-            </a:r>
-            <a:endParaRPr lang="zh-CN" altLang="en-US" dirty="0"/>
+              <a:rPr lang="zh-CN" altLang="en-US" sz="1800" dirty="0" smtClean="0"/>
+              <a:t>对象编码方式</a:t>
+            </a:r>
+            <a:r>
+              <a:rPr lang="en-US" altLang="zh-CN" sz="1800" dirty="0" smtClean="0"/>
+              <a:t>(</a:t>
+            </a:r>
+            <a:r>
+              <a:rPr lang="zh-CN" altLang="en-US" sz="1800" b="1" dirty="0"/>
+              <a:t>对象所使用的底层数据结构</a:t>
+            </a:r>
+            <a:r>
+              <a:rPr lang="en-US" altLang="zh-CN" sz="1800" dirty="0" smtClean="0"/>
+              <a:t>)</a:t>
+            </a:r>
+            <a:r>
+              <a:rPr lang="zh-CN" altLang="en-US" sz="1800" dirty="0" smtClean="0"/>
+              <a:t>   </a:t>
+            </a:r>
+            <a:endParaRPr lang="zh-CN" altLang="en-US" sz="1800" dirty="0"/>
           </a:p>
         </p:txBody>
       </p:sp>
@@ -4760,7 +5022,7 @@
           </p:nvPr>
         </p:nvPicPr>
         <p:blipFill>
-          <a:blip r:embed="rId1">
+          <a:blip r:embed="rId3">
             <a:extLst>
               <a:ext uri="{28A0092B-C50C-407E-A947-70E740481C1C}">
                 <a14:useLocalDpi xmlns:a14="http://schemas.microsoft.com/office/drawing/2010/main" val="0"/>
@@ -4774,8 +5036,62 @@
         </p:blipFill>
         <p:spPr bwMode="auto">
           <a:xfrm>
-            <a:off x="467544" y="1131590"/>
-            <a:ext cx="6336704" cy="3636499"/>
+            <a:off x="323528" y="1779662"/>
+            <a:ext cx="6336704" cy="2872589"/>
+          </a:xfrm>
+          <a:prstGeom prst="rect">
+            <a:avLst/>
+          </a:prstGeom>
+          <a:noFill/>
+          <a:ln>
+            <a:noFill/>
+          </a:ln>
+          <a:extLst>
+            <a:ext uri="{909E8E84-426E-40DD-AFC4-6F175D3DCCD1}">
+              <a14:hiddenFill xmlns:a14="http://schemas.microsoft.com/office/drawing/2010/main">
+                <a:solidFill>
+                  <a:schemeClr val="accent1"/>
+                </a:solidFill>
+              </a14:hiddenFill>
+            </a:ext>
+            <a:ext uri="{91240B29-F687-4F45-9708-019B960494DF}">
+              <a14:hiddenLine xmlns:a14="http://schemas.microsoft.com/office/drawing/2010/main" w="9525">
+                <a:solidFill>
+                  <a:schemeClr val="tx1"/>
+                </a:solidFill>
+                <a:miter lim="800000"/>
+                <a:headEnd/>
+                <a:tailEnd/>
+              </a14:hiddenLine>
+            </a:ext>
+          </a:extLst>
+        </p:spPr>
+      </p:pic>
+      <p:pic>
+        <p:nvPicPr>
+          <p:cNvPr id="2" name="Picture 2"/>
+          <p:cNvPicPr>
+            <a:picLocks noChangeAspect="1" noChangeArrowheads="1"/>
+          </p:cNvPicPr>
+          <p:nvPr/>
+        </p:nvPicPr>
+        <p:blipFill>
+          <a:blip r:embed="rId4">
+            <a:extLst>
+              <a:ext uri="{28A0092B-C50C-407E-A947-70E740481C1C}">
+                <a14:useLocalDpi xmlns:a14="http://schemas.microsoft.com/office/drawing/2010/main" val="0"/>
+              </a:ext>
+            </a:extLst>
+          </a:blip>
+          <a:srcRect/>
+          <a:stretch>
+            <a:fillRect/>
+          </a:stretch>
+        </p:blipFill>
+        <p:spPr bwMode="auto">
+          <a:xfrm>
+            <a:off x="0" y="1203598"/>
+            <a:ext cx="10086975" cy="691902"/>
           </a:xfrm>
           <a:prstGeom prst="rect">
             <a:avLst/>
@@ -4839,6 +5155,667 @@
       </p:grpSpPr>
       <p:sp>
         <p:nvSpPr>
+          <p:cNvPr id="2" name="内容占位符 1"/>
+          <p:cNvSpPr>
+            <a:spLocks noGrp="1"/>
+          </p:cNvSpPr>
+          <p:nvPr>
+            <p:ph idx="1"/>
+          </p:nvPr>
+        </p:nvSpPr>
+        <p:spPr/>
+        <p:txBody>
+          <a:bodyPr>
+            <a:normAutofit/>
+          </a:bodyPr>
+          <a:lstStyle/>
+          <a:p>
+            <a:pPr marL="0" indent="0">
+              <a:buNone/>
+            </a:pPr>
+            <a:r>
+              <a:rPr lang="en-US" altLang="zh-CN" dirty="0"/>
+              <a:t>#</a:t>
+            </a:r>
+            <a:r>
+              <a:rPr lang="zh-CN" altLang="en-US" dirty="0"/>
+              <a:t>陈咬金第一</a:t>
+            </a:r>
+            <a:r>
+              <a:rPr lang="zh-CN" altLang="en-US" dirty="0" smtClean="0"/>
+              <a:t>斧： </a:t>
+            </a:r>
+            <a:r>
+              <a:rPr lang="zh-CN" altLang="en-US" dirty="0"/>
+              <a:t>如何解</a:t>
+            </a:r>
+            <a:r>
+              <a:rPr lang="zh-CN" altLang="en-US" dirty="0" smtClean="0"/>
+              <a:t>决？，思路必须正确。</a:t>
+            </a:r>
+            <a:endParaRPr lang="en-US" altLang="zh-CN" dirty="0" smtClean="0"/>
+          </a:p>
+          <a:p>
+            <a:r>
+              <a:rPr lang="en-US" altLang="zh-CN" dirty="0" smtClean="0">
+                <a:solidFill>
+                  <a:srgbClr val="FF0000"/>
+                </a:solidFill>
+              </a:rPr>
+              <a:t> </a:t>
+            </a:r>
+            <a:r>
+              <a:rPr lang="en-US" altLang="zh-CN" dirty="0" smtClean="0">
+                <a:solidFill>
+                  <a:srgbClr val="FF0000"/>
+                </a:solidFill>
+              </a:rPr>
+              <a:t>book:    </a:t>
+            </a:r>
+            <a:r>
+              <a:rPr lang="en-US" altLang="zh-CN" dirty="0" smtClean="0">
+                <a:solidFill>
+                  <a:srgbClr val="FF0000"/>
+                </a:solidFill>
+              </a:rPr>
+              <a:t>redis</a:t>
+            </a:r>
+            <a:r>
+              <a:rPr lang="zh-CN" altLang="en-US" dirty="0" smtClean="0">
+                <a:solidFill>
+                  <a:srgbClr val="FF0000"/>
+                </a:solidFill>
+              </a:rPr>
+              <a:t>设计第</a:t>
+            </a:r>
+            <a:r>
+              <a:rPr lang="en-US" altLang="zh-CN" dirty="0" smtClean="0">
+                <a:solidFill>
+                  <a:srgbClr val="FF0000"/>
+                </a:solidFill>
+              </a:rPr>
+              <a:t>10</a:t>
+            </a:r>
+            <a:r>
+              <a:rPr lang="zh-CN" altLang="en-US" dirty="0" smtClean="0">
+                <a:solidFill>
+                  <a:srgbClr val="FF0000"/>
+                </a:solidFill>
+              </a:rPr>
+              <a:t>章节 </a:t>
+            </a:r>
+            <a:r>
+              <a:rPr lang="en-US" altLang="zh-CN" dirty="0"/>
+              <a:t>RDB </a:t>
+            </a:r>
+            <a:r>
+              <a:rPr lang="zh-CN" altLang="en-US" dirty="0"/>
+              <a:t>持久</a:t>
+            </a:r>
+            <a:r>
+              <a:rPr lang="zh-CN" altLang="en-US" dirty="0" smtClean="0"/>
+              <a:t>化，第</a:t>
+            </a:r>
+            <a:r>
+              <a:rPr lang="en-US" altLang="zh-CN" dirty="0" smtClean="0"/>
+              <a:t>11</a:t>
+            </a:r>
+            <a:r>
+              <a:rPr lang="zh-CN" altLang="en-US" dirty="0" smtClean="0"/>
+              <a:t>章节 </a:t>
+            </a:r>
+            <a:r>
+              <a:rPr lang="en-US" altLang="zh-CN" dirty="0"/>
+              <a:t>AOF </a:t>
+            </a:r>
+            <a:r>
+              <a:rPr lang="zh-CN" altLang="en-US" dirty="0"/>
+              <a:t>持久</a:t>
+            </a:r>
+            <a:r>
+              <a:rPr lang="zh-CN" altLang="en-US" dirty="0" smtClean="0"/>
+              <a:t>化</a:t>
+            </a:r>
+            <a:endParaRPr lang="en-US" altLang="zh-CN" dirty="0">
+              <a:solidFill>
+                <a:srgbClr val="FF0000"/>
+              </a:solidFill>
+            </a:endParaRPr>
+          </a:p>
+          <a:p>
+            <a:r>
+              <a:rPr lang="en-US" altLang="zh-CN" dirty="0">
+                <a:solidFill>
+                  <a:srgbClr val="FF0000"/>
+                </a:solidFill>
+              </a:rPr>
+              <a:t> </a:t>
+            </a:r>
+            <a:r>
+              <a:rPr lang="en-US" altLang="zh-CN" dirty="0" smtClean="0">
+                <a:solidFill>
+                  <a:srgbClr val="FF0000"/>
+                </a:solidFill>
+              </a:rPr>
+              <a:t>coding</a:t>
+            </a:r>
+            <a:r>
+              <a:rPr lang="zh-CN" altLang="en-US" dirty="0" smtClean="0">
+                <a:solidFill>
+                  <a:srgbClr val="FF0000"/>
+                </a:solidFill>
+              </a:rPr>
+              <a:t>：</a:t>
+            </a:r>
+            <a:r>
+              <a:rPr lang="en-US" altLang="zh-CN" dirty="0" err="1" smtClean="0">
+                <a:solidFill>
+                  <a:srgbClr val="FF0000"/>
+                </a:solidFill>
+              </a:rPr>
+              <a:t>rdbSaveBackground</a:t>
+            </a:r>
+            <a:r>
+              <a:rPr lang="en-US" altLang="zh-CN" dirty="0" smtClean="0">
+                <a:solidFill>
+                  <a:srgbClr val="FF0000"/>
+                </a:solidFill>
+              </a:rPr>
+              <a:t> </a:t>
+            </a:r>
+            <a:r>
+              <a:rPr lang="zh-CN" altLang="en-US" dirty="0" smtClean="0">
+                <a:solidFill>
+                  <a:srgbClr val="FF0000"/>
+                </a:solidFill>
+              </a:rPr>
+              <a:t> </a:t>
+            </a:r>
+            <a:r>
+              <a:rPr lang="en-US" altLang="zh-CN" dirty="0" err="1">
+                <a:solidFill>
+                  <a:srgbClr val="FF0000"/>
+                </a:solidFill>
+              </a:rPr>
+              <a:t>rdbSaveObject</a:t>
+            </a:r>
+            <a:endParaRPr lang="en-US" altLang="zh-CN" b="1" dirty="0" smtClean="0"/>
+          </a:p>
+          <a:p>
+            <a:pPr marL="0" indent="0">
+              <a:buNone/>
+            </a:pPr>
+            <a:r>
+              <a:rPr lang="en-US" altLang="zh-CN" b="1" dirty="0" smtClean="0"/>
+              <a:t>#</a:t>
+            </a:r>
+            <a:r>
+              <a:rPr lang="zh-CN" altLang="en-US" b="1" dirty="0"/>
+              <a:t>陈咬金第二斧 </a:t>
+            </a:r>
+            <a:r>
+              <a:rPr lang="zh-CN" altLang="en-US" b="1" dirty="0" smtClean="0"/>
+              <a:t>：实际操作中最关心的一个？不知道根本无法操作</a:t>
+            </a:r>
+            <a:endParaRPr lang="en-US" altLang="zh-CN" b="1" dirty="0" smtClean="0"/>
+          </a:p>
+          <a:p>
+            <a:pPr>
+              <a:buFontTx/>
+              <a:buChar char="-"/>
+            </a:pPr>
+            <a:r>
+              <a:rPr lang="en-US" altLang="zh-CN" dirty="0"/>
+              <a:t>Redis </a:t>
+            </a:r>
+            <a:r>
+              <a:rPr lang="zh-CN" altLang="en-US" dirty="0"/>
+              <a:t>服务器保存和载入 </a:t>
+            </a:r>
+            <a:r>
+              <a:rPr lang="en-US" altLang="zh-CN" dirty="0"/>
+              <a:t>RDB </a:t>
+            </a:r>
+            <a:r>
+              <a:rPr lang="zh-CN" altLang="en-US" dirty="0"/>
+              <a:t>文件的方</a:t>
+            </a:r>
+            <a:r>
+              <a:rPr lang="zh-CN" altLang="en-US" dirty="0" smtClean="0"/>
+              <a:t>法</a:t>
+            </a:r>
+            <a:endParaRPr lang="en-US" altLang="zh-CN" dirty="0" smtClean="0"/>
+          </a:p>
+          <a:p>
+            <a:pPr>
+              <a:buFontTx/>
+              <a:buChar char="-"/>
+            </a:pPr>
+            <a:r>
+              <a:rPr lang="zh-CN" altLang="en-US" dirty="0" smtClean="0"/>
+              <a:t>不同类型不同编码是如何存储的。</a:t>
+            </a:r>
+            <a:endParaRPr lang="en-US" altLang="zh-CN" dirty="0"/>
+          </a:p>
+          <a:p>
+            <a:pPr>
+              <a:buFontTx/>
+              <a:buChar char="-"/>
+            </a:pPr>
+            <a:endParaRPr lang="zh-CN" altLang="en-US" b="1" dirty="0"/>
+          </a:p>
+          <a:p>
+            <a:pPr marL="0" indent="0">
+              <a:buNone/>
+            </a:pPr>
+            <a:r>
+              <a:rPr lang="en-US" altLang="zh-CN" dirty="0" smtClean="0"/>
+              <a:t># </a:t>
+            </a:r>
+            <a:r>
+              <a:rPr lang="zh-CN" altLang="en-US" dirty="0" smtClean="0"/>
+              <a:t>陈咬</a:t>
+            </a:r>
+            <a:r>
+              <a:rPr lang="zh-CN" altLang="en-US" dirty="0"/>
+              <a:t>金第三</a:t>
+            </a:r>
+            <a:r>
+              <a:rPr lang="zh-CN" altLang="en-US" dirty="0" smtClean="0"/>
+              <a:t>斧：解决了一个什么问题？最值得学习一点是，是你不清楚，不是别人。</a:t>
+            </a:r>
+            <a:endParaRPr lang="en-US" altLang="zh-CN" dirty="0"/>
+          </a:p>
+          <a:p>
+            <a:pPr marL="0" indent="0">
+              <a:buNone/>
+            </a:pPr>
+            <a:r>
+              <a:rPr lang="en-US" altLang="zh-CN" dirty="0" smtClean="0">
+                <a:solidFill>
+                  <a:srgbClr val="FF0000"/>
+                </a:solidFill>
+              </a:rPr>
+              <a:t>   </a:t>
+            </a:r>
+            <a:r>
+              <a:rPr lang="zh-CN" altLang="en-US" dirty="0" smtClean="0">
+                <a:solidFill>
+                  <a:srgbClr val="FF0000"/>
+                </a:solidFill>
+              </a:rPr>
+              <a:t>持久化过中，如果有新业务来怎么办？</a:t>
+            </a:r>
+            <a:endParaRPr lang="en-US" altLang="zh-CN" dirty="0" smtClean="0">
+              <a:solidFill>
+                <a:srgbClr val="FF0000"/>
+              </a:solidFill>
+            </a:endParaRPr>
+          </a:p>
+        </p:txBody>
+      </p:sp>
+      <p:sp>
+        <p:nvSpPr>
+          <p:cNvPr id="3" name="标题 2"/>
+          <p:cNvSpPr>
+            <a:spLocks noGrp="1"/>
+          </p:cNvSpPr>
+          <p:nvPr>
+            <p:ph type="title"/>
+          </p:nvPr>
+        </p:nvSpPr>
+        <p:spPr/>
+        <p:style>
+          <a:lnRef idx="2">
+            <a:schemeClr val="dk1">
+              <a:shade val="50000"/>
+            </a:schemeClr>
+          </a:lnRef>
+          <a:fillRef idx="1">
+            <a:schemeClr val="dk1"/>
+          </a:fillRef>
+          <a:effectRef idx="0">
+            <a:schemeClr val="dk1"/>
+          </a:effectRef>
+          <a:fontRef idx="minor">
+            <a:schemeClr val="lt1"/>
+          </a:fontRef>
+        </p:style>
+        <p:txBody>
+          <a:bodyPr>
+            <a:normAutofit/>
+          </a:bodyPr>
+          <a:lstStyle/>
+          <a:p>
+            <a:r>
+              <a:rPr lang="en-US" altLang="zh-CN" dirty="0" smtClean="0"/>
+              <a:t> </a:t>
+            </a:r>
+            <a:r>
+              <a:rPr lang="zh-CN" altLang="en-US" dirty="0" smtClean="0"/>
+              <a:t>第</a:t>
+            </a:r>
+            <a:r>
+              <a:rPr lang="zh-CN" altLang="en-US" dirty="0"/>
+              <a:t>四</a:t>
+            </a:r>
+            <a:r>
+              <a:rPr lang="zh-CN" altLang="en-US" dirty="0" smtClean="0"/>
+              <a:t>题：</a:t>
+            </a:r>
+            <a:r>
+              <a:rPr lang="en-US" altLang="zh-CN" dirty="0" smtClean="0"/>
+              <a:t>redis </a:t>
+            </a:r>
+            <a:r>
+              <a:rPr lang="zh-CN" altLang="en-US" dirty="0"/>
+              <a:t>如</a:t>
+            </a:r>
+            <a:r>
+              <a:rPr lang="zh-CN" altLang="en-US" dirty="0" smtClean="0"/>
+              <a:t>何持久化的</a:t>
+            </a:r>
+            <a:r>
+              <a:rPr lang="zh-CN" altLang="en-US" dirty="0" smtClean="0"/>
+              <a:t>？ </a:t>
+            </a:r>
+            <a:r>
+              <a:rPr lang="en-US" altLang="zh-CN" dirty="0"/>
+              <a:t>2020</a:t>
+            </a:r>
+            <a:r>
+              <a:rPr lang="zh-CN" altLang="en-US" dirty="0"/>
+              <a:t>年</a:t>
+            </a:r>
+            <a:r>
+              <a:rPr lang="en-US" altLang="zh-CN" dirty="0"/>
+              <a:t>2</a:t>
+            </a:r>
+            <a:r>
+              <a:rPr lang="zh-CN" altLang="en-US" dirty="0"/>
+              <a:t>月</a:t>
+            </a:r>
+            <a:r>
+              <a:rPr lang="en-US" altLang="zh-CN" smtClean="0"/>
+              <a:t>25</a:t>
+            </a:r>
+            <a:endParaRPr lang="zh-CN" altLang="en-US" dirty="0"/>
+          </a:p>
+        </p:txBody>
+      </p:sp>
+    </p:spTree>
+    <p:extLst>
+      <p:ext uri="{BB962C8B-B14F-4D97-AF65-F5344CB8AC3E}">
+        <p14:creationId xmlns:p14="http://schemas.microsoft.com/office/powerpoint/2010/main" val="3088158287"/>
+      </p:ext>
+    </p:extLst>
+  </p:cSld>
+  <p:clrMapOvr>
+    <a:masterClrMapping/>
+  </p:clrMapOvr>
+</p:sld>
+</file>
+
+<file path=ppt/slides/slide13.xml><?xml version="1.0" encoding="utf-8"?>
+<p:sld xmlns:a="http://schemas.openxmlformats.org/drawingml/2006/main" xmlns:r="http://schemas.openxmlformats.org/officeDocument/2006/relationships" xmlns:p="http://schemas.openxmlformats.org/presentationml/2006/main">
+  <p:cSld>
+    <p:spTree>
+      <p:nvGrpSpPr>
+        <p:cNvPr id="1" name=""/>
+        <p:cNvGrpSpPr/>
+        <p:nvPr/>
+      </p:nvGrpSpPr>
+      <p:grpSpPr>
+        <a:xfrm>
+          <a:off x="0" y="0"/>
+          <a:ext cx="0" cy="0"/>
+          <a:chOff x="0" y="0"/>
+          <a:chExt cx="0" cy="0"/>
+        </a:xfrm>
+      </p:grpSpPr>
+      <p:sp>
+        <p:nvSpPr>
+          <p:cNvPr id="2" name="内容占位符 1"/>
+          <p:cNvSpPr>
+            <a:spLocks noGrp="1"/>
+          </p:cNvSpPr>
+          <p:nvPr>
+            <p:ph idx="1"/>
+          </p:nvPr>
+        </p:nvSpPr>
+        <p:spPr/>
+        <p:txBody>
+          <a:bodyPr/>
+          <a:lstStyle/>
+          <a:p>
+            <a:pPr marL="0" indent="0">
+              <a:buNone/>
+            </a:pPr>
+            <a:r>
+              <a:rPr lang="en-US" altLang="zh-CN" dirty="0"/>
+              <a:t>#</a:t>
+            </a:r>
+            <a:r>
+              <a:rPr lang="zh-CN" altLang="en-US" dirty="0"/>
+              <a:t>陈咬金第一</a:t>
+            </a:r>
+            <a:r>
+              <a:rPr lang="zh-CN" altLang="en-US" dirty="0" smtClean="0"/>
+              <a:t>斧： </a:t>
+            </a:r>
+            <a:r>
+              <a:rPr lang="zh-CN" altLang="en-US" dirty="0"/>
+              <a:t>如何解</a:t>
+            </a:r>
+            <a:r>
+              <a:rPr lang="zh-CN" altLang="en-US" dirty="0" smtClean="0"/>
+              <a:t>决</a:t>
+            </a:r>
+            <a:endParaRPr lang="en-US" altLang="zh-CN" dirty="0" smtClean="0"/>
+          </a:p>
+          <a:p>
+            <a:pPr marL="0" indent="0">
+              <a:buNone/>
+            </a:pPr>
+            <a:r>
+              <a:rPr lang="en-US" altLang="zh-CN" dirty="0" smtClean="0">
+                <a:solidFill>
+                  <a:srgbClr val="FF0000"/>
+                </a:solidFill>
+              </a:rPr>
+              <a:t>    </a:t>
+            </a:r>
+            <a:r>
+              <a:rPr lang="zh-CN" altLang="en-US" dirty="0" smtClean="0">
+                <a:solidFill>
+                  <a:srgbClr val="FF0000"/>
+                </a:solidFill>
+              </a:rPr>
+              <a:t>阅读</a:t>
+            </a:r>
+            <a:r>
+              <a:rPr lang="en-US" altLang="zh-CN" dirty="0" smtClean="0">
+                <a:solidFill>
+                  <a:srgbClr val="FF0000"/>
+                </a:solidFill>
+              </a:rPr>
+              <a:t>redis</a:t>
+            </a:r>
+            <a:r>
+              <a:rPr lang="zh-CN" altLang="en-US" dirty="0" smtClean="0">
+                <a:solidFill>
+                  <a:srgbClr val="FF0000"/>
+                </a:solidFill>
+              </a:rPr>
+              <a:t>设计第</a:t>
+            </a:r>
+            <a:r>
+              <a:rPr lang="en-US" altLang="zh-CN" dirty="0" smtClean="0">
+                <a:solidFill>
+                  <a:srgbClr val="FF0000"/>
+                </a:solidFill>
+              </a:rPr>
+              <a:t>15</a:t>
+            </a:r>
+            <a:r>
+              <a:rPr lang="zh-CN" altLang="en-US" dirty="0" smtClean="0">
+                <a:solidFill>
+                  <a:srgbClr val="FF0000"/>
+                </a:solidFill>
+              </a:rPr>
+              <a:t>章节 和</a:t>
+            </a:r>
+            <a:r>
+              <a:rPr lang="en-US" altLang="zh-CN" dirty="0" smtClean="0">
+                <a:solidFill>
+                  <a:srgbClr val="FF0000"/>
+                </a:solidFill>
+              </a:rPr>
+              <a:t>xx</a:t>
+            </a:r>
+            <a:r>
+              <a:rPr lang="zh-CN" altLang="en-US" dirty="0" smtClean="0">
+                <a:solidFill>
+                  <a:srgbClr val="FF0000"/>
+                </a:solidFill>
+              </a:rPr>
+              <a:t>文件</a:t>
+            </a:r>
+            <a:endParaRPr lang="en-US" altLang="zh-CN" dirty="0" smtClean="0">
+              <a:solidFill>
+                <a:srgbClr val="FF0000"/>
+              </a:solidFill>
+            </a:endParaRPr>
+          </a:p>
+          <a:p>
+            <a:pPr marL="0" indent="0">
+              <a:buNone/>
+            </a:pPr>
+            <a:endParaRPr lang="en-US" altLang="zh-CN" b="1" dirty="0" smtClean="0"/>
+          </a:p>
+          <a:p>
+            <a:pPr marL="0" indent="0">
+              <a:buNone/>
+            </a:pPr>
+            <a:r>
+              <a:rPr lang="en-US" altLang="zh-CN" b="1" dirty="0" smtClean="0"/>
+              <a:t>#</a:t>
+            </a:r>
+            <a:r>
+              <a:rPr lang="zh-CN" altLang="en-US" b="1" dirty="0"/>
+              <a:t>陈咬金第二斧 </a:t>
+            </a:r>
+            <a:r>
+              <a:rPr lang="zh-CN" altLang="en-US" b="1" dirty="0" smtClean="0"/>
+              <a:t>：流程图是什么</a:t>
+            </a:r>
+            <a:endParaRPr lang="en-US" altLang="zh-CN" b="1" dirty="0"/>
+          </a:p>
+          <a:p>
+            <a:pPr marL="0" indent="0">
+              <a:buNone/>
+            </a:pPr>
+            <a:endParaRPr lang="zh-CN" altLang="en-US" b="1" dirty="0"/>
+          </a:p>
+          <a:p>
+            <a:pPr marL="0" indent="0">
+              <a:buNone/>
+            </a:pPr>
+            <a:r>
+              <a:rPr lang="en-US" altLang="zh-CN" dirty="0"/>
+              <a:t>#</a:t>
+            </a:r>
+            <a:r>
+              <a:rPr lang="zh-CN" altLang="en-US" dirty="0" smtClean="0"/>
+              <a:t>陈咬</a:t>
+            </a:r>
+            <a:r>
+              <a:rPr lang="zh-CN" altLang="en-US" dirty="0"/>
+              <a:t>金第三</a:t>
+            </a:r>
+            <a:r>
+              <a:rPr lang="zh-CN" altLang="en-US" dirty="0" smtClean="0"/>
+              <a:t>斧：最值得你学习地方一点是</a:t>
+            </a:r>
+            <a:endParaRPr lang="en-US" altLang="zh-CN" dirty="0" smtClean="0"/>
+          </a:p>
+        </p:txBody>
+      </p:sp>
+      <p:sp>
+        <p:nvSpPr>
+          <p:cNvPr id="3" name="标题 2"/>
+          <p:cNvSpPr>
+            <a:spLocks noGrp="1"/>
+          </p:cNvSpPr>
+          <p:nvPr>
+            <p:ph type="title"/>
+          </p:nvPr>
+        </p:nvSpPr>
+        <p:spPr/>
+        <p:txBody>
+          <a:bodyPr/>
+          <a:lstStyle/>
+          <a:p>
+            <a:r>
+              <a:rPr lang="en-US" altLang="zh-CN" dirty="0" smtClean="0"/>
+              <a:t> </a:t>
+            </a:r>
+            <a:r>
+              <a:rPr lang="zh-CN" altLang="en-US" dirty="0" smtClean="0"/>
+              <a:t>第五题：</a:t>
+            </a:r>
+            <a:r>
+              <a:rPr lang="en-US" altLang="zh-CN" dirty="0" smtClean="0"/>
+              <a:t>redis </a:t>
+            </a:r>
+            <a:r>
+              <a:rPr lang="zh-CN" altLang="en-US" dirty="0" smtClean="0"/>
+              <a:t>主备</a:t>
+            </a:r>
+            <a:r>
+              <a:rPr lang="en-US" altLang="zh-CN" b="1" dirty="0"/>
+              <a:t> </a:t>
+            </a:r>
+            <a:r>
+              <a:rPr lang="zh-CN" altLang="en-US" dirty="0" smtClean="0"/>
+              <a:t>复制流程是什么？</a:t>
+            </a:r>
+            <a:endParaRPr lang="zh-CN" altLang="en-US" dirty="0"/>
+          </a:p>
+        </p:txBody>
+      </p:sp>
+    </p:spTree>
+    <p:extLst>
+      <p:ext uri="{BB962C8B-B14F-4D97-AF65-F5344CB8AC3E}">
+        <p14:creationId xmlns:p14="http://schemas.microsoft.com/office/powerpoint/2010/main" val="3435373313"/>
+      </p:ext>
+    </p:extLst>
+  </p:cSld>
+  <p:clrMapOvr>
+    <a:masterClrMapping/>
+  </p:clrMapOvr>
+</p:sld>
+</file>
+
+<file path=ppt/slides/slide14.xml><?xml version="1.0" encoding="utf-8"?>
+<p:sld xmlns:a="http://schemas.openxmlformats.org/drawingml/2006/main" xmlns:r="http://schemas.openxmlformats.org/officeDocument/2006/relationships" xmlns:p="http://schemas.openxmlformats.org/presentationml/2006/main">
+  <p:cSld>
+    <p:spTree>
+      <p:nvGrpSpPr>
+        <p:cNvPr id="1" name=""/>
+        <p:cNvGrpSpPr/>
+        <p:nvPr/>
+      </p:nvGrpSpPr>
+      <p:grpSpPr>
+        <a:xfrm>
+          <a:off x="0" y="0"/>
+          <a:ext cx="0" cy="0"/>
+          <a:chOff x="0" y="0"/>
+          <a:chExt cx="0" cy="0"/>
+        </a:xfrm>
+      </p:grpSpPr>
+      <p:sp>
+        <p:nvSpPr>
           <p:cNvPr id="2" name="文本占位符 1"/>
           <p:cNvSpPr>
             <a:spLocks noGrp="1"/>
@@ -4865,7 +5842,7 @@
           <p:nvPr/>
         </p:nvPicPr>
         <p:blipFill>
-          <a:blip r:embed="rId1">
+          <a:blip r:embed="rId2">
             <a:extLst>
               <a:ext uri="{28A0092B-C50C-407E-A947-70E740481C1C}">
                 <a14:useLocalDpi xmlns:a14="http://schemas.microsoft.com/office/drawing/2010/main" val="0"/>
@@ -4981,7 +5958,6 @@
               <a:rPr lang="en-US" dirty="0" smtClean="0"/>
               <a:t>)</a:t>
             </a:r>
-            <a:endParaRPr lang="en-US" dirty="0" smtClean="0"/>
           </a:p>
           <a:p>
             <a:pPr>
@@ -5044,7 +6020,6 @@
               <a:rPr lang="en-US" dirty="0"/>
               <a:t>state machine</a:t>
             </a:r>
-            <a:endParaRPr lang="en-US" dirty="0"/>
           </a:p>
           <a:p>
             <a:pPr>
@@ -5170,7 +6145,7 @@
           <p:nvPr/>
         </p:nvPicPr>
         <p:blipFill>
-          <a:blip r:embed="rId1"/>
+          <a:blip r:embed="rId3"/>
           <a:srcRect/>
           <a:stretch>
             <a:fillRect/>
@@ -5192,11 +6167,11 @@
   <p:clrMapOvr>
     <a:masterClrMapping/>
   </p:clrMapOvr>
-  <mc:AlternateContent xmlns:mc="http://schemas.openxmlformats.org/markup-compatibility/2006">
-    <mc:Choice xmlns:p14="http://schemas.microsoft.com/office/powerpoint/2010/main" Requires="p14">
+  <mc:AlternateContent xmlns:mc="http://schemas.openxmlformats.org/markup-compatibility/2006" xmlns:p14="http://schemas.microsoft.com/office/powerpoint/2010/main">
+    <mc:Choice Requires="p14">
       <p:transition spd="slow" p14:dur="2000"/>
     </mc:Choice>
-    <mc:Fallback>
+    <mc:Fallback xmlns="">
       <p:transition spd="slow"/>
     </mc:Fallback>
   </mc:AlternateContent>
@@ -5252,9 +6227,17 @@
               <a:rPr lang="en-US" dirty="0" err="1" smtClean="0"/>
               <a:t>JedisCluster</a:t>
             </a:r>
+            <a:r>
+              <a:rPr lang="en-US" dirty="0" smtClean="0"/>
+              <a:t/>
+            </a:r>
             <a:br>
               <a:rPr lang="en-US" dirty="0" smtClean="0"/>
             </a:br>
+            <a:r>
+              <a:rPr lang="en-US" altLang="zh-CN" dirty="0" smtClean="0"/>
+              <a:t/>
+            </a:r>
             <a:br>
               <a:rPr lang="en-US" altLang="zh-CN" dirty="0" smtClean="0"/>
             </a:br>
@@ -5273,7 +6256,7 @@
           </p:nvPr>
         </p:nvPicPr>
         <p:blipFill>
-          <a:blip r:embed="rId1"/>
+          <a:blip r:embed="rId3"/>
           <a:srcRect/>
           <a:stretch>
             <a:fillRect/>
@@ -5306,7 +6289,7 @@
           <p:nvPr/>
         </p:nvPicPr>
         <p:blipFill>
-          <a:blip r:embed="rId2"/>
+          <a:blip r:embed="rId4"/>
           <a:srcRect/>
           <a:stretch>
             <a:fillRect/>
@@ -5335,11 +6318,11 @@
   <p:clrMapOvr>
     <a:masterClrMapping/>
   </p:clrMapOvr>
-  <mc:AlternateContent xmlns:mc="http://schemas.openxmlformats.org/markup-compatibility/2006">
-    <mc:Choice xmlns:p14="http://schemas.microsoft.com/office/powerpoint/2010/main" Requires="p14">
+  <mc:AlternateContent xmlns:mc="http://schemas.openxmlformats.org/markup-compatibility/2006" xmlns:p14="http://schemas.microsoft.com/office/powerpoint/2010/main">
+    <mc:Choice Requires="p14">
       <p:transition spd="slow" p14:dur="2000"/>
     </mc:Choice>
-    <mc:Fallback>
+    <mc:Fallback xmlns="">
       <p:transition spd="slow"/>
     </mc:Fallback>
   </mc:AlternateContent>
@@ -5417,7 +6400,7 @@
           <p:nvPr/>
         </p:nvPicPr>
         <p:blipFill>
-          <a:blip r:embed="rId1"/>
+          <a:blip r:embed="rId3"/>
           <a:srcRect/>
           <a:stretch>
             <a:fillRect/>
@@ -5450,7 +6433,7 @@
           <p:nvPr/>
         </p:nvPicPr>
         <p:blipFill>
-          <a:blip r:embed="rId2"/>
+          <a:blip r:embed="rId4"/>
           <a:srcRect/>
           <a:stretch>
             <a:fillRect/>
@@ -5479,11 +6462,11 @@
   <p:clrMapOvr>
     <a:masterClrMapping/>
   </p:clrMapOvr>
-  <mc:AlternateContent xmlns:mc="http://schemas.openxmlformats.org/markup-compatibility/2006">
-    <mc:Choice xmlns:p14="http://schemas.microsoft.com/office/powerpoint/2010/main" Requires="p14">
+  <mc:AlternateContent xmlns:mc="http://schemas.openxmlformats.org/markup-compatibility/2006" xmlns:p14="http://schemas.microsoft.com/office/powerpoint/2010/main">
+    <mc:Choice Requires="p14">
       <p:transition spd="slow" p14:dur="2000"/>
     </mc:Choice>
-    <mc:Fallback>
+    <mc:Fallback xmlns="">
       <p:transition spd="slow"/>
     </mc:Fallback>
   </mc:AlternateContent>
@@ -5526,13 +6509,13 @@
           <a:p>
             <a:r>
               <a:rPr lang="en-US" dirty="0">
-                <a:hlinkClick r:id="rId1"/>
+                <a:hlinkClick r:id="rId3"/>
               </a:rPr>
               <a:t>https://raft.github.io</a:t>
             </a:r>
             <a:r>
               <a:rPr lang="en-US" dirty="0" smtClean="0">
-                <a:hlinkClick r:id="rId1"/>
+                <a:hlinkClick r:id="rId3"/>
               </a:rPr>
               <a:t>/</a:t>
             </a:r>
@@ -5561,6 +6544,19 @@
                 </a:solidFill>
               </a:rPr>
               <a:t>5.2</a:t>
+            </a:r>
+          </a:p>
+          <a:p>
+            <a:pPr>
+              <a:buAutoNum type="arabicPeriod"/>
+            </a:pPr>
+            <a:r>
+              <a:rPr dirty="0" smtClean="0">
+                <a:solidFill>
+                  <a:srgbClr val="FF0000"/>
+                </a:solidFill>
+              </a:rPr>
+              <a:t>任期号为王，任期异常覆盖日志情况不考虑 （什么网络分区舍去 正常如何）</a:t>
             </a:r>
             <a:endParaRPr lang="en-US" dirty="0" smtClean="0">
               <a:solidFill>
@@ -5573,12 +6569,52 @@
               <a:buAutoNum type="arabicPeriod"/>
             </a:pPr>
             <a:r>
+              <a:rPr lang="en-US" dirty="0" smtClean="0">
+                <a:solidFill>
+                  <a:srgbClr val="FF0000"/>
+                </a:solidFill>
+              </a:rPr>
+              <a:t>2</a:t>
+            </a:r>
+            <a:r>
               <a:rPr dirty="0" smtClean="0">
                 <a:solidFill>
                   <a:srgbClr val="FF0000"/>
                 </a:solidFill>
               </a:rPr>
-              <a:t>任期号为王，任期异常覆盖日志情况不考虑 （什么网络分区舍去 正常如何）</a:t>
+              <a:t>个候选人无限重复选举</a:t>
+            </a:r>
+            <a:r>
+              <a:rPr lang="en-US" altLang="zh-CN" dirty="0" smtClean="0">
+                <a:solidFill>
+                  <a:srgbClr val="FF0000"/>
+                </a:solidFill>
+              </a:rPr>
+              <a:t>split</a:t>
+            </a:r>
+            <a:r>
+              <a:rPr dirty="0" smtClean="0">
+                <a:solidFill>
+                  <a:srgbClr val="FF0000"/>
+                </a:solidFill>
+              </a:rPr>
+              <a:t>一样的（</a:t>
+            </a:r>
+            <a:r>
+              <a:rPr dirty="0">
+                <a:solidFill>
+                  <a:srgbClr val="FF0000"/>
+                </a:solidFill>
+              </a:rPr>
+              <a:t>什么网络分区舍去 正常如何</a:t>
+            </a:r>
+            <a:r>
+              <a:rPr dirty="0" smtClean="0">
+                <a:solidFill>
+                  <a:srgbClr val="FF0000"/>
+                </a:solidFill>
+              </a:rPr>
+              <a:t>）</a:t>
             </a:r>
             <a:endParaRPr lang="en-US" dirty="0" smtClean="0">
               <a:solidFill>
@@ -5588,157 +6624,102 @@
           </a:p>
           <a:p>
             <a:pPr>
-              <a:buAutoNum type="arabicPeriod"/>
+              <a:buNone/>
             </a:pPr>
             <a:r>
+              <a:rPr lang="en-US" dirty="0">
+                <a:solidFill>
+                  <a:srgbClr val="FF0000"/>
+                </a:solidFill>
+              </a:rPr>
+              <a:t> </a:t>
+            </a:r>
+          </a:p>
+          <a:p>
+            <a:r>
+              <a:rPr dirty="0">
+                <a:solidFill>
+                  <a:srgbClr val="FF0000"/>
+                </a:solidFill>
+              </a:rPr>
+              <a:t>看懂</a:t>
+            </a:r>
+            <a:r>
+              <a:rPr lang="en-US" dirty="0"/>
+              <a:t>Figure </a:t>
+            </a:r>
+            <a:r>
+              <a:rPr lang="en-US" dirty="0" smtClean="0"/>
+              <a:t>1 2 4 </a:t>
+            </a:r>
+            <a:r>
+              <a:rPr dirty="0" smtClean="0"/>
+              <a:t>举例</a:t>
+            </a:r>
+            <a:endParaRPr lang="en-US" dirty="0" smtClean="0"/>
+          </a:p>
+          <a:p>
+            <a:r>
+              <a:rPr lang="en-US" altLang="zh-CN" dirty="0" smtClean="0"/>
+              <a:t>Raft </a:t>
+            </a:r>
+            <a:r>
+              <a:rPr dirty="0" smtClean="0"/>
+              <a:t>一共</a:t>
+            </a:r>
+            <a:r>
               <a:rPr lang="en-US" dirty="0" smtClean="0">
                 <a:solidFill>
                   <a:srgbClr val="FF0000"/>
                 </a:solidFill>
               </a:rPr>
+              <a:t>18</a:t>
+            </a:r>
+            <a:r>
+              <a:rPr dirty="0" smtClean="0">
+                <a:solidFill>
+                  <a:srgbClr val="FF0000"/>
+                </a:solidFill>
+              </a:rPr>
+              <a:t>个视频</a:t>
+            </a:r>
+            <a:r>
+              <a:rPr dirty="0" smtClean="0"/>
+              <a:t>，全部看完 </a:t>
+            </a:r>
+            <a:r>
+              <a:rPr lang="en-US" dirty="0" smtClean="0"/>
+              <a:t> </a:t>
+            </a:r>
+            <a:r>
+              <a:rPr dirty="0" smtClean="0"/>
+              <a:t>（</a:t>
+            </a:r>
+            <a:r>
+              <a:rPr lang="en-US" dirty="0" smtClean="0"/>
               <a:t>2</a:t>
             </a:r>
             <a:r>
-              <a:rPr dirty="0" smtClean="0">
-                <a:solidFill>
-                  <a:srgbClr val="FF0000"/>
-                </a:solidFill>
-              </a:rPr>
-              <a:t>个候选人无限重复选举</a:t>
-            </a:r>
-            <a:r>
-              <a:rPr lang="en-US" altLang="zh-CN" dirty="0" smtClean="0">
-                <a:solidFill>
-                  <a:srgbClr val="FF0000"/>
-                </a:solidFill>
-              </a:rPr>
-              <a:t>split</a:t>
-            </a:r>
-            <a:r>
-              <a:rPr dirty="0" smtClean="0">
-                <a:solidFill>
-                  <a:srgbClr val="FF0000"/>
-                </a:solidFill>
-              </a:rPr>
-              <a:t>一样的（</a:t>
-            </a:r>
-            <a:r>
-              <a:rPr dirty="0">
-                <a:solidFill>
-                  <a:srgbClr val="FF0000"/>
-                </a:solidFill>
-              </a:rPr>
-              <a:t>什么网络分区舍去 正常如何</a:t>
-            </a:r>
-            <a:r>
-              <a:rPr dirty="0" smtClean="0">
-                <a:solidFill>
-                  <a:srgbClr val="FF0000"/>
-                </a:solidFill>
-              </a:rPr>
+              <a:rPr dirty="0" smtClean="0"/>
               <a:t>）</a:t>
             </a:r>
-            <a:endParaRPr lang="en-US" dirty="0" smtClean="0">
-              <a:solidFill>
-                <a:srgbClr val="FF0000"/>
-              </a:solidFill>
-            </a:endParaRPr>
+            <a:endParaRPr lang="en-US" dirty="0" smtClean="0"/>
           </a:p>
           <a:p>
             <a:pPr>
               <a:buNone/>
             </a:pPr>
             <a:r>
-              <a:rPr lang="en-US" dirty="0">
-                <a:solidFill>
-                  <a:srgbClr val="FF0000"/>
-                </a:solidFill>
-              </a:rPr>
-              <a:t> </a:t>
-            </a:r>
-            <a:endParaRPr lang="en-US" dirty="0">
-              <a:solidFill>
-                <a:srgbClr val="FF0000"/>
-              </a:solidFill>
-            </a:endParaRPr>
-          </a:p>
-          <a:p>
-            <a:r>
-              <a:rPr dirty="0">
-                <a:solidFill>
-                  <a:srgbClr val="FF0000"/>
-                </a:solidFill>
-              </a:rPr>
-              <a:t>看懂</a:t>
-            </a:r>
-            <a:r>
               <a:rPr lang="en-US" dirty="0"/>
-              <a:t>Figure </a:t>
-            </a:r>
-            <a:r>
-              <a:rPr lang="en-US" dirty="0" smtClean="0"/>
-              <a:t>1 2 4 </a:t>
-            </a:r>
-            <a:r>
-              <a:rPr dirty="0" smtClean="0"/>
-              <a:t>举例</a:t>
-            </a:r>
-            <a:endParaRPr lang="en-US" dirty="0" smtClean="0"/>
-          </a:p>
-          <a:p>
-            <a:r>
-              <a:rPr lang="en-US" altLang="zh-CN" dirty="0" smtClean="0"/>
-              <a:t>Raft </a:t>
-            </a:r>
-            <a:r>
-              <a:rPr dirty="0" smtClean="0"/>
-              <a:t>一共</a:t>
-            </a:r>
-            <a:r>
-              <a:rPr lang="en-US" dirty="0" smtClean="0">
-                <a:solidFill>
-                  <a:srgbClr val="FF0000"/>
-                </a:solidFill>
-              </a:rPr>
-              <a:t>18</a:t>
-            </a:r>
-            <a:r>
-              <a:rPr dirty="0" smtClean="0">
-                <a:solidFill>
-                  <a:srgbClr val="FF0000"/>
-                </a:solidFill>
-              </a:rPr>
-              <a:t>个视频</a:t>
-            </a:r>
-            <a:r>
-              <a:rPr dirty="0" smtClean="0"/>
-              <a:t>，全部看完 </a:t>
-            </a:r>
-            <a:r>
-              <a:rPr lang="en-US" dirty="0" smtClean="0"/>
-              <a:t> </a:t>
-            </a:r>
-            <a:r>
-              <a:rPr dirty="0" smtClean="0"/>
-              <a:t>（</a:t>
-            </a:r>
-            <a:r>
-              <a:rPr lang="en-US" dirty="0" smtClean="0"/>
-              <a:t>2</a:t>
-            </a:r>
-            <a:r>
-              <a:rPr dirty="0" smtClean="0"/>
-              <a:t>）</a:t>
-            </a:r>
-            <a:endParaRPr lang="en-US" dirty="0" smtClean="0"/>
-          </a:p>
-          <a:p>
-            <a:pPr>
-              <a:buNone/>
-            </a:pPr>
+              <a:t/>
+            </a:r>
             <a:br>
               <a:rPr lang="en-US" dirty="0"/>
             </a:br>
+            <a:r>
+              <a:rPr lang="en-US" dirty="0"/>
+              <a:t/>
+            </a:r>
             <a:br>
               <a:rPr lang="en-US" dirty="0"/>
             </a:br>
@@ -5774,11 +6755,11 @@
   <p:clrMapOvr>
     <a:masterClrMapping/>
   </p:clrMapOvr>
-  <mc:AlternateContent xmlns:mc="http://schemas.openxmlformats.org/markup-compatibility/2006">
-    <mc:Choice xmlns:p14="http://schemas.microsoft.com/office/powerpoint/2010/main" Requires="p14">
+  <mc:AlternateContent xmlns:mc="http://schemas.openxmlformats.org/markup-compatibility/2006" xmlns:p14="http://schemas.microsoft.com/office/powerpoint/2010/main">
+    <mc:Choice Requires="p14">
       <p:transition spd="slow" p14:dur="2000"/>
     </mc:Choice>
-    <mc:Fallback>
+    <mc:Fallback xmlns="">
       <p:transition spd="slow"/>
     </mc:Fallback>
   </mc:AlternateContent>
@@ -5873,13 +6854,13 @@
           <a:p>
             <a:r>
               <a:rPr lang="en-US" dirty="0">
-                <a:hlinkClick r:id="rId1"/>
+                <a:hlinkClick r:id="rId3"/>
               </a:rPr>
               <a:t>https://raft.github.io</a:t>
             </a:r>
             <a:r>
               <a:rPr lang="en-US" dirty="0" smtClean="0">
-                <a:hlinkClick r:id="rId1"/>
+                <a:hlinkClick r:id="rId3"/>
               </a:rPr>
               <a:t>/</a:t>
             </a:r>
@@ -5898,6 +6879,10 @@
             <a:r>
               <a:rPr lang="en-US" dirty="0" smtClean="0"/>
               <a:t> </a:t>
+            </a:r>
+            <a:r>
+              <a:rPr lang="en-US" dirty="0"/>
+              <a:t/>
             </a:r>
             <a:br>
               <a:rPr lang="en-US" dirty="0"/>
@@ -5938,7 +6923,7 @@
           <p:nvPr/>
         </p:nvPicPr>
         <p:blipFill>
-          <a:blip r:embed="rId2"/>
+          <a:blip r:embed="rId4"/>
           <a:srcRect/>
           <a:stretch>
             <a:fillRect/>
@@ -5967,11 +6952,11 @@
   <p:clrMapOvr>
     <a:masterClrMapping/>
   </p:clrMapOvr>
-  <mc:AlternateContent xmlns:mc="http://schemas.openxmlformats.org/markup-compatibility/2006">
-    <mc:Choice xmlns:p14="http://schemas.microsoft.com/office/powerpoint/2010/main" Requires="p14">
+  <mc:AlternateContent xmlns:mc="http://schemas.openxmlformats.org/markup-compatibility/2006" xmlns:p14="http://schemas.microsoft.com/office/powerpoint/2010/main">
+    <mc:Choice Requires="p14">
       <p:transition spd="slow" p14:dur="2000"/>
     </mc:Choice>
-    <mc:Fallback>
+    <mc:Fallback xmlns="">
       <p:transition spd="slow"/>
     </mc:Fallback>
   </mc:AlternateContent>
@@ -6034,7 +7019,6 @@
               <a:rPr lang="en-US" altLang="en-US" dirty="0" smtClean="0"/>
               <a:t>)</a:t>
             </a:r>
-            <a:endParaRPr lang="en-US" altLang="en-US" dirty="0" smtClean="0"/>
           </a:p>
           <a:p>
             <a:r>
@@ -6102,7 +7086,6 @@
               <a:rPr lang="en-US" dirty="0" smtClean="0"/>
               <a:t>)</a:t>
             </a:r>
-            <a:endParaRPr lang="en-US" dirty="0" smtClean="0"/>
           </a:p>
           <a:p>
             <a:r>
@@ -6162,11 +7145,11 @@
   <p:clrMapOvr>
     <a:masterClrMapping/>
   </p:clrMapOvr>
-  <mc:AlternateContent xmlns:mc="http://schemas.openxmlformats.org/markup-compatibility/2006">
-    <mc:Choice xmlns:p14="http://schemas.microsoft.com/office/powerpoint/2010/main" Requires="p14">
+  <mc:AlternateContent xmlns:mc="http://schemas.openxmlformats.org/markup-compatibility/2006" xmlns:p14="http://schemas.microsoft.com/office/powerpoint/2010/main">
+    <mc:Choice Requires="p14">
       <p:transition spd="slow" p14:dur="2000"/>
     </mc:Choice>
-    <mc:Fallback>
+    <mc:Fallback xmlns="">
       <p:transition spd="slow"/>
     </mc:Fallback>
   </mc:AlternateContent>
@@ -6207,49 +7190,49 @@
           <a:p>
             <a:r>
               <a:rPr lang="en-US" altLang="zh-CN" dirty="0">
-                <a:hlinkClick r:id="rId1"/>
+                <a:hlinkClick r:id="rId3"/>
               </a:rPr>
               <a:t>https://</a:t>
             </a:r>
             <a:r>
               <a:rPr lang="en-US" altLang="zh-CN" dirty="0" err="1">
-                <a:hlinkClick r:id="rId1"/>
+                <a:hlinkClick r:id="rId3"/>
               </a:rPr>
               <a:t>wangcy6.github.io</a:t>
             </a:r>
             <a:r>
               <a:rPr lang="en-US" altLang="zh-CN" dirty="0">
-                <a:hlinkClick r:id="rId1"/>
+                <a:hlinkClick r:id="rId3"/>
               </a:rPr>
               <a:t>/</a:t>
             </a:r>
             <a:r>
               <a:rPr lang="en-US" altLang="zh-CN" dirty="0">
-                <a:hlinkClick r:id="rId2"/>
+                <a:hlinkClick r:id="rId4"/>
               </a:rPr>
               <a:t>/post/</a:t>
             </a:r>
             <a:r>
               <a:rPr lang="en-US" altLang="zh-CN" dirty="0" err="1">
-                <a:hlinkClick r:id="rId2"/>
+                <a:hlinkClick r:id="rId4"/>
               </a:rPr>
               <a:t>DataBase</a:t>
             </a:r>
             <a:r>
               <a:rPr lang="en-US" altLang="zh-CN" dirty="0">
-                <a:hlinkClick r:id="rId2"/>
+                <a:hlinkClick r:id="rId4"/>
               </a:rPr>
               <a:t>/</a:t>
             </a:r>
             <a:r>
               <a:rPr lang="en-US" altLang="zh-CN" dirty="0" err="1">
-                <a:hlinkClick r:id="rId2"/>
+                <a:hlinkClick r:id="rId4"/>
               </a:rPr>
               <a:t>server_redis</a:t>
             </a:r>
             <a:r>
               <a:rPr lang="en-US" altLang="zh-CN" dirty="0" smtClean="0">
-                <a:hlinkClick r:id="rId2"/>
+                <a:hlinkClick r:id="rId4"/>
               </a:rPr>
               <a:t>/</a:t>
             </a:r>
@@ -6287,7 +7270,6 @@
               <a:rPr lang="en-US" altLang="zh-CN" dirty="0" smtClean="0"/>
               <a:t>-single-thread</a:t>
             </a:r>
-            <a:endParaRPr lang="en-US" altLang="zh-CN" dirty="0" smtClean="0"/>
           </a:p>
           <a:p>
             <a:pPr marL="0" indent="0">
@@ -6336,11 +7318,11 @@
   <p:clrMapOvr>
     <a:masterClrMapping/>
   </p:clrMapOvr>
-  <mc:AlternateContent xmlns:mc="http://schemas.openxmlformats.org/markup-compatibility/2006">
-    <mc:Choice xmlns:p14="http://schemas.microsoft.com/office/powerpoint/2010/main" Requires="p14">
+  <mc:AlternateContent xmlns:mc="http://schemas.openxmlformats.org/markup-compatibility/2006" xmlns:p14="http://schemas.microsoft.com/office/powerpoint/2010/main">
+    <mc:Choice Requires="p14">
       <p:transition spd="slow" p14:dur="2000"/>
     </mc:Choice>
-    <mc:Fallback>
+    <mc:Fallback xmlns="">
       <p:transition spd="slow"/>
     </mc:Fallback>
   </mc:AlternateContent>
@@ -6362,7 +7344,7 @@
         <a:sysClr val="windowText" lastClr="000000"/>
       </a:dk1>
       <a:lt1>
-        <a:sysClr val="window" lastClr="FFFFFF"/>
+        <a:sysClr val="window" lastClr="CCE8CF"/>
       </a:lt1>
       <a:dk2>
         <a:srgbClr val="1F497D"/>
@@ -6683,9 +7665,10 @@
       </a:style>
     </a:spDef>
   </a:objectDefaults>
+  <a:extraClrSchemeLst/>
   <a:extLst>
     <a:ext uri="{05A4C25C-085E-4340-85A3-A5531E510DB2}">
-      <thm15:themeFamily xmlns:thm15="http://schemas.microsoft.com/office/thememl/2012/main" name="Office Theme" id="{62F939B6-93AF-4DB8-9C6B-D6C7DFDC589F}" vid="{4A3C46E8-61CC-4603-A589-7422A47A8E4A}"/>
+      <thm15:themeFamily xmlns="" xmlns:thm15="http://schemas.microsoft.com/office/thememl/2012/main" name="Office Theme" id="{62F939B6-93AF-4DB8-9C6B-D6C7DFDC589F}" vid="{4A3C46E8-61CC-4603-A589-7422A47A8E4A}"/>
     </a:ext>
   </a:extLst>
 </a:theme>
@@ -6699,7 +7682,7 @@
         <a:sysClr val="windowText" lastClr="000000"/>
       </a:dk1>
       <a:lt1>
-        <a:sysClr val="window" lastClr="FFFFFF"/>
+        <a:sysClr val="window" lastClr="CCE8CF"/>
       </a:lt1>
       <a:dk2>
         <a:srgbClr val="44546A"/>
@@ -6942,9 +7925,11 @@
       </a:bgFillStyleLst>
     </a:fmtScheme>
   </a:themeElements>
+  <a:objectDefaults/>
+  <a:extraClrSchemeLst/>
   <a:extLst>
     <a:ext uri="{05A4C25C-085E-4340-85A3-A5531E510DB2}">
-      <thm15:themeFamily xmlns:thm15="http://schemas.microsoft.com/office/thememl/2012/main" name="Office Theme" id="{62F939B6-93AF-4DB8-9C6B-D6C7DFDC589F}" vid="{4A3C46E8-61CC-4603-A589-7422A47A8E4A}"/>
+      <thm15:themeFamily xmlns="" xmlns:thm15="http://schemas.microsoft.com/office/thememl/2012/main" name="Office Theme" id="{62F939B6-93AF-4DB8-9C6B-D6C7DFDC589F}" vid="{4A3C46E8-61CC-4603-A589-7422A47A8E4A}"/>
     </a:ext>
   </a:extLst>
 </a:theme>
@@ -6958,7 +7943,7 @@
         <a:sysClr val="windowText" lastClr="000000"/>
       </a:dk1>
       <a:lt1>
-        <a:sysClr val="window" lastClr="FFFFFF"/>
+        <a:sysClr val="window" lastClr="CCE8CF"/>
       </a:lt1>
       <a:dk2>
         <a:srgbClr val="1F497D"/>
@@ -7266,9 +8251,10 @@
       </a:style>
     </a:lnDef>
   </a:objectDefaults>
+  <a:extraClrSchemeLst/>
   <a:extLst>
     <a:ext uri="{05A4C25C-085E-4340-85A3-A5531E510DB2}">
-      <thm15:themeFamily xmlns:thm15="http://schemas.microsoft.com/office/thememl/2012/main" name="Office Theme" id="{62F939B6-93AF-4DB8-9C6B-D6C7DFDC589F}" vid="{4A3C46E8-61CC-4603-A589-7422A47A8E4A}"/>
+      <thm15:themeFamily xmlns="" xmlns:thm15="http://schemas.microsoft.com/office/thememl/2012/main" name="Office Theme" id="{62F939B6-93AF-4DB8-9C6B-D6C7DFDC589F}" vid="{4A3C46E8-61CC-4603-A589-7422A47A8E4A}"/>
     </a:ext>
   </a:extLst>
 </a:theme>

--- a/ppt/服务器设计_组件篇.pptx
+++ b/ppt/服务器设计_组件篇.pptx
@@ -5,10 +5,10 @@
     <p:sldMasterId id="2147483648" r:id="rId1"/>
   </p:sldMasterIdLst>
   <p:notesMasterIdLst>
-    <p:notesMasterId r:id="rId16"/>
+    <p:notesMasterId r:id="rId22"/>
   </p:notesMasterIdLst>
   <p:handoutMasterIdLst>
-    <p:handoutMasterId r:id="rId17"/>
+    <p:handoutMasterId r:id="rId23"/>
   </p:handoutMasterIdLst>
   <p:sldIdLst>
     <p:sldId id="274" r:id="rId2"/>
@@ -23,8 +23,14 @@
     <p:sldId id="287" r:id="rId11"/>
     <p:sldId id="288" r:id="rId12"/>
     <p:sldId id="290" r:id="rId13"/>
-    <p:sldId id="289" r:id="rId14"/>
-    <p:sldId id="281" r:id="rId15"/>
+    <p:sldId id="291" r:id="rId14"/>
+    <p:sldId id="289" r:id="rId15"/>
+    <p:sldId id="292" r:id="rId16"/>
+    <p:sldId id="296" r:id="rId17"/>
+    <p:sldId id="294" r:id="rId18"/>
+    <p:sldId id="295" r:id="rId19"/>
+    <p:sldId id="293" r:id="rId20"/>
+    <p:sldId id="281" r:id="rId21"/>
   </p:sldIdLst>
   <p:sldSz cx="9144000" cy="5143500" type="screen16x9"/>
   <p:notesSz cx="6858000" cy="9144000"/>
@@ -208,7 +214,7 @@
           <a:p>
             <a:fld id="{5F920F0F-0E56-2B45-B1BF-268524318682}" type="datetimeFigureOut">
               <a:rPr kumimoji="1" lang="zh-CN" altLang="en-US" smtClean="0"/>
-              <a:t>2020/2/25</a:t>
+              <a:t>2020/2/27</a:t>
             </a:fld>
             <a:endParaRPr kumimoji="1" lang="zh-CN" altLang="en-US"/>
           </a:p>
@@ -374,7 +380,7 @@
           <a:p>
             <a:fld id="{FB86081A-1E41-D34E-AC33-11FD77CCCD8D}" type="datetimeFigureOut">
               <a:rPr kumimoji="1" lang="zh-CN" altLang="en-US" smtClean="0"/>
-              <a:t>2020/2/25</a:t>
+              <a:t>2020/2/27</a:t>
             </a:fld>
             <a:endParaRPr kumimoji="1" lang="zh-CN" altLang="en-US"/>
           </a:p>
@@ -690,7 +696,7 @@
           <a:lstStyle/>
           <a:p>
             <a:r>
-              <a:rPr lang="en-US" altLang="zh-CN" sz="1200" b="0" i="0" kern="1200" dirty="0" smtClean="0">
+              <a:rPr lang="en-US" altLang="zh-CN" sz="1200" b="0" i="0" kern="1200" smtClean="0">
                 <a:solidFill>
                   <a:schemeClr val="tx1"/>
                 </a:solidFill>
@@ -701,7 +707,7 @@
               <a:t>redis</a:t>
             </a:r>
             <a:r>
-              <a:rPr lang="zh-CN" altLang="en-US" sz="1200" b="0" i="0" kern="1200" dirty="0" smtClean="0">
+              <a:rPr lang="zh-CN" altLang="en-US" sz="1200" b="0" i="0" kern="1200" smtClean="0">
                 <a:solidFill>
                   <a:schemeClr val="tx1"/>
                 </a:solidFill>
@@ -712,7 +718,7 @@
               <a:t>集群是一个由多个主从节点群组成的分布式服务器群，它具有复制、高可用和分片特性。</a:t>
             </a:r>
             <a:r>
-              <a:rPr lang="en-US" altLang="zh-CN" sz="1200" b="0" i="0" kern="1200" dirty="0" smtClean="0">
+              <a:rPr lang="en-US" altLang="zh-CN" sz="1200" b="0" i="0" kern="1200" smtClean="0">
                 <a:solidFill>
                   <a:schemeClr val="tx1"/>
                 </a:solidFill>
@@ -723,7 +729,7 @@
               <a:t>Redis</a:t>
             </a:r>
             <a:r>
-              <a:rPr lang="zh-CN" altLang="en-US" sz="1200" b="0" i="0" kern="1200" dirty="0" smtClean="0">
+              <a:rPr lang="zh-CN" altLang="en-US" sz="1200" b="0" i="0" kern="1200" smtClean="0">
                 <a:solidFill>
                   <a:schemeClr val="tx1"/>
                 </a:solidFill>
@@ -734,7 +740,7 @@
               <a:t>集群不需要</a:t>
             </a:r>
             <a:r>
-              <a:rPr lang="en-US" altLang="zh-CN" sz="1200" b="0" i="0" kern="1200" dirty="0" smtClean="0">
+              <a:rPr lang="en-US" altLang="zh-CN" sz="1200" b="0" i="0" kern="1200" smtClean="0">
                 <a:solidFill>
                   <a:schemeClr val="tx1"/>
                 </a:solidFill>
@@ -745,7 +751,7 @@
               <a:t>sentinel</a:t>
             </a:r>
             <a:r>
-              <a:rPr lang="zh-CN" altLang="en-US" sz="1200" b="0" i="0" kern="1200" dirty="0" smtClean="0">
+              <a:rPr lang="zh-CN" altLang="en-US" sz="1200" b="0" i="0" kern="1200" smtClean="0">
                 <a:solidFill>
                   <a:schemeClr val="tx1"/>
                 </a:solidFill>
@@ -756,7 +762,7 @@
               <a:t>哨兵也能完成节点移除和故障转移的功能。需要将每个节点设置成集群模式，这种集群模式没有中心节点，可水平扩展，据官方文档称可以线性扩展到</a:t>
             </a:r>
             <a:r>
-              <a:rPr lang="en-US" altLang="zh-CN" sz="1200" b="0" i="0" kern="1200" dirty="0" smtClean="0">
+              <a:rPr lang="en-US" altLang="zh-CN" sz="1200" b="0" i="0" kern="1200" smtClean="0">
                 <a:solidFill>
                   <a:schemeClr val="tx1"/>
                 </a:solidFill>
@@ -767,7 +773,7 @@
               <a:t>1000</a:t>
             </a:r>
             <a:r>
-              <a:rPr lang="zh-CN" altLang="en-US" sz="1200" b="0" i="0" kern="1200" dirty="0" smtClean="0">
+              <a:rPr lang="zh-CN" altLang="en-US" sz="1200" b="0" i="0" kern="1200" smtClean="0">
                 <a:solidFill>
                   <a:schemeClr val="tx1"/>
                 </a:solidFill>
@@ -777,7 +783,7 @@
               </a:rPr>
               <a:t>节点</a:t>
             </a:r>
-            <a:endParaRPr lang="en-US" altLang="zh-CN" sz="1200" b="0" i="0" kern="1200" dirty="0" smtClean="0">
+            <a:endParaRPr lang="en-US" altLang="zh-CN" sz="1200" b="0" i="0" kern="1200" smtClean="0">
               <a:solidFill>
                 <a:schemeClr val="tx1"/>
               </a:solidFill>
@@ -788,16 +794,16 @@
           </a:p>
           <a:p>
             <a:r>
-              <a:rPr lang="en-US" dirty="0" smtClean="0">
+              <a:rPr lang="en-US" smtClean="0">
                 <a:hlinkClick r:id="rId3"/>
               </a:rPr>
               <a:t>https://github.com/xetorthio/jedis</a:t>
             </a:r>
             <a:r>
-              <a:rPr lang="en-US" dirty="0" smtClean="0"/>
+              <a:rPr lang="en-US" smtClean="0"/>
               <a:t> (5)</a:t>
             </a:r>
-            <a:endParaRPr lang="zh-CN" altLang="en-US" dirty="0"/>
+            <a:endParaRPr lang="zh-CN" altLang="en-US"/>
           </a:p>
         </p:txBody>
       </p:sp>
@@ -825,6 +831,1368 @@
         </p:txBody>
       </p:sp>
     </p:spTree>
+  </p:cSld>
+  <p:clrMapOvr>
+    <a:masterClrMapping/>
+  </p:clrMapOvr>
+</p:notes>
+</file>
+
+<file path=ppt/notesSlides/notesSlide10.xml><?xml version="1.0" encoding="utf-8"?>
+<p:notes xmlns:a="http://schemas.openxmlformats.org/drawingml/2006/main" xmlns:r="http://schemas.openxmlformats.org/officeDocument/2006/relationships" xmlns:p="http://schemas.openxmlformats.org/presentationml/2006/main">
+  <p:cSld>
+    <p:spTree>
+      <p:nvGrpSpPr>
+        <p:cNvPr id="1" name=""/>
+        <p:cNvGrpSpPr/>
+        <p:nvPr/>
+      </p:nvGrpSpPr>
+      <p:grpSpPr>
+        <a:xfrm>
+          <a:off x="0" y="0"/>
+          <a:ext cx="0" cy="0"/>
+          <a:chOff x="0" y="0"/>
+          <a:chExt cx="0" cy="0"/>
+        </a:xfrm>
+      </p:grpSpPr>
+      <p:sp>
+        <p:nvSpPr>
+          <p:cNvPr id="2" name="幻灯片图像占位符 1"/>
+          <p:cNvSpPr>
+            <a:spLocks noGrp="1" noRot="1" noChangeAspect="1"/>
+          </p:cNvSpPr>
+          <p:nvPr>
+            <p:ph type="sldImg"/>
+          </p:nvPr>
+        </p:nvSpPr>
+        <p:spPr/>
+      </p:sp>
+      <p:sp>
+        <p:nvSpPr>
+          <p:cNvPr id="3" name="备注占位符 2"/>
+          <p:cNvSpPr>
+            <a:spLocks noGrp="1"/>
+          </p:cNvSpPr>
+          <p:nvPr>
+            <p:ph type="body" idx="1"/>
+          </p:nvPr>
+        </p:nvSpPr>
+        <p:spPr/>
+        <p:txBody>
+          <a:bodyPr/>
+          <a:lstStyle/>
+          <a:p>
+            <a:endParaRPr lang="en-US" altLang="zh-CN" smtClean="0"/>
+          </a:p>
+          <a:p>
+            <a:r>
+              <a:rPr lang="en-US" altLang="zh-CN" smtClean="0"/>
+              <a:t>/* This is how rewriting of the append only file in background works:</a:t>
+            </a:r>
+          </a:p>
+          <a:p>
+            <a:r>
+              <a:rPr lang="en-US" altLang="zh-CN" smtClean="0"/>
+              <a:t> * </a:t>
+            </a:r>
+          </a:p>
+          <a:p>
+            <a:r>
+              <a:rPr lang="en-US" altLang="zh-CN" smtClean="0"/>
+              <a:t> * </a:t>
+            </a:r>
+            <a:r>
+              <a:rPr lang="zh-CN" altLang="en-US" smtClean="0"/>
+              <a:t>以下是后台重写 </a:t>
+            </a:r>
+            <a:r>
+              <a:rPr lang="en-US" altLang="zh-CN" smtClean="0"/>
+              <a:t>AOF </a:t>
+            </a:r>
+            <a:r>
+              <a:rPr lang="zh-CN" altLang="en-US" smtClean="0"/>
+              <a:t>文件（</a:t>
+            </a:r>
+            <a:r>
+              <a:rPr lang="en-US" altLang="zh-CN" err="1" smtClean="0"/>
+              <a:t>BGREWRITEAOF</a:t>
+            </a:r>
+            <a:r>
+              <a:rPr lang="zh-CN" altLang="en-US" smtClean="0"/>
+              <a:t>）的工作步骤：</a:t>
+            </a:r>
+          </a:p>
+          <a:p>
+            <a:r>
+              <a:rPr lang="zh-CN" altLang="en-US" smtClean="0"/>
+              <a:t> *</a:t>
+            </a:r>
+          </a:p>
+          <a:p>
+            <a:r>
+              <a:rPr lang="zh-CN" altLang="en-US" smtClean="0"/>
+              <a:t> * </a:t>
+            </a:r>
+            <a:r>
+              <a:rPr lang="en-US" altLang="zh-CN" smtClean="0"/>
+              <a:t>1) The user calls </a:t>
+            </a:r>
+            <a:r>
+              <a:rPr lang="en-US" altLang="zh-CN" err="1" smtClean="0"/>
+              <a:t>BGREWRITEAOF</a:t>
+            </a:r>
+            <a:endParaRPr lang="en-US" altLang="zh-CN" smtClean="0"/>
+          </a:p>
+          <a:p>
+            <a:r>
+              <a:rPr lang="en-US" altLang="zh-CN" smtClean="0"/>
+              <a:t> *    </a:t>
+            </a:r>
+            <a:r>
+              <a:rPr lang="zh-CN" altLang="en-US" smtClean="0"/>
+              <a:t>用户调用 </a:t>
+            </a:r>
+            <a:r>
+              <a:rPr lang="en-US" altLang="zh-CN" err="1" smtClean="0"/>
+              <a:t>BGREWRITEAOF</a:t>
+            </a:r>
+            <a:endParaRPr lang="en-US" altLang="zh-CN" smtClean="0"/>
+          </a:p>
+          <a:p>
+            <a:r>
+              <a:rPr lang="en-US" altLang="zh-CN" smtClean="0"/>
+              <a:t> *</a:t>
+            </a:r>
+          </a:p>
+          <a:p>
+            <a:r>
+              <a:rPr lang="en-US" altLang="zh-CN" smtClean="0"/>
+              <a:t> * 2) Redis calls this function, that forks():</a:t>
+            </a:r>
+          </a:p>
+          <a:p>
+            <a:r>
+              <a:rPr lang="en-US" altLang="zh-CN" smtClean="0"/>
+              <a:t> *    Redis </a:t>
+            </a:r>
+            <a:r>
+              <a:rPr lang="zh-CN" altLang="en-US" smtClean="0"/>
+              <a:t>调用这个函数，它执行 </a:t>
+            </a:r>
+            <a:r>
+              <a:rPr lang="en-US" altLang="zh-CN" smtClean="0"/>
+              <a:t>fork() </a:t>
+            </a:r>
+            <a:r>
+              <a:rPr lang="zh-CN" altLang="en-US" smtClean="0"/>
+              <a:t>：</a:t>
+            </a:r>
+          </a:p>
+          <a:p>
+            <a:r>
+              <a:rPr lang="zh-CN" altLang="en-US" smtClean="0"/>
+              <a:t> *</a:t>
+            </a:r>
+          </a:p>
+          <a:p>
+            <a:r>
+              <a:rPr lang="zh-CN" altLang="en-US" smtClean="0"/>
+              <a:t> *    </a:t>
+            </a:r>
+            <a:r>
+              <a:rPr lang="en-US" altLang="zh-CN" err="1" smtClean="0"/>
+              <a:t>2a</a:t>
+            </a:r>
+            <a:r>
+              <a:rPr lang="en-US" altLang="zh-CN" smtClean="0"/>
+              <a:t>) the child rewrite the append only file in a temp file.</a:t>
+            </a:r>
+          </a:p>
+          <a:p>
+            <a:r>
+              <a:rPr lang="en-US" altLang="zh-CN" smtClean="0"/>
+              <a:t> *        </a:t>
+            </a:r>
+            <a:r>
+              <a:rPr lang="zh-CN" altLang="en-US" smtClean="0"/>
+              <a:t>子进程在临时文件中对 </a:t>
+            </a:r>
+            <a:r>
+              <a:rPr lang="en-US" altLang="zh-CN" smtClean="0"/>
+              <a:t>AOF </a:t>
+            </a:r>
+            <a:r>
+              <a:rPr lang="zh-CN" altLang="en-US" smtClean="0"/>
+              <a:t>文件进行重写</a:t>
+            </a:r>
+          </a:p>
+          <a:p>
+            <a:r>
+              <a:rPr lang="zh-CN" altLang="en-US" smtClean="0"/>
+              <a:t> *</a:t>
+            </a:r>
+          </a:p>
+          <a:p>
+            <a:r>
+              <a:rPr lang="zh-CN" altLang="en-US" smtClean="0"/>
+              <a:t> *    </a:t>
+            </a:r>
+            <a:r>
+              <a:rPr lang="en-US" altLang="zh-CN" err="1" smtClean="0"/>
+              <a:t>2b</a:t>
+            </a:r>
+            <a:r>
+              <a:rPr lang="en-US" altLang="zh-CN" smtClean="0"/>
+              <a:t>) the parent accumulates differences in </a:t>
+            </a:r>
+            <a:r>
+              <a:rPr lang="en-US" altLang="zh-CN" err="1" smtClean="0"/>
+              <a:t>server.aof_rewrite_buf</a:t>
+            </a:r>
+            <a:r>
+              <a:rPr lang="en-US" altLang="zh-CN" smtClean="0"/>
+              <a:t>.</a:t>
+            </a:r>
+          </a:p>
+          <a:p>
+            <a:r>
+              <a:rPr lang="en-US" altLang="zh-CN" smtClean="0"/>
+              <a:t> *        </a:t>
+            </a:r>
+            <a:r>
+              <a:rPr lang="zh-CN" altLang="en-US" smtClean="0"/>
+              <a:t>父进程将新输入的写命令追加到 </a:t>
+            </a:r>
+            <a:r>
+              <a:rPr lang="en-US" altLang="zh-CN" err="1" smtClean="0"/>
+              <a:t>server.aof_rewrite_buf</a:t>
+            </a:r>
+            <a:r>
+              <a:rPr lang="en-US" altLang="zh-CN" smtClean="0"/>
+              <a:t> </a:t>
+            </a:r>
+            <a:r>
+              <a:rPr lang="zh-CN" altLang="en-US" smtClean="0"/>
+              <a:t>中</a:t>
+            </a:r>
+          </a:p>
+          <a:p>
+            <a:r>
+              <a:rPr lang="zh-CN" altLang="en-US" smtClean="0"/>
+              <a:t> *</a:t>
+            </a:r>
+            <a:endParaRPr lang="en-US" altLang="zh-CN" smtClean="0"/>
+          </a:p>
+          <a:p>
+            <a:endParaRPr lang="en-US" altLang="zh-CN" smtClean="0"/>
+          </a:p>
+          <a:p>
+            <a:r>
+              <a:rPr lang="en-US" altLang="zh-CN" smtClean="0">
+                <a:hlinkClick r:id="rId3"/>
+              </a:rPr>
+              <a:t>https://</a:t>
+            </a:r>
+            <a:r>
+              <a:rPr lang="en-US" altLang="zh-CN" err="1" smtClean="0">
+                <a:hlinkClick r:id="rId3"/>
+              </a:rPr>
+              <a:t>stackoverflow.com</a:t>
+            </a:r>
+            <a:r>
+              <a:rPr lang="en-US" altLang="zh-CN" smtClean="0">
+                <a:hlinkClick r:id="rId3"/>
+              </a:rPr>
+              <a:t>/questions/53837322/is-it-is-possible-to-force-tcp-socket-to-send-0-bytes-in-case-of-packet-losses</a:t>
+            </a:r>
+            <a:endParaRPr lang="zh-CN" altLang="en-US" smtClean="0"/>
+          </a:p>
+          <a:p>
+            <a:r>
+              <a:rPr lang="zh-CN" altLang="en-US" smtClean="0"/>
+              <a:t> * </a:t>
+            </a:r>
+            <a:r>
+              <a:rPr lang="en-US" altLang="zh-CN" smtClean="0"/>
+              <a:t>3) When the child finished '</a:t>
+            </a:r>
+            <a:r>
+              <a:rPr lang="en-US" altLang="zh-CN" err="1" smtClean="0"/>
+              <a:t>2a</a:t>
+            </a:r>
+            <a:r>
+              <a:rPr lang="en-US" altLang="zh-CN" smtClean="0"/>
+              <a:t>' exists.</a:t>
+            </a:r>
+          </a:p>
+          <a:p>
+            <a:r>
+              <a:rPr lang="en-US" altLang="zh-CN" smtClean="0"/>
+              <a:t> *    </a:t>
+            </a:r>
+            <a:r>
+              <a:rPr lang="zh-CN" altLang="en-US" smtClean="0"/>
+              <a:t>当步骤 </a:t>
+            </a:r>
+            <a:r>
+              <a:rPr lang="en-US" altLang="zh-CN" err="1" smtClean="0"/>
+              <a:t>2a</a:t>
+            </a:r>
+            <a:r>
+              <a:rPr lang="en-US" altLang="zh-CN" smtClean="0"/>
+              <a:t> </a:t>
+            </a:r>
+            <a:r>
+              <a:rPr lang="zh-CN" altLang="en-US" smtClean="0"/>
+              <a:t>执行完之后，子进程结束</a:t>
+            </a:r>
+          </a:p>
+          <a:p>
+            <a:r>
+              <a:rPr lang="zh-CN" altLang="en-US" smtClean="0"/>
+              <a:t> *</a:t>
+            </a:r>
+          </a:p>
+          <a:p>
+            <a:r>
+              <a:rPr lang="zh-CN" altLang="en-US" smtClean="0"/>
+              <a:t> * </a:t>
+            </a:r>
+            <a:r>
+              <a:rPr lang="en-US" altLang="zh-CN" smtClean="0"/>
+              <a:t>4) The parent will trap the exit code, if it's OK, will append the</a:t>
+            </a:r>
+          </a:p>
+          <a:p>
+            <a:r>
+              <a:rPr lang="en-US" altLang="zh-CN" smtClean="0"/>
+              <a:t> *    data accumulated into </a:t>
+            </a:r>
+            <a:r>
+              <a:rPr lang="en-US" altLang="zh-CN" err="1" smtClean="0"/>
+              <a:t>server.aof_rewrite_buf</a:t>
+            </a:r>
+            <a:r>
+              <a:rPr lang="en-US" altLang="zh-CN" smtClean="0"/>
+              <a:t> into the temp file, and</a:t>
+            </a:r>
+          </a:p>
+          <a:p>
+            <a:r>
+              <a:rPr lang="en-US" altLang="zh-CN" smtClean="0"/>
+              <a:t> *    finally will rename(2) the temp file in the actual file name.</a:t>
+            </a:r>
+          </a:p>
+          <a:p>
+            <a:r>
+              <a:rPr lang="en-US" altLang="zh-CN" smtClean="0"/>
+              <a:t> *    The the new file is reopened as the new append only file. Profit!</a:t>
+            </a:r>
+          </a:p>
+          <a:p>
+            <a:r>
+              <a:rPr lang="en-US" altLang="zh-CN" smtClean="0"/>
+              <a:t> *</a:t>
+            </a:r>
+          </a:p>
+          <a:p>
+            <a:r>
+              <a:rPr lang="en-US" altLang="zh-CN" smtClean="0"/>
+              <a:t> *    </a:t>
+            </a:r>
+            <a:r>
+              <a:rPr lang="zh-CN" altLang="en-US" smtClean="0"/>
+              <a:t>父进程会捕捉子进程的退出信号，</a:t>
+            </a:r>
+          </a:p>
+          <a:p>
+            <a:r>
+              <a:rPr lang="zh-CN" altLang="en-US" smtClean="0"/>
+              <a:t> *    如果子进程的退出状态是 </a:t>
+            </a:r>
+            <a:r>
+              <a:rPr lang="en-US" altLang="zh-CN" smtClean="0"/>
+              <a:t>OK </a:t>
+            </a:r>
+            <a:r>
+              <a:rPr lang="zh-CN" altLang="en-US" smtClean="0"/>
+              <a:t>的话，</a:t>
+            </a:r>
+          </a:p>
+          <a:p>
+            <a:r>
+              <a:rPr lang="zh-CN" altLang="en-US" smtClean="0"/>
+              <a:t> *    那么父进程将新输入命令的缓存追加到临时文件，</a:t>
+            </a:r>
+          </a:p>
+          <a:p>
+            <a:r>
+              <a:rPr lang="zh-CN" altLang="en-US" smtClean="0"/>
+              <a:t> *    然后使用 </a:t>
+            </a:r>
+            <a:r>
+              <a:rPr lang="en-US" altLang="zh-CN" smtClean="0"/>
+              <a:t>rename(2) </a:t>
+            </a:r>
+            <a:r>
+              <a:rPr lang="zh-CN" altLang="en-US" smtClean="0"/>
+              <a:t>对临时文件改名，用它代替旧的 </a:t>
+            </a:r>
+            <a:r>
+              <a:rPr lang="en-US" altLang="zh-CN" smtClean="0"/>
+              <a:t>AOF </a:t>
+            </a:r>
+            <a:r>
+              <a:rPr lang="zh-CN" altLang="en-US" smtClean="0"/>
+              <a:t>文件，</a:t>
+            </a:r>
+          </a:p>
+          <a:p>
+            <a:r>
+              <a:rPr lang="zh-CN" altLang="en-US" smtClean="0"/>
+              <a:t> *    至此，后台 </a:t>
+            </a:r>
+            <a:r>
+              <a:rPr lang="en-US" altLang="zh-CN" smtClean="0"/>
+              <a:t>AOF </a:t>
+            </a:r>
+            <a:r>
+              <a:rPr lang="zh-CN" altLang="en-US" smtClean="0"/>
+              <a:t>重写完成。</a:t>
+            </a:r>
+          </a:p>
+          <a:p>
+            <a:r>
+              <a:rPr lang="zh-CN" altLang="en-US" smtClean="0"/>
+              <a:t> *</a:t>
+            </a:r>
+            <a:r>
+              <a:rPr lang="en-US" altLang="zh-CN" smtClean="0"/>
+              <a:t>/</a:t>
+            </a:r>
+          </a:p>
+          <a:p>
+            <a:endParaRPr lang="en-US" altLang="zh-CN" smtClean="0"/>
+          </a:p>
+          <a:p>
+            <a:r>
+              <a:rPr lang="en-US" altLang="zh-CN" smtClean="0"/>
+              <a:t>backgroundRewriteDoneHandler</a:t>
+            </a:r>
+          </a:p>
+          <a:p>
+            <a:endParaRPr lang="en-US" altLang="zh-CN" smtClean="0"/>
+          </a:p>
+          <a:p>
+            <a:endParaRPr lang="en-US" altLang="zh-CN" smtClean="0"/>
+          </a:p>
+          <a:p>
+            <a:r>
+              <a:rPr lang="en-US" altLang="zh-CN" smtClean="0"/>
+              <a:t>{"</a:t>
+            </a:r>
+            <a:r>
+              <a:rPr lang="en-US" altLang="zh-CN" err="1" smtClean="0"/>
+              <a:t>bgsave</a:t>
+            </a:r>
+            <a:r>
+              <a:rPr lang="en-US" altLang="zh-CN" smtClean="0"/>
+              <a:t>",bgsaveCommand,1,"</a:t>
+            </a:r>
+            <a:r>
+              <a:rPr lang="en-US" altLang="zh-CN" err="1" smtClean="0"/>
+              <a:t>ar</a:t>
+            </a:r>
+            <a:r>
+              <a:rPr lang="en-US" altLang="zh-CN" smtClean="0"/>
+              <a:t>",</a:t>
+            </a:r>
+            <a:r>
+              <a:rPr lang="en-US" altLang="zh-CN" err="1" smtClean="0"/>
+              <a:t>0,NULL,0,0,0,0,0</a:t>
+            </a:r>
+            <a:r>
+              <a:rPr lang="en-US" altLang="zh-CN" smtClean="0"/>
+              <a:t>},</a:t>
+            </a:r>
+          </a:p>
+          <a:p>
+            <a:r>
+              <a:rPr lang="en-US" altLang="zh-CN" smtClean="0"/>
+              <a:t>    {"</a:t>
+            </a:r>
+            <a:r>
+              <a:rPr lang="en-US" altLang="zh-CN" err="1" smtClean="0"/>
+              <a:t>bgrewriteaof</a:t>
+            </a:r>
+            <a:r>
+              <a:rPr lang="en-US" altLang="zh-CN" smtClean="0"/>
+              <a:t>",bgrewriteaofCommand,1,"</a:t>
+            </a:r>
+            <a:r>
+              <a:rPr lang="en-US" altLang="zh-CN" err="1" smtClean="0"/>
+              <a:t>ar</a:t>
+            </a:r>
+            <a:r>
+              <a:rPr lang="en-US" altLang="zh-CN" smtClean="0"/>
+              <a:t>",</a:t>
+            </a:r>
+            <a:r>
+              <a:rPr lang="en-US" altLang="zh-CN" err="1" smtClean="0"/>
+              <a:t>0,NULL,0,0,0,0,0</a:t>
+            </a:r>
+            <a:r>
+              <a:rPr lang="en-US" altLang="zh-CN" smtClean="0"/>
+              <a:t>},</a:t>
+            </a:r>
+            <a:endParaRPr lang="zh-CN" altLang="en-US"/>
+          </a:p>
+        </p:txBody>
+      </p:sp>
+      <p:sp>
+        <p:nvSpPr>
+          <p:cNvPr id="4" name="灯片编号占位符 3"/>
+          <p:cNvSpPr>
+            <a:spLocks noGrp="1"/>
+          </p:cNvSpPr>
+          <p:nvPr>
+            <p:ph type="sldNum" sz="quarter" idx="10"/>
+          </p:nvPr>
+        </p:nvSpPr>
+        <p:spPr/>
+        <p:txBody>
+          <a:bodyPr/>
+          <a:lstStyle/>
+          <a:p>
+            <a:fld id="{8AF453D5-9B32-8F40-BF12-CF5772967439}" type="slidenum">
+              <a:rPr kumimoji="1" lang="zh-CN" altLang="en-US" smtClean="0"/>
+              <a:t>12</a:t>
+            </a:fld>
+            <a:endParaRPr kumimoji="1" lang="zh-CN" altLang="en-US"/>
+          </a:p>
+        </p:txBody>
+      </p:sp>
+    </p:spTree>
+    <p:extLst>
+      <p:ext uri="{BB962C8B-B14F-4D97-AF65-F5344CB8AC3E}">
+        <p14:creationId xmlns:p14="http://schemas.microsoft.com/office/powerpoint/2010/main" val="18662629"/>
+      </p:ext>
+    </p:extLst>
+  </p:cSld>
+  <p:clrMapOvr>
+    <a:masterClrMapping/>
+  </p:clrMapOvr>
+</p:notes>
+</file>
+
+<file path=ppt/notesSlides/notesSlide11.xml><?xml version="1.0" encoding="utf-8"?>
+<p:notes xmlns:a="http://schemas.openxmlformats.org/drawingml/2006/main" xmlns:r="http://schemas.openxmlformats.org/officeDocument/2006/relationships" xmlns:p="http://schemas.openxmlformats.org/presentationml/2006/main">
+  <p:cSld>
+    <p:spTree>
+      <p:nvGrpSpPr>
+        <p:cNvPr id="1" name=""/>
+        <p:cNvGrpSpPr/>
+        <p:nvPr/>
+      </p:nvGrpSpPr>
+      <p:grpSpPr>
+        <a:xfrm>
+          <a:off x="0" y="0"/>
+          <a:ext cx="0" cy="0"/>
+          <a:chOff x="0" y="0"/>
+          <a:chExt cx="0" cy="0"/>
+        </a:xfrm>
+      </p:grpSpPr>
+      <p:sp>
+        <p:nvSpPr>
+          <p:cNvPr id="2" name="幻灯片图像占位符 1"/>
+          <p:cNvSpPr>
+            <a:spLocks noGrp="1" noRot="1" noChangeAspect="1"/>
+          </p:cNvSpPr>
+          <p:nvPr>
+            <p:ph type="sldImg"/>
+          </p:nvPr>
+        </p:nvSpPr>
+        <p:spPr/>
+      </p:sp>
+      <p:sp>
+        <p:nvSpPr>
+          <p:cNvPr id="3" name="备注占位符 2"/>
+          <p:cNvSpPr>
+            <a:spLocks noGrp="1"/>
+          </p:cNvSpPr>
+          <p:nvPr>
+            <p:ph type="body" idx="1"/>
+          </p:nvPr>
+        </p:nvSpPr>
+        <p:spPr/>
+        <p:txBody>
+          <a:bodyPr/>
+          <a:lstStyle/>
+          <a:p>
+            <a:pPr marL="0" marR="0" indent="0" algn="l" defTabSz="914400" rtl="0" eaLnBrk="1" fontAlgn="auto" latinLnBrk="0" hangingPunct="1">
+              <a:lnSpc>
+                <a:spcPct val="100000"/>
+              </a:lnSpc>
+              <a:spcBef>
+                <a:spcPts val="0"/>
+              </a:spcBef>
+              <a:spcAft>
+                <a:spcPts val="0"/>
+              </a:spcAft>
+              <a:buClrTx/>
+              <a:buSzTx/>
+              <a:buFontTx/>
+              <a:buNone/>
+              <a:tabLst/>
+              <a:defRPr/>
+            </a:pPr>
+            <a:r>
+              <a:rPr lang="en-US" altLang="zh-CN" sz="1200" smtClean="0"/>
+              <a:t>#</a:t>
+            </a:r>
+            <a:r>
+              <a:rPr lang="zh-CN" altLang="en-US" sz="1200" smtClean="0"/>
+              <a:t>陈咬金第一斧： 如何解决？，思路必须正确</a:t>
+            </a:r>
+            <a:endParaRPr lang="en-US" altLang="zh-CN" sz="1200" smtClean="0">
+              <a:solidFill>
+                <a:srgbClr val="FF0000"/>
+              </a:solidFill>
+            </a:endParaRPr>
+          </a:p>
+          <a:p>
+            <a:pPr marL="0" marR="0" indent="0" algn="l" defTabSz="914400" rtl="0" eaLnBrk="1" fontAlgn="auto" latinLnBrk="0" hangingPunct="1">
+              <a:lnSpc>
+                <a:spcPct val="100000"/>
+              </a:lnSpc>
+              <a:spcBef>
+                <a:spcPts val="0"/>
+              </a:spcBef>
+              <a:spcAft>
+                <a:spcPts val="0"/>
+              </a:spcAft>
+              <a:buClrTx/>
+              <a:buSzTx/>
+              <a:buFontTx/>
+              <a:buNone/>
+              <a:tabLst/>
+              <a:defRPr/>
+            </a:pPr>
+            <a:r>
+              <a:rPr lang="en-US" altLang="zh-CN" sz="1200" b="1" smtClean="0"/>
+              <a:t>#</a:t>
+            </a:r>
+            <a:r>
+              <a:rPr lang="zh-CN" altLang="en-US" sz="1200" b="1" smtClean="0"/>
+              <a:t>陈咬金第二斧 ：流程图是什么</a:t>
+            </a:r>
+            <a:endParaRPr lang="en-US" altLang="zh-CN" sz="1200" b="1" smtClean="0"/>
+          </a:p>
+          <a:p>
+            <a:pPr marL="0" marR="0" indent="0" algn="l" defTabSz="914400" rtl="0" eaLnBrk="1" fontAlgn="auto" latinLnBrk="0" hangingPunct="1">
+              <a:lnSpc>
+                <a:spcPct val="100000"/>
+              </a:lnSpc>
+              <a:spcBef>
+                <a:spcPts val="0"/>
+              </a:spcBef>
+              <a:spcAft>
+                <a:spcPts val="0"/>
+              </a:spcAft>
+              <a:buClrTx/>
+              <a:buSzTx/>
+              <a:buFontTx/>
+              <a:buNone/>
+              <a:tabLst/>
+              <a:defRPr/>
+            </a:pPr>
+            <a:r>
+              <a:rPr lang="en-US" altLang="zh-CN" sz="1200" smtClean="0"/>
+              <a:t>#</a:t>
+            </a:r>
+            <a:r>
+              <a:rPr lang="zh-CN" altLang="en-US" sz="1200" smtClean="0"/>
+              <a:t>陈咬金第三斧：最值得你学习地方一点是</a:t>
+            </a:r>
+            <a:endParaRPr lang="en-US" altLang="zh-CN" sz="1200" smtClean="0"/>
+          </a:p>
+          <a:p>
+            <a:pPr marL="0" marR="0" indent="0" algn="l" defTabSz="914400" rtl="0" eaLnBrk="1" fontAlgn="auto" latinLnBrk="0" hangingPunct="1">
+              <a:lnSpc>
+                <a:spcPct val="100000"/>
+              </a:lnSpc>
+              <a:spcBef>
+                <a:spcPts val="0"/>
+              </a:spcBef>
+              <a:spcAft>
+                <a:spcPts val="0"/>
+              </a:spcAft>
+              <a:buClrTx/>
+              <a:buSzTx/>
+              <a:buFontTx/>
+              <a:buNone/>
+              <a:tabLst/>
+              <a:defRPr/>
+            </a:pPr>
+            <a:endParaRPr lang="en-US" altLang="zh-CN" sz="1200" smtClean="0">
+              <a:solidFill>
+                <a:srgbClr val="FF0000"/>
+              </a:solidFill>
+            </a:endParaRPr>
+          </a:p>
+          <a:p>
+            <a:pPr marL="0" marR="0" indent="0" algn="l" defTabSz="914400" rtl="0" eaLnBrk="1" fontAlgn="auto" latinLnBrk="0" hangingPunct="1">
+              <a:lnSpc>
+                <a:spcPct val="100000"/>
+              </a:lnSpc>
+              <a:spcBef>
+                <a:spcPts val="0"/>
+              </a:spcBef>
+              <a:spcAft>
+                <a:spcPts val="0"/>
+              </a:spcAft>
+              <a:buClrTx/>
+              <a:buSzTx/>
+              <a:buFontTx/>
+              <a:buNone/>
+              <a:tabLst/>
+              <a:defRPr/>
+            </a:pPr>
+            <a:endParaRPr lang="en-US" altLang="zh-CN" sz="1200" smtClean="0">
+              <a:solidFill>
+                <a:srgbClr val="FF0000"/>
+              </a:solidFill>
+            </a:endParaRPr>
+          </a:p>
+          <a:p>
+            <a:pPr marL="0" marR="0" indent="0" algn="l" defTabSz="914400" rtl="0" eaLnBrk="1" fontAlgn="auto" latinLnBrk="0" hangingPunct="1">
+              <a:lnSpc>
+                <a:spcPct val="100000"/>
+              </a:lnSpc>
+              <a:spcBef>
+                <a:spcPts val="0"/>
+              </a:spcBef>
+              <a:spcAft>
+                <a:spcPts val="0"/>
+              </a:spcAft>
+              <a:buClrTx/>
+              <a:buSzTx/>
+              <a:buFontTx/>
+              <a:buNone/>
+              <a:tabLst/>
+              <a:defRPr/>
+            </a:pPr>
+            <a:endParaRPr lang="en-US" altLang="zh-CN" sz="1200" smtClean="0">
+              <a:solidFill>
+                <a:srgbClr val="FF0000"/>
+              </a:solidFill>
+            </a:endParaRPr>
+          </a:p>
+          <a:p>
+            <a:pPr marL="0" marR="0" indent="0" algn="l" defTabSz="914400" rtl="0" eaLnBrk="1" fontAlgn="auto" latinLnBrk="0" hangingPunct="1">
+              <a:lnSpc>
+                <a:spcPct val="100000"/>
+              </a:lnSpc>
+              <a:spcBef>
+                <a:spcPts val="0"/>
+              </a:spcBef>
+              <a:spcAft>
+                <a:spcPts val="0"/>
+              </a:spcAft>
+              <a:buClrTx/>
+              <a:buSzTx/>
+              <a:buFontTx/>
+              <a:buNone/>
+              <a:tabLst/>
+              <a:defRPr/>
+            </a:pPr>
+            <a:endParaRPr lang="en-US" altLang="zh-CN" sz="1200" smtClean="0">
+              <a:solidFill>
+                <a:srgbClr val="FF0000"/>
+              </a:solidFill>
+            </a:endParaRPr>
+          </a:p>
+          <a:p>
+            <a:pPr marL="0" marR="0" indent="0" algn="l" defTabSz="914400" rtl="0" eaLnBrk="1" fontAlgn="auto" latinLnBrk="0" hangingPunct="1">
+              <a:lnSpc>
+                <a:spcPct val="100000"/>
+              </a:lnSpc>
+              <a:spcBef>
+                <a:spcPts val="0"/>
+              </a:spcBef>
+              <a:spcAft>
+                <a:spcPts val="0"/>
+              </a:spcAft>
+              <a:buClrTx/>
+              <a:buSzTx/>
+              <a:buFontTx/>
+              <a:buNone/>
+              <a:tabLst/>
+              <a:defRPr/>
+            </a:pPr>
+            <a:r>
+              <a:rPr lang="en-US" altLang="zh-CN" sz="1200" smtClean="0">
+                <a:solidFill>
+                  <a:srgbClr val="FF0000"/>
+                </a:solidFill>
+              </a:rPr>
+              <a:t>Book: </a:t>
+            </a:r>
+            <a:r>
+              <a:rPr lang="zh-CN" altLang="en-US" sz="1200" smtClean="0">
+                <a:solidFill>
+                  <a:srgbClr val="FF0000"/>
+                </a:solidFill>
+              </a:rPr>
+              <a:t> </a:t>
+            </a:r>
+            <a:r>
+              <a:rPr lang="en-US" altLang="zh-CN" sz="1200" smtClean="0">
+                <a:solidFill>
+                  <a:srgbClr val="FF0000"/>
+                </a:solidFill>
+              </a:rPr>
+              <a:t>redis</a:t>
+            </a:r>
+            <a:r>
+              <a:rPr lang="zh-CN" altLang="en-US" sz="1200" smtClean="0">
+                <a:solidFill>
+                  <a:srgbClr val="FF0000"/>
+                </a:solidFill>
+              </a:rPr>
+              <a:t>设计第</a:t>
+            </a:r>
+            <a:r>
+              <a:rPr lang="en-US" altLang="zh-CN" sz="1200" smtClean="0">
+                <a:solidFill>
+                  <a:srgbClr val="FF0000"/>
+                </a:solidFill>
+              </a:rPr>
+              <a:t>15</a:t>
+            </a:r>
+            <a:r>
+              <a:rPr lang="zh-CN" altLang="en-US" sz="1200" smtClean="0">
+                <a:solidFill>
+                  <a:srgbClr val="FF0000"/>
+                </a:solidFill>
+              </a:rPr>
+              <a:t>章节 </a:t>
+            </a:r>
+            <a:endParaRPr lang="en-US" altLang="zh-CN" sz="1200" smtClean="0">
+              <a:solidFill>
+                <a:srgbClr val="FF0000"/>
+              </a:solidFill>
+            </a:endParaRPr>
+          </a:p>
+          <a:p>
+            <a:endParaRPr lang="en-US" altLang="zh-CN" smtClean="0">
+              <a:hlinkClick r:id="rId3"/>
+            </a:endParaRPr>
+          </a:p>
+          <a:p>
+            <a:r>
+              <a:rPr lang="en-US" altLang="zh-CN" smtClean="0">
+                <a:hlinkClick r:id="rId3"/>
+              </a:rPr>
+              <a:t>http://mdba.cn/2015/03/17/redis%E4%B8%BB%E4%BB%8E%E5%A4%8D%E5%88%B6%EF%BC%882%EF%BC%89-replication-buffer%E4%B8%8Ereplication-backlog/</a:t>
+            </a:r>
+            <a:endParaRPr lang="en-US" altLang="zh-CN" smtClean="0"/>
+          </a:p>
+          <a:p>
+            <a:r>
+              <a:rPr lang="en-US" altLang="zh-CN" smtClean="0"/>
+              <a:t>config get client-output-buffer-limit </a:t>
+            </a:r>
+          </a:p>
+          <a:p>
+            <a:r>
+              <a:rPr lang="en-US" altLang="zh-CN" smtClean="0">
+                <a:hlinkClick r:id="rId4"/>
+              </a:rPr>
+              <a:t>https://mhl.xyz/Cache/redis-client-output-buffer-limit.html</a:t>
+            </a:r>
+            <a:endParaRPr lang="en-US" altLang="zh-CN" smtClean="0"/>
+          </a:p>
+          <a:p>
+            <a:endParaRPr lang="en-US" altLang="zh-CN" smtClean="0"/>
+          </a:p>
+          <a:p>
+            <a:r>
+              <a:rPr lang="en-US" altLang="zh-CN" smtClean="0">
+                <a:hlinkClick r:id="rId5"/>
+              </a:rPr>
+              <a:t>https://stackoverflow.com/questions/37403889/the-difference-between-repl-buffer-and-backlog-in-redis</a:t>
+            </a:r>
+            <a:endParaRPr lang="zh-CN" altLang="en-US"/>
+          </a:p>
+        </p:txBody>
+      </p:sp>
+      <p:sp>
+        <p:nvSpPr>
+          <p:cNvPr id="4" name="灯片编号占位符 3"/>
+          <p:cNvSpPr>
+            <a:spLocks noGrp="1"/>
+          </p:cNvSpPr>
+          <p:nvPr>
+            <p:ph type="sldNum" sz="quarter" idx="10"/>
+          </p:nvPr>
+        </p:nvSpPr>
+        <p:spPr/>
+        <p:txBody>
+          <a:bodyPr/>
+          <a:lstStyle/>
+          <a:p>
+            <a:fld id="{8AF453D5-9B32-8F40-BF12-CF5772967439}" type="slidenum">
+              <a:rPr kumimoji="1" lang="zh-CN" altLang="en-US" smtClean="0"/>
+              <a:t>13</a:t>
+            </a:fld>
+            <a:endParaRPr kumimoji="1" lang="zh-CN" altLang="en-US"/>
+          </a:p>
+        </p:txBody>
+      </p:sp>
+    </p:spTree>
+    <p:extLst>
+      <p:ext uri="{BB962C8B-B14F-4D97-AF65-F5344CB8AC3E}">
+        <p14:creationId xmlns:p14="http://schemas.microsoft.com/office/powerpoint/2010/main" val="537998496"/>
+      </p:ext>
+    </p:extLst>
+  </p:cSld>
+  <p:clrMapOvr>
+    <a:masterClrMapping/>
+  </p:clrMapOvr>
+</p:notes>
+</file>
+
+<file path=ppt/notesSlides/notesSlide12.xml><?xml version="1.0" encoding="utf-8"?>
+<p:notes xmlns:a="http://schemas.openxmlformats.org/drawingml/2006/main" xmlns:r="http://schemas.openxmlformats.org/officeDocument/2006/relationships" xmlns:p="http://schemas.openxmlformats.org/presentationml/2006/main">
+  <p:cSld>
+    <p:spTree>
+      <p:nvGrpSpPr>
+        <p:cNvPr id="1" name=""/>
+        <p:cNvGrpSpPr/>
+        <p:nvPr/>
+      </p:nvGrpSpPr>
+      <p:grpSpPr>
+        <a:xfrm>
+          <a:off x="0" y="0"/>
+          <a:ext cx="0" cy="0"/>
+          <a:chOff x="0" y="0"/>
+          <a:chExt cx="0" cy="0"/>
+        </a:xfrm>
+      </p:grpSpPr>
+      <p:sp>
+        <p:nvSpPr>
+          <p:cNvPr id="2" name="幻灯片图像占位符 1"/>
+          <p:cNvSpPr>
+            <a:spLocks noGrp="1" noRot="1" noChangeAspect="1"/>
+          </p:cNvSpPr>
+          <p:nvPr>
+            <p:ph type="sldImg"/>
+          </p:nvPr>
+        </p:nvSpPr>
+        <p:spPr/>
+      </p:sp>
+      <p:sp>
+        <p:nvSpPr>
+          <p:cNvPr id="3" name="备注占位符 2"/>
+          <p:cNvSpPr>
+            <a:spLocks noGrp="1"/>
+          </p:cNvSpPr>
+          <p:nvPr>
+            <p:ph type="body" idx="1"/>
+          </p:nvPr>
+        </p:nvSpPr>
+        <p:spPr/>
+        <p:txBody>
+          <a:bodyPr/>
+          <a:lstStyle/>
+          <a:p>
+            <a:pPr marL="0" marR="0" indent="0" algn="l" defTabSz="914400" rtl="0" eaLnBrk="1" fontAlgn="auto" latinLnBrk="0" hangingPunct="1">
+              <a:lnSpc>
+                <a:spcPct val="100000"/>
+              </a:lnSpc>
+              <a:spcBef>
+                <a:spcPts val="0"/>
+              </a:spcBef>
+              <a:spcAft>
+                <a:spcPts val="0"/>
+              </a:spcAft>
+              <a:buClrTx/>
+              <a:buSzTx/>
+              <a:buFontTx/>
+              <a:buNone/>
+              <a:tabLst/>
+              <a:defRPr/>
+            </a:pPr>
+            <a:r>
+              <a:rPr lang="en-US" altLang="zh-CN" sz="1200" smtClean="0"/>
+              <a:t>#</a:t>
+            </a:r>
+            <a:r>
+              <a:rPr lang="zh-CN" altLang="en-US" sz="1200" smtClean="0"/>
+              <a:t>陈咬金第一斧： 如何解决？，思路必须正确</a:t>
+            </a:r>
+            <a:endParaRPr lang="en-US" altLang="zh-CN" sz="1200" smtClean="0">
+              <a:solidFill>
+                <a:srgbClr val="FF0000"/>
+              </a:solidFill>
+            </a:endParaRPr>
+          </a:p>
+          <a:p>
+            <a:pPr marL="0" marR="0" indent="0" algn="l" defTabSz="914400" rtl="0" eaLnBrk="1" fontAlgn="auto" latinLnBrk="0" hangingPunct="1">
+              <a:lnSpc>
+                <a:spcPct val="100000"/>
+              </a:lnSpc>
+              <a:spcBef>
+                <a:spcPts val="0"/>
+              </a:spcBef>
+              <a:spcAft>
+                <a:spcPts val="0"/>
+              </a:spcAft>
+              <a:buClrTx/>
+              <a:buSzTx/>
+              <a:buFontTx/>
+              <a:buNone/>
+              <a:tabLst/>
+              <a:defRPr/>
+            </a:pPr>
+            <a:r>
+              <a:rPr lang="en-US" altLang="zh-CN" sz="1200" b="1" smtClean="0"/>
+              <a:t>#</a:t>
+            </a:r>
+            <a:r>
+              <a:rPr lang="zh-CN" altLang="en-US" sz="1200" b="1" smtClean="0"/>
+              <a:t>陈咬金第二斧 ：流程图是什么</a:t>
+            </a:r>
+            <a:endParaRPr lang="en-US" altLang="zh-CN" sz="1200" b="1" smtClean="0"/>
+          </a:p>
+          <a:p>
+            <a:pPr marL="0" marR="0" indent="0" algn="l" defTabSz="914400" rtl="0" eaLnBrk="1" fontAlgn="auto" latinLnBrk="0" hangingPunct="1">
+              <a:lnSpc>
+                <a:spcPct val="100000"/>
+              </a:lnSpc>
+              <a:spcBef>
+                <a:spcPts val="0"/>
+              </a:spcBef>
+              <a:spcAft>
+                <a:spcPts val="0"/>
+              </a:spcAft>
+              <a:buClrTx/>
+              <a:buSzTx/>
+              <a:buFontTx/>
+              <a:buNone/>
+              <a:tabLst/>
+              <a:defRPr/>
+            </a:pPr>
+            <a:r>
+              <a:rPr lang="en-US" altLang="zh-CN" sz="1200" smtClean="0"/>
+              <a:t>#</a:t>
+            </a:r>
+            <a:r>
+              <a:rPr lang="zh-CN" altLang="en-US" sz="1200" smtClean="0"/>
+              <a:t>陈咬金第三斧：最值得你学习地方一点是</a:t>
+            </a:r>
+            <a:endParaRPr lang="en-US" altLang="zh-CN" sz="1200" smtClean="0"/>
+          </a:p>
+        </p:txBody>
+      </p:sp>
+      <p:sp>
+        <p:nvSpPr>
+          <p:cNvPr id="4" name="灯片编号占位符 3"/>
+          <p:cNvSpPr>
+            <a:spLocks noGrp="1"/>
+          </p:cNvSpPr>
+          <p:nvPr>
+            <p:ph type="sldNum" sz="quarter" idx="10"/>
+          </p:nvPr>
+        </p:nvSpPr>
+        <p:spPr/>
+        <p:txBody>
+          <a:bodyPr/>
+          <a:lstStyle/>
+          <a:p>
+            <a:fld id="{8AF453D5-9B32-8F40-BF12-CF5772967439}" type="slidenum">
+              <a:rPr kumimoji="1" lang="zh-CN" altLang="en-US" smtClean="0"/>
+              <a:t>14</a:t>
+            </a:fld>
+            <a:endParaRPr kumimoji="1" lang="zh-CN" altLang="en-US"/>
+          </a:p>
+        </p:txBody>
+      </p:sp>
+    </p:spTree>
+    <p:extLst>
+      <p:ext uri="{BB962C8B-B14F-4D97-AF65-F5344CB8AC3E}">
+        <p14:creationId xmlns:p14="http://schemas.microsoft.com/office/powerpoint/2010/main" val="1947671427"/>
+      </p:ext>
+    </p:extLst>
+  </p:cSld>
+  <p:clrMapOvr>
+    <a:masterClrMapping/>
+  </p:clrMapOvr>
+</p:notes>
+</file>
+
+<file path=ppt/notesSlides/notesSlide13.xml><?xml version="1.0" encoding="utf-8"?>
+<p:notes xmlns:a="http://schemas.openxmlformats.org/drawingml/2006/main" xmlns:r="http://schemas.openxmlformats.org/officeDocument/2006/relationships" xmlns:p="http://schemas.openxmlformats.org/presentationml/2006/main">
+  <p:cSld>
+    <p:spTree>
+      <p:nvGrpSpPr>
+        <p:cNvPr id="1" name=""/>
+        <p:cNvGrpSpPr/>
+        <p:nvPr/>
+      </p:nvGrpSpPr>
+      <p:grpSpPr>
+        <a:xfrm>
+          <a:off x="0" y="0"/>
+          <a:ext cx="0" cy="0"/>
+          <a:chOff x="0" y="0"/>
+          <a:chExt cx="0" cy="0"/>
+        </a:xfrm>
+      </p:grpSpPr>
+      <p:sp>
+        <p:nvSpPr>
+          <p:cNvPr id="2" name="幻灯片图像占位符 1"/>
+          <p:cNvSpPr>
+            <a:spLocks noGrp="1" noRot="1" noChangeAspect="1"/>
+          </p:cNvSpPr>
+          <p:nvPr>
+            <p:ph type="sldImg"/>
+          </p:nvPr>
+        </p:nvSpPr>
+        <p:spPr/>
+      </p:sp>
+      <p:sp>
+        <p:nvSpPr>
+          <p:cNvPr id="3" name="备注占位符 2"/>
+          <p:cNvSpPr>
+            <a:spLocks noGrp="1"/>
+          </p:cNvSpPr>
+          <p:nvPr>
+            <p:ph type="body" idx="1"/>
+          </p:nvPr>
+        </p:nvSpPr>
+        <p:spPr/>
+        <p:txBody>
+          <a:bodyPr/>
+          <a:lstStyle/>
+          <a:p>
+            <a:r>
+              <a:rPr lang="en-US" altLang="zh-CN" smtClean="0">
+                <a:hlinkClick r:id="rId3"/>
+              </a:rPr>
+              <a:t>https://redislabs.com/blog/top-redis-headaches-for-devops-replication-buffer/</a:t>
+            </a:r>
+            <a:endParaRPr lang="en-US" altLang="zh-CN" smtClean="0"/>
+          </a:p>
+          <a:p>
+            <a:r>
+              <a:rPr lang="en-US" altLang="zh-CN" smtClean="0">
+                <a:hlinkClick r:id="rId4"/>
+              </a:rPr>
+              <a:t>https://github.com/spotahome/redis-operator/issues/118</a:t>
+            </a:r>
+            <a:endParaRPr lang="zh-CN" altLang="en-US"/>
+          </a:p>
+        </p:txBody>
+      </p:sp>
+      <p:sp>
+        <p:nvSpPr>
+          <p:cNvPr id="4" name="灯片编号占位符 3"/>
+          <p:cNvSpPr>
+            <a:spLocks noGrp="1"/>
+          </p:cNvSpPr>
+          <p:nvPr>
+            <p:ph type="sldNum" sz="quarter" idx="10"/>
+          </p:nvPr>
+        </p:nvSpPr>
+        <p:spPr/>
+        <p:txBody>
+          <a:bodyPr/>
+          <a:lstStyle/>
+          <a:p>
+            <a:fld id="{8AF453D5-9B32-8F40-BF12-CF5772967439}" type="slidenum">
+              <a:rPr kumimoji="1" lang="zh-CN" altLang="en-US" smtClean="0"/>
+              <a:t>15</a:t>
+            </a:fld>
+            <a:endParaRPr kumimoji="1" lang="zh-CN" altLang="en-US"/>
+          </a:p>
+        </p:txBody>
+      </p:sp>
+    </p:spTree>
+    <p:extLst>
+      <p:ext uri="{BB962C8B-B14F-4D97-AF65-F5344CB8AC3E}">
+        <p14:creationId xmlns:p14="http://schemas.microsoft.com/office/powerpoint/2010/main" val="3856187530"/>
+      </p:ext>
+    </p:extLst>
+  </p:cSld>
+  <p:clrMapOvr>
+    <a:masterClrMapping/>
+  </p:clrMapOvr>
+</p:notes>
+</file>
+
+<file path=ppt/notesSlides/notesSlide14.xml><?xml version="1.0" encoding="utf-8"?>
+<p:notes xmlns:a="http://schemas.openxmlformats.org/drawingml/2006/main" xmlns:r="http://schemas.openxmlformats.org/officeDocument/2006/relationships" xmlns:p="http://schemas.openxmlformats.org/presentationml/2006/main">
+  <p:cSld>
+    <p:spTree>
+      <p:nvGrpSpPr>
+        <p:cNvPr id="1" name=""/>
+        <p:cNvGrpSpPr/>
+        <p:nvPr/>
+      </p:nvGrpSpPr>
+      <p:grpSpPr>
+        <a:xfrm>
+          <a:off x="0" y="0"/>
+          <a:ext cx="0" cy="0"/>
+          <a:chOff x="0" y="0"/>
+          <a:chExt cx="0" cy="0"/>
+        </a:xfrm>
+      </p:grpSpPr>
+      <p:sp>
+        <p:nvSpPr>
+          <p:cNvPr id="2" name="幻灯片图像占位符 1"/>
+          <p:cNvSpPr>
+            <a:spLocks noGrp="1" noRot="1" noChangeAspect="1"/>
+          </p:cNvSpPr>
+          <p:nvPr>
+            <p:ph type="sldImg"/>
+          </p:nvPr>
+        </p:nvSpPr>
+        <p:spPr/>
+      </p:sp>
+      <p:sp>
+        <p:nvSpPr>
+          <p:cNvPr id="3" name="备注占位符 2"/>
+          <p:cNvSpPr>
+            <a:spLocks noGrp="1"/>
+          </p:cNvSpPr>
+          <p:nvPr>
+            <p:ph type="body" idx="1"/>
+          </p:nvPr>
+        </p:nvSpPr>
+        <p:spPr/>
+        <p:txBody>
+          <a:bodyPr/>
+          <a:lstStyle/>
+          <a:p>
+            <a:pPr marL="0" marR="0" indent="0" algn="l" defTabSz="914400" rtl="0" eaLnBrk="1" fontAlgn="auto" latinLnBrk="0" hangingPunct="1">
+              <a:lnSpc>
+                <a:spcPct val="100000"/>
+              </a:lnSpc>
+              <a:spcBef>
+                <a:spcPts val="0"/>
+              </a:spcBef>
+              <a:spcAft>
+                <a:spcPts val="0"/>
+              </a:spcAft>
+              <a:buClrTx/>
+              <a:buSzTx/>
+              <a:buFontTx/>
+              <a:buNone/>
+              <a:tabLst/>
+              <a:defRPr/>
+            </a:pPr>
+            <a:r>
+              <a:rPr lang="en-US" altLang="zh-CN" sz="1200" smtClean="0"/>
+              <a:t>#</a:t>
+            </a:r>
+            <a:r>
+              <a:rPr lang="zh-CN" altLang="en-US" sz="1200" smtClean="0"/>
+              <a:t>陈咬金第一斧： 如何解决？，思路必须正确</a:t>
+            </a:r>
+            <a:endParaRPr lang="en-US" altLang="zh-CN" sz="1200" smtClean="0">
+              <a:solidFill>
+                <a:srgbClr val="FF0000"/>
+              </a:solidFill>
+            </a:endParaRPr>
+          </a:p>
+          <a:p>
+            <a:pPr marL="0" marR="0" indent="0" algn="l" defTabSz="914400" rtl="0" eaLnBrk="1" fontAlgn="auto" latinLnBrk="0" hangingPunct="1">
+              <a:lnSpc>
+                <a:spcPct val="100000"/>
+              </a:lnSpc>
+              <a:spcBef>
+                <a:spcPts val="0"/>
+              </a:spcBef>
+              <a:spcAft>
+                <a:spcPts val="0"/>
+              </a:spcAft>
+              <a:buClrTx/>
+              <a:buSzTx/>
+              <a:buFontTx/>
+              <a:buNone/>
+              <a:tabLst/>
+              <a:defRPr/>
+            </a:pPr>
+            <a:r>
+              <a:rPr lang="en-US" altLang="zh-CN" sz="1200" b="1" smtClean="0"/>
+              <a:t>#</a:t>
+            </a:r>
+            <a:r>
+              <a:rPr lang="zh-CN" altLang="en-US" sz="1200" b="1" smtClean="0"/>
+              <a:t>陈咬金第二斧 ：流程图是什么</a:t>
+            </a:r>
+            <a:endParaRPr lang="en-US" altLang="zh-CN" sz="1200" b="1" smtClean="0"/>
+          </a:p>
+          <a:p>
+            <a:pPr marL="0" marR="0" indent="0" algn="l" defTabSz="914400" rtl="0" eaLnBrk="1" fontAlgn="auto" latinLnBrk="0" hangingPunct="1">
+              <a:lnSpc>
+                <a:spcPct val="100000"/>
+              </a:lnSpc>
+              <a:spcBef>
+                <a:spcPts val="0"/>
+              </a:spcBef>
+              <a:spcAft>
+                <a:spcPts val="0"/>
+              </a:spcAft>
+              <a:buClrTx/>
+              <a:buSzTx/>
+              <a:buFontTx/>
+              <a:buNone/>
+              <a:tabLst/>
+              <a:defRPr/>
+            </a:pPr>
+            <a:r>
+              <a:rPr lang="en-US" altLang="zh-CN" sz="1200" smtClean="0"/>
+              <a:t>#</a:t>
+            </a:r>
+            <a:r>
+              <a:rPr lang="zh-CN" altLang="en-US" sz="1200" smtClean="0"/>
+              <a:t>陈咬金第三斧：最值得你学习地方一点是</a:t>
+            </a:r>
+            <a:endParaRPr lang="en-US" altLang="zh-CN" sz="1200" smtClean="0"/>
+          </a:p>
+        </p:txBody>
+      </p:sp>
+      <p:sp>
+        <p:nvSpPr>
+          <p:cNvPr id="4" name="灯片编号占位符 3"/>
+          <p:cNvSpPr>
+            <a:spLocks noGrp="1"/>
+          </p:cNvSpPr>
+          <p:nvPr>
+            <p:ph type="sldNum" sz="quarter" idx="10"/>
+          </p:nvPr>
+        </p:nvSpPr>
+        <p:spPr/>
+        <p:txBody>
+          <a:bodyPr/>
+          <a:lstStyle/>
+          <a:p>
+            <a:fld id="{8AF453D5-9B32-8F40-BF12-CF5772967439}" type="slidenum">
+              <a:rPr kumimoji="1" lang="zh-CN" altLang="en-US" smtClean="0"/>
+              <a:t>16</a:t>
+            </a:fld>
+            <a:endParaRPr kumimoji="1" lang="zh-CN" altLang="en-US"/>
+          </a:p>
+        </p:txBody>
+      </p:sp>
+    </p:spTree>
+    <p:extLst>
+      <p:ext uri="{BB962C8B-B14F-4D97-AF65-F5344CB8AC3E}">
+        <p14:creationId xmlns:p14="http://schemas.microsoft.com/office/powerpoint/2010/main" val="4049119720"/>
+      </p:ext>
+    </p:extLst>
   </p:cSld>
   <p:clrMapOvr>
     <a:masterClrMapping/>
@@ -879,58 +2247,58 @@
           <a:lstStyle/>
           <a:p>
             <a:r>
-              <a:rPr lang="zh-CN" altLang="en-US" dirty="0" smtClean="0"/>
+              <a:rPr lang="zh-CN" altLang="en-US" smtClean="0"/>
               <a:t>一致性</a:t>
             </a:r>
             <a:r>
-              <a:rPr lang="en-US" altLang="zh-CN" dirty="0" smtClean="0"/>
+              <a:rPr lang="en-US" altLang="zh-CN" smtClean="0"/>
               <a:t>hash</a:t>
             </a:r>
             <a:r>
-              <a:rPr lang="zh-CN" altLang="en-US" dirty="0" smtClean="0"/>
+              <a:rPr lang="zh-CN" altLang="en-US" smtClean="0"/>
               <a:t>和</a:t>
             </a:r>
             <a:r>
-              <a:rPr lang="en-US" altLang="zh-CN" dirty="0" smtClean="0"/>
+              <a:rPr lang="en-US" altLang="zh-CN" smtClean="0"/>
               <a:t>redis</a:t>
             </a:r>
             <a:r>
-              <a:rPr lang="en-US" altLang="zh-CN" baseline="0" dirty="0" smtClean="0"/>
+              <a:rPr lang="en-US" altLang="zh-CN" baseline="0" smtClean="0"/>
               <a:t> </a:t>
             </a:r>
             <a:r>
-              <a:rPr lang="zh-CN" altLang="en-US" baseline="0" dirty="0" smtClean="0"/>
+              <a:rPr lang="zh-CN" altLang="en-US" baseline="0" smtClean="0"/>
               <a:t>集群的区别？</a:t>
             </a:r>
             <a:r>
-              <a:rPr lang="zh-CN" altLang="en-US" dirty="0" smtClean="0"/>
+              <a:rPr lang="zh-CN" altLang="en-US" smtClean="0"/>
               <a:t>一致性</a:t>
             </a:r>
             <a:r>
-              <a:rPr lang="en-US" altLang="zh-CN" dirty="0" smtClean="0"/>
+              <a:rPr lang="en-US" altLang="zh-CN" smtClean="0"/>
               <a:t>hash </a:t>
             </a:r>
             <a:r>
-              <a:rPr lang="zh-CN" altLang="en-US" dirty="0" smtClean="0"/>
+              <a:rPr lang="zh-CN" altLang="en-US" smtClean="0"/>
               <a:t>是按照</a:t>
             </a:r>
             <a:r>
-              <a:rPr lang="en-US" altLang="zh-CN" dirty="0" smtClean="0"/>
+              <a:rPr lang="en-US" altLang="zh-CN" smtClean="0"/>
               <a:t>node</a:t>
             </a:r>
             <a:r>
-              <a:rPr lang="zh-CN" altLang="en-US" dirty="0" smtClean="0"/>
+              <a:rPr lang="zh-CN" altLang="en-US" smtClean="0"/>
               <a:t>均分这些记录。受限于</a:t>
             </a:r>
             <a:r>
-              <a:rPr lang="en-US" altLang="zh-CN" dirty="0" smtClean="0"/>
+              <a:rPr lang="en-US" altLang="zh-CN" smtClean="0"/>
               <a:t>node</a:t>
             </a:r>
             <a:r>
-              <a:rPr lang="zh-CN" altLang="en-US" dirty="0" smtClean="0"/>
+              <a:rPr lang="zh-CN" altLang="en-US" smtClean="0"/>
               <a:t>个数</a:t>
             </a:r>
-            <a:endParaRPr lang="zh-CN" altLang="en-US" dirty="0"/>
+            <a:endParaRPr lang="zh-CN" altLang="en-US"/>
           </a:p>
         </p:txBody>
       </p:sp>
@@ -1011,7 +2379,7 @@
           </a:bodyPr>
           <a:lstStyle/>
           <a:p>
-            <a:endParaRPr lang="zh-CN" altLang="en-US" dirty="0"/>
+            <a:endParaRPr lang="zh-CN" altLang="en-US"/>
           </a:p>
         </p:txBody>
       </p:sp>
@@ -1096,7 +2464,7 @@
               <a:buNone/>
             </a:pPr>
             <a:r>
-              <a:rPr lang="zh-CN" altLang="en-US" dirty="0" smtClean="0"/>
+              <a:rPr lang="zh-CN" altLang="en-US" smtClean="0"/>
               <a:t>里面关键词</a:t>
             </a:r>
           </a:p>
@@ -1105,7 +2473,7 @@
               <a:buNone/>
             </a:pPr>
             <a:r>
-              <a:rPr lang="en-US" dirty="0" smtClean="0"/>
+              <a:rPr lang="en-US" smtClean="0"/>
               <a:t>Replicated state machine </a:t>
             </a:r>
           </a:p>
@@ -1114,11 +2482,11 @@
               <a:buNone/>
             </a:pPr>
             <a:r>
-              <a:rPr lang="en-US" altLang="zh-CN" dirty="0" smtClean="0"/>
+              <a:rPr lang="en-US" altLang="zh-CN" smtClean="0"/>
               <a:t>Server </a:t>
             </a:r>
             <a:r>
-              <a:rPr lang="en-US" dirty="0" smtClean="0"/>
+              <a:rPr lang="en-US" smtClean="0"/>
               <a:t>rules repeatedly </a:t>
             </a:r>
           </a:p>
@@ -1127,10 +2495,10 @@
               <a:buNone/>
             </a:pPr>
             <a:r>
-              <a:rPr lang="en-US" dirty="0" smtClean="0"/>
+              <a:rPr lang="en-US" smtClean="0"/>
               <a:t>Server states </a:t>
             </a:r>
-            <a:endParaRPr lang="zh-CN" altLang="en-US" dirty="0"/>
+            <a:endParaRPr lang="zh-CN" altLang="en-US"/>
           </a:p>
         </p:txBody>
       </p:sp>
@@ -1212,12 +2580,12 @@
           <a:lstStyle/>
           <a:p>
             <a:r>
-              <a:rPr lang="en-US" dirty="0" smtClean="0">
+              <a:rPr lang="en-US" smtClean="0">
                 <a:hlinkClick r:id="rId3"/>
               </a:rPr>
               <a:t>https://www.youtube.com/watch?v=6Kwx8zfGW0Y</a:t>
             </a:r>
-            <a:endParaRPr lang="zh-CN" altLang="en-US" dirty="0"/>
+            <a:endParaRPr lang="zh-CN" altLang="en-US"/>
           </a:p>
         </p:txBody>
       </p:sp>
@@ -1313,54 +2681,54 @@
               <a:defRPr/>
             </a:pPr>
             <a:r>
-              <a:rPr lang="en-US" altLang="zh-CN" dirty="0" smtClean="0">
+              <a:rPr lang="en-US" altLang="zh-CN" smtClean="0">
                 <a:hlinkClick r:id="rId3"/>
               </a:rPr>
               <a:t>https://</a:t>
             </a:r>
             <a:r>
-              <a:rPr lang="en-US" altLang="zh-CN" dirty="0" err="1" smtClean="0">
+              <a:rPr lang="en-US" altLang="zh-CN" err="1" smtClean="0">
                 <a:hlinkClick r:id="rId3"/>
               </a:rPr>
               <a:t>wangcy6.github.io</a:t>
             </a:r>
             <a:r>
-              <a:rPr lang="en-US" altLang="zh-CN" dirty="0" smtClean="0">
+              <a:rPr lang="en-US" altLang="zh-CN" smtClean="0">
                 <a:hlinkClick r:id="rId3"/>
               </a:rPr>
               <a:t>/</a:t>
             </a:r>
             <a:r>
-              <a:rPr lang="en-US" altLang="zh-CN" dirty="0" smtClean="0">
+              <a:rPr lang="en-US" altLang="zh-CN" smtClean="0">
                 <a:hlinkClick r:id="rId4"/>
               </a:rPr>
               <a:t>/post/</a:t>
             </a:r>
             <a:r>
-              <a:rPr lang="en-US" altLang="zh-CN" dirty="0" err="1" smtClean="0">
+              <a:rPr lang="en-US" altLang="zh-CN" err="1" smtClean="0">
                 <a:hlinkClick r:id="rId4"/>
               </a:rPr>
               <a:t>DataBase</a:t>
             </a:r>
             <a:r>
-              <a:rPr lang="en-US" altLang="zh-CN" dirty="0" smtClean="0">
+              <a:rPr lang="en-US" altLang="zh-CN" smtClean="0">
                 <a:hlinkClick r:id="rId4"/>
               </a:rPr>
               <a:t>/</a:t>
             </a:r>
             <a:r>
-              <a:rPr lang="en-US" altLang="zh-CN" dirty="0" err="1" smtClean="0">
+              <a:rPr lang="en-US" altLang="zh-CN" err="1" smtClean="0">
                 <a:hlinkClick r:id="rId4"/>
               </a:rPr>
               <a:t>server_redis</a:t>
             </a:r>
             <a:r>
-              <a:rPr lang="en-US" altLang="zh-CN" dirty="0" smtClean="0">
+              <a:rPr lang="en-US" altLang="zh-CN" smtClean="0">
                 <a:hlinkClick r:id="rId4"/>
               </a:rPr>
               <a:t>/</a:t>
             </a:r>
-            <a:endParaRPr lang="en-US" altLang="zh-CN" dirty="0" smtClean="0"/>
+            <a:endParaRPr lang="en-US" altLang="zh-CN" smtClean="0"/>
           </a:p>
           <a:p>
             <a:pPr marL="0" marR="0" indent="0" algn="l" defTabSz="914400" rtl="0" eaLnBrk="1" fontAlgn="auto" latinLnBrk="0" hangingPunct="1">
@@ -1380,36 +2748,36 @@
               <a:defRPr/>
             </a:pPr>
             <a:r>
-              <a:rPr lang="en-US" altLang="zh-CN" dirty="0" smtClean="0">
+              <a:rPr lang="en-US" altLang="zh-CN" smtClean="0">
                 <a:hlinkClick r:id="rId5"/>
               </a:rPr>
               <a:t>https://</a:t>
             </a:r>
             <a:r>
-              <a:rPr lang="en-US" altLang="zh-CN" dirty="0" err="1" smtClean="0">
+              <a:rPr lang="en-US" altLang="zh-CN" err="1" smtClean="0">
                 <a:hlinkClick r:id="rId5"/>
               </a:rPr>
               <a:t>redis.io</a:t>
             </a:r>
             <a:r>
-              <a:rPr lang="en-US" altLang="zh-CN" dirty="0" smtClean="0">
+              <a:rPr lang="en-US" altLang="zh-CN" smtClean="0">
                 <a:hlinkClick r:id="rId5"/>
               </a:rPr>
               <a:t>/topics/</a:t>
             </a:r>
             <a:r>
-              <a:rPr lang="en-US" altLang="zh-CN" dirty="0" err="1" smtClean="0">
+              <a:rPr lang="en-US" altLang="zh-CN" err="1" smtClean="0">
                 <a:hlinkClick r:id="rId5"/>
               </a:rPr>
               <a:t>faq#redis-is-single-threaded-how-can-i-exploit-multiple-cpu</a:t>
             </a:r>
             <a:r>
-              <a:rPr lang="en-US" altLang="zh-CN" dirty="0" smtClean="0">
+              <a:rPr lang="en-US" altLang="zh-CN" smtClean="0">
                 <a:hlinkClick r:id="rId5"/>
               </a:rPr>
               <a:t>--cores</a:t>
             </a:r>
-            <a:endParaRPr lang="en-US" altLang="zh-CN" dirty="0" smtClean="0"/>
+            <a:endParaRPr lang="en-US" altLang="zh-CN" smtClean="0"/>
           </a:p>
           <a:p>
             <a:pPr marL="0" marR="0" indent="0" algn="l" defTabSz="914400" rtl="0" eaLnBrk="1" fontAlgn="auto" latinLnBrk="0" hangingPunct="1">
@@ -1429,31 +2797,31 @@
               <a:defRPr/>
             </a:pPr>
             <a:r>
-              <a:rPr lang="en-US" altLang="zh-CN" dirty="0" smtClean="0">
+              <a:rPr lang="en-US" altLang="zh-CN" smtClean="0">
                 <a:hlinkClick r:id="rId6"/>
               </a:rPr>
               <a:t>https://</a:t>
             </a:r>
             <a:r>
-              <a:rPr lang="en-US" altLang="zh-CN" dirty="0" err="1" smtClean="0">
+              <a:rPr lang="en-US" altLang="zh-CN" err="1" smtClean="0">
                 <a:hlinkClick r:id="rId6"/>
               </a:rPr>
               <a:t>qiankunli.github.io</a:t>
             </a:r>
             <a:r>
-              <a:rPr lang="en-US" altLang="zh-CN" dirty="0" smtClean="0">
+              <a:rPr lang="en-US" altLang="zh-CN" smtClean="0">
                 <a:hlinkClick r:id="rId6"/>
               </a:rPr>
               <a:t>/2019/04/20/</a:t>
             </a:r>
             <a:r>
-              <a:rPr lang="en-US" altLang="zh-CN" dirty="0" err="1" smtClean="0">
+              <a:rPr lang="en-US" altLang="zh-CN" err="1" smtClean="0">
                 <a:hlinkClick r:id="rId6"/>
               </a:rPr>
               <a:t>redis_source.html</a:t>
             </a:r>
             <a:r>
-              <a:rPr lang="zh-CN" altLang="en-US" sz="1200" b="0" i="0" kern="1200" dirty="0" smtClean="0">
+              <a:rPr lang="zh-CN" altLang="en-US" sz="1200" b="0" i="0" kern="1200" smtClean="0">
                 <a:solidFill>
                   <a:schemeClr val="tx1"/>
                 </a:solidFill>
@@ -1465,7 +2833,7 @@
               <a:t>我们以读事件为例，但发现数据可读时，执行了那么</a:t>
             </a:r>
             <a:r>
-              <a:rPr lang="en-US" altLang="zh-CN" sz="1200" b="0" i="0" kern="1200" dirty="0" err="1" smtClean="0">
+              <a:rPr lang="en-US" altLang="zh-CN" sz="1200" b="0" i="0" kern="1200" err="1" smtClean="0">
                 <a:solidFill>
                   <a:schemeClr val="tx1"/>
                 </a:solidFill>
@@ -1477,7 +2845,7 @@
               <a:t>rfileProc</a:t>
             </a:r>
             <a:r>
-              <a:rPr lang="en-US" altLang="zh-CN" sz="1200" b="0" i="0" kern="1200" dirty="0" smtClean="0">
+              <a:rPr lang="en-US" altLang="zh-CN" sz="1200" b="0" i="0" kern="1200" smtClean="0">
                 <a:solidFill>
                   <a:schemeClr val="tx1"/>
                 </a:solidFill>
@@ -1500,10 +2868,10 @@
               </a:rPr>
               <a:t>的执行逻辑是啥呢</a:t>
             </a:r>
-            <a:endParaRPr lang="en-US" altLang="zh-CN" dirty="0" smtClean="0"/>
-          </a:p>
-          <a:p>
-            <a:endParaRPr lang="zh-CN" altLang="en-US" dirty="0"/>
+            <a:endParaRPr lang="en-US" altLang="zh-CN" smtClean="0"/>
+          </a:p>
+          <a:p>
+            <a:endParaRPr lang="zh-CN" altLang="en-US"/>
           </a:p>
         </p:txBody>
       </p:sp>
@@ -1583,35 +2951,35 @@
           <a:lstStyle/>
           <a:p>
             <a:r>
-              <a:rPr lang="en-US" altLang="zh-CN" dirty="0" smtClean="0">
+              <a:rPr lang="en-US" altLang="zh-CN" smtClean="0">
                 <a:hlinkClick r:id="rId3"/>
               </a:rPr>
               <a:t>https://</a:t>
             </a:r>
             <a:r>
-              <a:rPr lang="en-US" altLang="zh-CN" dirty="0" err="1" smtClean="0">
+              <a:rPr lang="en-US" altLang="zh-CN" err="1" smtClean="0">
                 <a:hlinkClick r:id="rId3"/>
               </a:rPr>
               <a:t>chihiro.org.cn</a:t>
             </a:r>
             <a:r>
-              <a:rPr lang="en-US" altLang="zh-CN" dirty="0" smtClean="0">
+              <a:rPr lang="en-US" altLang="zh-CN" smtClean="0">
                 <a:hlinkClick r:id="rId3"/>
               </a:rPr>
               <a:t>/blogs/</a:t>
             </a:r>
             <a:r>
-              <a:rPr lang="en-US" altLang="zh-CN" dirty="0" err="1" smtClean="0">
+              <a:rPr lang="en-US" altLang="zh-CN" err="1" smtClean="0">
                 <a:hlinkClick r:id="rId3"/>
               </a:rPr>
               <a:t>1651636328.html</a:t>
             </a:r>
             <a:r>
-              <a:rPr lang="en-US" altLang="zh-CN" dirty="0" smtClean="0"/>
+              <a:rPr lang="en-US" altLang="zh-CN" smtClean="0"/>
               <a:t> </a:t>
             </a:r>
             <a:r>
-              <a:rPr lang="en-US" altLang="zh-CN" sz="1200" b="0" i="0" kern="1200" dirty="0" smtClean="0">
+              <a:rPr lang="en-US" altLang="zh-CN" sz="1200" b="0" i="0" kern="1200" smtClean="0">
                 <a:solidFill>
                   <a:schemeClr val="tx1"/>
                 </a:solidFill>
@@ -1623,7 +2991,7 @@
               <a:t>  Simple </a:t>
             </a:r>
             <a:r>
-              <a:rPr lang="en-US" altLang="zh-CN" sz="1200" b="0" i="0" kern="1200" dirty="0" err="1" smtClean="0">
+              <a:rPr lang="en-US" altLang="zh-CN" sz="1200" b="0" i="0" kern="1200" err="1" smtClean="0">
                 <a:solidFill>
                   <a:schemeClr val="tx1"/>
                 </a:solidFill>
@@ -1726,7 +3094,7 @@
           <a:lstStyle/>
           <a:p>
             <a:r>
-              <a:rPr lang="en-US" altLang="zh-CN" sz="1200" b="0" i="0" kern="1200" dirty="0" smtClean="0">
+              <a:rPr lang="en-US" altLang="zh-CN" sz="1200" b="0" i="0" kern="1200" smtClean="0">
                 <a:solidFill>
                   <a:schemeClr val="tx1"/>
                 </a:solidFill>
@@ -1738,7 +3106,7 @@
               <a:t>#</a:t>
             </a:r>
             <a:r>
-              <a:rPr lang="zh-CN" altLang="en-US" sz="1200" b="0" i="0" kern="1200" dirty="0" smtClean="0">
+              <a:rPr lang="zh-CN" altLang="en-US" sz="1200" b="0" i="0" kern="1200" smtClean="0">
                 <a:solidFill>
                   <a:schemeClr val="tx1"/>
                 </a:solidFill>
@@ -1752,19 +3120,19 @@
           </a:p>
           <a:p>
             <a:r>
-              <a:rPr lang="en-US" altLang="zh-CN" dirty="0" smtClean="0">
+              <a:rPr lang="en-US" altLang="zh-CN" smtClean="0">
                 <a:effectLst/>
               </a:rPr>
               <a:t>task: </a:t>
             </a:r>
             <a:r>
-              <a:rPr lang="zh-CN" altLang="en-US" dirty="0" smtClean="0">
+              <a:rPr lang="zh-CN" altLang="en-US" smtClean="0">
                 <a:effectLst/>
               </a:rPr>
               <a:t>通过</a:t>
             </a:r>
             <a:r>
-              <a:rPr lang="zh-CN" altLang="en-US" sz="1200" kern="1200" dirty="0" smtClean="0">
+              <a:rPr lang="zh-CN" altLang="en-US" sz="1200" kern="1200" smtClean="0">
                 <a:solidFill>
                   <a:schemeClr val="tx1"/>
                 </a:solidFill>
@@ -1777,7 +3145,7 @@
               <a:t>阅读</a:t>
             </a:r>
             <a:r>
-              <a:rPr lang="en-US" altLang="zh-CN" sz="1200" kern="1200" dirty="0" smtClean="0">
+              <a:rPr lang="en-US" altLang="zh-CN" sz="1200" kern="1200" smtClean="0">
                 <a:solidFill>
                   <a:schemeClr val="tx1"/>
                 </a:solidFill>
@@ -1790,7 +3158,7 @@
               <a:t>Redis</a:t>
             </a:r>
             <a:r>
-              <a:rPr lang="zh-CN" altLang="en-US" sz="1200" kern="1200" dirty="0" smtClean="0">
+              <a:rPr lang="zh-CN" altLang="en-US" sz="1200" kern="1200" smtClean="0">
                 <a:solidFill>
                   <a:schemeClr val="tx1"/>
                 </a:solidFill>
@@ -1803,7 +3171,7 @@
               <a:t>设计</a:t>
             </a:r>
             <a:r>
-              <a:rPr lang="zh-CN" altLang="en-US" dirty="0" smtClean="0">
+              <a:rPr lang="zh-CN" altLang="en-US" smtClean="0">
                 <a:effectLst/>
               </a:rPr>
               <a:t>，然后延伸到后面的每个章节。</a:t>
@@ -1811,7 +3179,7 @@
           </a:p>
           <a:p>
             <a:r>
-              <a:rPr lang="en-US" altLang="zh-CN" sz="1200" b="1" i="0" kern="1200" dirty="0" smtClean="0">
+              <a:rPr lang="en-US" altLang="zh-CN" sz="1200" b="1" i="0" kern="1200" smtClean="0">
                 <a:solidFill>
                   <a:schemeClr val="tx1"/>
                 </a:solidFill>
@@ -1823,7 +3191,7 @@
               <a:t>#</a:t>
             </a:r>
             <a:r>
-              <a:rPr lang="zh-CN" altLang="en-US" sz="1200" b="1" i="0" kern="1200" dirty="0" smtClean="0">
+              <a:rPr lang="zh-CN" altLang="en-US" sz="1200" b="1" i="0" kern="1200" smtClean="0">
                 <a:solidFill>
                   <a:schemeClr val="tx1"/>
                 </a:solidFill>
@@ -1837,13 +3205,13 @@
           </a:p>
           <a:p>
             <a:r>
-              <a:rPr lang="en-US" altLang="zh-CN" dirty="0" err="1" smtClean="0">
+              <a:rPr lang="en-US" altLang="zh-CN" err="1" smtClean="0">
                 <a:effectLst/>
               </a:rPr>
               <a:t>intset</a:t>
             </a:r>
             <a:r>
-              <a:rPr lang="zh-CN" altLang="en-US" dirty="0" smtClean="0">
+              <a:rPr lang="zh-CN" altLang="en-US" smtClean="0">
                 <a:effectLst/>
               </a:rPr>
               <a:t>：就是有序的数组</a:t>
@@ -1851,13 +3219,13 @@
           </a:p>
           <a:p>
             <a:r>
-              <a:rPr lang="en-US" altLang="zh-CN" dirty="0" err="1" smtClean="0">
+              <a:rPr lang="en-US" altLang="zh-CN" err="1" smtClean="0">
                 <a:effectLst/>
               </a:rPr>
               <a:t>hashtable</a:t>
             </a:r>
             <a:r>
-              <a:rPr lang="zh-CN" altLang="en-US" dirty="0" smtClean="0">
+              <a:rPr lang="zh-CN" altLang="en-US" smtClean="0">
                 <a:effectLst/>
               </a:rPr>
               <a:t>：二维数组</a:t>
@@ -1865,7 +3233,7 @@
           </a:p>
           <a:p>
             <a:r>
-              <a:rPr lang="en-US" altLang="zh-CN" sz="1200" b="0" i="0" kern="1200" dirty="0" smtClean="0">
+              <a:rPr lang="en-US" altLang="zh-CN" sz="1200" b="0" i="0" kern="1200" smtClean="0">
                 <a:solidFill>
                   <a:schemeClr val="tx1"/>
                 </a:solidFill>
@@ -1877,7 +3245,7 @@
               <a:t>#</a:t>
             </a:r>
             <a:r>
-              <a:rPr lang="zh-CN" altLang="en-US" sz="1200" b="0" i="0" kern="1200" dirty="0" smtClean="0">
+              <a:rPr lang="zh-CN" altLang="en-US" sz="1200" b="0" i="0" kern="1200" smtClean="0">
                 <a:solidFill>
                   <a:schemeClr val="tx1"/>
                 </a:solidFill>
@@ -1888,7 +3256,7 @@
               </a:rPr>
               <a:t>陈咬金第三斧 看源码</a:t>
             </a:r>
-            <a:endParaRPr lang="zh-CN" altLang="en-US" sz="1200" b="0" i="0" kern="1200" dirty="0">
+            <a:endParaRPr lang="zh-CN" altLang="en-US" sz="1200" b="0" i="0" kern="1200">
               <a:solidFill>
                 <a:schemeClr val="tx1"/>
               </a:solidFill>
@@ -1927,6 +3295,152 @@
     <p:extLst>
       <p:ext uri="{BB962C8B-B14F-4D97-AF65-F5344CB8AC3E}">
         <p14:creationId xmlns:p14="http://schemas.microsoft.com/office/powerpoint/2010/main" val="1114621081"/>
+      </p:ext>
+    </p:extLst>
+  </p:cSld>
+  <p:clrMapOvr>
+    <a:masterClrMapping/>
+  </p:clrMapOvr>
+</p:notes>
+</file>
+
+<file path=ppt/notesSlides/notesSlide9.xml><?xml version="1.0" encoding="utf-8"?>
+<p:notes xmlns:a="http://schemas.openxmlformats.org/drawingml/2006/main" xmlns:r="http://schemas.openxmlformats.org/officeDocument/2006/relationships" xmlns:p="http://schemas.openxmlformats.org/presentationml/2006/main">
+  <p:cSld>
+    <p:spTree>
+      <p:nvGrpSpPr>
+        <p:cNvPr id="1" name=""/>
+        <p:cNvGrpSpPr/>
+        <p:nvPr/>
+      </p:nvGrpSpPr>
+      <p:grpSpPr>
+        <a:xfrm>
+          <a:off x="0" y="0"/>
+          <a:ext cx="0" cy="0"/>
+          <a:chOff x="0" y="0"/>
+          <a:chExt cx="0" cy="0"/>
+        </a:xfrm>
+      </p:grpSpPr>
+      <p:sp>
+        <p:nvSpPr>
+          <p:cNvPr id="2" name="幻灯片图像占位符 1"/>
+          <p:cNvSpPr>
+            <a:spLocks noGrp="1" noRot="1" noChangeAspect="1"/>
+          </p:cNvSpPr>
+          <p:nvPr>
+            <p:ph type="sldImg"/>
+          </p:nvPr>
+        </p:nvSpPr>
+        <p:spPr/>
+      </p:sp>
+      <p:sp>
+        <p:nvSpPr>
+          <p:cNvPr id="3" name="备注占位符 2"/>
+          <p:cNvSpPr>
+            <a:spLocks noGrp="1"/>
+          </p:cNvSpPr>
+          <p:nvPr>
+            <p:ph type="body" idx="1"/>
+          </p:nvPr>
+        </p:nvSpPr>
+        <p:spPr/>
+        <p:txBody>
+          <a:bodyPr/>
+          <a:lstStyle/>
+          <a:p>
+            <a:r>
+              <a:rPr lang="zh-CN" altLang="en-US" smtClean="0"/>
+              <a:t>将 </a:t>
+            </a:r>
+            <a:r>
+              <a:rPr lang="en-US" altLang="zh-CN" smtClean="0"/>
+              <a:t>AOF </a:t>
+            </a:r>
+            <a:r>
+              <a:rPr lang="zh-CN" altLang="en-US" smtClean="0"/>
+              <a:t>缓存写入到文件中</a:t>
+            </a:r>
+            <a:endParaRPr lang="en-US" altLang="zh-CN" smtClean="0"/>
+          </a:p>
+          <a:p>
+            <a:endParaRPr lang="en-US" altLang="zh-CN" smtClean="0"/>
+          </a:p>
+          <a:p>
+            <a:endParaRPr lang="en-US" altLang="zh-CN" smtClean="0"/>
+          </a:p>
+          <a:p>
+            <a:r>
+              <a:rPr lang="en-US" altLang="zh-CN" smtClean="0"/>
+              <a:t>/ AOF </a:t>
+            </a:r>
+            <a:r>
+              <a:rPr lang="zh-CN" altLang="en-US" smtClean="0"/>
+              <a:t>重写缓存链表，链接着多个缓存块</a:t>
+            </a:r>
+          </a:p>
+          <a:p>
+            <a:r>
+              <a:rPr lang="zh-CN" altLang="en-US" smtClean="0"/>
+              <a:t>    </a:t>
+            </a:r>
+            <a:r>
+              <a:rPr lang="en-US" altLang="zh-CN" smtClean="0"/>
+              <a:t>list *aof_rewrite_buf_blocks;   /* Hold changes during an AOF rewrite. */</a:t>
+            </a:r>
+          </a:p>
+          <a:p>
+            <a:endParaRPr lang="en-US" altLang="zh-CN" smtClean="0"/>
+          </a:p>
+          <a:p>
+            <a:r>
+              <a:rPr lang="en-US" altLang="zh-CN" smtClean="0"/>
+              <a:t>    // AOF </a:t>
+            </a:r>
+            <a:r>
+              <a:rPr lang="zh-CN" altLang="en-US" smtClean="0"/>
+              <a:t>缓冲区</a:t>
+            </a:r>
+          </a:p>
+          <a:p>
+            <a:r>
+              <a:rPr lang="zh-CN" altLang="en-US" smtClean="0"/>
+              <a:t>    </a:t>
+            </a:r>
+            <a:r>
+              <a:rPr lang="en-US" altLang="zh-CN" smtClean="0"/>
+              <a:t>sds aof_buf;      /* AOF buffer, written before entering the event loop */</a:t>
+            </a:r>
+            <a:endParaRPr lang="zh-CN" altLang="en-US"/>
+          </a:p>
+        </p:txBody>
+      </p:sp>
+      <p:sp>
+        <p:nvSpPr>
+          <p:cNvPr id="4" name="灯片编号占位符 3"/>
+          <p:cNvSpPr>
+            <a:spLocks noGrp="1"/>
+          </p:cNvSpPr>
+          <p:nvPr>
+            <p:ph type="sldNum" sz="quarter" idx="10"/>
+          </p:nvPr>
+        </p:nvSpPr>
+        <p:spPr/>
+        <p:txBody>
+          <a:bodyPr/>
+          <a:lstStyle/>
+          <a:p>
+            <a:fld id="{8AF453D5-9B32-8F40-BF12-CF5772967439}" type="slidenum">
+              <a:rPr kumimoji="1" lang="zh-CN" altLang="en-US" smtClean="0"/>
+              <a:t>11</a:t>
+            </a:fld>
+            <a:endParaRPr kumimoji="1" lang="zh-CN" altLang="en-US"/>
+          </a:p>
+        </p:txBody>
+      </p:sp>
+    </p:spTree>
+    <p:extLst>
+      <p:ext uri="{BB962C8B-B14F-4D97-AF65-F5344CB8AC3E}">
+        <p14:creationId xmlns:p14="http://schemas.microsoft.com/office/powerpoint/2010/main" val="1587342960"/>
       </p:ext>
     </p:extLst>
   </p:cSld>
@@ -2159,7 +3673,7 @@
           </a:lstStyle>
           <a:p>
             <a:pPr algn="r"/>
-            <a:endParaRPr kumimoji="1" lang="zh-CN" altLang="en-US" sz="1800" spc="300" dirty="0">
+            <a:endParaRPr kumimoji="1" lang="zh-CN" altLang="en-US" sz="1800" spc="300">
               <a:solidFill>
                 <a:schemeClr val="bg1">
                   <a:lumMod val="95000"/>
@@ -2345,7 +3859,7 @@
           <a:lstStyle/>
           <a:p>
             <a:pPr algn="ctr"/>
-            <a:endParaRPr kumimoji="1" lang="zh-CN" altLang="en-US" dirty="0">
+            <a:endParaRPr kumimoji="1" lang="zh-CN" altLang="en-US">
               <a:solidFill>
                 <a:schemeClr val="bg1">
                   <a:lumMod val="85000"/>
@@ -3784,9 +5298,9 @@
           <a:p>
             <a:fld id="{7BC3C6E0-25AE-8A44-A617-CADD813DE539}" type="datetime1">
               <a:rPr lang="zh-CN" altLang="en-US" smtClean="0"/>
-              <a:t>2020/2/25</a:t>
+              <a:t>2020/2/27</a:t>
             </a:fld>
-            <a:endParaRPr lang="zh-CN" altLang="en-US" dirty="0"/>
+            <a:endParaRPr lang="zh-CN" altLang="en-US"/>
           </a:p>
         </p:txBody>
       </p:sp>
@@ -3933,7 +5447,7 @@
           </a:lstStyle>
           <a:p>
             <a:r>
-              <a:rPr lang="zh-CN" altLang="en-US" dirty="0"/>
+              <a:rPr lang="zh-CN" altLang="en-US"/>
               <a:t>谢谢</a:t>
             </a:r>
           </a:p>
@@ -3977,7 +5491,7 @@
           <a:p>
             <a:pPr algn="ctr"/>
             <a:r>
-              <a:rPr lang="en-US" altLang="zh-CN" sz="2400" dirty="0" smtClean="0">
+              <a:rPr lang="en-US" altLang="zh-CN" sz="2400" smtClean="0">
                 <a:solidFill>
                   <a:schemeClr val="bg1">
                     <a:lumMod val="50000"/>
@@ -3986,7 +5500,7 @@
               </a:rPr>
               <a:t>THANKS</a:t>
             </a:r>
-            <a:endParaRPr lang="zh-CN" altLang="en-US" sz="2400" dirty="0">
+            <a:endParaRPr lang="zh-CN" altLang="en-US" sz="2400">
               <a:solidFill>
                 <a:schemeClr val="bg1">
                   <a:lumMod val="50000"/>
@@ -4193,9 +5707,9 @@
           <a:p>
             <a:fld id="{B8DE94C4-0AC0-E74D-83DE-D1778C094258}" type="datetime1">
               <a:rPr lang="zh-CN" altLang="en-US" smtClean="0"/>
-              <a:t>2020/2/25</a:t>
+              <a:t>2020/2/27</a:t>
             </a:fld>
-            <a:endParaRPr lang="zh-CN" altLang="en-US" dirty="0"/>
+            <a:endParaRPr lang="zh-CN" altLang="en-US"/>
           </a:p>
         </p:txBody>
       </p:sp>
@@ -4232,7 +5746,7 @@
             </a:lvl1pPr>
           </a:lstStyle>
           <a:p>
-            <a:endParaRPr lang="zh-CN" altLang="en-US" dirty="0"/>
+            <a:endParaRPr lang="zh-CN" altLang="en-US"/>
           </a:p>
         </p:txBody>
       </p:sp>
@@ -4597,7 +6111,7 @@
           <a:lstStyle/>
           <a:p>
             <a:r>
-              <a:rPr lang="en-US" altLang="zh-CN" sz="2000" dirty="0" smtClean="0">
+              <a:rPr lang="en-US" altLang="zh-CN" sz="2000" smtClean="0">
                 <a:solidFill>
                   <a:schemeClr val="tx1"/>
                 </a:solidFill>
@@ -4605,7 +6119,7 @@
               <a:t>  </a:t>
             </a:r>
             <a:r>
-              <a:rPr altLang="en-US" sz="2000" dirty="0" smtClean="0">
+              <a:rPr altLang="en-US" sz="2000" smtClean="0">
                 <a:solidFill>
                   <a:schemeClr val="tx1"/>
                 </a:solidFill>
@@ -4613,7 +6127,7 @@
               <a:t>陈咬金三板斧</a:t>
             </a:r>
             <a:r>
-              <a:rPr lang="zh-CN" altLang="en-US" sz="2000" dirty="0" smtClean="0">
+              <a:rPr lang="zh-CN" altLang="en-US" sz="2000" smtClean="0">
                 <a:solidFill>
                   <a:schemeClr val="tx1"/>
                 </a:solidFill>
@@ -4621,7 +6135,7 @@
               <a:t>（</a:t>
             </a:r>
             <a:r>
-              <a:rPr lang="zh-CN" altLang="en-US" sz="2000" dirty="0">
+              <a:rPr lang="zh-CN" altLang="en-US" sz="2000">
                 <a:solidFill>
                   <a:schemeClr val="tx1"/>
                 </a:solidFill>
@@ -4629,7 +6143,7 @@
               <a:t>微软雅黑</a:t>
             </a:r>
             <a:r>
-              <a:rPr lang="en-US" altLang="zh-CN" sz="2000" dirty="0">
+              <a:rPr lang="en-US" altLang="zh-CN" sz="2000">
                 <a:solidFill>
                   <a:schemeClr val="tx1"/>
                 </a:solidFill>
@@ -4637,7 +6151,7 @@
               <a:t>28</a:t>
             </a:r>
             <a:r>
-              <a:rPr lang="zh-CN" altLang="en-US" sz="2000" dirty="0">
+              <a:rPr lang="zh-CN" altLang="en-US" sz="2000">
                 <a:solidFill>
                   <a:schemeClr val="tx1"/>
                 </a:solidFill>
@@ -4669,14 +6183,14 @@
               <a:buAutoNum type="arabicPeriod"/>
             </a:pPr>
             <a:r>
-              <a:rPr altLang="en-US" dirty="0" smtClean="0">
+              <a:rPr altLang="en-US" smtClean="0">
                 <a:solidFill>
                   <a:srgbClr val="FF0000"/>
                 </a:solidFill>
               </a:rPr>
               <a:t>从数据流（状态变化）了解项目细节</a:t>
             </a:r>
-            <a:endParaRPr lang="zh-CN" altLang="en-US" dirty="0" smtClean="0">
+            <a:endParaRPr lang="zh-CN" altLang="en-US" smtClean="0">
               <a:solidFill>
                 <a:srgbClr val="FF0000"/>
               </a:solidFill>
@@ -4688,14 +6202,14 @@
               <a:buAutoNum type="arabicPeriod"/>
             </a:pPr>
             <a:r>
-              <a:rPr altLang="en-US" dirty="0" smtClean="0">
+              <a:rPr altLang="en-US" smtClean="0">
                 <a:solidFill>
                   <a:srgbClr val="FF0000"/>
                 </a:solidFill>
               </a:rPr>
               <a:t>从模型设计了解架构</a:t>
             </a:r>
-            <a:endParaRPr lang="zh-CN" altLang="en-US" dirty="0">
+            <a:endParaRPr lang="zh-CN" altLang="en-US">
               <a:solidFill>
                 <a:srgbClr val="FF0000"/>
               </a:solidFill>
@@ -4707,7 +6221,7 @@
               <a:buAutoNum type="arabicPeriod"/>
             </a:pPr>
             <a:r>
-              <a:rPr altLang="en-US" dirty="0" smtClean="0">
+              <a:rPr altLang="en-US" smtClean="0">
                 <a:solidFill>
                   <a:srgbClr val="FF0000"/>
                 </a:solidFill>
@@ -4715,7 +6229,7 @@
               <a:t>从</a:t>
             </a:r>
             <a:r>
-              <a:rPr lang="en-US" altLang="zh-CN" dirty="0" smtClean="0">
+              <a:rPr lang="en-US" altLang="zh-CN" smtClean="0">
                 <a:solidFill>
                   <a:srgbClr val="FF0000"/>
                 </a:solidFill>
@@ -4723,14 +6237,14 @@
               <a:t>pr</a:t>
             </a:r>
             <a:r>
-              <a:rPr dirty="0" smtClean="0">
+              <a:rPr smtClean="0">
                 <a:solidFill>
                   <a:srgbClr val="FF0000"/>
                 </a:solidFill>
               </a:rPr>
               <a:t>了解新版本变更 新特性</a:t>
             </a:r>
-            <a:endParaRPr lang="zh-CN" altLang="en-US" dirty="0">
+            <a:endParaRPr lang="zh-CN" altLang="en-US">
               <a:solidFill>
                 <a:srgbClr val="FF0000"/>
               </a:solidFill>
@@ -4762,7 +6276,7 @@
               <a:rPr lang="zh-CN" altLang="en-US" smtClean="0"/>
               <a:t>0</a:t>
             </a:fld>
-            <a:endParaRPr lang="zh-CN" altLang="en-US" dirty="0"/>
+            <a:endParaRPr lang="zh-CN" altLang="en-US"/>
           </a:p>
         </p:txBody>
       </p:sp>
@@ -4820,22 +6334,22 @@
           <a:lstStyle/>
           <a:p>
             <a:r>
-              <a:rPr lang="zh-CN" altLang="en-US" dirty="0"/>
+              <a:rPr lang="zh-CN" altLang="en-US"/>
               <a:t>流媒体服务</a:t>
             </a:r>
             <a:r>
-              <a:rPr lang="zh-CN" altLang="en-US" dirty="0" smtClean="0"/>
+              <a:rPr lang="zh-CN" altLang="en-US" smtClean="0"/>
               <a:t>器集群方案</a:t>
             </a:r>
             <a:r>
-              <a:rPr lang="en-US" altLang="zh-CN" dirty="0" smtClean="0"/>
+              <a:rPr lang="en-US" altLang="zh-CN" smtClean="0"/>
               <a:t>:</a:t>
             </a:r>
             <a:r>
-              <a:rPr lang="zh-CN" altLang="en-US" dirty="0" smtClean="0"/>
+              <a:rPr lang="zh-CN" altLang="en-US" smtClean="0"/>
               <a:t>避免单点</a:t>
             </a:r>
-            <a:endParaRPr lang="zh-CN" altLang="en-US" dirty="0"/>
+            <a:endParaRPr lang="zh-CN" altLang="en-US"/>
           </a:p>
         </p:txBody>
       </p:sp>
@@ -4972,42 +6486,42 @@
           <a:lstStyle/>
           <a:p>
             <a:r>
-              <a:rPr lang="en-US" altLang="zh-CN" sz="1800" dirty="0"/>
+              <a:rPr lang="en-US" altLang="zh-CN" sz="1800"/>
               <a:t> </a:t>
             </a:r>
             <a:r>
-              <a:rPr lang="en-US" altLang="zh-CN" sz="1800" dirty="0" smtClean="0"/>
+              <a:rPr lang="en-US" altLang="zh-CN" sz="1800" smtClean="0"/>
               <a:t>  </a:t>
             </a:r>
             <a:r>
-              <a:rPr lang="zh-CN" altLang="en-US" sz="1800" dirty="0" smtClean="0"/>
+              <a:rPr lang="zh-CN" altLang="en-US" sz="1800" smtClean="0"/>
               <a:t>第三题 </a:t>
             </a:r>
             <a:r>
-              <a:rPr lang="en-US" altLang="zh-CN" sz="1800" dirty="0" smtClean="0"/>
+              <a:rPr lang="en-US" altLang="zh-CN" sz="1800" smtClean="0"/>
               <a:t>redis </a:t>
             </a:r>
             <a:r>
-              <a:rPr lang="zh-CN" altLang="en-US" sz="1800" dirty="0" smtClean="0"/>
+              <a:rPr lang="zh-CN" altLang="en-US" sz="1800" smtClean="0"/>
               <a:t>对象编码方式</a:t>
             </a:r>
             <a:r>
-              <a:rPr lang="en-US" altLang="zh-CN" sz="1800" dirty="0" smtClean="0"/>
+              <a:rPr lang="en-US" altLang="zh-CN" sz="1800" smtClean="0"/>
               <a:t>(</a:t>
             </a:r>
             <a:r>
-              <a:rPr lang="zh-CN" altLang="en-US" sz="1800" b="1" dirty="0"/>
+              <a:rPr lang="zh-CN" altLang="en-US" sz="1800" b="1"/>
               <a:t>对象所使用的底层数据结构</a:t>
             </a:r>
             <a:r>
-              <a:rPr lang="en-US" altLang="zh-CN" sz="1800" dirty="0" smtClean="0"/>
+              <a:rPr lang="en-US" altLang="zh-CN" sz="1800" smtClean="0"/>
               <a:t>)</a:t>
             </a:r>
             <a:r>
-              <a:rPr lang="zh-CN" altLang="en-US" sz="1800" dirty="0" smtClean="0"/>
+              <a:rPr lang="zh-CN" altLang="en-US" sz="1800" smtClean="0"/>
               <a:t>   </a:t>
             </a:r>
-            <a:endParaRPr lang="zh-CN" altLang="en-US" sz="1800" dirty="0"/>
+            <a:endParaRPr lang="zh-CN" altLang="en-US" sz="1800"/>
           </a:p>
         </p:txBody>
       </p:sp>
@@ -5166,7 +6680,7 @@
         <p:spPr/>
         <p:txBody>
           <a:bodyPr>
-            <a:normAutofit/>
+            <a:noAutofit/>
           </a:bodyPr>
           <a:lstStyle/>
           <a:p>
@@ -5174,109 +6688,93 @@
               <a:buNone/>
             </a:pPr>
             <a:r>
-              <a:rPr lang="en-US" altLang="zh-CN" dirty="0"/>
+              <a:rPr lang="en-US" altLang="zh-CN" sz="1400"/>
               <a:t>#</a:t>
             </a:r>
             <a:r>
-              <a:rPr lang="zh-CN" altLang="en-US" dirty="0"/>
+              <a:rPr lang="zh-CN" altLang="en-US" sz="1400"/>
               <a:t>陈咬金第一</a:t>
             </a:r>
             <a:r>
-              <a:rPr lang="zh-CN" altLang="en-US" dirty="0" smtClean="0"/>
+              <a:rPr lang="zh-CN" altLang="en-US" sz="1400" smtClean="0"/>
               <a:t>斧： </a:t>
             </a:r>
             <a:r>
-              <a:rPr lang="zh-CN" altLang="en-US" dirty="0"/>
+              <a:rPr lang="zh-CN" altLang="en-US" sz="1400"/>
               <a:t>如何解</a:t>
             </a:r>
             <a:r>
-              <a:rPr lang="zh-CN" altLang="en-US" dirty="0" smtClean="0"/>
+              <a:rPr lang="zh-CN" altLang="en-US" sz="1400" smtClean="0"/>
               <a:t>决？，思路必须正确。</a:t>
             </a:r>
-            <a:endParaRPr lang="en-US" altLang="zh-CN" dirty="0" smtClean="0"/>
-          </a:p>
-          <a:p>
-            <a:r>
-              <a:rPr lang="en-US" altLang="zh-CN" dirty="0" smtClean="0">
+            <a:endParaRPr lang="en-US" altLang="zh-CN" sz="1400" smtClean="0"/>
+          </a:p>
+          <a:p>
+            <a:r>
+              <a:rPr lang="en-US" altLang="zh-CN" sz="1400" smtClean="0">
                 <a:solidFill>
                   <a:srgbClr val="FF0000"/>
                 </a:solidFill>
               </a:rPr>
-              <a:t> </a:t>
-            </a:r>
-            <a:r>
-              <a:rPr lang="en-US" altLang="zh-CN" dirty="0" smtClean="0">
+              <a:t> book:    redis</a:t>
+            </a:r>
+            <a:r>
+              <a:rPr lang="zh-CN" altLang="en-US" sz="1400" smtClean="0">
                 <a:solidFill>
                   <a:srgbClr val="FF0000"/>
                 </a:solidFill>
               </a:rPr>
-              <a:t>book:    </a:t>
-            </a:r>
-            <a:r>
-              <a:rPr lang="en-US" altLang="zh-CN" dirty="0" smtClean="0">
+              <a:t>设计第</a:t>
+            </a:r>
+            <a:r>
+              <a:rPr lang="en-US" altLang="zh-CN" sz="1400" smtClean="0">
                 <a:solidFill>
                   <a:srgbClr val="FF0000"/>
                 </a:solidFill>
               </a:rPr>
-              <a:t>redis</a:t>
-            </a:r>
-            <a:r>
-              <a:rPr lang="zh-CN" altLang="en-US" dirty="0" smtClean="0">
+              <a:t>10</a:t>
+            </a:r>
+            <a:r>
+              <a:rPr lang="zh-CN" altLang="en-US" sz="1400" smtClean="0">
                 <a:solidFill>
                   <a:srgbClr val="FF0000"/>
                 </a:solidFill>
               </a:rPr>
-              <a:t>设计第</a:t>
-            </a:r>
-            <a:r>
-              <a:rPr lang="en-US" altLang="zh-CN" dirty="0" smtClean="0">
-                <a:solidFill>
-                  <a:srgbClr val="FF0000"/>
-                </a:solidFill>
-              </a:rPr>
-              <a:t>10</a:t>
-            </a:r>
-            <a:r>
-              <a:rPr lang="zh-CN" altLang="en-US" dirty="0" smtClean="0">
-                <a:solidFill>
-                  <a:srgbClr val="FF0000"/>
-                </a:solidFill>
-              </a:rPr>
               <a:t>章节 </a:t>
             </a:r>
             <a:r>
-              <a:rPr lang="en-US" altLang="zh-CN" dirty="0"/>
+              <a:rPr lang="en-US" altLang="zh-CN" sz="1400"/>
               <a:t>RDB </a:t>
             </a:r>
             <a:r>
-              <a:rPr lang="zh-CN" altLang="en-US" dirty="0"/>
+              <a:rPr lang="zh-CN" altLang="en-US" sz="1400"/>
               <a:t>持久</a:t>
             </a:r>
             <a:r>
-              <a:rPr lang="zh-CN" altLang="en-US" dirty="0" smtClean="0"/>
+              <a:rPr lang="zh-CN" altLang="en-US" sz="1400" smtClean="0"/>
               <a:t>化，第</a:t>
             </a:r>
             <a:r>
-              <a:rPr lang="en-US" altLang="zh-CN" dirty="0" smtClean="0"/>
+              <a:rPr lang="en-US" altLang="zh-CN" sz="1400" smtClean="0"/>
               <a:t>11</a:t>
             </a:r>
             <a:r>
-              <a:rPr lang="zh-CN" altLang="en-US" dirty="0" smtClean="0"/>
+              <a:rPr lang="zh-CN" altLang="en-US" sz="1400" smtClean="0"/>
               <a:t>章节 </a:t>
             </a:r>
             <a:r>
-              <a:rPr lang="en-US" altLang="zh-CN" dirty="0"/>
+              <a:rPr lang="en-US" altLang="zh-CN" sz="1400"/>
               <a:t>AOF </a:t>
             </a:r>
             <a:r>
-              <a:rPr lang="zh-CN" altLang="en-US" dirty="0"/>
+              <a:rPr lang="zh-CN" altLang="en-US" sz="1400"/>
               <a:t>持久</a:t>
             </a:r>
             <a:r>
-              <a:rPr lang="zh-CN" altLang="en-US" dirty="0" smtClean="0"/>
+              <a:rPr lang="zh-CN" altLang="en-US" sz="1400" smtClean="0"/>
               <a:t>化</a:t>
             </a:r>
-            <a:endParaRPr lang="en-US" altLang="zh-CN" dirty="0">
+            <a:endParaRPr lang="en-US" altLang="zh-CN" sz="1400">
               <a:solidFill>
                 <a:srgbClr val="FF0000"/>
               </a:solidFill>
@@ -5284,7 +6782,7 @@
           </a:p>
           <a:p>
             <a:r>
-              <a:rPr lang="en-US" altLang="zh-CN" dirty="0">
+              <a:rPr lang="en-US" altLang="zh-CN" sz="1400">
                 <a:solidFill>
                   <a:srgbClr val="FF0000"/>
                 </a:solidFill>
@@ -5292,7 +6790,7 @@
               <a:t> </a:t>
             </a:r>
             <a:r>
-              <a:rPr lang="en-US" altLang="zh-CN" dirty="0" smtClean="0">
+              <a:rPr lang="en-US" altLang="zh-CN" sz="1400" smtClean="0">
                 <a:solidFill>
                   <a:srgbClr val="FF0000"/>
                 </a:solidFill>
@@ -5300,7 +6798,7 @@
               <a:t>coding</a:t>
             </a:r>
             <a:r>
-              <a:rPr lang="zh-CN" altLang="en-US" dirty="0" smtClean="0">
+              <a:rPr lang="zh-CN" altLang="en-US" sz="1400" smtClean="0">
                 <a:solidFill>
                   <a:srgbClr val="FF0000"/>
                 </a:solidFill>
@@ -5308,7 +6806,7 @@
               <a:t>：</a:t>
             </a:r>
             <a:r>
-              <a:rPr lang="en-US" altLang="zh-CN" dirty="0" err="1" smtClean="0">
+              <a:rPr lang="en-US" altLang="zh-CN" sz="1400" err="1" smtClean="0">
                 <a:solidFill>
                   <a:srgbClr val="FF0000"/>
                 </a:solidFill>
@@ -5316,7 +6814,7 @@
               <a:t>rdbSaveBackground</a:t>
             </a:r>
             <a:r>
-              <a:rPr lang="en-US" altLang="zh-CN" dirty="0" smtClean="0">
+              <a:rPr lang="en-US" altLang="zh-CN" sz="1400" smtClean="0">
                 <a:solidFill>
                   <a:srgbClr val="FF0000"/>
                 </a:solidFill>
@@ -5324,7 +6822,7 @@
               <a:t> </a:t>
             </a:r>
             <a:r>
-              <a:rPr lang="zh-CN" altLang="en-US" dirty="0" smtClean="0">
+              <a:rPr lang="zh-CN" altLang="en-US" sz="1400" smtClean="0">
                 <a:solidFill>
                   <a:srgbClr val="FF0000"/>
                 </a:solidFill>
@@ -5332,32 +6830,316 @@
               <a:t> </a:t>
             </a:r>
             <a:r>
-              <a:rPr lang="en-US" altLang="zh-CN" dirty="0" err="1">
+              <a:rPr lang="en-US" altLang="zh-CN" sz="1400" smtClean="0">
                 <a:solidFill>
                   <a:srgbClr val="FF0000"/>
                 </a:solidFill>
               </a:rPr>
               <a:t>rdbSaveObject</a:t>
             </a:r>
-            <a:endParaRPr lang="en-US" altLang="zh-CN" b="1" dirty="0" smtClean="0"/>
+            <a:endParaRPr lang="en-US" altLang="zh-CN" sz="1400" b="1">
+              <a:solidFill>
+                <a:srgbClr val="FF0000"/>
+              </a:solidFill>
+            </a:endParaRPr>
           </a:p>
           <a:p>
             <a:pPr marL="0" indent="0">
               <a:buNone/>
             </a:pPr>
             <a:r>
-              <a:rPr lang="en-US" altLang="zh-CN" b="1" dirty="0" smtClean="0"/>
+              <a:rPr lang="en-US" altLang="zh-CN" sz="1400" b="1" smtClean="0">
+                <a:solidFill>
+                  <a:srgbClr val="FF0000"/>
+                </a:solidFill>
+              </a:rPr>
+              <a:t>AOF: </a:t>
+            </a:r>
+          </a:p>
+          <a:p>
+            <a:r>
+              <a:rPr lang="zh-CN" altLang="en-US" sz="1400" b="1" smtClean="0">
+                <a:solidFill>
+                  <a:schemeClr val="tx1"/>
+                </a:solidFill>
+              </a:rPr>
+              <a:t>将</a:t>
+            </a:r>
+            <a:r>
+              <a:rPr lang="zh-CN" altLang="en-US" sz="1400" b="1">
+                <a:solidFill>
+                  <a:schemeClr val="tx1"/>
+                </a:solidFill>
+              </a:rPr>
+              <a:t>命令追加到 </a:t>
+            </a:r>
+            <a:r>
+              <a:rPr lang="en-US" altLang="zh-CN" sz="1400" b="1">
+                <a:solidFill>
+                  <a:schemeClr val="tx1"/>
+                </a:solidFill>
+              </a:rPr>
+              <a:t>AOF </a:t>
+            </a:r>
+            <a:r>
+              <a:rPr lang="zh-CN" altLang="en-US" sz="1400" b="1">
+                <a:solidFill>
+                  <a:schemeClr val="tx1"/>
+                </a:solidFill>
+              </a:rPr>
+              <a:t>缓</a:t>
+            </a:r>
+            <a:r>
+              <a:rPr lang="zh-CN" altLang="en-US" sz="1400" b="1">
+                <a:solidFill>
+                  <a:schemeClr val="tx1"/>
+                </a:solidFill>
+              </a:rPr>
+              <a:t>冲</a:t>
+            </a:r>
+            <a:r>
+              <a:rPr lang="zh-CN" altLang="en-US" sz="1400" b="1" smtClean="0">
+                <a:solidFill>
+                  <a:schemeClr val="tx1"/>
+                </a:solidFill>
+              </a:rPr>
+              <a:t>区和 </a:t>
+            </a:r>
+            <a:r>
+              <a:rPr lang="en-US" altLang="zh-CN" sz="1400" b="1" smtClean="0">
+                <a:solidFill>
+                  <a:schemeClr val="tx1"/>
+                </a:solidFill>
+              </a:rPr>
+              <a:t>AOF</a:t>
+            </a:r>
+            <a:r>
+              <a:rPr lang="zh-CN" altLang="en-US" sz="1400" b="1" smtClean="0">
+                <a:solidFill>
+                  <a:schemeClr val="tx1"/>
+                </a:solidFill>
+              </a:rPr>
+              <a:t>重写缓冲区  </a:t>
+            </a:r>
+            <a:r>
+              <a:rPr lang="en-US" altLang="zh-CN" sz="1400" b="1" smtClean="0">
+                <a:solidFill>
+                  <a:schemeClr val="tx1"/>
+                </a:solidFill>
+              </a:rPr>
+              <a:t>feedAppendOnlyFile</a:t>
+            </a:r>
+          </a:p>
+          <a:p>
+            <a:r>
+              <a:rPr lang="zh-CN" altLang="en-US" sz="1400" b="1" smtClean="0">
+                <a:solidFill>
+                  <a:schemeClr val="tx1"/>
+                </a:solidFill>
+              </a:rPr>
+              <a:t>将</a:t>
+            </a:r>
+            <a:r>
+              <a:rPr lang="zh-CN" altLang="en-US" sz="1400" b="1">
+                <a:solidFill>
+                  <a:schemeClr val="tx1"/>
+                </a:solidFill>
+              </a:rPr>
+              <a:t>协议内容备份到 </a:t>
+            </a:r>
+            <a:r>
+              <a:rPr lang="en-US" altLang="zh-CN" sz="1400" b="1">
+                <a:solidFill>
+                  <a:schemeClr val="tx1"/>
+                </a:solidFill>
+              </a:rPr>
+              <a:t>backlog </a:t>
+            </a:r>
+            <a:r>
+              <a:rPr lang="en-US" altLang="zh-CN" sz="1400" b="1" smtClean="0">
+                <a:solidFill>
+                  <a:schemeClr val="tx1"/>
+                </a:solidFill>
+              </a:rPr>
+              <a:t> replicationFeedSlaves</a:t>
+            </a:r>
+            <a:endParaRPr lang="en-US" altLang="zh-CN" sz="1400" b="1">
+              <a:solidFill>
+                <a:schemeClr val="tx1"/>
+              </a:solidFill>
+            </a:endParaRPr>
+          </a:p>
+          <a:p>
+            <a:r>
+              <a:rPr lang="en-US" altLang="zh-CN" sz="1400" b="1" smtClean="0">
+                <a:solidFill>
+                  <a:schemeClr val="tx1"/>
+                </a:solidFill>
+              </a:rPr>
+              <a:t>bioProcessBackgroundJobs </a:t>
+            </a:r>
+            <a:r>
+              <a:rPr lang="zh-CN" altLang="en-US" sz="1400" b="1">
+                <a:solidFill>
+                  <a:schemeClr val="tx1"/>
+                </a:solidFill>
+              </a:rPr>
+              <a:t>线</a:t>
+            </a:r>
+            <a:r>
+              <a:rPr lang="zh-CN" altLang="en-US" sz="1400" b="1">
+                <a:solidFill>
+                  <a:schemeClr val="tx1"/>
+                </a:solidFill>
+              </a:rPr>
+              <a:t>程</a:t>
+            </a:r>
+            <a:r>
+              <a:rPr lang="zh-CN" altLang="en-US" sz="1400" b="1" smtClean="0">
+                <a:solidFill>
+                  <a:schemeClr val="tx1"/>
+                </a:solidFill>
+              </a:rPr>
+              <a:t>：</a:t>
+            </a:r>
+            <a:endParaRPr lang="en-US" altLang="zh-CN" sz="1400" b="1" smtClean="0">
+              <a:solidFill>
+                <a:schemeClr val="tx1"/>
+              </a:solidFill>
+            </a:endParaRPr>
+          </a:p>
+          <a:p>
+            <a:r>
+              <a:rPr lang="en-US" altLang="zh-CN" sz="1400" b="1">
+                <a:solidFill>
+                  <a:schemeClr val="tx1"/>
+                </a:solidFill>
+              </a:rPr>
+              <a:t>Write the append only file buffer on disk. </a:t>
+            </a:r>
+            <a:r>
+              <a:rPr lang="en-US" altLang="zh-CN" sz="1400" b="1">
+                <a:solidFill>
+                  <a:schemeClr val="tx1"/>
+                </a:solidFill>
+              </a:rPr>
+              <a:t>flushAppendOnlyFile</a:t>
+            </a:r>
+            <a:r>
+              <a:rPr lang="zh-CN" altLang="en-US" sz="1400" b="1" smtClean="0">
+                <a:solidFill>
+                  <a:schemeClr val="tx1"/>
+                </a:solidFill>
+              </a:rPr>
+              <a:t>（）</a:t>
+            </a:r>
+            <a:endParaRPr lang="en-US" altLang="zh-CN" sz="1400" b="1" smtClean="0">
+              <a:solidFill>
+                <a:schemeClr val="tx1"/>
+              </a:solidFill>
+            </a:endParaRPr>
+          </a:p>
+          <a:p>
+            <a:pPr marL="0" indent="0">
+              <a:buNone/>
+            </a:pPr>
+            <a:r>
+              <a:rPr lang="en-US" altLang="zh-CN" sz="1400" b="1" smtClean="0">
+                <a:solidFill>
+                  <a:schemeClr val="tx1"/>
+                </a:solidFill>
+              </a:rPr>
+              <a:t>AOF </a:t>
+            </a:r>
+            <a:r>
+              <a:rPr lang="zh-CN" altLang="en-US" sz="1400" b="1" smtClean="0">
+                <a:solidFill>
+                  <a:schemeClr val="tx1"/>
+                </a:solidFill>
+              </a:rPr>
+              <a:t>重写：</a:t>
+            </a:r>
+            <a:endParaRPr lang="en-US" altLang="zh-CN" sz="1400" b="1">
+              <a:solidFill>
+                <a:schemeClr val="tx1"/>
+              </a:solidFill>
+            </a:endParaRPr>
+          </a:p>
+          <a:p>
+            <a:pPr marL="0" indent="0">
+              <a:buNone/>
+            </a:pPr>
+            <a:r>
+              <a:rPr lang="en-US" altLang="zh-CN" sz="1400" smtClean="0"/>
+              <a:t>  bgrewriteaofCommand</a:t>
+            </a:r>
+            <a:endParaRPr lang="en-US" altLang="zh-CN" sz="1400" b="1" smtClean="0">
+              <a:solidFill>
+                <a:schemeClr val="tx1"/>
+              </a:solidFill>
+            </a:endParaRPr>
+          </a:p>
+          <a:p>
+            <a:pPr marL="0" indent="0">
+              <a:buNone/>
+            </a:pPr>
+            <a:r>
+              <a:rPr lang="zh-CN" altLang="en-US" sz="1400" b="1" smtClean="0"/>
+              <a:t> 当</a:t>
+            </a:r>
+            <a:r>
+              <a:rPr lang="zh-CN" altLang="en-US" sz="1400" b="1"/>
+              <a:t>子线程完成 </a:t>
+            </a:r>
+            <a:r>
+              <a:rPr lang="en-US" altLang="zh-CN" sz="1400" b="1"/>
+              <a:t>AOF </a:t>
+            </a:r>
+            <a:r>
+              <a:rPr lang="zh-CN" altLang="en-US" sz="1400" b="1"/>
+              <a:t>重</a:t>
+            </a:r>
+            <a:r>
+              <a:rPr lang="zh-CN" altLang="en-US" sz="1400" b="1" smtClean="0"/>
+              <a:t>写</a:t>
+            </a:r>
+            <a:r>
+              <a:rPr lang="en-US" altLang="zh-CN" sz="1400" b="1" smtClean="0"/>
+              <a:t>::backgroundRewriteDoneHandler(</a:t>
+            </a:r>
+            <a:r>
+              <a:rPr lang="en-US" altLang="zh-CN" sz="1400" dirty="0"/>
+              <a:t>aof_rewrite_buf_blocks</a:t>
+            </a:r>
+            <a:r>
+              <a:rPr lang="en-US" altLang="zh-CN" sz="1400" b="1" smtClean="0"/>
+              <a:t>)</a:t>
+            </a:r>
+            <a:endParaRPr lang="en-US" altLang="zh-CN" sz="1400" b="1"/>
+          </a:p>
+          <a:p>
+            <a:pPr marL="0" indent="0">
+              <a:buNone/>
+            </a:pPr>
+            <a:endParaRPr lang="en-US" altLang="zh-CN" sz="1400" b="1" smtClean="0"/>
+          </a:p>
+          <a:p>
+            <a:pPr marL="0" indent="0">
+              <a:buNone/>
+            </a:pPr>
+            <a:r>
+              <a:rPr lang="en-US" altLang="zh-CN" sz="1400" b="1" smtClean="0"/>
               <a:t>#</a:t>
             </a:r>
             <a:r>
-              <a:rPr lang="zh-CN" altLang="en-US" b="1" dirty="0"/>
+              <a:rPr lang="zh-CN" altLang="en-US" sz="1400" b="1"/>
               <a:t>陈咬金第二斧 </a:t>
             </a:r>
             <a:r>
-              <a:rPr lang="zh-CN" altLang="en-US" b="1" dirty="0" smtClean="0"/>
+              <a:rPr lang="zh-CN" altLang="en-US" sz="1400" b="1" smtClean="0"/>
               <a:t>：实际操作中最关心的一个？不知道根本无法操作</a:t>
             </a:r>
-            <a:endParaRPr lang="en-US" altLang="zh-CN" b="1" dirty="0" smtClean="0"/>
+            <a:endParaRPr lang="en-US" altLang="zh-CN" sz="1400" b="1" smtClean="0"/>
           </a:p>
           <a:p>
             <a:pPr>
@@ -5365,73 +7147,49 @@
               <a:buChar char="-"/>
             </a:pPr>
             <a:r>
-              <a:rPr lang="en-US" altLang="zh-CN" dirty="0"/>
-              <a:t>Redis </a:t>
-            </a:r>
-            <a:r>
-              <a:rPr lang="zh-CN" altLang="en-US" dirty="0"/>
-              <a:t>服务器保存和载入 </a:t>
-            </a:r>
-            <a:r>
-              <a:rPr lang="en-US" altLang="zh-CN" dirty="0"/>
-              <a:t>RDB </a:t>
-            </a:r>
-            <a:r>
-              <a:rPr lang="zh-CN" altLang="en-US" dirty="0"/>
-              <a:t>文件的方</a:t>
-            </a:r>
-            <a:r>
-              <a:rPr lang="zh-CN" altLang="en-US" dirty="0" smtClean="0"/>
-              <a:t>法</a:t>
-            </a:r>
-            <a:endParaRPr lang="en-US" altLang="zh-CN" dirty="0" smtClean="0"/>
-          </a:p>
-          <a:p>
-            <a:pPr>
-              <a:buFontTx/>
-              <a:buChar char="-"/>
-            </a:pPr>
-            <a:r>
-              <a:rPr lang="zh-CN" altLang="en-US" dirty="0" smtClean="0"/>
-              <a:t>不同类型不同编码是如何存储的。</a:t>
-            </a:r>
-            <a:endParaRPr lang="en-US" altLang="zh-CN" dirty="0"/>
-          </a:p>
-          <a:p>
-            <a:pPr>
-              <a:buFontTx/>
-              <a:buChar char="-"/>
-            </a:pPr>
-            <a:endParaRPr lang="zh-CN" altLang="en-US" b="1" dirty="0"/>
+              <a:rPr lang="en-US" altLang="zh-CN" sz="1400" smtClean="0"/>
+              <a:t>AOF </a:t>
+            </a:r>
+            <a:r>
+              <a:rPr lang="zh-CN" altLang="en-US" sz="1400" smtClean="0"/>
+              <a:t>重写原理</a:t>
+            </a:r>
+            <a:endParaRPr lang="en-US" altLang="zh-CN" sz="1400" smtClean="0"/>
           </a:p>
           <a:p>
             <a:pPr marL="0" indent="0">
               <a:buNone/>
             </a:pPr>
-            <a:r>
-              <a:rPr lang="en-US" altLang="zh-CN" dirty="0" smtClean="0"/>
-              <a:t># </a:t>
-            </a:r>
-            <a:r>
-              <a:rPr lang="zh-CN" altLang="en-US" dirty="0" smtClean="0"/>
-              <a:t>陈咬</a:t>
-            </a:r>
-            <a:r>
-              <a:rPr lang="zh-CN" altLang="en-US" dirty="0"/>
-              <a:t>金第三</a:t>
-            </a:r>
-            <a:r>
-              <a:rPr lang="zh-CN" altLang="en-US" dirty="0" smtClean="0"/>
-              <a:t>斧：解决了一个什么问题？最值得学习一点是，是你不清楚，不是别人。</a:t>
-            </a:r>
-            <a:endParaRPr lang="en-US" altLang="zh-CN" dirty="0"/>
+            <a:endParaRPr lang="zh-CN" altLang="en-US" sz="1400" b="1"/>
           </a:p>
           <a:p>
             <a:pPr marL="0" indent="0">
               <a:buNone/>
             </a:pPr>
             <a:r>
-              <a:rPr lang="en-US" altLang="zh-CN" dirty="0" smtClean="0">
+              <a:rPr lang="en-US" altLang="zh-CN" sz="1400" smtClean="0"/>
+              <a:t># </a:t>
+            </a:r>
+            <a:r>
+              <a:rPr lang="zh-CN" altLang="en-US" sz="1400" smtClean="0"/>
+              <a:t>陈咬</a:t>
+            </a:r>
+            <a:r>
+              <a:rPr lang="zh-CN" altLang="en-US" sz="1400"/>
+              <a:t>金第三</a:t>
+            </a:r>
+            <a:r>
+              <a:rPr lang="zh-CN" altLang="en-US" sz="1400" smtClean="0"/>
+              <a:t>斧：解决了一个什么问题？最值得学习一点是，是你不清楚，不是别人。</a:t>
+            </a:r>
+            <a:endParaRPr lang="en-US" altLang="zh-CN" sz="1400"/>
+          </a:p>
+          <a:p>
+            <a:pPr marL="0" indent="0">
+              <a:buNone/>
+            </a:pPr>
+            <a:r>
+              <a:rPr lang="en-US" altLang="zh-CN" sz="1400" smtClean="0">
                 <a:solidFill>
                   <a:srgbClr val="FF0000"/>
                 </a:solidFill>
@@ -5439,14 +7197,14 @@
               <a:t>   </a:t>
             </a:r>
             <a:r>
-              <a:rPr lang="zh-CN" altLang="en-US" dirty="0" smtClean="0">
+              <a:rPr lang="zh-CN" altLang="en-US" sz="1400" smtClean="0">
                 <a:solidFill>
                   <a:srgbClr val="FF0000"/>
                 </a:solidFill>
               </a:rPr>
               <a:t>持久化过中，如果有新业务来怎么办？</a:t>
             </a:r>
-            <a:endParaRPr lang="en-US" altLang="zh-CN" dirty="0" smtClean="0">
+            <a:endParaRPr lang="en-US" altLang="zh-CN" sz="1400" smtClean="0">
               <a:solidFill>
                 <a:srgbClr val="FF0000"/>
               </a:solidFill>
@@ -5488,58 +7246,54 @@
           <a:lstStyle/>
           <a:p>
             <a:r>
-              <a:rPr lang="en-US" altLang="zh-CN" dirty="0" smtClean="0"/>
+              <a:rPr lang="en-US" altLang="zh-CN" smtClean="0"/>
               <a:t> </a:t>
             </a:r>
             <a:r>
-              <a:rPr lang="zh-CN" altLang="en-US" dirty="0" smtClean="0"/>
+              <a:rPr lang="zh-CN" altLang="en-US" smtClean="0"/>
               <a:t>第</a:t>
             </a:r>
             <a:r>
-              <a:rPr lang="zh-CN" altLang="en-US" dirty="0"/>
+              <a:rPr lang="zh-CN" altLang="en-US"/>
               <a:t>四</a:t>
             </a:r>
             <a:r>
-              <a:rPr lang="zh-CN" altLang="en-US" dirty="0" smtClean="0"/>
+              <a:rPr lang="zh-CN" altLang="en-US" smtClean="0"/>
               <a:t>题：</a:t>
             </a:r>
             <a:r>
-              <a:rPr lang="en-US" altLang="zh-CN" dirty="0" smtClean="0"/>
+              <a:rPr lang="en-US" altLang="zh-CN" smtClean="0"/>
               <a:t>redis </a:t>
             </a:r>
             <a:r>
-              <a:rPr lang="zh-CN" altLang="en-US" dirty="0"/>
+              <a:rPr lang="zh-CN" altLang="en-US"/>
               <a:t>如</a:t>
             </a:r>
             <a:r>
-              <a:rPr lang="zh-CN" altLang="en-US" dirty="0" smtClean="0"/>
-              <a:t>何持久化的</a:t>
-            </a:r>
-            <a:r>
-              <a:rPr lang="zh-CN" altLang="en-US" dirty="0" smtClean="0"/>
-              <a:t>？ </a:t>
-            </a:r>
-            <a:r>
-              <a:rPr lang="en-US" altLang="zh-CN" dirty="0"/>
+              <a:rPr lang="zh-CN" altLang="en-US" smtClean="0"/>
+              <a:t>何持久化的？ </a:t>
+            </a:r>
+            <a:r>
+              <a:rPr lang="en-US" altLang="zh-CN"/>
               <a:t>2020</a:t>
             </a:r>
             <a:r>
-              <a:rPr lang="zh-CN" altLang="en-US" dirty="0"/>
+              <a:rPr lang="zh-CN" altLang="en-US"/>
               <a:t>年</a:t>
             </a:r>
             <a:r>
-              <a:rPr lang="en-US" altLang="zh-CN" dirty="0"/>
+              <a:rPr lang="en-US" altLang="zh-CN"/>
               <a:t>2</a:t>
             </a:r>
             <a:r>
-              <a:rPr lang="zh-CN" altLang="en-US" dirty="0"/>
+              <a:rPr lang="zh-CN" altLang="en-US"/>
               <a:t>月</a:t>
             </a:r>
             <a:r>
               <a:rPr lang="en-US" altLang="zh-CN" smtClean="0"/>
               <a:t>25</a:t>
             </a:r>
-            <a:endParaRPr lang="zh-CN" altLang="en-US" dirty="0"/>
+            <a:endParaRPr lang="zh-CN" altLang="en-US"/>
           </a:p>
         </p:txBody>
       </p:sp>
@@ -5553,10 +7307,3499 @@
   <p:clrMapOvr>
     <a:masterClrMapping/>
   </p:clrMapOvr>
+  <p:timing>
+    <p:tnLst>
+      <p:par>
+        <p:cTn id="1" dur="indefinite" restart="never" nodeType="tmRoot"/>
+      </p:par>
+    </p:tnLst>
+  </p:timing>
 </p:sld>
 </file>
 
 <file path=ppt/slides/slide13.xml><?xml version="1.0" encoding="utf-8"?>
+<p:sld xmlns:a="http://schemas.openxmlformats.org/drawingml/2006/main" xmlns:r="http://schemas.openxmlformats.org/officeDocument/2006/relationships" xmlns:p="http://schemas.openxmlformats.org/presentationml/2006/main">
+  <p:cSld>
+    <p:spTree>
+      <p:nvGrpSpPr>
+        <p:cNvPr id="1" name=""/>
+        <p:cNvGrpSpPr/>
+        <p:nvPr/>
+      </p:nvGrpSpPr>
+      <p:grpSpPr>
+        <a:xfrm>
+          <a:off x="0" y="0"/>
+          <a:ext cx="0" cy="0"/>
+          <a:chOff x="0" y="0"/>
+          <a:chExt cx="0" cy="0"/>
+        </a:xfrm>
+      </p:grpSpPr>
+      <p:sp>
+        <p:nvSpPr>
+          <p:cNvPr id="3" name="标题 2"/>
+          <p:cNvSpPr>
+            <a:spLocks noGrp="1"/>
+          </p:cNvSpPr>
+          <p:nvPr>
+            <p:ph type="title"/>
+          </p:nvPr>
+        </p:nvSpPr>
+        <p:spPr>
+          <a:xfrm>
+            <a:off x="399747" y="123478"/>
+            <a:ext cx="8402872" cy="857250"/>
+          </a:xfrm>
+        </p:spPr>
+        <p:style>
+          <a:lnRef idx="2">
+            <a:schemeClr val="dk1">
+              <a:shade val="50000"/>
+            </a:schemeClr>
+          </a:lnRef>
+          <a:fillRef idx="1">
+            <a:schemeClr val="dk1"/>
+          </a:fillRef>
+          <a:effectRef idx="0">
+            <a:schemeClr val="dk1"/>
+          </a:effectRef>
+          <a:fontRef idx="minor">
+            <a:schemeClr val="lt1"/>
+          </a:fontRef>
+        </p:style>
+        <p:txBody>
+          <a:bodyPr>
+            <a:normAutofit/>
+          </a:bodyPr>
+          <a:lstStyle/>
+          <a:p>
+            <a:r>
+              <a:rPr lang="en-US" altLang="zh-CN" smtClean="0"/>
+              <a:t> </a:t>
+            </a:r>
+            <a:r>
+              <a:rPr lang="zh-CN" altLang="en-US" smtClean="0"/>
+              <a:t>第六题 </a:t>
+            </a:r>
+            <a:r>
+              <a:rPr lang="en-US" altLang="zh-CN" smtClean="0"/>
+              <a:t>AOF </a:t>
+            </a:r>
+            <a:r>
+              <a:rPr lang="zh-CN" altLang="en-US" smtClean="0"/>
+              <a:t>重写</a:t>
+            </a:r>
+            <a:r>
+              <a:rPr lang="en-US" altLang="zh-CN" smtClean="0"/>
+              <a:t>:rewriteAppendOnlyFileBackground()</a:t>
+            </a:r>
+            <a:endParaRPr lang="zh-CN" altLang="en-US"/>
+          </a:p>
+        </p:txBody>
+      </p:sp>
+      <p:sp>
+        <p:nvSpPr>
+          <p:cNvPr id="4" name="内容占位符 3"/>
+          <p:cNvSpPr>
+            <a:spLocks noGrp="1"/>
+          </p:cNvSpPr>
+          <p:nvPr>
+            <p:ph idx="1"/>
+          </p:nvPr>
+        </p:nvSpPr>
+        <p:spPr/>
+        <p:txBody>
+          <a:bodyPr/>
+          <a:lstStyle/>
+          <a:p>
+            <a:endParaRPr lang="zh-CN" altLang="en-US"/>
+          </a:p>
+        </p:txBody>
+      </p:sp>
+      <p:pic>
+        <p:nvPicPr>
+          <p:cNvPr id="1027" name="Picture 3"/>
+          <p:cNvPicPr>
+            <a:picLocks noChangeAspect="1" noChangeArrowheads="1"/>
+          </p:cNvPicPr>
+          <p:nvPr/>
+        </p:nvPicPr>
+        <p:blipFill>
+          <a:blip r:embed="rId3">
+            <a:extLst>
+              <a:ext uri="{28A0092B-C50C-407E-A947-70E740481C1C}">
+                <a14:useLocalDpi xmlns:a14="http://schemas.microsoft.com/office/drawing/2010/main" val="0"/>
+              </a:ext>
+            </a:extLst>
+          </a:blip>
+          <a:srcRect/>
+          <a:stretch>
+            <a:fillRect/>
+          </a:stretch>
+        </p:blipFill>
+        <p:spPr bwMode="auto">
+          <a:xfrm>
+            <a:off x="219894" y="915566"/>
+            <a:ext cx="8411294" cy="3539793"/>
+          </a:xfrm>
+          <a:prstGeom prst="rect">
+            <a:avLst/>
+          </a:prstGeom>
+          <a:noFill/>
+          <a:ln>
+            <a:noFill/>
+          </a:ln>
+          <a:extLst>
+            <a:ext uri="{909E8E84-426E-40DD-AFC4-6F175D3DCCD1}">
+              <a14:hiddenFill xmlns:a14="http://schemas.microsoft.com/office/drawing/2010/main">
+                <a:solidFill>
+                  <a:schemeClr val="accent1"/>
+                </a:solidFill>
+              </a14:hiddenFill>
+            </a:ext>
+            <a:ext uri="{91240B29-F687-4F45-9708-019B960494DF}">
+              <a14:hiddenLine xmlns:a14="http://schemas.microsoft.com/office/drawing/2010/main" w="9525">
+                <a:solidFill>
+                  <a:schemeClr val="tx1"/>
+                </a:solidFill>
+                <a:miter lim="800000"/>
+                <a:headEnd/>
+                <a:tailEnd/>
+              </a14:hiddenLine>
+            </a:ext>
+          </a:extLst>
+        </p:spPr>
+      </p:pic>
+      <p:pic>
+        <p:nvPicPr>
+          <p:cNvPr id="1028" name="Picture 4"/>
+          <p:cNvPicPr>
+            <a:picLocks noChangeAspect="1" noChangeArrowheads="1"/>
+          </p:cNvPicPr>
+          <p:nvPr/>
+        </p:nvPicPr>
+        <p:blipFill>
+          <a:blip r:embed="rId4">
+            <a:extLst>
+              <a:ext uri="{28A0092B-C50C-407E-A947-70E740481C1C}">
+                <a14:useLocalDpi xmlns:a14="http://schemas.microsoft.com/office/drawing/2010/main" val="0"/>
+              </a:ext>
+            </a:extLst>
+          </a:blip>
+          <a:srcRect/>
+          <a:stretch>
+            <a:fillRect/>
+          </a:stretch>
+        </p:blipFill>
+        <p:spPr bwMode="auto">
+          <a:xfrm>
+            <a:off x="5724128" y="3429004"/>
+            <a:ext cx="2485306" cy="1026355"/>
+          </a:xfrm>
+          <a:prstGeom prst="rect">
+            <a:avLst/>
+          </a:prstGeom>
+          <a:noFill/>
+          <a:ln>
+            <a:noFill/>
+          </a:ln>
+          <a:extLst>
+            <a:ext uri="{909E8E84-426E-40DD-AFC4-6F175D3DCCD1}">
+              <a14:hiddenFill xmlns:a14="http://schemas.microsoft.com/office/drawing/2010/main">
+                <a:solidFill>
+                  <a:schemeClr val="accent1"/>
+                </a:solidFill>
+              </a14:hiddenFill>
+            </a:ext>
+            <a:ext uri="{91240B29-F687-4F45-9708-019B960494DF}">
+              <a14:hiddenLine xmlns:a14="http://schemas.microsoft.com/office/drawing/2010/main" w="9525">
+                <a:solidFill>
+                  <a:schemeClr val="tx1"/>
+                </a:solidFill>
+                <a:miter lim="800000"/>
+                <a:headEnd/>
+                <a:tailEnd/>
+              </a14:hiddenLine>
+            </a:ext>
+          </a:extLst>
+        </p:spPr>
+      </p:pic>
+      <p:sp>
+        <p:nvSpPr>
+          <p:cNvPr id="5" name="TextBox 4"/>
+          <p:cNvSpPr txBox="1"/>
+          <p:nvPr/>
+        </p:nvSpPr>
+        <p:spPr>
+          <a:xfrm>
+            <a:off x="7380312" y="2067694"/>
+            <a:ext cx="720080" cy="369332"/>
+          </a:xfrm>
+          <a:prstGeom prst="rect">
+            <a:avLst/>
+          </a:prstGeom>
+          <a:noFill/>
+        </p:spPr>
+        <p:txBody>
+          <a:bodyPr wrap="square" rtlCol="0">
+            <a:spAutoFit/>
+          </a:bodyPr>
+          <a:lstStyle/>
+          <a:p>
+            <a:r>
+              <a:rPr lang="en-US" altLang="zh-CN"/>
+              <a:t> </a:t>
+            </a:r>
+            <a:r>
+              <a:rPr lang="en-US" altLang="zh-CN" err="1" smtClean="0">
+                <a:solidFill>
+                  <a:srgbClr val="FF0000"/>
+                </a:solidFill>
+              </a:rPr>
+              <a:t>K1</a:t>
+            </a:r>
+            <a:r>
+              <a:rPr lang="en-US" altLang="zh-CN" smtClean="0">
+                <a:solidFill>
+                  <a:srgbClr val="FF0000"/>
+                </a:solidFill>
+              </a:rPr>
+              <a:t> </a:t>
+            </a:r>
+            <a:endParaRPr lang="zh-CN" altLang="en-US">
+              <a:solidFill>
+                <a:srgbClr val="FF0000"/>
+              </a:solidFill>
+            </a:endParaRPr>
+          </a:p>
+        </p:txBody>
+      </p:sp>
+      <p:sp>
+        <p:nvSpPr>
+          <p:cNvPr id="6" name="TextBox 5"/>
+          <p:cNvSpPr txBox="1"/>
+          <p:nvPr/>
+        </p:nvSpPr>
+        <p:spPr>
+          <a:xfrm>
+            <a:off x="7164288" y="2715766"/>
+            <a:ext cx="1466900" cy="369332"/>
+          </a:xfrm>
+          <a:prstGeom prst="rect">
+            <a:avLst/>
+          </a:prstGeom>
+          <a:noFill/>
+        </p:spPr>
+        <p:txBody>
+          <a:bodyPr wrap="square" rtlCol="0">
+            <a:spAutoFit/>
+          </a:bodyPr>
+          <a:lstStyle/>
+          <a:p>
+            <a:r>
+              <a:rPr lang="en-US" altLang="zh-CN" err="1" smtClean="0"/>
+              <a:t>K1,k2,K3</a:t>
+            </a:r>
+            <a:endParaRPr lang="zh-CN" altLang="en-US"/>
+          </a:p>
+        </p:txBody>
+      </p:sp>
+      <p:sp>
+        <p:nvSpPr>
+          <p:cNvPr id="8" name="TextBox 7"/>
+          <p:cNvSpPr txBox="1"/>
+          <p:nvPr/>
+        </p:nvSpPr>
+        <p:spPr>
+          <a:xfrm>
+            <a:off x="7308304" y="1995686"/>
+            <a:ext cx="184731" cy="369332"/>
+          </a:xfrm>
+          <a:prstGeom prst="rect">
+            <a:avLst/>
+          </a:prstGeom>
+          <a:noFill/>
+        </p:spPr>
+        <p:txBody>
+          <a:bodyPr wrap="none" rtlCol="0">
+            <a:spAutoFit/>
+          </a:bodyPr>
+          <a:lstStyle/>
+          <a:p>
+            <a:endParaRPr lang="zh-CN" altLang="en-US"/>
+          </a:p>
+        </p:txBody>
+      </p:sp>
+      <p:sp>
+        <p:nvSpPr>
+          <p:cNvPr id="9" name="TextBox 8"/>
+          <p:cNvSpPr txBox="1"/>
+          <p:nvPr/>
+        </p:nvSpPr>
+        <p:spPr>
+          <a:xfrm>
+            <a:off x="971600" y="4455359"/>
+            <a:ext cx="6768752" cy="707886"/>
+          </a:xfrm>
+          <a:prstGeom prst="rect">
+            <a:avLst/>
+          </a:prstGeom>
+          <a:noFill/>
+        </p:spPr>
+        <p:txBody>
+          <a:bodyPr wrap="square" rtlCol="0">
+            <a:spAutoFit/>
+          </a:bodyPr>
+          <a:lstStyle/>
+          <a:p>
+            <a:r>
+              <a:rPr lang="en-US" altLang="zh-CN" sz="2000">
+                <a:solidFill>
+                  <a:srgbClr val="00B050"/>
+                </a:solidFill>
+              </a:rPr>
+              <a:t>rewriteAppendOnlyFileBackground </a:t>
+            </a:r>
+            <a:r>
+              <a:rPr lang="en-US" altLang="zh-CN" sz="2000" smtClean="0">
+                <a:solidFill>
+                  <a:srgbClr val="00B050"/>
+                </a:solidFill>
+              </a:rPr>
+              <a:t>backgroundRewriteDoneHandler</a:t>
+            </a:r>
+            <a:endParaRPr lang="zh-CN" altLang="en-US" sz="2000">
+              <a:solidFill>
+                <a:srgbClr val="00B050"/>
+              </a:solidFill>
+            </a:endParaRPr>
+          </a:p>
+        </p:txBody>
+      </p:sp>
+    </p:spTree>
+    <p:extLst>
+      <p:ext uri="{BB962C8B-B14F-4D97-AF65-F5344CB8AC3E}">
+        <p14:creationId xmlns:p14="http://schemas.microsoft.com/office/powerpoint/2010/main" val="1883045415"/>
+      </p:ext>
+    </p:extLst>
+  </p:cSld>
+  <p:clrMapOvr>
+    <a:masterClrMapping/>
+  </p:clrMapOvr>
+  <p:timing>
+    <p:tnLst>
+      <p:par>
+        <p:cTn id="1" dur="indefinite" restart="never" nodeType="tmRoot">
+          <p:childTnLst>
+            <p:seq concurrent="1" nextAc="seek">
+              <p:cTn id="2" dur="indefinite" nodeType="mainSeq">
+                <p:childTnLst>
+                  <p:par>
+                    <p:cTn id="3" fill="hold">
+                      <p:stCondLst>
+                        <p:cond delay="indefinite"/>
+                      </p:stCondLst>
+                      <p:childTnLst>
+                        <p:par>
+                          <p:cTn id="4" fill="hold">
+                            <p:stCondLst>
+                              <p:cond delay="0"/>
+                            </p:stCondLst>
+                            <p:childTnLst>
+                              <p:par>
+                                <p:cTn id="5" presetID="2" presetClass="entr" presetSubtype="4" fill="hold" nodeType="clickEffect">
+                                  <p:stCondLst>
+                                    <p:cond delay="0"/>
+                                  </p:stCondLst>
+                                  <p:childTnLst>
+                                    <p:set>
+                                      <p:cBhvr>
+                                        <p:cTn id="6" dur="1" fill="hold">
+                                          <p:stCondLst>
+                                            <p:cond delay="0"/>
+                                          </p:stCondLst>
+                                        </p:cTn>
+                                        <p:tgtEl>
+                                          <p:spTgt spid="1028"/>
+                                        </p:tgtEl>
+                                        <p:attrNameLst>
+                                          <p:attrName>style.visibility</p:attrName>
+                                        </p:attrNameLst>
+                                      </p:cBhvr>
+                                      <p:to>
+                                        <p:strVal val="visible"/>
+                                      </p:to>
+                                    </p:set>
+                                    <p:anim calcmode="lin" valueType="num">
+                                      <p:cBhvr additive="base">
+                                        <p:cTn id="7" dur="500" fill="hold"/>
+                                        <p:tgtEl>
+                                          <p:spTgt spid="1028"/>
+                                        </p:tgtEl>
+                                        <p:attrNameLst>
+                                          <p:attrName>ppt_x</p:attrName>
+                                        </p:attrNameLst>
+                                      </p:cBhvr>
+                                      <p:tavLst>
+                                        <p:tav tm="0">
+                                          <p:val>
+                                            <p:strVal val="#ppt_x"/>
+                                          </p:val>
+                                        </p:tav>
+                                        <p:tav tm="100000">
+                                          <p:val>
+                                            <p:strVal val="#ppt_x"/>
+                                          </p:val>
+                                        </p:tav>
+                                      </p:tavLst>
+                                    </p:anim>
+                                    <p:anim calcmode="lin" valueType="num">
+                                      <p:cBhvr additive="base">
+                                        <p:cTn id="8" dur="500" fill="hold"/>
+                                        <p:tgtEl>
+                                          <p:spTgt spid="1028"/>
+                                        </p:tgtEl>
+                                        <p:attrNameLst>
+                                          <p:attrName>ppt_y</p:attrName>
+                                        </p:attrNameLst>
+                                      </p:cBhvr>
+                                      <p:tavLst>
+                                        <p:tav tm="0">
+                                          <p:val>
+                                            <p:strVal val="1+#ppt_h/2"/>
+                                          </p:val>
+                                        </p:tav>
+                                        <p:tav tm="100000">
+                                          <p:val>
+                                            <p:strVal val="#ppt_y"/>
+                                          </p:val>
+                                        </p:tav>
+                                      </p:tavLst>
+                                    </p:anim>
+                                  </p:childTnLst>
+                                </p:cTn>
+                              </p:par>
+                            </p:childTnLst>
+                          </p:cTn>
+                        </p:par>
+                      </p:childTnLst>
+                    </p:cTn>
+                  </p:par>
+                  <p:par>
+                    <p:cTn id="9" fill="hold">
+                      <p:stCondLst>
+                        <p:cond delay="indefinite"/>
+                      </p:stCondLst>
+                      <p:childTnLst>
+                        <p:par>
+                          <p:cTn id="10" fill="hold">
+                            <p:stCondLst>
+                              <p:cond delay="0"/>
+                            </p:stCondLst>
+                            <p:childTnLst>
+                              <p:par>
+                                <p:cTn id="11" presetID="2" presetClass="entr" presetSubtype="4" fill="hold" grpId="0" nodeType="clickEffect">
+                                  <p:stCondLst>
+                                    <p:cond delay="0"/>
+                                  </p:stCondLst>
+                                  <p:childTnLst>
+                                    <p:set>
+                                      <p:cBhvr>
+                                        <p:cTn id="12" dur="1" fill="hold">
+                                          <p:stCondLst>
+                                            <p:cond delay="0"/>
+                                          </p:stCondLst>
+                                        </p:cTn>
+                                        <p:tgtEl>
+                                          <p:spTgt spid="6"/>
+                                        </p:tgtEl>
+                                        <p:attrNameLst>
+                                          <p:attrName>style.visibility</p:attrName>
+                                        </p:attrNameLst>
+                                      </p:cBhvr>
+                                      <p:to>
+                                        <p:strVal val="visible"/>
+                                      </p:to>
+                                    </p:set>
+                                    <p:anim calcmode="lin" valueType="num">
+                                      <p:cBhvr additive="base">
+                                        <p:cTn id="13" dur="500" fill="hold"/>
+                                        <p:tgtEl>
+                                          <p:spTgt spid="6"/>
+                                        </p:tgtEl>
+                                        <p:attrNameLst>
+                                          <p:attrName>ppt_x</p:attrName>
+                                        </p:attrNameLst>
+                                      </p:cBhvr>
+                                      <p:tavLst>
+                                        <p:tav tm="0">
+                                          <p:val>
+                                            <p:strVal val="#ppt_x"/>
+                                          </p:val>
+                                        </p:tav>
+                                        <p:tav tm="100000">
+                                          <p:val>
+                                            <p:strVal val="#ppt_x"/>
+                                          </p:val>
+                                        </p:tav>
+                                      </p:tavLst>
+                                    </p:anim>
+                                    <p:anim calcmode="lin" valueType="num">
+                                      <p:cBhvr additive="base">
+                                        <p:cTn id="14" dur="500" fill="hold"/>
+                                        <p:tgtEl>
+                                          <p:spTgt spid="6"/>
+                                        </p:tgtEl>
+                                        <p:attrNameLst>
+                                          <p:attrName>ppt_y</p:attrName>
+                                        </p:attrNameLst>
+                                      </p:cBhvr>
+                                      <p:tavLst>
+                                        <p:tav tm="0">
+                                          <p:val>
+                                            <p:strVal val="1+#ppt_h/2"/>
+                                          </p:val>
+                                        </p:tav>
+                                        <p:tav tm="100000">
+                                          <p:val>
+                                            <p:strVal val="#ppt_y"/>
+                                          </p:val>
+                                        </p:tav>
+                                      </p:tavLst>
+                                    </p:anim>
+                                  </p:childTnLst>
+                                </p:cTn>
+                              </p:par>
+                            </p:childTnLst>
+                          </p:cTn>
+                        </p:par>
+                      </p:childTnLst>
+                    </p:cTn>
+                  </p:par>
+                  <p:par>
+                    <p:cTn id="15" fill="hold">
+                      <p:stCondLst>
+                        <p:cond delay="indefinite"/>
+                      </p:stCondLst>
+                      <p:childTnLst>
+                        <p:par>
+                          <p:cTn id="16" fill="hold">
+                            <p:stCondLst>
+                              <p:cond delay="0"/>
+                            </p:stCondLst>
+                            <p:childTnLst>
+                              <p:par>
+                                <p:cTn id="17" presetID="42" presetClass="entr" presetSubtype="0" fill="hold" grpId="0" nodeType="clickEffect">
+                                  <p:stCondLst>
+                                    <p:cond delay="0"/>
+                                  </p:stCondLst>
+                                  <p:childTnLst>
+                                    <p:set>
+                                      <p:cBhvr>
+                                        <p:cTn id="18" dur="1" fill="hold">
+                                          <p:stCondLst>
+                                            <p:cond delay="0"/>
+                                          </p:stCondLst>
+                                        </p:cTn>
+                                        <p:tgtEl>
+                                          <p:spTgt spid="5"/>
+                                        </p:tgtEl>
+                                        <p:attrNameLst>
+                                          <p:attrName>style.visibility</p:attrName>
+                                        </p:attrNameLst>
+                                      </p:cBhvr>
+                                      <p:to>
+                                        <p:strVal val="visible"/>
+                                      </p:to>
+                                    </p:set>
+                                    <p:animEffect transition="in" filter="fade">
+                                      <p:cBhvr>
+                                        <p:cTn id="19" dur="1000"/>
+                                        <p:tgtEl>
+                                          <p:spTgt spid="5"/>
+                                        </p:tgtEl>
+                                      </p:cBhvr>
+                                    </p:animEffect>
+                                    <p:anim calcmode="lin" valueType="num">
+                                      <p:cBhvr>
+                                        <p:cTn id="20" dur="1000" fill="hold"/>
+                                        <p:tgtEl>
+                                          <p:spTgt spid="5"/>
+                                        </p:tgtEl>
+                                        <p:attrNameLst>
+                                          <p:attrName>ppt_x</p:attrName>
+                                        </p:attrNameLst>
+                                      </p:cBhvr>
+                                      <p:tavLst>
+                                        <p:tav tm="0">
+                                          <p:val>
+                                            <p:strVal val="#ppt_x"/>
+                                          </p:val>
+                                        </p:tav>
+                                        <p:tav tm="100000">
+                                          <p:val>
+                                            <p:strVal val="#ppt_x"/>
+                                          </p:val>
+                                        </p:tav>
+                                      </p:tavLst>
+                                    </p:anim>
+                                    <p:anim calcmode="lin" valueType="num">
+                                      <p:cBhvr>
+                                        <p:cTn id="21" dur="1000" fill="hold"/>
+                                        <p:tgtEl>
+                                          <p:spTgt spid="5"/>
+                                        </p:tgtEl>
+                                        <p:attrNameLst>
+                                          <p:attrName>ppt_y</p:attrName>
+                                        </p:attrNameLst>
+                                      </p:cBhvr>
+                                      <p:tavLst>
+                                        <p:tav tm="0">
+                                          <p:val>
+                                            <p:strVal val="#ppt_y+.1"/>
+                                          </p:val>
+                                        </p:tav>
+                                        <p:tav tm="100000">
+                                          <p:val>
+                                            <p:strVal val="#ppt_y"/>
+                                          </p:val>
+                                        </p:tav>
+                                      </p:tavLst>
+                                    </p:anim>
+                                  </p:childTnLst>
+                                </p:cTn>
+                              </p:par>
+                            </p:childTnLst>
+                          </p:cTn>
+                        </p:par>
+                      </p:childTnLst>
+                    </p:cTn>
+                  </p:par>
+                  <p:par>
+                    <p:cTn id="22" fill="hold">
+                      <p:stCondLst>
+                        <p:cond delay="indefinite"/>
+                      </p:stCondLst>
+                      <p:childTnLst>
+                        <p:par>
+                          <p:cTn id="23" fill="hold">
+                            <p:stCondLst>
+                              <p:cond delay="0"/>
+                            </p:stCondLst>
+                            <p:childTnLst>
+                              <p:par>
+                                <p:cTn id="24" presetID="16" presetClass="entr" presetSubtype="21" fill="hold" nodeType="clickEffect">
+                                  <p:stCondLst>
+                                    <p:cond delay="0"/>
+                                  </p:stCondLst>
+                                  <p:childTnLst>
+                                    <p:set>
+                                      <p:cBhvr>
+                                        <p:cTn id="25" dur="1" fill="hold">
+                                          <p:stCondLst>
+                                            <p:cond delay="0"/>
+                                          </p:stCondLst>
+                                        </p:cTn>
+                                        <p:tgtEl>
+                                          <p:spTgt spid="9">
+                                            <p:txEl>
+                                              <p:pRg st="0" end="0"/>
+                                            </p:txEl>
+                                          </p:spTgt>
+                                        </p:tgtEl>
+                                        <p:attrNameLst>
+                                          <p:attrName>style.visibility</p:attrName>
+                                        </p:attrNameLst>
+                                      </p:cBhvr>
+                                      <p:to>
+                                        <p:strVal val="visible"/>
+                                      </p:to>
+                                    </p:set>
+                                    <p:animEffect transition="in" filter="barn(inVertical)">
+                                      <p:cBhvr>
+                                        <p:cTn id="26" dur="500"/>
+                                        <p:tgtEl>
+                                          <p:spTgt spid="9">
+                                            <p:txEl>
+                                              <p:pRg st="0" end="0"/>
+                                            </p:txEl>
+                                          </p:spTgt>
+                                        </p:tgtEl>
+                                      </p:cBhvr>
+                                    </p:animEffect>
+                                  </p:childTnLst>
+                                </p:cTn>
+                              </p:par>
+                            </p:childTnLst>
+                          </p:cTn>
+                        </p:par>
+                      </p:childTnLst>
+                    </p:cTn>
+                  </p:par>
+                </p:childTnLst>
+              </p:cTn>
+              <p:prevCondLst>
+                <p:cond evt="onPrev" delay="0">
+                  <p:tgtEl>
+                    <p:sldTgt/>
+                  </p:tgtEl>
+                </p:cond>
+              </p:prevCondLst>
+              <p:nextCondLst>
+                <p:cond evt="onNext" delay="0">
+                  <p:tgtEl>
+                    <p:sldTgt/>
+                  </p:tgtEl>
+                </p:cond>
+              </p:nextCondLst>
+            </p:seq>
+          </p:childTnLst>
+        </p:cTn>
+      </p:par>
+    </p:tnLst>
+    <p:bldLst>
+      <p:bldP spid="5" grpId="0"/>
+      <p:bldP spid="6" grpId="0"/>
+    </p:bldLst>
+  </p:timing>
+</p:sld>
+</file>
+
+<file path=ppt/slides/slide14.xml><?xml version="1.0" encoding="utf-8"?>
+<p:sld xmlns:a="http://schemas.openxmlformats.org/drawingml/2006/main" xmlns:r="http://schemas.openxmlformats.org/officeDocument/2006/relationships" xmlns:p="http://schemas.openxmlformats.org/presentationml/2006/main">
+  <p:cSld>
+    <p:spTree>
+      <p:nvGrpSpPr>
+        <p:cNvPr id="1" name=""/>
+        <p:cNvGrpSpPr/>
+        <p:nvPr/>
+      </p:nvGrpSpPr>
+      <p:grpSpPr>
+        <a:xfrm>
+          <a:off x="0" y="0"/>
+          <a:ext cx="0" cy="0"/>
+          <a:chOff x="0" y="0"/>
+          <a:chExt cx="0" cy="0"/>
+        </a:xfrm>
+      </p:grpSpPr>
+      <p:sp>
+        <p:nvSpPr>
+          <p:cNvPr id="2" name="内容占位符 1"/>
+          <p:cNvSpPr>
+            <a:spLocks noGrp="1"/>
+          </p:cNvSpPr>
+          <p:nvPr>
+            <p:ph idx="1"/>
+          </p:nvPr>
+        </p:nvSpPr>
+        <p:spPr>
+          <a:xfrm>
+            <a:off x="323528" y="843558"/>
+            <a:ext cx="8322816" cy="4104456"/>
+          </a:xfrm>
+        </p:spPr>
+        <p:txBody>
+          <a:bodyPr>
+            <a:noAutofit/>
+          </a:bodyPr>
+          <a:lstStyle/>
+          <a:p>
+            <a:pPr marL="0" indent="0">
+              <a:buNone/>
+            </a:pPr>
+            <a:r>
+              <a:rPr lang="en-US" altLang="zh-CN" sz="1400" smtClean="0"/>
+              <a:t>                                   #</a:t>
+            </a:r>
+            <a:r>
+              <a:rPr lang="zh-CN" altLang="en-US" sz="1400"/>
+              <a:t>陈咬金第一</a:t>
+            </a:r>
+            <a:r>
+              <a:rPr lang="zh-CN" altLang="en-US" sz="1400" smtClean="0"/>
+              <a:t>斧： </a:t>
+            </a:r>
+            <a:r>
+              <a:rPr lang="zh-CN" altLang="en-US" sz="1400"/>
+              <a:t>如何解</a:t>
+            </a:r>
+            <a:r>
+              <a:rPr lang="zh-CN" altLang="en-US" sz="1400" smtClean="0"/>
+              <a:t>决</a:t>
+            </a:r>
+            <a:endParaRPr lang="en-US" altLang="zh-CN" sz="1400" smtClean="0"/>
+          </a:p>
+          <a:p>
+            <a:pPr marL="0" indent="0">
+              <a:buNone/>
+            </a:pPr>
+            <a:r>
+              <a:rPr lang="en-US" altLang="zh-CN" sz="1400">
+                <a:solidFill>
+                  <a:srgbClr val="FF0000"/>
+                </a:solidFill>
+              </a:rPr>
+              <a:t> </a:t>
+            </a:r>
+            <a:r>
+              <a:rPr lang="en-US" altLang="zh-CN" sz="1400" smtClean="0">
+                <a:solidFill>
+                  <a:srgbClr val="FF0000"/>
+                </a:solidFill>
+              </a:rPr>
+              <a:t> </a:t>
+            </a:r>
+            <a:r>
+              <a:rPr lang="en-US" altLang="zh-CN" sz="1400" smtClean="0">
+                <a:solidFill>
+                  <a:srgbClr val="FF0000"/>
+                </a:solidFill>
+              </a:rPr>
+              <a:t>replication.c</a:t>
+            </a:r>
+            <a:r>
+              <a:rPr lang="en-US" altLang="zh-CN" sz="1400" smtClean="0">
+                <a:solidFill>
+                  <a:srgbClr val="FF0000"/>
+                </a:solidFill>
+              </a:rPr>
+              <a:t>::syncCommand</a:t>
+            </a:r>
+            <a:r>
+              <a:rPr lang="en-US" altLang="zh-CN" sz="1400" smtClean="0">
+                <a:solidFill>
+                  <a:srgbClr val="FF0000"/>
+                </a:solidFill>
+              </a:rPr>
+              <a:t>() </a:t>
+            </a:r>
+            <a:r>
+              <a:rPr lang="en-US" altLang="zh-CN" sz="1400">
+                <a:solidFill>
+                  <a:srgbClr val="FF0000"/>
+                </a:solidFill>
+                <a:sym typeface="Wingdings" panose="05000000000000000000" pitchFamily="2" charset="2"/>
+              </a:rPr>
+              <a:t> </a:t>
+            </a:r>
+            <a:r>
+              <a:rPr lang="en-US" altLang="zh-CN" sz="1400">
+                <a:solidFill>
+                  <a:srgbClr val="FF0000"/>
+                </a:solidFill>
+                <a:sym typeface="Wingdings" panose="05000000000000000000" pitchFamily="2" charset="2"/>
+              </a:rPr>
+              <a:t>rdbSaveBackground backgroundSaveDoneHandler</a:t>
+            </a:r>
+            <a:endParaRPr lang="en-US" altLang="zh-CN" sz="1400" smtClean="0">
+              <a:solidFill>
+                <a:srgbClr val="FF0000"/>
+              </a:solidFill>
+            </a:endParaRPr>
+          </a:p>
+          <a:p>
+            <a:pPr marL="0" indent="0">
+              <a:buNone/>
+            </a:pPr>
+            <a:r>
+              <a:rPr lang="en-US" altLang="zh-CN" sz="1400">
+                <a:solidFill>
+                  <a:srgbClr val="FF0000"/>
+                </a:solidFill>
+                <a:sym typeface="Wingdings" panose="05000000000000000000" pitchFamily="2" charset="2"/>
+              </a:rPr>
+              <a:t>    </a:t>
+            </a:r>
+            <a:endParaRPr lang="en-US" altLang="zh-CN" sz="1400" smtClean="0">
+              <a:solidFill>
+                <a:srgbClr val="FF0000"/>
+              </a:solidFill>
+              <a:sym typeface="Wingdings" panose="05000000000000000000" pitchFamily="2" charset="2"/>
+            </a:endParaRPr>
+          </a:p>
+          <a:p>
+            <a:pPr marL="0" indent="0">
+              <a:buNone/>
+            </a:pPr>
+            <a:r>
+              <a:rPr lang="en-US" altLang="zh-CN" sz="1400">
+                <a:solidFill>
+                  <a:srgbClr val="FF0000"/>
+                </a:solidFill>
+                <a:sym typeface="Wingdings" panose="05000000000000000000" pitchFamily="2" charset="2"/>
+              </a:rPr>
+              <a:t> </a:t>
+            </a:r>
+            <a:r>
+              <a:rPr lang="en-US" altLang="zh-CN" sz="1400" smtClean="0">
+                <a:solidFill>
+                  <a:srgbClr val="FF0000"/>
+                </a:solidFill>
+                <a:sym typeface="Wingdings" panose="05000000000000000000" pitchFamily="2" charset="2"/>
+              </a:rPr>
+              <a:t>updateSlavesWaitingBgsave [</a:t>
+            </a:r>
+            <a:r>
+              <a:rPr lang="en-US" altLang="zh-CN" sz="1400">
+                <a:solidFill>
+                  <a:srgbClr val="FF0000"/>
+                </a:solidFill>
+                <a:sym typeface="Wingdings" panose="05000000000000000000" pitchFamily="2" charset="2"/>
+              </a:rPr>
+              <a:t>replstate</a:t>
+            </a:r>
+            <a:r>
+              <a:rPr lang="en-US" altLang="zh-CN" sz="1400">
+                <a:solidFill>
+                  <a:srgbClr val="FF0000"/>
+                </a:solidFill>
+                <a:sym typeface="Wingdings" panose="05000000000000000000" pitchFamily="2" charset="2"/>
+              </a:rPr>
+              <a:t>] </a:t>
+            </a:r>
+            <a:r>
+              <a:rPr lang="en-US" altLang="zh-CN" sz="1400">
+                <a:solidFill>
+                  <a:srgbClr val="FF0000"/>
+                </a:solidFill>
+                <a:sym typeface="Wingdings" panose="05000000000000000000" pitchFamily="2" charset="2"/>
+              </a:rPr>
+              <a:t>- </a:t>
+            </a:r>
+            <a:r>
+              <a:rPr lang="en-US" altLang="zh-CN" sz="1400">
+                <a:solidFill>
+                  <a:srgbClr val="FF0000"/>
+                </a:solidFill>
+                <a:sym typeface="Wingdings" panose="05000000000000000000" pitchFamily="2" charset="2"/>
+              </a:rPr>
+              <a:t>sendBulkToSlave[lseek] sendReplyToClient</a:t>
+            </a:r>
+            <a:endParaRPr lang="en-US" altLang="zh-CN" sz="1400" smtClean="0">
+              <a:solidFill>
+                <a:srgbClr val="FF0000"/>
+              </a:solidFill>
+            </a:endParaRPr>
+          </a:p>
+          <a:p>
+            <a:pPr marL="0" indent="0">
+              <a:buNone/>
+            </a:pPr>
+            <a:endParaRPr lang="en-US" altLang="zh-CN" sz="1400" smtClean="0">
+              <a:solidFill>
+                <a:srgbClr val="FF0000"/>
+              </a:solidFill>
+            </a:endParaRPr>
+          </a:p>
+          <a:p>
+            <a:pPr marL="0" indent="0">
+              <a:buNone/>
+            </a:pPr>
+            <a:endParaRPr lang="en-US" altLang="zh-CN" sz="1400" smtClean="0">
+              <a:solidFill>
+                <a:srgbClr val="FF0000"/>
+              </a:solidFill>
+            </a:endParaRPr>
+          </a:p>
+          <a:p>
+            <a:pPr marL="0" indent="0">
+              <a:buNone/>
+            </a:pPr>
+            <a:r>
+              <a:rPr lang="en-US" altLang="zh-CN" sz="1400" b="1" smtClean="0">
+                <a:solidFill>
+                  <a:srgbClr val="FF0000"/>
+                </a:solidFill>
+              </a:rPr>
+              <a:t>  updateSlavesWaitingBgsave</a:t>
+            </a:r>
+          </a:p>
+          <a:p>
+            <a:pPr marL="0" indent="0">
+              <a:buNone/>
+            </a:pPr>
+            <a:r>
+              <a:rPr lang="en-US" altLang="zh-CN" sz="1400" b="1" smtClean="0"/>
+              <a:t>   master </a:t>
+            </a:r>
+            <a:r>
+              <a:rPr lang="zh-CN" altLang="en-US" sz="1400" b="1"/>
+              <a:t>将 </a:t>
+            </a:r>
+            <a:r>
+              <a:rPr lang="en-US" altLang="zh-CN" sz="1400" b="1"/>
+              <a:t>RDB </a:t>
+            </a:r>
+            <a:r>
+              <a:rPr lang="zh-CN" altLang="en-US" sz="1400" b="1"/>
+              <a:t>文件发送给 </a:t>
+            </a:r>
+            <a:r>
+              <a:rPr lang="en-US" altLang="zh-CN" sz="1400" b="1"/>
+              <a:t>slave </a:t>
+            </a:r>
+            <a:r>
+              <a:rPr lang="zh-CN" altLang="en-US" sz="1400" b="1"/>
+              <a:t>的写事件处理</a:t>
+            </a:r>
+            <a:r>
+              <a:rPr lang="zh-CN" altLang="en-US" sz="1400" b="1" smtClean="0"/>
+              <a:t>器</a:t>
+            </a:r>
+            <a:r>
+              <a:rPr lang="en-US" altLang="zh-CN" sz="1400" b="1" smtClean="0"/>
+              <a:t>sendBulkToSlave</a:t>
+            </a:r>
+          </a:p>
+          <a:p>
+            <a:pPr marL="0" indent="0">
+              <a:buNone/>
+            </a:pPr>
+            <a:r>
+              <a:rPr lang="en-US" altLang="zh-CN" sz="1400" b="1" smtClean="0"/>
+              <a:t>   syncWithMaster#slaveTryPartialResynchronization</a:t>
+            </a:r>
+            <a:endParaRPr lang="en-US" altLang="zh-CN" sz="1400" b="1"/>
+          </a:p>
+          <a:p>
+            <a:pPr marL="0" indent="0">
+              <a:buNone/>
+            </a:pPr>
+            <a:endParaRPr lang="en-US" altLang="zh-CN" sz="1400" b="1" smtClean="0"/>
+          </a:p>
+          <a:p>
+            <a:pPr marL="0" indent="0">
+              <a:buNone/>
+            </a:pPr>
+            <a:endParaRPr lang="en-US" altLang="zh-CN" sz="1400" b="1" smtClean="0"/>
+          </a:p>
+          <a:p>
+            <a:pPr marL="0" indent="0">
+              <a:buNone/>
+            </a:pPr>
+            <a:endParaRPr lang="en-US" altLang="zh-CN" sz="1400" b="1" smtClean="0"/>
+          </a:p>
+          <a:p>
+            <a:pPr marL="0" indent="0">
+              <a:buNone/>
+            </a:pPr>
+            <a:r>
+              <a:rPr lang="en-US" altLang="zh-CN" sz="1400" b="1" smtClean="0"/>
+              <a:t>                                    #</a:t>
+            </a:r>
+            <a:r>
+              <a:rPr lang="zh-CN" altLang="en-US" sz="1400" b="1"/>
+              <a:t>陈咬金第二斧 </a:t>
+            </a:r>
+            <a:r>
+              <a:rPr lang="zh-CN" altLang="en-US" sz="1400" b="1" smtClean="0"/>
+              <a:t>：流程图是什么</a:t>
+            </a:r>
+            <a:endParaRPr lang="en-US" altLang="zh-CN" sz="1400" b="1"/>
+          </a:p>
+          <a:p>
+            <a:pPr marL="0" indent="0">
+              <a:buNone/>
+            </a:pPr>
+            <a:r>
+              <a:rPr lang="en-US" altLang="zh-CN" sz="1400" b="1"/>
+              <a:t> </a:t>
+            </a:r>
+            <a:r>
+              <a:rPr lang="en-US" altLang="zh-CN" sz="1400" b="1" smtClean="0"/>
+              <a:t>replication 7</a:t>
+            </a:r>
+            <a:r>
+              <a:rPr lang="zh-CN" altLang="en-US" sz="1400" b="1" smtClean="0"/>
+              <a:t>步骤 </a:t>
+            </a:r>
+            <a:endParaRPr lang="en-US" altLang="zh-CN" sz="1400" b="1" smtClean="0"/>
+          </a:p>
+          <a:p>
+            <a:pPr marL="0" indent="0">
+              <a:buNone/>
+            </a:pPr>
+            <a:r>
+              <a:rPr lang="en-US" altLang="zh-CN" sz="1400" b="1" smtClean="0"/>
+              <a:t>1-5  slave of </a:t>
+            </a:r>
+          </a:p>
+          <a:p>
+            <a:pPr marL="0" indent="0">
+              <a:buNone/>
+            </a:pPr>
+            <a:r>
+              <a:rPr lang="en-US" altLang="zh-CN" sz="1400" b="1" smtClean="0"/>
+              <a:t>6</a:t>
+            </a:r>
+            <a:r>
+              <a:rPr lang="zh-CN" altLang="en-US" sz="1400" b="1" smtClean="0"/>
+              <a:t>  同</a:t>
+            </a:r>
+            <a:r>
+              <a:rPr lang="zh-CN" altLang="en-US" sz="1400" b="1" smtClean="0"/>
+              <a:t>步</a:t>
+            </a:r>
+            <a:endParaRPr lang="en-US" altLang="zh-CN" sz="1400" b="1" smtClean="0"/>
+          </a:p>
+          <a:p>
+            <a:pPr marL="228600" indent="-228600">
+              <a:buAutoNum type="arabicPlain" startAt="7"/>
+            </a:pPr>
+            <a:r>
+              <a:rPr lang="zh-CN" altLang="en-US" sz="1400" b="1" smtClean="0"/>
+              <a:t>命</a:t>
+            </a:r>
+            <a:r>
+              <a:rPr lang="zh-CN" altLang="en-US" sz="1400" b="1" smtClean="0"/>
+              <a:t>令传</a:t>
+            </a:r>
+            <a:r>
+              <a:rPr lang="zh-CN" altLang="en-US" sz="1400" b="1" smtClean="0"/>
+              <a:t>播</a:t>
+            </a:r>
+            <a:endParaRPr lang="en-US" altLang="zh-CN" sz="1400" b="1" smtClean="0"/>
+          </a:p>
+          <a:p>
+            <a:pPr marL="0" indent="0">
+              <a:buNone/>
+            </a:pPr>
+            <a:endParaRPr lang="zh-CN" altLang="en-US" sz="1400" b="1"/>
+          </a:p>
+          <a:p>
+            <a:pPr marL="0" indent="0">
+              <a:buNone/>
+            </a:pPr>
+            <a:r>
+              <a:rPr lang="en-US" altLang="zh-CN" sz="1400" smtClean="0"/>
+              <a:t>                                 #</a:t>
+            </a:r>
+            <a:r>
+              <a:rPr lang="zh-CN" altLang="en-US" sz="1400" smtClean="0"/>
+              <a:t>陈咬</a:t>
+            </a:r>
+            <a:r>
+              <a:rPr lang="zh-CN" altLang="en-US" sz="1400"/>
+              <a:t>金第三</a:t>
+            </a:r>
+            <a:r>
+              <a:rPr lang="zh-CN" altLang="en-US" sz="1400" smtClean="0"/>
+              <a:t>斧：</a:t>
+            </a:r>
+            <a:r>
+              <a:rPr lang="zh-CN" altLang="en-US" sz="1400" smtClean="0"/>
+              <a:t>最值</a:t>
+            </a:r>
+            <a:r>
+              <a:rPr lang="zh-CN" altLang="en-US" sz="1400" smtClean="0"/>
+              <a:t>得你学习地方一点</a:t>
+            </a:r>
+            <a:r>
+              <a:rPr lang="zh-CN" altLang="en-US" sz="1400" smtClean="0"/>
+              <a:t>是</a:t>
+            </a:r>
+            <a:endParaRPr lang="en-US" altLang="zh-CN" sz="1400" smtClean="0"/>
+          </a:p>
+          <a:p>
+            <a:pPr marL="0" indent="0">
+              <a:buNone/>
+            </a:pPr>
+            <a:r>
+              <a:rPr lang="en-US" altLang="zh-CN" sz="1400" smtClean="0"/>
+              <a:t>  </a:t>
+            </a:r>
+            <a:r>
+              <a:rPr lang="zh-CN" altLang="en-US" sz="1400" smtClean="0"/>
+              <a:t>网络上都说</a:t>
+            </a:r>
+            <a:r>
+              <a:rPr lang="en-US" altLang="zh-CN" sz="1400" smtClean="0"/>
+              <a:t>redis</a:t>
+            </a:r>
+            <a:r>
+              <a:rPr lang="zh-CN" altLang="en-US" sz="1400" smtClean="0"/>
+              <a:t>复制是异步，这句话不对。在完全同步节点就不是。</a:t>
+            </a:r>
+            <a:endParaRPr lang="en-US" altLang="zh-CN" sz="1400" smtClean="0"/>
+          </a:p>
+          <a:p>
+            <a:pPr marL="0" indent="0">
+              <a:buNone/>
+            </a:pPr>
+            <a:r>
+              <a:rPr lang="en-US" altLang="zh-CN" sz="1400" smtClean="0"/>
+              <a:t>  replication buffer</a:t>
+            </a:r>
+            <a:r>
+              <a:rPr lang="zh-CN" altLang="en-US" sz="1400" smtClean="0"/>
+              <a:t>：同步</a:t>
+            </a:r>
+            <a:endParaRPr lang="en-US" altLang="zh-CN" sz="1400"/>
+          </a:p>
+          <a:p>
+            <a:pPr marL="0" indent="0">
+              <a:buNone/>
+            </a:pPr>
+            <a:r>
+              <a:rPr lang="en-US" altLang="zh-CN" sz="1400" smtClean="0"/>
+              <a:t>  replication backlog</a:t>
+            </a:r>
+            <a:r>
+              <a:rPr lang="zh-CN" altLang="en-US" sz="1400" smtClean="0"/>
+              <a:t>：命令传播</a:t>
+            </a:r>
+            <a:endParaRPr lang="en-US" altLang="zh-CN" sz="1400" smtClean="0"/>
+          </a:p>
+          <a:p>
+            <a:pPr marL="0" indent="0">
+              <a:buNone/>
+            </a:pPr>
+            <a:r>
+              <a:rPr lang="en-US" altLang="zh-CN" sz="1400"/>
+              <a:t> </a:t>
+            </a:r>
+            <a:r>
+              <a:rPr lang="en-US" altLang="zh-CN" sz="1400" smtClean="0"/>
+              <a:t> aof_buffer </a:t>
+            </a:r>
+            <a:r>
+              <a:rPr lang="zh-CN" altLang="en-US" sz="1400" smtClean="0"/>
+              <a:t>写</a:t>
+            </a:r>
+            <a:r>
+              <a:rPr lang="en-US" altLang="zh-CN" sz="1400" smtClean="0"/>
+              <a:t>aof</a:t>
+            </a:r>
+            <a:r>
+              <a:rPr lang="zh-CN" altLang="en-US" sz="1400" smtClean="0"/>
+              <a:t>文件</a:t>
+            </a:r>
+            <a:endParaRPr lang="en-US" altLang="zh-CN" sz="1400" smtClean="0"/>
+          </a:p>
+          <a:p>
+            <a:pPr marL="0" indent="0">
+              <a:buNone/>
+            </a:pPr>
+            <a:r>
+              <a:rPr lang="en-US" altLang="zh-CN" sz="1400"/>
+              <a:t> </a:t>
+            </a:r>
+            <a:r>
+              <a:rPr lang="en-US" altLang="zh-CN" sz="1400" smtClean="0"/>
+              <a:t>                    </a:t>
+            </a:r>
+            <a:r>
+              <a:rPr lang="zh-CN" altLang="en-US" sz="1400" smtClean="0"/>
+              <a:t>重写</a:t>
+            </a:r>
+            <a:r>
+              <a:rPr lang="en-US" altLang="zh-CN" sz="1400" smtClean="0"/>
+              <a:t>aof</a:t>
+            </a:r>
+            <a:r>
+              <a:rPr lang="zh-CN" altLang="en-US" sz="1400" smtClean="0"/>
+              <a:t>文件</a:t>
+            </a:r>
+            <a:endParaRPr lang="en-US" altLang="zh-CN" sz="1400" smtClean="0"/>
+          </a:p>
+        </p:txBody>
+      </p:sp>
+      <p:sp>
+        <p:nvSpPr>
+          <p:cNvPr id="3" name="标题 2"/>
+          <p:cNvSpPr>
+            <a:spLocks noGrp="1"/>
+          </p:cNvSpPr>
+          <p:nvPr>
+            <p:ph type="title"/>
+          </p:nvPr>
+        </p:nvSpPr>
+        <p:spPr>
+          <a:xfrm>
+            <a:off x="417600" y="230400"/>
+            <a:ext cx="8546888" cy="469142"/>
+          </a:xfrm>
+        </p:spPr>
+        <p:style>
+          <a:lnRef idx="1">
+            <a:schemeClr val="dk1"/>
+          </a:lnRef>
+          <a:fillRef idx="3">
+            <a:schemeClr val="dk1"/>
+          </a:fillRef>
+          <a:effectRef idx="2">
+            <a:schemeClr val="dk1"/>
+          </a:effectRef>
+          <a:fontRef idx="minor">
+            <a:schemeClr val="lt1"/>
+          </a:fontRef>
+        </p:style>
+        <p:txBody>
+          <a:bodyPr>
+            <a:noAutofit/>
+          </a:bodyPr>
+          <a:lstStyle/>
+          <a:p>
+            <a:r>
+              <a:rPr lang="en-US" altLang="zh-CN" sz="2000" smtClean="0"/>
+              <a:t>    </a:t>
+            </a:r>
+            <a:r>
+              <a:rPr lang="zh-CN" altLang="en-US" sz="2000" smtClean="0"/>
+              <a:t>第五题：  </a:t>
+            </a:r>
+            <a:r>
+              <a:rPr lang="en-US" altLang="zh-CN" sz="2000" smtClean="0"/>
+              <a:t>How Redis </a:t>
+            </a:r>
+            <a:r>
+              <a:rPr lang="en-US" altLang="zh-CN" sz="2000" smtClean="0"/>
+              <a:t>master-slave replication </a:t>
+            </a:r>
+            <a:r>
+              <a:rPr lang="en-US" altLang="zh-CN" sz="2000" smtClean="0"/>
+              <a:t>works (1)   </a:t>
+            </a:r>
+            <a:br>
+              <a:rPr lang="en-US" altLang="zh-CN" sz="2000" smtClean="0"/>
+            </a:br>
+            <a:r>
+              <a:rPr lang="en-US" altLang="zh-CN" sz="2000" smtClean="0"/>
+              <a:t>                   </a:t>
+            </a:r>
+            <a:endParaRPr lang="zh-CN" altLang="en-US" sz="2000"/>
+          </a:p>
+        </p:txBody>
+      </p:sp>
+    </p:spTree>
+    <p:extLst>
+      <p:ext uri="{BB962C8B-B14F-4D97-AF65-F5344CB8AC3E}">
+        <p14:creationId xmlns:p14="http://schemas.microsoft.com/office/powerpoint/2010/main" val="3435373313"/>
+      </p:ext>
+    </p:extLst>
+  </p:cSld>
+  <p:clrMapOvr>
+    <a:masterClrMapping/>
+  </p:clrMapOvr>
+  <p:timing>
+    <p:tnLst>
+      <p:par>
+        <p:cTn id="1" dur="indefinite" restart="never" nodeType="tmRoot">
+          <p:childTnLst>
+            <p:seq concurrent="1" nextAc="seek">
+              <p:cTn id="2" dur="indefinite" nodeType="mainSeq">
+                <p:childTnLst>
+                  <p:par>
+                    <p:cTn id="3" fill="hold">
+                      <p:stCondLst>
+                        <p:cond delay="indefinite"/>
+                      </p:stCondLst>
+                      <p:childTnLst>
+                        <p:par>
+                          <p:cTn id="4" fill="hold">
+                            <p:stCondLst>
+                              <p:cond delay="0"/>
+                            </p:stCondLst>
+                            <p:childTnLst>
+                              <p:par>
+                                <p:cTn id="5" presetID="2" presetClass="entr" presetSubtype="4" fill="hold" nodeType="clickEffect">
+                                  <p:stCondLst>
+                                    <p:cond delay="0"/>
+                                  </p:stCondLst>
+                                  <p:childTnLst>
+                                    <p:set>
+                                      <p:cBhvr>
+                                        <p:cTn id="6" dur="1" fill="hold">
+                                          <p:stCondLst>
+                                            <p:cond delay="0"/>
+                                          </p:stCondLst>
+                                        </p:cTn>
+                                        <p:tgtEl>
+                                          <p:spTgt spid="2">
+                                            <p:txEl>
+                                              <p:pRg st="1" end="1"/>
+                                            </p:txEl>
+                                          </p:spTgt>
+                                        </p:tgtEl>
+                                        <p:attrNameLst>
+                                          <p:attrName>style.visibility</p:attrName>
+                                        </p:attrNameLst>
+                                      </p:cBhvr>
+                                      <p:to>
+                                        <p:strVal val="visible"/>
+                                      </p:to>
+                                    </p:set>
+                                    <p:anim calcmode="lin" valueType="num">
+                                      <p:cBhvr additive="base">
+                                        <p:cTn id="7" dur="500" fill="hold"/>
+                                        <p:tgtEl>
+                                          <p:spTgt spid="2">
+                                            <p:txEl>
+                                              <p:pRg st="1" end="1"/>
+                                            </p:txEl>
+                                          </p:spTgt>
+                                        </p:tgtEl>
+                                        <p:attrNameLst>
+                                          <p:attrName>ppt_x</p:attrName>
+                                        </p:attrNameLst>
+                                      </p:cBhvr>
+                                      <p:tavLst>
+                                        <p:tav tm="0">
+                                          <p:val>
+                                            <p:strVal val="#ppt_x"/>
+                                          </p:val>
+                                        </p:tav>
+                                        <p:tav tm="100000">
+                                          <p:val>
+                                            <p:strVal val="#ppt_x"/>
+                                          </p:val>
+                                        </p:tav>
+                                      </p:tavLst>
+                                    </p:anim>
+                                    <p:anim calcmode="lin" valueType="num">
+                                      <p:cBhvr additive="base">
+                                        <p:cTn id="8" dur="500" fill="hold"/>
+                                        <p:tgtEl>
+                                          <p:spTgt spid="2">
+                                            <p:txEl>
+                                              <p:pRg st="1" end="1"/>
+                                            </p:txEl>
+                                          </p:spTgt>
+                                        </p:tgtEl>
+                                        <p:attrNameLst>
+                                          <p:attrName>ppt_y</p:attrName>
+                                        </p:attrNameLst>
+                                      </p:cBhvr>
+                                      <p:tavLst>
+                                        <p:tav tm="0">
+                                          <p:val>
+                                            <p:strVal val="1+#ppt_h/2"/>
+                                          </p:val>
+                                        </p:tav>
+                                        <p:tav tm="100000">
+                                          <p:val>
+                                            <p:strVal val="#ppt_y"/>
+                                          </p:val>
+                                        </p:tav>
+                                      </p:tavLst>
+                                    </p:anim>
+                                  </p:childTnLst>
+                                </p:cTn>
+                              </p:par>
+                            </p:childTnLst>
+                          </p:cTn>
+                        </p:par>
+                      </p:childTnLst>
+                    </p:cTn>
+                  </p:par>
+                  <p:par>
+                    <p:cTn id="9" fill="hold">
+                      <p:stCondLst>
+                        <p:cond delay="indefinite"/>
+                      </p:stCondLst>
+                      <p:childTnLst>
+                        <p:par>
+                          <p:cTn id="10" fill="hold">
+                            <p:stCondLst>
+                              <p:cond delay="0"/>
+                            </p:stCondLst>
+                            <p:childTnLst>
+                              <p:par>
+                                <p:cTn id="11" presetID="2" presetClass="entr" presetSubtype="4" fill="hold" nodeType="clickEffect">
+                                  <p:stCondLst>
+                                    <p:cond delay="0"/>
+                                  </p:stCondLst>
+                                  <p:childTnLst>
+                                    <p:set>
+                                      <p:cBhvr>
+                                        <p:cTn id="12" dur="1" fill="hold">
+                                          <p:stCondLst>
+                                            <p:cond delay="0"/>
+                                          </p:stCondLst>
+                                        </p:cTn>
+                                        <p:tgtEl>
+                                          <p:spTgt spid="2">
+                                            <p:txEl>
+                                              <p:pRg st="2" end="2"/>
+                                            </p:txEl>
+                                          </p:spTgt>
+                                        </p:tgtEl>
+                                        <p:attrNameLst>
+                                          <p:attrName>style.visibility</p:attrName>
+                                        </p:attrNameLst>
+                                      </p:cBhvr>
+                                      <p:to>
+                                        <p:strVal val="visible"/>
+                                      </p:to>
+                                    </p:set>
+                                    <p:anim calcmode="lin" valueType="num">
+                                      <p:cBhvr additive="base">
+                                        <p:cTn id="13" dur="500" fill="hold"/>
+                                        <p:tgtEl>
+                                          <p:spTgt spid="2">
+                                            <p:txEl>
+                                              <p:pRg st="2" end="2"/>
+                                            </p:txEl>
+                                          </p:spTgt>
+                                        </p:tgtEl>
+                                        <p:attrNameLst>
+                                          <p:attrName>ppt_x</p:attrName>
+                                        </p:attrNameLst>
+                                      </p:cBhvr>
+                                      <p:tavLst>
+                                        <p:tav tm="0">
+                                          <p:val>
+                                            <p:strVal val="#ppt_x"/>
+                                          </p:val>
+                                        </p:tav>
+                                        <p:tav tm="100000">
+                                          <p:val>
+                                            <p:strVal val="#ppt_x"/>
+                                          </p:val>
+                                        </p:tav>
+                                      </p:tavLst>
+                                    </p:anim>
+                                    <p:anim calcmode="lin" valueType="num">
+                                      <p:cBhvr additive="base">
+                                        <p:cTn id="14" dur="500" fill="hold"/>
+                                        <p:tgtEl>
+                                          <p:spTgt spid="2">
+                                            <p:txEl>
+                                              <p:pRg st="2" end="2"/>
+                                            </p:txEl>
+                                          </p:spTgt>
+                                        </p:tgtEl>
+                                        <p:attrNameLst>
+                                          <p:attrName>ppt_y</p:attrName>
+                                        </p:attrNameLst>
+                                      </p:cBhvr>
+                                      <p:tavLst>
+                                        <p:tav tm="0">
+                                          <p:val>
+                                            <p:strVal val="1+#ppt_h/2"/>
+                                          </p:val>
+                                        </p:tav>
+                                        <p:tav tm="100000">
+                                          <p:val>
+                                            <p:strVal val="#ppt_y"/>
+                                          </p:val>
+                                        </p:tav>
+                                      </p:tavLst>
+                                    </p:anim>
+                                  </p:childTnLst>
+                                </p:cTn>
+                              </p:par>
+                            </p:childTnLst>
+                          </p:cTn>
+                        </p:par>
+                      </p:childTnLst>
+                    </p:cTn>
+                  </p:par>
+                  <p:par>
+                    <p:cTn id="15" fill="hold">
+                      <p:stCondLst>
+                        <p:cond delay="indefinite"/>
+                      </p:stCondLst>
+                      <p:childTnLst>
+                        <p:par>
+                          <p:cTn id="16" fill="hold">
+                            <p:stCondLst>
+                              <p:cond delay="0"/>
+                            </p:stCondLst>
+                            <p:childTnLst>
+                              <p:par>
+                                <p:cTn id="17" presetID="2" presetClass="entr" presetSubtype="4" fill="hold" nodeType="clickEffect">
+                                  <p:stCondLst>
+                                    <p:cond delay="0"/>
+                                  </p:stCondLst>
+                                  <p:childTnLst>
+                                    <p:set>
+                                      <p:cBhvr>
+                                        <p:cTn id="18" dur="1" fill="hold">
+                                          <p:stCondLst>
+                                            <p:cond delay="0"/>
+                                          </p:stCondLst>
+                                        </p:cTn>
+                                        <p:tgtEl>
+                                          <p:spTgt spid="2">
+                                            <p:txEl>
+                                              <p:pRg st="3" end="3"/>
+                                            </p:txEl>
+                                          </p:spTgt>
+                                        </p:tgtEl>
+                                        <p:attrNameLst>
+                                          <p:attrName>style.visibility</p:attrName>
+                                        </p:attrNameLst>
+                                      </p:cBhvr>
+                                      <p:to>
+                                        <p:strVal val="visible"/>
+                                      </p:to>
+                                    </p:set>
+                                    <p:anim calcmode="lin" valueType="num">
+                                      <p:cBhvr additive="base">
+                                        <p:cTn id="19" dur="500" fill="hold"/>
+                                        <p:tgtEl>
+                                          <p:spTgt spid="2">
+                                            <p:txEl>
+                                              <p:pRg st="3" end="3"/>
+                                            </p:txEl>
+                                          </p:spTgt>
+                                        </p:tgtEl>
+                                        <p:attrNameLst>
+                                          <p:attrName>ppt_x</p:attrName>
+                                        </p:attrNameLst>
+                                      </p:cBhvr>
+                                      <p:tavLst>
+                                        <p:tav tm="0">
+                                          <p:val>
+                                            <p:strVal val="#ppt_x"/>
+                                          </p:val>
+                                        </p:tav>
+                                        <p:tav tm="100000">
+                                          <p:val>
+                                            <p:strVal val="#ppt_x"/>
+                                          </p:val>
+                                        </p:tav>
+                                      </p:tavLst>
+                                    </p:anim>
+                                    <p:anim calcmode="lin" valueType="num">
+                                      <p:cBhvr additive="base">
+                                        <p:cTn id="20" dur="500" fill="hold"/>
+                                        <p:tgtEl>
+                                          <p:spTgt spid="2">
+                                            <p:txEl>
+                                              <p:pRg st="3" end="3"/>
+                                            </p:txEl>
+                                          </p:spTgt>
+                                        </p:tgtEl>
+                                        <p:attrNameLst>
+                                          <p:attrName>ppt_y</p:attrName>
+                                        </p:attrNameLst>
+                                      </p:cBhvr>
+                                      <p:tavLst>
+                                        <p:tav tm="0">
+                                          <p:val>
+                                            <p:strVal val="1+#ppt_h/2"/>
+                                          </p:val>
+                                        </p:tav>
+                                        <p:tav tm="100000">
+                                          <p:val>
+                                            <p:strVal val="#ppt_y"/>
+                                          </p:val>
+                                        </p:tav>
+                                      </p:tavLst>
+                                    </p:anim>
+                                  </p:childTnLst>
+                                </p:cTn>
+                              </p:par>
+                            </p:childTnLst>
+                          </p:cTn>
+                        </p:par>
+                      </p:childTnLst>
+                    </p:cTn>
+                  </p:par>
+                  <p:par>
+                    <p:cTn id="21" fill="hold">
+                      <p:stCondLst>
+                        <p:cond delay="indefinite"/>
+                      </p:stCondLst>
+                      <p:childTnLst>
+                        <p:par>
+                          <p:cTn id="22" fill="hold">
+                            <p:stCondLst>
+                              <p:cond delay="0"/>
+                            </p:stCondLst>
+                            <p:childTnLst>
+                              <p:par>
+                                <p:cTn id="23" presetID="2" presetClass="entr" presetSubtype="4" fill="hold" nodeType="clickEffect">
+                                  <p:stCondLst>
+                                    <p:cond delay="0"/>
+                                  </p:stCondLst>
+                                  <p:childTnLst>
+                                    <p:set>
+                                      <p:cBhvr>
+                                        <p:cTn id="24" dur="1" fill="hold">
+                                          <p:stCondLst>
+                                            <p:cond delay="0"/>
+                                          </p:stCondLst>
+                                        </p:cTn>
+                                        <p:tgtEl>
+                                          <p:spTgt spid="2">
+                                            <p:txEl>
+                                              <p:pRg st="6" end="6"/>
+                                            </p:txEl>
+                                          </p:spTgt>
+                                        </p:tgtEl>
+                                        <p:attrNameLst>
+                                          <p:attrName>style.visibility</p:attrName>
+                                        </p:attrNameLst>
+                                      </p:cBhvr>
+                                      <p:to>
+                                        <p:strVal val="visible"/>
+                                      </p:to>
+                                    </p:set>
+                                    <p:anim calcmode="lin" valueType="num">
+                                      <p:cBhvr additive="base">
+                                        <p:cTn id="25" dur="500" fill="hold"/>
+                                        <p:tgtEl>
+                                          <p:spTgt spid="2">
+                                            <p:txEl>
+                                              <p:pRg st="6" end="6"/>
+                                            </p:txEl>
+                                          </p:spTgt>
+                                        </p:tgtEl>
+                                        <p:attrNameLst>
+                                          <p:attrName>ppt_x</p:attrName>
+                                        </p:attrNameLst>
+                                      </p:cBhvr>
+                                      <p:tavLst>
+                                        <p:tav tm="0">
+                                          <p:val>
+                                            <p:strVal val="#ppt_x"/>
+                                          </p:val>
+                                        </p:tav>
+                                        <p:tav tm="100000">
+                                          <p:val>
+                                            <p:strVal val="#ppt_x"/>
+                                          </p:val>
+                                        </p:tav>
+                                      </p:tavLst>
+                                    </p:anim>
+                                    <p:anim calcmode="lin" valueType="num">
+                                      <p:cBhvr additive="base">
+                                        <p:cTn id="26" dur="500" fill="hold"/>
+                                        <p:tgtEl>
+                                          <p:spTgt spid="2">
+                                            <p:txEl>
+                                              <p:pRg st="6" end="6"/>
+                                            </p:txEl>
+                                          </p:spTgt>
+                                        </p:tgtEl>
+                                        <p:attrNameLst>
+                                          <p:attrName>ppt_y</p:attrName>
+                                        </p:attrNameLst>
+                                      </p:cBhvr>
+                                      <p:tavLst>
+                                        <p:tav tm="0">
+                                          <p:val>
+                                            <p:strVal val="1+#ppt_h/2"/>
+                                          </p:val>
+                                        </p:tav>
+                                        <p:tav tm="100000">
+                                          <p:val>
+                                            <p:strVal val="#ppt_y"/>
+                                          </p:val>
+                                        </p:tav>
+                                      </p:tavLst>
+                                    </p:anim>
+                                  </p:childTnLst>
+                                </p:cTn>
+                              </p:par>
+                            </p:childTnLst>
+                          </p:cTn>
+                        </p:par>
+                      </p:childTnLst>
+                    </p:cTn>
+                  </p:par>
+                  <p:par>
+                    <p:cTn id="27" fill="hold">
+                      <p:stCondLst>
+                        <p:cond delay="indefinite"/>
+                      </p:stCondLst>
+                      <p:childTnLst>
+                        <p:par>
+                          <p:cTn id="28" fill="hold">
+                            <p:stCondLst>
+                              <p:cond delay="0"/>
+                            </p:stCondLst>
+                            <p:childTnLst>
+                              <p:par>
+                                <p:cTn id="29" presetID="2" presetClass="entr" presetSubtype="4" fill="hold" nodeType="clickEffect">
+                                  <p:stCondLst>
+                                    <p:cond delay="0"/>
+                                  </p:stCondLst>
+                                  <p:childTnLst>
+                                    <p:set>
+                                      <p:cBhvr>
+                                        <p:cTn id="30" dur="1" fill="hold">
+                                          <p:stCondLst>
+                                            <p:cond delay="0"/>
+                                          </p:stCondLst>
+                                        </p:cTn>
+                                        <p:tgtEl>
+                                          <p:spTgt spid="2">
+                                            <p:txEl>
+                                              <p:pRg st="7" end="7"/>
+                                            </p:txEl>
+                                          </p:spTgt>
+                                        </p:tgtEl>
+                                        <p:attrNameLst>
+                                          <p:attrName>style.visibility</p:attrName>
+                                        </p:attrNameLst>
+                                      </p:cBhvr>
+                                      <p:to>
+                                        <p:strVal val="visible"/>
+                                      </p:to>
+                                    </p:set>
+                                    <p:anim calcmode="lin" valueType="num">
+                                      <p:cBhvr additive="base">
+                                        <p:cTn id="31" dur="500" fill="hold"/>
+                                        <p:tgtEl>
+                                          <p:spTgt spid="2">
+                                            <p:txEl>
+                                              <p:pRg st="7" end="7"/>
+                                            </p:txEl>
+                                          </p:spTgt>
+                                        </p:tgtEl>
+                                        <p:attrNameLst>
+                                          <p:attrName>ppt_x</p:attrName>
+                                        </p:attrNameLst>
+                                      </p:cBhvr>
+                                      <p:tavLst>
+                                        <p:tav tm="0">
+                                          <p:val>
+                                            <p:strVal val="#ppt_x"/>
+                                          </p:val>
+                                        </p:tav>
+                                        <p:tav tm="100000">
+                                          <p:val>
+                                            <p:strVal val="#ppt_x"/>
+                                          </p:val>
+                                        </p:tav>
+                                      </p:tavLst>
+                                    </p:anim>
+                                    <p:anim calcmode="lin" valueType="num">
+                                      <p:cBhvr additive="base">
+                                        <p:cTn id="32" dur="500" fill="hold"/>
+                                        <p:tgtEl>
+                                          <p:spTgt spid="2">
+                                            <p:txEl>
+                                              <p:pRg st="7" end="7"/>
+                                            </p:txEl>
+                                          </p:spTgt>
+                                        </p:tgtEl>
+                                        <p:attrNameLst>
+                                          <p:attrName>ppt_y</p:attrName>
+                                        </p:attrNameLst>
+                                      </p:cBhvr>
+                                      <p:tavLst>
+                                        <p:tav tm="0">
+                                          <p:val>
+                                            <p:strVal val="1+#ppt_h/2"/>
+                                          </p:val>
+                                        </p:tav>
+                                        <p:tav tm="100000">
+                                          <p:val>
+                                            <p:strVal val="#ppt_y"/>
+                                          </p:val>
+                                        </p:tav>
+                                      </p:tavLst>
+                                    </p:anim>
+                                  </p:childTnLst>
+                                </p:cTn>
+                              </p:par>
+                            </p:childTnLst>
+                          </p:cTn>
+                        </p:par>
+                      </p:childTnLst>
+                    </p:cTn>
+                  </p:par>
+                  <p:par>
+                    <p:cTn id="33" fill="hold">
+                      <p:stCondLst>
+                        <p:cond delay="indefinite"/>
+                      </p:stCondLst>
+                      <p:childTnLst>
+                        <p:par>
+                          <p:cTn id="34" fill="hold">
+                            <p:stCondLst>
+                              <p:cond delay="0"/>
+                            </p:stCondLst>
+                            <p:childTnLst>
+                              <p:par>
+                                <p:cTn id="35" presetID="2" presetClass="entr" presetSubtype="4" fill="hold" nodeType="clickEffect">
+                                  <p:stCondLst>
+                                    <p:cond delay="0"/>
+                                  </p:stCondLst>
+                                  <p:childTnLst>
+                                    <p:set>
+                                      <p:cBhvr>
+                                        <p:cTn id="36" dur="1" fill="hold">
+                                          <p:stCondLst>
+                                            <p:cond delay="0"/>
+                                          </p:stCondLst>
+                                        </p:cTn>
+                                        <p:tgtEl>
+                                          <p:spTgt spid="2">
+                                            <p:txEl>
+                                              <p:pRg st="8" end="8"/>
+                                            </p:txEl>
+                                          </p:spTgt>
+                                        </p:tgtEl>
+                                        <p:attrNameLst>
+                                          <p:attrName>style.visibility</p:attrName>
+                                        </p:attrNameLst>
+                                      </p:cBhvr>
+                                      <p:to>
+                                        <p:strVal val="visible"/>
+                                      </p:to>
+                                    </p:set>
+                                    <p:anim calcmode="lin" valueType="num">
+                                      <p:cBhvr additive="base">
+                                        <p:cTn id="37" dur="500" fill="hold"/>
+                                        <p:tgtEl>
+                                          <p:spTgt spid="2">
+                                            <p:txEl>
+                                              <p:pRg st="8" end="8"/>
+                                            </p:txEl>
+                                          </p:spTgt>
+                                        </p:tgtEl>
+                                        <p:attrNameLst>
+                                          <p:attrName>ppt_x</p:attrName>
+                                        </p:attrNameLst>
+                                      </p:cBhvr>
+                                      <p:tavLst>
+                                        <p:tav tm="0">
+                                          <p:val>
+                                            <p:strVal val="#ppt_x"/>
+                                          </p:val>
+                                        </p:tav>
+                                        <p:tav tm="100000">
+                                          <p:val>
+                                            <p:strVal val="#ppt_x"/>
+                                          </p:val>
+                                        </p:tav>
+                                      </p:tavLst>
+                                    </p:anim>
+                                    <p:anim calcmode="lin" valueType="num">
+                                      <p:cBhvr additive="base">
+                                        <p:cTn id="38" dur="500" fill="hold"/>
+                                        <p:tgtEl>
+                                          <p:spTgt spid="2">
+                                            <p:txEl>
+                                              <p:pRg st="8" end="8"/>
+                                            </p:txEl>
+                                          </p:spTgt>
+                                        </p:tgtEl>
+                                        <p:attrNameLst>
+                                          <p:attrName>ppt_y</p:attrName>
+                                        </p:attrNameLst>
+                                      </p:cBhvr>
+                                      <p:tavLst>
+                                        <p:tav tm="0">
+                                          <p:val>
+                                            <p:strVal val="1+#ppt_h/2"/>
+                                          </p:val>
+                                        </p:tav>
+                                        <p:tav tm="100000">
+                                          <p:val>
+                                            <p:strVal val="#ppt_y"/>
+                                          </p:val>
+                                        </p:tav>
+                                      </p:tavLst>
+                                    </p:anim>
+                                  </p:childTnLst>
+                                </p:cTn>
+                              </p:par>
+                            </p:childTnLst>
+                          </p:cTn>
+                        </p:par>
+                      </p:childTnLst>
+                    </p:cTn>
+                  </p:par>
+                </p:childTnLst>
+              </p:cTn>
+              <p:prevCondLst>
+                <p:cond evt="onPrev" delay="0">
+                  <p:tgtEl>
+                    <p:sldTgt/>
+                  </p:tgtEl>
+                </p:cond>
+              </p:prevCondLst>
+              <p:nextCondLst>
+                <p:cond evt="onNext" delay="0">
+                  <p:tgtEl>
+                    <p:sldTgt/>
+                  </p:tgtEl>
+                </p:cond>
+              </p:nextCondLst>
+            </p:seq>
+          </p:childTnLst>
+        </p:cTn>
+      </p:par>
+    </p:tnLst>
+  </p:timing>
+</p:sld>
+</file>
+
+<file path=ppt/slides/slide15.xml><?xml version="1.0" encoding="utf-8"?>
+<p:sld xmlns:a="http://schemas.openxmlformats.org/drawingml/2006/main" xmlns:r="http://schemas.openxmlformats.org/officeDocument/2006/relationships" xmlns:p="http://schemas.openxmlformats.org/presentationml/2006/main">
+  <p:cSld>
+    <p:spTree>
+      <p:nvGrpSpPr>
+        <p:cNvPr id="1" name=""/>
+        <p:cNvGrpSpPr/>
+        <p:nvPr/>
+      </p:nvGrpSpPr>
+      <p:grpSpPr>
+        <a:xfrm>
+          <a:off x="0" y="0"/>
+          <a:ext cx="0" cy="0"/>
+          <a:chOff x="0" y="0"/>
+          <a:chExt cx="0" cy="0"/>
+        </a:xfrm>
+      </p:grpSpPr>
+      <p:sp>
+        <p:nvSpPr>
+          <p:cNvPr id="3" name="标题 2"/>
+          <p:cNvSpPr>
+            <a:spLocks noGrp="1"/>
+          </p:cNvSpPr>
+          <p:nvPr>
+            <p:ph type="title"/>
+          </p:nvPr>
+        </p:nvSpPr>
+        <p:spPr/>
+        <p:style>
+          <a:lnRef idx="2">
+            <a:schemeClr val="dk1">
+              <a:shade val="50000"/>
+            </a:schemeClr>
+          </a:lnRef>
+          <a:fillRef idx="1">
+            <a:schemeClr val="dk1"/>
+          </a:fillRef>
+          <a:effectRef idx="0">
+            <a:schemeClr val="dk1"/>
+          </a:effectRef>
+          <a:fontRef idx="minor">
+            <a:schemeClr val="lt1"/>
+          </a:fontRef>
+        </p:style>
+        <p:txBody>
+          <a:bodyPr>
+            <a:normAutofit/>
+          </a:bodyPr>
+          <a:lstStyle/>
+          <a:p>
+            <a:r>
+              <a:rPr lang="en-US" altLang="zh-CN" sz="2000" smtClean="0"/>
+              <a:t> </a:t>
+            </a:r>
+            <a:r>
+              <a:rPr lang="zh-CN" altLang="en-US" sz="2000" smtClean="0"/>
+              <a:t>第五题</a:t>
+            </a:r>
+            <a:r>
+              <a:rPr lang="zh-CN" altLang="en-US" sz="2000" smtClean="0"/>
+              <a:t>：：</a:t>
+            </a:r>
+            <a:r>
+              <a:rPr lang="en-US" altLang="zh-CN" sz="2000" smtClean="0"/>
+              <a:t>How </a:t>
+            </a:r>
+            <a:r>
+              <a:rPr lang="en-US" altLang="zh-CN" sz="2000"/>
+              <a:t>Redis master-slave replication </a:t>
+            </a:r>
+            <a:r>
+              <a:rPr lang="en-US" altLang="zh-CN" sz="2000"/>
+              <a:t>works </a:t>
+            </a:r>
+            <a:r>
+              <a:rPr lang="en-US" altLang="zh-CN" sz="2000" smtClean="0"/>
+              <a:t>(2</a:t>
+            </a:r>
+            <a:r>
+              <a:rPr lang="en-US" altLang="zh-CN" sz="2000" smtClean="0"/>
+              <a:t>)</a:t>
+            </a:r>
+            <a:endParaRPr lang="zh-CN" altLang="en-US" sz="2000"/>
+          </a:p>
+        </p:txBody>
+      </p:sp>
+      <p:pic>
+        <p:nvPicPr>
+          <p:cNvPr id="1026" name="Picture 2"/>
+          <p:cNvPicPr>
+            <a:picLocks noGrp="1" noChangeAspect="1" noChangeArrowheads="1"/>
+          </p:cNvPicPr>
+          <p:nvPr>
+            <p:ph idx="1"/>
+          </p:nvPr>
+        </p:nvPicPr>
+        <p:blipFill>
+          <a:blip r:embed="rId3">
+            <a:extLst>
+              <a:ext uri="{28A0092B-C50C-407E-A947-70E740481C1C}">
+                <a14:useLocalDpi xmlns:a14="http://schemas.microsoft.com/office/drawing/2010/main" val="0"/>
+              </a:ext>
+            </a:extLst>
+          </a:blip>
+          <a:srcRect/>
+          <a:stretch>
+            <a:fillRect/>
+          </a:stretch>
+        </p:blipFill>
+        <p:spPr bwMode="auto">
+          <a:xfrm>
+            <a:off x="5652095" y="3801976"/>
+            <a:ext cx="3347864" cy="993226"/>
+          </a:xfrm>
+          <a:prstGeom prst="rect">
+            <a:avLst/>
+          </a:prstGeom>
+          <a:noFill/>
+          <a:ln>
+            <a:noFill/>
+          </a:ln>
+          <a:extLst>
+            <a:ext uri="{909E8E84-426E-40DD-AFC4-6F175D3DCCD1}">
+              <a14:hiddenFill xmlns:a14="http://schemas.microsoft.com/office/drawing/2010/main">
+                <a:solidFill>
+                  <a:schemeClr val="accent1"/>
+                </a:solidFill>
+              </a14:hiddenFill>
+            </a:ext>
+            <a:ext uri="{91240B29-F687-4F45-9708-019B960494DF}">
+              <a14:hiddenLine xmlns:a14="http://schemas.microsoft.com/office/drawing/2010/main" w="9525">
+                <a:solidFill>
+                  <a:schemeClr val="tx1"/>
+                </a:solidFill>
+                <a:miter lim="800000"/>
+                <a:headEnd/>
+                <a:tailEnd/>
+              </a14:hiddenLine>
+            </a:ext>
+          </a:extLst>
+        </p:spPr>
+      </p:pic>
+      <p:pic>
+        <p:nvPicPr>
+          <p:cNvPr id="1027" name="Picture 3"/>
+          <p:cNvPicPr>
+            <a:picLocks noChangeAspect="1" noChangeArrowheads="1"/>
+          </p:cNvPicPr>
+          <p:nvPr/>
+        </p:nvPicPr>
+        <p:blipFill>
+          <a:blip r:embed="rId4">
+            <a:extLst>
+              <a:ext uri="{28A0092B-C50C-407E-A947-70E740481C1C}">
+                <a14:useLocalDpi xmlns:a14="http://schemas.microsoft.com/office/drawing/2010/main" val="0"/>
+              </a:ext>
+            </a:extLst>
+          </a:blip>
+          <a:srcRect/>
+          <a:stretch>
+            <a:fillRect/>
+          </a:stretch>
+        </p:blipFill>
+        <p:spPr bwMode="auto">
+          <a:xfrm>
+            <a:off x="4788024" y="2499742"/>
+            <a:ext cx="3419159" cy="1277876"/>
+          </a:xfrm>
+          <a:prstGeom prst="rect">
+            <a:avLst/>
+          </a:prstGeom>
+          <a:noFill/>
+          <a:ln>
+            <a:noFill/>
+          </a:ln>
+          <a:extLst>
+            <a:ext uri="{909E8E84-426E-40DD-AFC4-6F175D3DCCD1}">
+              <a14:hiddenFill xmlns:a14="http://schemas.microsoft.com/office/drawing/2010/main">
+                <a:solidFill>
+                  <a:schemeClr val="accent1"/>
+                </a:solidFill>
+              </a14:hiddenFill>
+            </a:ext>
+            <a:ext uri="{91240B29-F687-4F45-9708-019B960494DF}">
+              <a14:hiddenLine xmlns:a14="http://schemas.microsoft.com/office/drawing/2010/main" w="9525">
+                <a:solidFill>
+                  <a:schemeClr val="tx1"/>
+                </a:solidFill>
+                <a:miter lim="800000"/>
+                <a:headEnd/>
+                <a:tailEnd/>
+              </a14:hiddenLine>
+            </a:ext>
+          </a:extLst>
+        </p:spPr>
+      </p:pic>
+      <p:pic>
+        <p:nvPicPr>
+          <p:cNvPr id="1028" name="Picture 4"/>
+          <p:cNvPicPr>
+            <a:picLocks noChangeAspect="1" noChangeArrowheads="1"/>
+          </p:cNvPicPr>
+          <p:nvPr/>
+        </p:nvPicPr>
+        <p:blipFill>
+          <a:blip r:embed="rId5">
+            <a:extLst>
+              <a:ext uri="{28A0092B-C50C-407E-A947-70E740481C1C}">
+                <a14:useLocalDpi xmlns:a14="http://schemas.microsoft.com/office/drawing/2010/main" val="0"/>
+              </a:ext>
+            </a:extLst>
+          </a:blip>
+          <a:srcRect/>
+          <a:stretch>
+            <a:fillRect/>
+          </a:stretch>
+        </p:blipFill>
+        <p:spPr bwMode="auto">
+          <a:xfrm>
+            <a:off x="4860032" y="1247800"/>
+            <a:ext cx="3861429" cy="1296144"/>
+          </a:xfrm>
+          <a:prstGeom prst="rect">
+            <a:avLst/>
+          </a:prstGeom>
+          <a:noFill/>
+          <a:ln>
+            <a:noFill/>
+          </a:ln>
+          <a:extLst>
+            <a:ext uri="{909E8E84-426E-40DD-AFC4-6F175D3DCCD1}">
+              <a14:hiddenFill xmlns:a14="http://schemas.microsoft.com/office/drawing/2010/main">
+                <a:solidFill>
+                  <a:schemeClr val="accent1"/>
+                </a:solidFill>
+              </a14:hiddenFill>
+            </a:ext>
+            <a:ext uri="{91240B29-F687-4F45-9708-019B960494DF}">
+              <a14:hiddenLine xmlns:a14="http://schemas.microsoft.com/office/drawing/2010/main" w="9525">
+                <a:solidFill>
+                  <a:schemeClr val="tx1"/>
+                </a:solidFill>
+                <a:miter lim="800000"/>
+                <a:headEnd/>
+                <a:tailEnd/>
+              </a14:hiddenLine>
+            </a:ext>
+          </a:extLst>
+        </p:spPr>
+      </p:pic>
+      <p:pic>
+        <p:nvPicPr>
+          <p:cNvPr id="1029" name="Picture 5"/>
+          <p:cNvPicPr>
+            <a:picLocks noChangeAspect="1" noChangeArrowheads="1"/>
+          </p:cNvPicPr>
+          <p:nvPr/>
+        </p:nvPicPr>
+        <p:blipFill>
+          <a:blip r:embed="rId6">
+            <a:extLst>
+              <a:ext uri="{28A0092B-C50C-407E-A947-70E740481C1C}">
+                <a14:useLocalDpi xmlns:a14="http://schemas.microsoft.com/office/drawing/2010/main" val="0"/>
+              </a:ext>
+            </a:extLst>
+          </a:blip>
+          <a:srcRect/>
+          <a:stretch>
+            <a:fillRect/>
+          </a:stretch>
+        </p:blipFill>
+        <p:spPr bwMode="auto">
+          <a:xfrm>
+            <a:off x="467544" y="1106624"/>
+            <a:ext cx="5184576" cy="4392488"/>
+          </a:xfrm>
+          <a:prstGeom prst="rect">
+            <a:avLst/>
+          </a:prstGeom>
+          <a:noFill/>
+          <a:ln>
+            <a:noFill/>
+          </a:ln>
+          <a:extLst>
+            <a:ext uri="{909E8E84-426E-40DD-AFC4-6F175D3DCCD1}">
+              <a14:hiddenFill xmlns:a14="http://schemas.microsoft.com/office/drawing/2010/main">
+                <a:solidFill>
+                  <a:schemeClr val="accent1"/>
+                </a:solidFill>
+              </a14:hiddenFill>
+            </a:ext>
+            <a:ext uri="{91240B29-F687-4F45-9708-019B960494DF}">
+              <a14:hiddenLine xmlns:a14="http://schemas.microsoft.com/office/drawing/2010/main" w="9525">
+                <a:solidFill>
+                  <a:schemeClr val="tx1"/>
+                </a:solidFill>
+                <a:miter lim="800000"/>
+                <a:headEnd/>
+                <a:tailEnd/>
+              </a14:hiddenLine>
+            </a:ext>
+          </a:extLst>
+        </p:spPr>
+      </p:pic>
+      <p:pic>
+        <p:nvPicPr>
+          <p:cNvPr id="1030" name="Picture 6"/>
+          <p:cNvPicPr>
+            <a:picLocks noChangeAspect="1" noChangeArrowheads="1"/>
+          </p:cNvPicPr>
+          <p:nvPr/>
+        </p:nvPicPr>
+        <p:blipFill>
+          <a:blip r:embed="rId7" cstate="print">
+            <a:extLst>
+              <a:ext uri="{28A0092B-C50C-407E-A947-70E740481C1C}">
+                <a14:useLocalDpi xmlns:a14="http://schemas.microsoft.com/office/drawing/2010/main" val="0"/>
+              </a:ext>
+            </a:extLst>
+          </a:blip>
+          <a:srcRect/>
+          <a:stretch>
+            <a:fillRect/>
+          </a:stretch>
+        </p:blipFill>
+        <p:spPr bwMode="auto">
+          <a:xfrm>
+            <a:off x="3635896" y="2913102"/>
+            <a:ext cx="2520280" cy="701812"/>
+          </a:xfrm>
+          <a:prstGeom prst="rect">
+            <a:avLst/>
+          </a:prstGeom>
+          <a:noFill/>
+          <a:ln>
+            <a:noFill/>
+          </a:ln>
+          <a:extLst>
+            <a:ext uri="{909E8E84-426E-40DD-AFC4-6F175D3DCCD1}">
+              <a14:hiddenFill xmlns:a14="http://schemas.microsoft.com/office/drawing/2010/main">
+                <a:solidFill>
+                  <a:schemeClr val="accent1"/>
+                </a:solidFill>
+              </a14:hiddenFill>
+            </a:ext>
+            <a:ext uri="{91240B29-F687-4F45-9708-019B960494DF}">
+              <a14:hiddenLine xmlns:a14="http://schemas.microsoft.com/office/drawing/2010/main" w="9525">
+                <a:solidFill>
+                  <a:schemeClr val="tx1"/>
+                </a:solidFill>
+                <a:miter lim="800000"/>
+                <a:headEnd/>
+                <a:tailEnd/>
+              </a14:hiddenLine>
+            </a:ext>
+          </a:extLst>
+        </p:spPr>
+      </p:pic>
+    </p:spTree>
+    <p:extLst>
+      <p:ext uri="{BB962C8B-B14F-4D97-AF65-F5344CB8AC3E}">
+        <p14:creationId xmlns:p14="http://schemas.microsoft.com/office/powerpoint/2010/main" val="2383228027"/>
+      </p:ext>
+    </p:extLst>
+  </p:cSld>
+  <p:clrMapOvr>
+    <a:masterClrMapping/>
+  </p:clrMapOvr>
+  <p:timing>
+    <p:tnLst>
+      <p:par>
+        <p:cTn id="1" dur="indefinite" restart="never" nodeType="tmRoot">
+          <p:childTnLst>
+            <p:seq concurrent="1" nextAc="seek">
+              <p:cTn id="2" dur="indefinite" nodeType="mainSeq">
+                <p:childTnLst>
+                  <p:par>
+                    <p:cTn id="3" fill="hold">
+                      <p:stCondLst>
+                        <p:cond delay="indefinite"/>
+                      </p:stCondLst>
+                      <p:childTnLst>
+                        <p:par>
+                          <p:cTn id="4" fill="hold">
+                            <p:stCondLst>
+                              <p:cond delay="0"/>
+                            </p:stCondLst>
+                            <p:childTnLst>
+                              <p:par>
+                                <p:cTn id="5" presetID="2" presetClass="entr" presetSubtype="4" fill="hold" nodeType="clickEffect">
+                                  <p:stCondLst>
+                                    <p:cond delay="0"/>
+                                  </p:stCondLst>
+                                  <p:childTnLst>
+                                    <p:set>
+                                      <p:cBhvr>
+                                        <p:cTn id="6" dur="1" fill="hold">
+                                          <p:stCondLst>
+                                            <p:cond delay="0"/>
+                                          </p:stCondLst>
+                                        </p:cTn>
+                                        <p:tgtEl>
+                                          <p:spTgt spid="1027"/>
+                                        </p:tgtEl>
+                                        <p:attrNameLst>
+                                          <p:attrName>style.visibility</p:attrName>
+                                        </p:attrNameLst>
+                                      </p:cBhvr>
+                                      <p:to>
+                                        <p:strVal val="visible"/>
+                                      </p:to>
+                                    </p:set>
+                                    <p:anim calcmode="lin" valueType="num">
+                                      <p:cBhvr additive="base">
+                                        <p:cTn id="7" dur="500" fill="hold"/>
+                                        <p:tgtEl>
+                                          <p:spTgt spid="1027"/>
+                                        </p:tgtEl>
+                                        <p:attrNameLst>
+                                          <p:attrName>ppt_x</p:attrName>
+                                        </p:attrNameLst>
+                                      </p:cBhvr>
+                                      <p:tavLst>
+                                        <p:tav tm="0">
+                                          <p:val>
+                                            <p:strVal val="#ppt_x"/>
+                                          </p:val>
+                                        </p:tav>
+                                        <p:tav tm="100000">
+                                          <p:val>
+                                            <p:strVal val="#ppt_x"/>
+                                          </p:val>
+                                        </p:tav>
+                                      </p:tavLst>
+                                    </p:anim>
+                                    <p:anim calcmode="lin" valueType="num">
+                                      <p:cBhvr additive="base">
+                                        <p:cTn id="8" dur="500" fill="hold"/>
+                                        <p:tgtEl>
+                                          <p:spTgt spid="1027"/>
+                                        </p:tgtEl>
+                                        <p:attrNameLst>
+                                          <p:attrName>ppt_y</p:attrName>
+                                        </p:attrNameLst>
+                                      </p:cBhvr>
+                                      <p:tavLst>
+                                        <p:tav tm="0">
+                                          <p:val>
+                                            <p:strVal val="1+#ppt_h/2"/>
+                                          </p:val>
+                                        </p:tav>
+                                        <p:tav tm="100000">
+                                          <p:val>
+                                            <p:strVal val="#ppt_y"/>
+                                          </p:val>
+                                        </p:tav>
+                                      </p:tavLst>
+                                    </p:anim>
+                                  </p:childTnLst>
+                                </p:cTn>
+                              </p:par>
+                            </p:childTnLst>
+                          </p:cTn>
+                        </p:par>
+                      </p:childTnLst>
+                    </p:cTn>
+                  </p:par>
+                  <p:par>
+                    <p:cTn id="9" fill="hold">
+                      <p:stCondLst>
+                        <p:cond delay="indefinite"/>
+                      </p:stCondLst>
+                      <p:childTnLst>
+                        <p:par>
+                          <p:cTn id="10" fill="hold">
+                            <p:stCondLst>
+                              <p:cond delay="0"/>
+                            </p:stCondLst>
+                            <p:childTnLst>
+                              <p:par>
+                                <p:cTn id="11" presetID="16" presetClass="entr" presetSubtype="21" fill="hold" nodeType="clickEffect">
+                                  <p:stCondLst>
+                                    <p:cond delay="0"/>
+                                  </p:stCondLst>
+                                  <p:childTnLst>
+                                    <p:set>
+                                      <p:cBhvr>
+                                        <p:cTn id="12" dur="1" fill="hold">
+                                          <p:stCondLst>
+                                            <p:cond delay="0"/>
+                                          </p:stCondLst>
+                                        </p:cTn>
+                                        <p:tgtEl>
+                                          <p:spTgt spid="1026"/>
+                                        </p:tgtEl>
+                                        <p:attrNameLst>
+                                          <p:attrName>style.visibility</p:attrName>
+                                        </p:attrNameLst>
+                                      </p:cBhvr>
+                                      <p:to>
+                                        <p:strVal val="visible"/>
+                                      </p:to>
+                                    </p:set>
+                                    <p:animEffect transition="in" filter="barn(inVertical)">
+                                      <p:cBhvr>
+                                        <p:cTn id="13" dur="500"/>
+                                        <p:tgtEl>
+                                          <p:spTgt spid="1026"/>
+                                        </p:tgtEl>
+                                      </p:cBhvr>
+                                    </p:animEffect>
+                                  </p:childTnLst>
+                                </p:cTn>
+                              </p:par>
+                            </p:childTnLst>
+                          </p:cTn>
+                        </p:par>
+                      </p:childTnLst>
+                    </p:cTn>
+                  </p:par>
+                  <p:par>
+                    <p:cTn id="14" fill="hold">
+                      <p:stCondLst>
+                        <p:cond delay="indefinite"/>
+                      </p:stCondLst>
+                      <p:childTnLst>
+                        <p:par>
+                          <p:cTn id="15" fill="hold">
+                            <p:stCondLst>
+                              <p:cond delay="0"/>
+                            </p:stCondLst>
+                            <p:childTnLst>
+                              <p:par>
+                                <p:cTn id="16" presetID="42" presetClass="entr" presetSubtype="0" fill="hold" nodeType="clickEffect">
+                                  <p:stCondLst>
+                                    <p:cond delay="0"/>
+                                  </p:stCondLst>
+                                  <p:childTnLst>
+                                    <p:set>
+                                      <p:cBhvr>
+                                        <p:cTn id="17" dur="1" fill="hold">
+                                          <p:stCondLst>
+                                            <p:cond delay="0"/>
+                                          </p:stCondLst>
+                                        </p:cTn>
+                                        <p:tgtEl>
+                                          <p:spTgt spid="1030"/>
+                                        </p:tgtEl>
+                                        <p:attrNameLst>
+                                          <p:attrName>style.visibility</p:attrName>
+                                        </p:attrNameLst>
+                                      </p:cBhvr>
+                                      <p:to>
+                                        <p:strVal val="visible"/>
+                                      </p:to>
+                                    </p:set>
+                                    <p:animEffect transition="in" filter="fade">
+                                      <p:cBhvr>
+                                        <p:cTn id="18" dur="1000"/>
+                                        <p:tgtEl>
+                                          <p:spTgt spid="1030"/>
+                                        </p:tgtEl>
+                                      </p:cBhvr>
+                                    </p:animEffect>
+                                    <p:anim calcmode="lin" valueType="num">
+                                      <p:cBhvr>
+                                        <p:cTn id="19" dur="1000" fill="hold"/>
+                                        <p:tgtEl>
+                                          <p:spTgt spid="1030"/>
+                                        </p:tgtEl>
+                                        <p:attrNameLst>
+                                          <p:attrName>ppt_x</p:attrName>
+                                        </p:attrNameLst>
+                                      </p:cBhvr>
+                                      <p:tavLst>
+                                        <p:tav tm="0">
+                                          <p:val>
+                                            <p:strVal val="#ppt_x"/>
+                                          </p:val>
+                                        </p:tav>
+                                        <p:tav tm="100000">
+                                          <p:val>
+                                            <p:strVal val="#ppt_x"/>
+                                          </p:val>
+                                        </p:tav>
+                                      </p:tavLst>
+                                    </p:anim>
+                                    <p:anim calcmode="lin" valueType="num">
+                                      <p:cBhvr>
+                                        <p:cTn id="20" dur="1000" fill="hold"/>
+                                        <p:tgtEl>
+                                          <p:spTgt spid="1030"/>
+                                        </p:tgtEl>
+                                        <p:attrNameLst>
+                                          <p:attrName>ppt_y</p:attrName>
+                                        </p:attrNameLst>
+                                      </p:cBhvr>
+                                      <p:tavLst>
+                                        <p:tav tm="0">
+                                          <p:val>
+                                            <p:strVal val="#ppt_y+.1"/>
+                                          </p:val>
+                                        </p:tav>
+                                        <p:tav tm="100000">
+                                          <p:val>
+                                            <p:strVal val="#ppt_y"/>
+                                          </p:val>
+                                        </p:tav>
+                                      </p:tavLst>
+                                    </p:anim>
+                                  </p:childTnLst>
+                                </p:cTn>
+                              </p:par>
+                            </p:childTnLst>
+                          </p:cTn>
+                        </p:par>
+                      </p:childTnLst>
+                    </p:cTn>
+                  </p:par>
+                </p:childTnLst>
+              </p:cTn>
+              <p:prevCondLst>
+                <p:cond evt="onPrev" delay="0">
+                  <p:tgtEl>
+                    <p:sldTgt/>
+                  </p:tgtEl>
+                </p:cond>
+              </p:prevCondLst>
+              <p:nextCondLst>
+                <p:cond evt="onNext" delay="0">
+                  <p:tgtEl>
+                    <p:sldTgt/>
+                  </p:tgtEl>
+                </p:cond>
+              </p:nextCondLst>
+            </p:seq>
+          </p:childTnLst>
+        </p:cTn>
+      </p:par>
+    </p:tnLst>
+  </p:timing>
+</p:sld>
+</file>
+
+<file path=ppt/slides/slide16.xml><?xml version="1.0" encoding="utf-8"?>
+<p:sld xmlns:a="http://schemas.openxmlformats.org/drawingml/2006/main" xmlns:r="http://schemas.openxmlformats.org/officeDocument/2006/relationships" xmlns:p="http://schemas.openxmlformats.org/presentationml/2006/main">
+  <p:cSld>
+    <p:spTree>
+      <p:nvGrpSpPr>
+        <p:cNvPr id="1" name=""/>
+        <p:cNvGrpSpPr/>
+        <p:nvPr/>
+      </p:nvGrpSpPr>
+      <p:grpSpPr>
+        <a:xfrm>
+          <a:off x="0" y="0"/>
+          <a:ext cx="0" cy="0"/>
+          <a:chOff x="0" y="0"/>
+          <a:chExt cx="0" cy="0"/>
+        </a:xfrm>
+      </p:grpSpPr>
+      <p:sp>
+        <p:nvSpPr>
+          <p:cNvPr id="2" name="内容占位符 1"/>
+          <p:cNvSpPr>
+            <a:spLocks noGrp="1"/>
+          </p:cNvSpPr>
+          <p:nvPr>
+            <p:ph idx="1"/>
+          </p:nvPr>
+        </p:nvSpPr>
+        <p:spPr/>
+        <p:txBody>
+          <a:bodyPr>
+            <a:normAutofit/>
+          </a:bodyPr>
+          <a:lstStyle/>
+          <a:p>
+            <a:pPr marL="0" indent="0">
+              <a:buNone/>
+            </a:pPr>
+            <a:r>
+              <a:rPr lang="en-US" altLang="zh-CN"/>
+              <a:t> #</a:t>
+            </a:r>
+            <a:r>
+              <a:rPr lang="zh-CN" altLang="en-US"/>
+              <a:t>陈咬金第三斧：最值得你学习地方一点是</a:t>
+            </a:r>
+            <a:endParaRPr lang="en-US" altLang="zh-CN"/>
+          </a:p>
+          <a:p>
+            <a:pPr marL="0" indent="0">
+              <a:buNone/>
+            </a:pPr>
+            <a:r>
+              <a:rPr lang="en-US" altLang="zh-CN"/>
+              <a:t>  </a:t>
+            </a:r>
+            <a:r>
+              <a:rPr lang="zh-CN" altLang="en-US"/>
+              <a:t>网络上都说</a:t>
+            </a:r>
+            <a:r>
+              <a:rPr lang="en-US" altLang="zh-CN"/>
+              <a:t>redis</a:t>
+            </a:r>
+            <a:r>
+              <a:rPr lang="zh-CN" altLang="en-US"/>
+              <a:t>复制是异步，这句话不对。在完全同步节点就不是。</a:t>
+            </a:r>
+            <a:endParaRPr lang="en-US" altLang="zh-CN"/>
+          </a:p>
+          <a:p>
+            <a:pPr>
+              <a:buFont typeface="Wingdings" panose="05000000000000000000" pitchFamily="2" charset="2"/>
+              <a:buChar char="Ø"/>
+            </a:pPr>
+            <a:r>
+              <a:rPr lang="en-US" altLang="zh-CN"/>
+              <a:t>  </a:t>
+            </a:r>
+            <a:r>
+              <a:rPr lang="en-US" altLang="zh-CN" smtClean="0">
+                <a:hlinkClick r:id="rId3"/>
+              </a:rPr>
+              <a:t>replication </a:t>
+            </a:r>
+            <a:r>
+              <a:rPr lang="en-US" altLang="zh-CN">
+                <a:hlinkClick r:id="rId3"/>
+              </a:rPr>
+              <a:t>buffer</a:t>
+            </a:r>
+            <a:r>
+              <a:rPr lang="zh-CN" altLang="en-US"/>
+              <a:t>：</a:t>
+            </a:r>
+            <a:r>
+              <a:rPr lang="zh-CN" altLang="en-US">
+                <a:hlinkClick r:id="rId4"/>
+              </a:rPr>
+              <a:t>同</a:t>
+            </a:r>
+            <a:r>
+              <a:rPr lang="zh-CN" altLang="en-US" smtClean="0">
+                <a:hlinkClick r:id="rId4"/>
+              </a:rPr>
+              <a:t>步</a:t>
+            </a:r>
+            <a:r>
+              <a:rPr lang="en-US" altLang="zh-CN" smtClean="0"/>
+              <a:t>  -</a:t>
+            </a:r>
+            <a:r>
+              <a:rPr lang="en-US" altLang="zh-CN" smtClean="0">
+                <a:sym typeface="Wingdings" panose="05000000000000000000" pitchFamily="2" charset="2"/>
+              </a:rPr>
+              <a:t></a:t>
+            </a:r>
+            <a:r>
+              <a:rPr lang="en-US" altLang="zh-CN" smtClean="0"/>
+              <a:t>checkClientOutputBufferLimits</a:t>
+            </a:r>
+          </a:p>
+          <a:p>
+            <a:pPr>
+              <a:buFont typeface="Wingdings" panose="05000000000000000000" pitchFamily="2" charset="2"/>
+              <a:buChar char="Ø"/>
+            </a:pPr>
+            <a:r>
+              <a:rPr lang="zh-CN" altLang="en-US" sz="1900" dirty="0"/>
+              <a:t>复制缓冲区是在从服务器与主服务器</a:t>
+            </a:r>
+            <a:r>
+              <a:rPr lang="zh-CN" altLang="en-US" sz="1900" dirty="0">
+                <a:solidFill>
+                  <a:srgbClr val="FF0000"/>
+                </a:solidFill>
+              </a:rPr>
+              <a:t>同步时</a:t>
+            </a:r>
+            <a:r>
+              <a:rPr lang="zh-CN" altLang="en-US" sz="1900" dirty="0"/>
+              <a:t>保存数据的内存缓冲区</a:t>
+            </a:r>
+            <a:endParaRPr lang="en-US" altLang="zh-CN" sz="1900" smtClean="0"/>
+          </a:p>
+          <a:p>
+            <a:pPr marL="0" indent="0">
+              <a:buNone/>
+            </a:pPr>
+            <a:r>
+              <a:rPr lang="zh-CN" altLang="en-US" sz="1200" smtClean="0"/>
+              <a:t> 说明：</a:t>
+            </a:r>
+            <a:r>
+              <a:rPr lang="en-US" altLang="zh-CN" sz="1200" smtClean="0"/>
+              <a:t>  replication buffer</a:t>
+            </a:r>
+            <a:r>
+              <a:rPr lang="zh-CN" altLang="en-US" sz="1200" smtClean="0"/>
+              <a:t>（</a:t>
+            </a:r>
+            <a:r>
+              <a:rPr lang="en-US" altLang="zh-CN" sz="1200"/>
+              <a:t> 16k redisClient ::</a:t>
+            </a:r>
+            <a:r>
+              <a:rPr lang="en-US" altLang="zh-CN" sz="1200" smtClean="0"/>
+              <a:t> </a:t>
+            </a:r>
+            <a:r>
+              <a:rPr lang="en-US" altLang="zh-CN" sz="1200"/>
+              <a:t>list *</a:t>
+            </a:r>
+            <a:r>
+              <a:rPr lang="en-US" altLang="zh-CN" sz="1200"/>
+              <a:t>reply </a:t>
+            </a:r>
+            <a:r>
+              <a:rPr lang="zh-CN" altLang="en-US" sz="1200" smtClean="0"/>
+              <a:t>）</a:t>
+            </a:r>
+            <a:endParaRPr lang="en-US" altLang="zh-CN" sz="1200" smtClean="0"/>
+          </a:p>
+          <a:p>
+            <a:pPr marL="0" indent="0">
+              <a:buNone/>
+            </a:pPr>
+            <a:r>
+              <a:rPr lang="en-US" altLang="zh-CN" sz="1200"/>
+              <a:t> </a:t>
+            </a:r>
+            <a:r>
+              <a:rPr lang="en-US" altLang="zh-CN" sz="1200" smtClean="0"/>
+              <a:t>           </a:t>
+            </a:r>
+            <a:r>
+              <a:rPr lang="zh-CN" altLang="en-US" sz="1200" smtClean="0"/>
+              <a:t>由</a:t>
+            </a:r>
+            <a:r>
+              <a:rPr lang="en-US" altLang="zh-CN" sz="1200" dirty="0"/>
+              <a:t>client-output-buffer-limit slave</a:t>
+            </a:r>
+            <a:r>
+              <a:rPr lang="zh-CN" altLang="en-US" sz="1200" dirty="0"/>
+              <a:t>设置，当这个值太小会导致主从复制链接</a:t>
+            </a:r>
+            <a:r>
+              <a:rPr lang="zh-CN" altLang="en-US" sz="1200"/>
+              <a:t>断</a:t>
+            </a:r>
+            <a:r>
+              <a:rPr lang="zh-CN" altLang="en-US" sz="1200" smtClean="0"/>
+              <a:t>开 </a:t>
+            </a:r>
+            <a:endParaRPr lang="en-US" altLang="zh-CN" sz="1200" smtClean="0"/>
+          </a:p>
+          <a:p>
+            <a:pPr marL="0" indent="0">
+              <a:buNone/>
+            </a:pPr>
+            <a:r>
+              <a:rPr lang="zh-CN" altLang="en-US" sz="1200"/>
+              <a:t> </a:t>
+            </a:r>
+            <a:r>
+              <a:rPr lang="zh-CN" altLang="en-US" sz="1200" smtClean="0"/>
+              <a:t>        </a:t>
+            </a:r>
+            <a:r>
+              <a:rPr lang="en-US" altLang="zh-CN" sz="1200" smtClean="0"/>
+              <a:t>// </a:t>
+            </a:r>
+            <a:r>
+              <a:rPr lang="zh-CN" altLang="en-US" sz="1200"/>
+              <a:t>回复缓冲</a:t>
+            </a:r>
+            <a:r>
+              <a:rPr lang="zh-CN" altLang="en-US" sz="1200"/>
+              <a:t>区 </a:t>
+            </a:r>
+            <a:r>
+              <a:rPr lang="en-US" altLang="zh-CN" sz="1200"/>
+              <a:t>16k </a:t>
+            </a:r>
+            <a:r>
+              <a:rPr lang="en-US" altLang="zh-CN" sz="1200"/>
+              <a:t>redisClient </a:t>
+            </a:r>
+            <a:r>
+              <a:rPr lang="en-US" altLang="zh-CN" sz="1200" smtClean="0"/>
+              <a:t>::char </a:t>
+            </a:r>
+            <a:r>
+              <a:rPr lang="en-US" altLang="zh-CN" sz="1200"/>
+              <a:t>buf[REDIS_REPLY_CHUNK_BYTES];</a:t>
+            </a:r>
+            <a:r>
+              <a:rPr lang="en-US" altLang="zh-CN" smtClean="0">
+                <a:solidFill>
+                  <a:srgbClr val="FF0000"/>
+                </a:solidFill>
+              </a:rPr>
+              <a:t>  </a:t>
+            </a:r>
+            <a:r>
+              <a:rPr lang="zh-CN" altLang="en-US" smtClean="0">
+                <a:solidFill>
+                  <a:srgbClr val="FF0000"/>
+                </a:solidFill>
+              </a:rPr>
+              <a:t>文件传输</a:t>
+            </a:r>
+            <a:endParaRPr lang="en-US" altLang="zh-CN" smtClean="0">
+              <a:solidFill>
+                <a:srgbClr val="FF0000"/>
+              </a:solidFill>
+            </a:endParaRPr>
+          </a:p>
+          <a:p>
+            <a:pPr marL="0" indent="0">
+              <a:buNone/>
+            </a:pPr>
+            <a:endParaRPr lang="en-US" altLang="zh-CN" smtClean="0">
+              <a:solidFill>
+                <a:srgbClr val="FF0000"/>
+              </a:solidFill>
+            </a:endParaRPr>
+          </a:p>
+          <a:p>
+            <a:pPr marL="0" indent="0">
+              <a:buNone/>
+            </a:pPr>
+            <a:r>
+              <a:rPr lang="en-US" altLang="zh-CN" smtClean="0">
+                <a:solidFill>
+                  <a:srgbClr val="FF0000"/>
+                </a:solidFill>
+              </a:rPr>
+              <a:t>replication </a:t>
+            </a:r>
+            <a:r>
+              <a:rPr lang="en-US" altLang="zh-CN">
+                <a:solidFill>
+                  <a:srgbClr val="FF0000"/>
+                </a:solidFill>
+              </a:rPr>
+              <a:t>backlog</a:t>
+            </a:r>
+            <a:r>
+              <a:rPr lang="zh-CN" altLang="en-US" smtClean="0">
+                <a:solidFill>
+                  <a:srgbClr val="FF0000"/>
+                </a:solidFill>
+              </a:rPr>
+              <a:t>：</a:t>
+            </a:r>
+            <a:endParaRPr lang="en-US" altLang="zh-CN" smtClean="0">
+              <a:solidFill>
+                <a:srgbClr val="FF0000"/>
+              </a:solidFill>
+            </a:endParaRPr>
+          </a:p>
+        </p:txBody>
+      </p:sp>
+      <p:sp>
+        <p:nvSpPr>
+          <p:cNvPr id="3" name="标题 2"/>
+          <p:cNvSpPr>
+            <a:spLocks noGrp="1"/>
+          </p:cNvSpPr>
+          <p:nvPr>
+            <p:ph type="title"/>
+          </p:nvPr>
+        </p:nvSpPr>
+        <p:spPr/>
+        <p:style>
+          <a:lnRef idx="2">
+            <a:schemeClr val="accent1">
+              <a:shade val="50000"/>
+            </a:schemeClr>
+          </a:lnRef>
+          <a:fillRef idx="1">
+            <a:schemeClr val="accent1"/>
+          </a:fillRef>
+          <a:effectRef idx="0">
+            <a:schemeClr val="accent1"/>
+          </a:effectRef>
+          <a:fontRef idx="minor">
+            <a:schemeClr val="lt1"/>
+          </a:fontRef>
+        </p:style>
+        <p:txBody>
+          <a:bodyPr>
+            <a:normAutofit fontScale="90000"/>
+          </a:bodyPr>
+          <a:lstStyle/>
+          <a:p>
+            <a:r>
+              <a:rPr lang="zh-CN" altLang="en-US"/>
+              <a:t>第五题：：</a:t>
+            </a:r>
+            <a:r>
+              <a:rPr lang="en-US" altLang="zh-CN"/>
+              <a:t>How Redis master-slave replication </a:t>
+            </a:r>
+            <a:r>
+              <a:rPr lang="en-US" altLang="zh-CN"/>
+              <a:t>works </a:t>
+            </a:r>
+            <a:r>
+              <a:rPr lang="en-US" altLang="zh-CN" smtClean="0"/>
+              <a:t>(3)</a:t>
+            </a:r>
+            <a:endParaRPr lang="zh-CN" altLang="en-US"/>
+          </a:p>
+        </p:txBody>
+      </p:sp>
+    </p:spTree>
+    <p:extLst>
+      <p:ext uri="{BB962C8B-B14F-4D97-AF65-F5344CB8AC3E}">
+        <p14:creationId xmlns:p14="http://schemas.microsoft.com/office/powerpoint/2010/main" val="854360838"/>
+      </p:ext>
+    </p:extLst>
+  </p:cSld>
+  <p:clrMapOvr>
+    <a:masterClrMapping/>
+  </p:clrMapOvr>
+  <p:timing>
+    <p:tnLst>
+      <p:par>
+        <p:cTn id="1" dur="indefinite" restart="never" nodeType="tmRoot">
+          <p:childTnLst>
+            <p:seq concurrent="1" nextAc="seek">
+              <p:cTn id="2" dur="indefinite" nodeType="mainSeq">
+                <p:childTnLst>
+                  <p:par>
+                    <p:cTn id="3" fill="hold">
+                      <p:stCondLst>
+                        <p:cond delay="indefinite"/>
+                      </p:stCondLst>
+                      <p:childTnLst>
+                        <p:par>
+                          <p:cTn id="4" fill="hold">
+                            <p:stCondLst>
+                              <p:cond delay="0"/>
+                            </p:stCondLst>
+                            <p:childTnLst>
+                              <p:par>
+                                <p:cTn id="5" presetID="2" presetClass="entr" presetSubtype="4" fill="hold" nodeType="clickEffect">
+                                  <p:stCondLst>
+                                    <p:cond delay="0"/>
+                                  </p:stCondLst>
+                                  <p:childTnLst>
+                                    <p:set>
+                                      <p:cBhvr>
+                                        <p:cTn id="6" dur="1" fill="hold">
+                                          <p:stCondLst>
+                                            <p:cond delay="0"/>
+                                          </p:stCondLst>
+                                        </p:cTn>
+                                        <p:tgtEl>
+                                          <p:spTgt spid="2">
+                                            <p:txEl>
+                                              <p:pRg st="8" end="8"/>
+                                            </p:txEl>
+                                          </p:spTgt>
+                                        </p:tgtEl>
+                                        <p:attrNameLst>
+                                          <p:attrName>style.visibility</p:attrName>
+                                        </p:attrNameLst>
+                                      </p:cBhvr>
+                                      <p:to>
+                                        <p:strVal val="visible"/>
+                                      </p:to>
+                                    </p:set>
+                                    <p:anim calcmode="lin" valueType="num">
+                                      <p:cBhvr additive="base">
+                                        <p:cTn id="7" dur="500" fill="hold"/>
+                                        <p:tgtEl>
+                                          <p:spTgt spid="2">
+                                            <p:txEl>
+                                              <p:pRg st="8" end="8"/>
+                                            </p:txEl>
+                                          </p:spTgt>
+                                        </p:tgtEl>
+                                        <p:attrNameLst>
+                                          <p:attrName>ppt_x</p:attrName>
+                                        </p:attrNameLst>
+                                      </p:cBhvr>
+                                      <p:tavLst>
+                                        <p:tav tm="0">
+                                          <p:val>
+                                            <p:strVal val="#ppt_x"/>
+                                          </p:val>
+                                        </p:tav>
+                                        <p:tav tm="100000">
+                                          <p:val>
+                                            <p:strVal val="#ppt_x"/>
+                                          </p:val>
+                                        </p:tav>
+                                      </p:tavLst>
+                                    </p:anim>
+                                    <p:anim calcmode="lin" valueType="num">
+                                      <p:cBhvr additive="base">
+                                        <p:cTn id="8" dur="500" fill="hold"/>
+                                        <p:tgtEl>
+                                          <p:spTgt spid="2">
+                                            <p:txEl>
+                                              <p:pRg st="8" end="8"/>
+                                            </p:txEl>
+                                          </p:spTgt>
+                                        </p:tgtEl>
+                                        <p:attrNameLst>
+                                          <p:attrName>ppt_y</p:attrName>
+                                        </p:attrNameLst>
+                                      </p:cBhvr>
+                                      <p:tavLst>
+                                        <p:tav tm="0">
+                                          <p:val>
+                                            <p:strVal val="1+#ppt_h/2"/>
+                                          </p:val>
+                                        </p:tav>
+                                        <p:tav tm="100000">
+                                          <p:val>
+                                            <p:strVal val="#ppt_y"/>
+                                          </p:val>
+                                        </p:tav>
+                                      </p:tavLst>
+                                    </p:anim>
+                                  </p:childTnLst>
+                                </p:cTn>
+                              </p:par>
+                            </p:childTnLst>
+                          </p:cTn>
+                        </p:par>
+                      </p:childTnLst>
+                    </p:cTn>
+                  </p:par>
+                  <p:par>
+                    <p:cTn id="9" fill="hold">
+                      <p:stCondLst>
+                        <p:cond delay="indefinite"/>
+                      </p:stCondLst>
+                      <p:childTnLst>
+                        <p:par>
+                          <p:cTn id="10" fill="hold">
+                            <p:stCondLst>
+                              <p:cond delay="0"/>
+                            </p:stCondLst>
+                            <p:childTnLst>
+                              <p:par>
+                                <p:cTn id="11" presetID="2" presetClass="entr" presetSubtype="4" fill="hold" nodeType="clickEffect">
+                                  <p:stCondLst>
+                                    <p:cond delay="0"/>
+                                  </p:stCondLst>
+                                  <p:childTnLst>
+                                    <p:set>
+                                      <p:cBhvr>
+                                        <p:cTn id="12" dur="1" fill="hold">
+                                          <p:stCondLst>
+                                            <p:cond delay="0"/>
+                                          </p:stCondLst>
+                                        </p:cTn>
+                                        <p:tgtEl>
+                                          <p:spTgt spid="2">
+                                            <p:txEl>
+                                              <p:pRg st="6" end="6"/>
+                                            </p:txEl>
+                                          </p:spTgt>
+                                        </p:tgtEl>
+                                        <p:attrNameLst>
+                                          <p:attrName>style.visibility</p:attrName>
+                                        </p:attrNameLst>
+                                      </p:cBhvr>
+                                      <p:to>
+                                        <p:strVal val="visible"/>
+                                      </p:to>
+                                    </p:set>
+                                    <p:anim calcmode="lin" valueType="num">
+                                      <p:cBhvr additive="base">
+                                        <p:cTn id="13" dur="500" fill="hold"/>
+                                        <p:tgtEl>
+                                          <p:spTgt spid="2">
+                                            <p:txEl>
+                                              <p:pRg st="6" end="6"/>
+                                            </p:txEl>
+                                          </p:spTgt>
+                                        </p:tgtEl>
+                                        <p:attrNameLst>
+                                          <p:attrName>ppt_x</p:attrName>
+                                        </p:attrNameLst>
+                                      </p:cBhvr>
+                                      <p:tavLst>
+                                        <p:tav tm="0">
+                                          <p:val>
+                                            <p:strVal val="#ppt_x"/>
+                                          </p:val>
+                                        </p:tav>
+                                        <p:tav tm="100000">
+                                          <p:val>
+                                            <p:strVal val="#ppt_x"/>
+                                          </p:val>
+                                        </p:tav>
+                                      </p:tavLst>
+                                    </p:anim>
+                                    <p:anim calcmode="lin" valueType="num">
+                                      <p:cBhvr additive="base">
+                                        <p:cTn id="14" dur="500" fill="hold"/>
+                                        <p:tgtEl>
+                                          <p:spTgt spid="2">
+                                            <p:txEl>
+                                              <p:pRg st="6" end="6"/>
+                                            </p:txEl>
+                                          </p:spTgt>
+                                        </p:tgtEl>
+                                        <p:attrNameLst>
+                                          <p:attrName>ppt_y</p:attrName>
+                                        </p:attrNameLst>
+                                      </p:cBhvr>
+                                      <p:tavLst>
+                                        <p:tav tm="0">
+                                          <p:val>
+                                            <p:strVal val="1+#ppt_h/2"/>
+                                          </p:val>
+                                        </p:tav>
+                                        <p:tav tm="100000">
+                                          <p:val>
+                                            <p:strVal val="#ppt_y"/>
+                                          </p:val>
+                                        </p:tav>
+                                      </p:tavLst>
+                                    </p:anim>
+                                  </p:childTnLst>
+                                </p:cTn>
+                              </p:par>
+                            </p:childTnLst>
+                          </p:cTn>
+                        </p:par>
+                      </p:childTnLst>
+                    </p:cTn>
+                  </p:par>
+                </p:childTnLst>
+              </p:cTn>
+              <p:prevCondLst>
+                <p:cond evt="onPrev" delay="0">
+                  <p:tgtEl>
+                    <p:sldTgt/>
+                  </p:tgtEl>
+                </p:cond>
+              </p:prevCondLst>
+              <p:nextCondLst>
+                <p:cond evt="onNext" delay="0">
+                  <p:tgtEl>
+                    <p:sldTgt/>
+                  </p:tgtEl>
+                </p:cond>
+              </p:nextCondLst>
+            </p:seq>
+          </p:childTnLst>
+        </p:cTn>
+      </p:par>
+    </p:tnLst>
+  </p:timing>
+</p:sld>
+</file>
+
+<file path=ppt/slides/slide17.xml><?xml version="1.0" encoding="utf-8"?>
+<p:sld xmlns:a="http://schemas.openxmlformats.org/drawingml/2006/main" xmlns:r="http://schemas.openxmlformats.org/officeDocument/2006/relationships" xmlns:p="http://schemas.openxmlformats.org/presentationml/2006/main">
+  <p:cSld>
+    <p:spTree>
+      <p:nvGrpSpPr>
+        <p:cNvPr id="1" name=""/>
+        <p:cNvGrpSpPr/>
+        <p:nvPr/>
+      </p:nvGrpSpPr>
+      <p:grpSpPr>
+        <a:xfrm>
+          <a:off x="0" y="0"/>
+          <a:ext cx="0" cy="0"/>
+          <a:chOff x="0" y="0"/>
+          <a:chExt cx="0" cy="0"/>
+        </a:xfrm>
+      </p:grpSpPr>
+      <p:sp>
+        <p:nvSpPr>
+          <p:cNvPr id="3" name="标题 2"/>
+          <p:cNvSpPr>
+            <a:spLocks noGrp="1"/>
+          </p:cNvSpPr>
+          <p:nvPr>
+            <p:ph type="title"/>
+          </p:nvPr>
+        </p:nvSpPr>
+        <p:spPr/>
+        <p:style>
+          <a:lnRef idx="2">
+            <a:schemeClr val="accent1">
+              <a:shade val="50000"/>
+            </a:schemeClr>
+          </a:lnRef>
+          <a:fillRef idx="1">
+            <a:schemeClr val="accent1"/>
+          </a:fillRef>
+          <a:effectRef idx="0">
+            <a:schemeClr val="accent1"/>
+          </a:effectRef>
+          <a:fontRef idx="minor">
+            <a:schemeClr val="lt1"/>
+          </a:fontRef>
+        </p:style>
+        <p:txBody>
+          <a:bodyPr/>
+          <a:lstStyle/>
+          <a:p>
+            <a:r>
+              <a:rPr lang="en-US" altLang="zh-CN" smtClean="0"/>
+              <a:t>FQA :  </a:t>
+            </a:r>
+            <a:r>
+              <a:rPr lang="en-US" altLang="zh-CN" sz="1600" smtClean="0"/>
+              <a:t>ServerCron</a:t>
+            </a:r>
+            <a:r>
+              <a:rPr lang="en-US" altLang="zh-CN" smtClean="0"/>
+              <a:t> </a:t>
+            </a:r>
+            <a:r>
+              <a:rPr lang="zh-CN" altLang="en-US" smtClean="0"/>
+              <a:t>干了什么</a:t>
+            </a:r>
+            <a:endParaRPr lang="zh-CN" altLang="en-US"/>
+          </a:p>
+        </p:txBody>
+      </p:sp>
+      <p:pic>
+        <p:nvPicPr>
+          <p:cNvPr id="2050" name="Picture 2"/>
+          <p:cNvPicPr>
+            <a:picLocks noGrp="1" noChangeAspect="1" noChangeArrowheads="1"/>
+          </p:cNvPicPr>
+          <p:nvPr>
+            <p:ph idx="1"/>
+          </p:nvPr>
+        </p:nvPicPr>
+        <p:blipFill>
+          <a:blip r:embed="rId3">
+            <a:extLst>
+              <a:ext uri="{28A0092B-C50C-407E-A947-70E740481C1C}">
+                <a14:useLocalDpi xmlns:a14="http://schemas.microsoft.com/office/drawing/2010/main" val="0"/>
+              </a:ext>
+            </a:extLst>
+          </a:blip>
+          <a:srcRect/>
+          <a:stretch>
+            <a:fillRect/>
+          </a:stretch>
+        </p:blipFill>
+        <p:spPr bwMode="auto">
+          <a:xfrm>
+            <a:off x="323528" y="1196950"/>
+            <a:ext cx="5104967" cy="2879725"/>
+          </a:xfrm>
+          <a:prstGeom prst="rect">
+            <a:avLst/>
+          </a:prstGeom>
+          <a:noFill/>
+          <a:ln>
+            <a:noFill/>
+          </a:ln>
+          <a:extLst>
+            <a:ext uri="{909E8E84-426E-40DD-AFC4-6F175D3DCCD1}">
+              <a14:hiddenFill xmlns:a14="http://schemas.microsoft.com/office/drawing/2010/main">
+                <a:solidFill>
+                  <a:schemeClr val="accent1"/>
+                </a:solidFill>
+              </a14:hiddenFill>
+            </a:ext>
+            <a:ext uri="{91240B29-F687-4F45-9708-019B960494DF}">
+              <a14:hiddenLine xmlns:a14="http://schemas.microsoft.com/office/drawing/2010/main" w="9525">
+                <a:solidFill>
+                  <a:schemeClr val="tx1"/>
+                </a:solidFill>
+                <a:miter lim="800000"/>
+                <a:headEnd/>
+                <a:tailEnd/>
+              </a14:hiddenLine>
+            </a:ext>
+          </a:extLst>
+        </p:spPr>
+      </p:pic>
+      <p:pic>
+        <p:nvPicPr>
+          <p:cNvPr id="2052" name="Picture 4"/>
+          <p:cNvPicPr>
+            <a:picLocks noChangeAspect="1" noChangeArrowheads="1"/>
+          </p:cNvPicPr>
+          <p:nvPr/>
+        </p:nvPicPr>
+        <p:blipFill>
+          <a:blip r:embed="rId4">
+            <a:extLst>
+              <a:ext uri="{28A0092B-C50C-407E-A947-70E740481C1C}">
+                <a14:useLocalDpi xmlns:a14="http://schemas.microsoft.com/office/drawing/2010/main" val="0"/>
+              </a:ext>
+            </a:extLst>
+          </a:blip>
+          <a:srcRect/>
+          <a:stretch>
+            <a:fillRect/>
+          </a:stretch>
+        </p:blipFill>
+        <p:spPr bwMode="auto">
+          <a:xfrm>
+            <a:off x="118939" y="4076675"/>
+            <a:ext cx="9572626" cy="1057275"/>
+          </a:xfrm>
+          <a:prstGeom prst="rect">
+            <a:avLst/>
+          </a:prstGeom>
+          <a:noFill/>
+          <a:ln>
+            <a:noFill/>
+          </a:ln>
+          <a:extLst>
+            <a:ext uri="{909E8E84-426E-40DD-AFC4-6F175D3DCCD1}">
+              <a14:hiddenFill xmlns:a14="http://schemas.microsoft.com/office/drawing/2010/main">
+                <a:solidFill>
+                  <a:schemeClr val="accent1"/>
+                </a:solidFill>
+              </a14:hiddenFill>
+            </a:ext>
+            <a:ext uri="{91240B29-F687-4F45-9708-019B960494DF}">
+              <a14:hiddenLine xmlns:a14="http://schemas.microsoft.com/office/drawing/2010/main" w="9525">
+                <a:solidFill>
+                  <a:schemeClr val="tx1"/>
+                </a:solidFill>
+                <a:miter lim="800000"/>
+                <a:headEnd/>
+                <a:tailEnd/>
+              </a14:hiddenLine>
+            </a:ext>
+          </a:extLst>
+        </p:spPr>
+      </p:pic>
+    </p:spTree>
+    <p:extLst>
+      <p:ext uri="{BB962C8B-B14F-4D97-AF65-F5344CB8AC3E}">
+        <p14:creationId xmlns:p14="http://schemas.microsoft.com/office/powerpoint/2010/main" val="1080634845"/>
+      </p:ext>
+    </p:extLst>
+  </p:cSld>
+  <p:clrMapOvr>
+    <a:masterClrMapping/>
+  </p:clrMapOvr>
+  <p:timing>
+    <p:tnLst>
+      <p:par>
+        <p:cTn id="1" dur="indefinite" restart="never" nodeType="tmRoot"/>
+      </p:par>
+    </p:tnLst>
+  </p:timing>
+</p:sld>
+</file>
+
+<file path=ppt/slides/slide18.xml><?xml version="1.0" encoding="utf-8"?>
 <p:sld xmlns:a="http://schemas.openxmlformats.org/drawingml/2006/main" xmlns:r="http://schemas.openxmlformats.org/officeDocument/2006/relationships" xmlns:p="http://schemas.openxmlformats.org/presentationml/2006/main">
   <p:cSld>
     <p:spTree>
@@ -5588,156 +10831,7 @@
           <a:bodyPr/>
           <a:lstStyle/>
           <a:p>
-            <a:pPr marL="0" indent="0">
-              <a:buNone/>
-            </a:pPr>
-            <a:r>
-              <a:rPr lang="en-US" altLang="zh-CN" dirty="0"/>
-              <a:t>#</a:t>
-            </a:r>
-            <a:r>
-              <a:rPr lang="zh-CN" altLang="en-US" dirty="0"/>
-              <a:t>陈咬金第一</a:t>
-            </a:r>
-            <a:r>
-              <a:rPr lang="zh-CN" altLang="en-US" dirty="0" smtClean="0"/>
-              <a:t>斧： </a:t>
-            </a:r>
-            <a:r>
-              <a:rPr lang="zh-CN" altLang="en-US" dirty="0"/>
-              <a:t>如何解</a:t>
-            </a:r>
-            <a:r>
-              <a:rPr lang="zh-CN" altLang="en-US" dirty="0" smtClean="0"/>
-              <a:t>决</a:t>
-            </a:r>
-            <a:endParaRPr lang="en-US" altLang="zh-CN" dirty="0" smtClean="0"/>
-          </a:p>
-          <a:p>
-            <a:pPr marL="0" indent="0">
-              <a:buNone/>
-            </a:pPr>
-            <a:r>
-              <a:rPr lang="en-US" altLang="zh-CN" dirty="0" smtClean="0">
-                <a:solidFill>
-                  <a:srgbClr val="FF0000"/>
-                </a:solidFill>
-              </a:rPr>
-              <a:t>    </a:t>
-            </a:r>
-            <a:r>
-              <a:rPr lang="zh-CN" altLang="en-US" dirty="0" smtClean="0">
-                <a:solidFill>
-                  <a:srgbClr val="FF0000"/>
-                </a:solidFill>
-              </a:rPr>
-              <a:t>阅读</a:t>
-            </a:r>
-            <a:r>
-              <a:rPr lang="en-US" altLang="zh-CN" dirty="0" smtClean="0">
-                <a:solidFill>
-                  <a:srgbClr val="FF0000"/>
-                </a:solidFill>
-              </a:rPr>
-              <a:t>redis</a:t>
-            </a:r>
-            <a:r>
-              <a:rPr lang="zh-CN" altLang="en-US" dirty="0" smtClean="0">
-                <a:solidFill>
-                  <a:srgbClr val="FF0000"/>
-                </a:solidFill>
-              </a:rPr>
-              <a:t>设计第</a:t>
-            </a:r>
-            <a:r>
-              <a:rPr lang="en-US" altLang="zh-CN" dirty="0" smtClean="0">
-                <a:solidFill>
-                  <a:srgbClr val="FF0000"/>
-                </a:solidFill>
-              </a:rPr>
-              <a:t>15</a:t>
-            </a:r>
-            <a:r>
-              <a:rPr lang="zh-CN" altLang="en-US" dirty="0" smtClean="0">
-                <a:solidFill>
-                  <a:srgbClr val="FF0000"/>
-                </a:solidFill>
-              </a:rPr>
-              <a:t>章节 和</a:t>
-            </a:r>
-            <a:r>
-              <a:rPr lang="en-US" altLang="zh-CN" dirty="0" smtClean="0">
-                <a:solidFill>
-                  <a:srgbClr val="FF0000"/>
-                </a:solidFill>
-              </a:rPr>
-              <a:t>xx</a:t>
-            </a:r>
-            <a:r>
-              <a:rPr lang="zh-CN" altLang="en-US" dirty="0" smtClean="0">
-                <a:solidFill>
-                  <a:srgbClr val="FF0000"/>
-                </a:solidFill>
-              </a:rPr>
-              <a:t>文件</a:t>
-            </a:r>
-            <a:endParaRPr lang="en-US" altLang="zh-CN" dirty="0" smtClean="0">
-              <a:solidFill>
-                <a:srgbClr val="FF0000"/>
-              </a:solidFill>
-            </a:endParaRPr>
-          </a:p>
-          <a:p>
-            <a:pPr marL="0" indent="0">
-              <a:buNone/>
-            </a:pPr>
-            <a:endParaRPr lang="en-US" altLang="zh-CN" b="1" dirty="0" smtClean="0"/>
-          </a:p>
-          <a:p>
-            <a:pPr marL="0" indent="0">
-              <a:buNone/>
-            </a:pPr>
-            <a:r>
-              <a:rPr lang="en-US" altLang="zh-CN" b="1" dirty="0" smtClean="0"/>
-              <a:t>#</a:t>
-            </a:r>
-            <a:r>
-              <a:rPr lang="zh-CN" altLang="en-US" b="1" dirty="0"/>
-              <a:t>陈咬金第二斧 </a:t>
-            </a:r>
-            <a:r>
-              <a:rPr lang="zh-CN" altLang="en-US" b="1" dirty="0" smtClean="0"/>
-              <a:t>：流程图是什么</a:t>
-            </a:r>
-            <a:endParaRPr lang="en-US" altLang="zh-CN" b="1" dirty="0"/>
-          </a:p>
-          <a:p>
-            <a:pPr marL="0" indent="0">
-              <a:buNone/>
-            </a:pPr>
-            <a:endParaRPr lang="zh-CN" altLang="en-US" b="1" dirty="0"/>
-          </a:p>
-          <a:p>
-            <a:pPr marL="0" indent="0">
-              <a:buNone/>
-            </a:pPr>
-            <a:r>
-              <a:rPr lang="en-US" altLang="zh-CN" dirty="0"/>
-              <a:t>#</a:t>
-            </a:r>
-            <a:r>
-              <a:rPr lang="zh-CN" altLang="en-US" dirty="0" smtClean="0"/>
-              <a:t>陈咬</a:t>
-            </a:r>
-            <a:r>
-              <a:rPr lang="zh-CN" altLang="en-US" dirty="0"/>
-              <a:t>金第三</a:t>
-            </a:r>
-            <a:r>
-              <a:rPr lang="zh-CN" altLang="en-US" dirty="0" smtClean="0"/>
-              <a:t>斧：最值得你学习地方一点是</a:t>
-            </a:r>
-            <a:endParaRPr lang="en-US" altLang="zh-CN" dirty="0" smtClean="0"/>
+            <a:endParaRPr lang="zh-CN" altLang="en-US"/>
           </a:p>
         </p:txBody>
       </p:sp>
@@ -5752,52 +10846,69 @@
           </p:nvPr>
         </p:nvSpPr>
         <p:spPr/>
+        <p:style>
+          <a:lnRef idx="2">
+            <a:schemeClr val="dk1">
+              <a:shade val="50000"/>
+            </a:schemeClr>
+          </a:lnRef>
+          <a:fillRef idx="1">
+            <a:schemeClr val="dk1"/>
+          </a:fillRef>
+          <a:effectRef idx="0">
+            <a:schemeClr val="dk1"/>
+          </a:effectRef>
+          <a:fontRef idx="minor">
+            <a:schemeClr val="lt1"/>
+          </a:fontRef>
+        </p:style>
         <p:txBody>
-          <a:bodyPr/>
+          <a:bodyPr>
+            <a:normAutofit/>
+          </a:bodyPr>
           <a:lstStyle/>
           <a:p>
             <a:r>
-              <a:rPr lang="en-US" altLang="zh-CN" dirty="0" smtClean="0"/>
-              <a:t> </a:t>
-            </a:r>
-            <a:r>
-              <a:rPr lang="zh-CN" altLang="en-US" dirty="0" smtClean="0"/>
-              <a:t>第五题：</a:t>
-            </a:r>
-            <a:r>
-              <a:rPr lang="en-US" altLang="zh-CN" dirty="0" smtClean="0"/>
-              <a:t>redis </a:t>
-            </a:r>
-            <a:r>
-              <a:rPr lang="zh-CN" altLang="en-US" dirty="0" smtClean="0"/>
-              <a:t>主备</a:t>
-            </a:r>
-            <a:r>
-              <a:rPr lang="en-US" altLang="zh-CN" b="1" dirty="0"/>
-              <a:t> </a:t>
-            </a:r>
-            <a:r>
-              <a:rPr lang="zh-CN" altLang="en-US" dirty="0" smtClean="0"/>
-              <a:t>复制流程是什么？</a:t>
-            </a:r>
-            <a:endParaRPr lang="zh-CN" altLang="en-US" dirty="0"/>
+              <a:rPr lang="en-US" altLang="zh-CN" sz="2000" smtClean="0"/>
+              <a:t>     FQA:  set msg=</a:t>
+            </a:r>
+            <a:r>
+              <a:rPr lang="zh-CN" altLang="en-US" sz="2000" smtClean="0"/>
+              <a:t>“</a:t>
+            </a:r>
+            <a:r>
+              <a:rPr lang="en-US" altLang="zh-CN" sz="2000" smtClean="0"/>
+              <a:t>hello</a:t>
+            </a:r>
+            <a:r>
+              <a:rPr lang="zh-CN" altLang="en-US" sz="2000" smtClean="0"/>
+              <a:t>” 发送了什么</a:t>
+            </a:r>
+            <a:endParaRPr lang="zh-CN" altLang="en-US" sz="2000"/>
           </a:p>
         </p:txBody>
       </p:sp>
     </p:spTree>
     <p:extLst>
       <p:ext uri="{BB962C8B-B14F-4D97-AF65-F5344CB8AC3E}">
-        <p14:creationId xmlns:p14="http://schemas.microsoft.com/office/powerpoint/2010/main" val="3435373313"/>
+        <p14:creationId xmlns:p14="http://schemas.microsoft.com/office/powerpoint/2010/main" val="833908138"/>
       </p:ext>
     </p:extLst>
   </p:cSld>
   <p:clrMapOvr>
     <a:masterClrMapping/>
   </p:clrMapOvr>
+  <p:timing>
+    <p:tnLst>
+      <p:par>
+        <p:cTn id="1" dur="indefinite" restart="never" nodeType="tmRoot"/>
+      </p:par>
+    </p:tnLst>
+  </p:timing>
 </p:sld>
 </file>
 
-<file path=ppt/slides/slide14.xml><?xml version="1.0" encoding="utf-8"?>
+<file path=ppt/slides/slide19.xml><?xml version="1.0" encoding="utf-8"?>
 <p:sld xmlns:a="http://schemas.openxmlformats.org/drawingml/2006/main" xmlns:r="http://schemas.openxmlformats.org/officeDocument/2006/relationships" xmlns:p="http://schemas.openxmlformats.org/presentationml/2006/main">
   <p:cSld>
     <p:spTree>
@@ -5816,12 +10927,12 @@
       </p:grpSpPr>
       <p:sp>
         <p:nvSpPr>
-          <p:cNvPr id="2" name="文本占位符 1"/>
+          <p:cNvPr id="2" name="内容占位符 1"/>
           <p:cNvSpPr>
             <a:spLocks noGrp="1"/>
           </p:cNvSpPr>
           <p:nvPr>
-            <p:ph type="body" idx="1"/>
+            <p:ph idx="1"/>
           </p:nvPr>
         </p:nvSpPr>
         <p:spPr/>
@@ -5829,65 +10940,43 @@
           <a:bodyPr/>
           <a:lstStyle/>
           <a:p>
-            <a:endParaRPr lang="zh-CN" altLang="en-US" dirty="0"/>
+            <a:endParaRPr lang="zh-CN" altLang="en-US"/>
           </a:p>
         </p:txBody>
       </p:sp>
-      <p:pic>
-        <p:nvPicPr>
-          <p:cNvPr id="2051" name="Picture 3"/>
-          <p:cNvPicPr>
-            <a:picLocks noChangeAspect="1" noChangeArrowheads="1"/>
-          </p:cNvPicPr>
-          <p:nvPr/>
-        </p:nvPicPr>
-        <p:blipFill>
-          <a:blip r:embed="rId2">
-            <a:extLst>
-              <a:ext uri="{28A0092B-C50C-407E-A947-70E740481C1C}">
-                <a14:useLocalDpi xmlns:a14="http://schemas.microsoft.com/office/drawing/2010/main" val="0"/>
-              </a:ext>
-            </a:extLst>
-          </a:blip>
-          <a:srcRect/>
-          <a:stretch>
-            <a:fillRect/>
-          </a:stretch>
-        </p:blipFill>
-        <p:spPr bwMode="auto">
-          <a:xfrm>
-            <a:off x="755576" y="-92547"/>
-            <a:ext cx="6408712" cy="5065877"/>
-          </a:xfrm>
-          <a:prstGeom prst="rect">
-            <a:avLst/>
-          </a:prstGeom>
-          <a:noFill/>
-          <a:ln>
-            <a:noFill/>
-          </a:ln>
-          <a:extLst>
-            <a:ext uri="{909E8E84-426E-40DD-AFC4-6F175D3DCCD1}">
-              <a14:hiddenFill xmlns:a14="http://schemas.microsoft.com/office/drawing/2010/main">
-                <a:solidFill>
-                  <a:schemeClr val="accent1"/>
-                </a:solidFill>
-              </a14:hiddenFill>
-            </a:ext>
-            <a:ext uri="{91240B29-F687-4F45-9708-019B960494DF}">
-              <a14:hiddenLine xmlns:a14="http://schemas.microsoft.com/office/drawing/2010/main" w="9525">
-                <a:solidFill>
-                  <a:schemeClr val="tx1"/>
-                </a:solidFill>
-                <a:miter lim="800000"/>
-                <a:headEnd/>
-                <a:tailEnd/>
-              </a14:hiddenLine>
-            </a:ext>
-          </a:extLst>
-        </p:spPr>
-      </p:pic>
+      <p:sp>
+        <p:nvSpPr>
+          <p:cNvPr id="3" name="标题 2"/>
+          <p:cNvSpPr>
+            <a:spLocks noGrp="1"/>
+          </p:cNvSpPr>
+          <p:nvPr>
+            <p:ph type="title"/>
+          </p:nvPr>
+        </p:nvSpPr>
+        <p:spPr/>
+        <p:txBody>
+          <a:bodyPr/>
+          <a:lstStyle/>
+          <a:p>
+            <a:r>
+              <a:rPr lang="zh-CN" altLang="en-US" smtClean="0"/>
+              <a:t>协程 如何做到并发 </a:t>
+            </a:r>
+            <a:r>
+              <a:rPr lang="en-US" altLang="zh-CN" smtClean="0"/>
+              <a:t>st</a:t>
+            </a:r>
+            <a:endParaRPr lang="zh-CN" altLang="en-US"/>
+          </a:p>
+        </p:txBody>
+      </p:sp>
     </p:spTree>
+    <p:extLst>
+      <p:ext uri="{BB962C8B-B14F-4D97-AF65-F5344CB8AC3E}">
+        <p14:creationId xmlns:p14="http://schemas.microsoft.com/office/powerpoint/2010/main" val="3694667909"/>
+      </p:ext>
+    </p:extLst>
   </p:cSld>
   <p:clrMapOvr>
     <a:masterClrMapping/>
@@ -5939,23 +11028,23 @@
               <a:buChar char="-"/>
             </a:pPr>
             <a:r>
-              <a:rPr lang="en-US" altLang="zh-CN" dirty="0" smtClean="0"/>
+              <a:rPr lang="en-US" altLang="zh-CN" smtClean="0"/>
               <a:t>Redis</a:t>
             </a:r>
             <a:r>
-              <a:rPr dirty="0" smtClean="0"/>
+              <a:rPr smtClean="0"/>
               <a:t>集群设计</a:t>
             </a:r>
             <a:r>
-              <a:rPr lang="en-US" dirty="0" smtClean="0"/>
+              <a:rPr lang="en-US" smtClean="0"/>
               <a:t>(</a:t>
             </a:r>
             <a:r>
-              <a:rPr dirty="0" smtClean="0"/>
+              <a:rPr smtClean="0"/>
               <a:t>最新</a:t>
             </a:r>
             <a:r>
-              <a:rPr lang="en-US" dirty="0" smtClean="0"/>
+              <a:rPr lang="en-US" smtClean="0"/>
               <a:t>)</a:t>
             </a:r>
           </a:p>
@@ -5965,18 +11054,18 @@
               <a:buChar char="-"/>
             </a:pPr>
             <a:r>
-              <a:rPr altLang="en-US" dirty="0" smtClean="0"/>
+              <a:rPr altLang="en-US" smtClean="0"/>
               <a:t>描述</a:t>
             </a:r>
             <a:r>
-              <a:rPr lang="en-US" altLang="zh-CN" dirty="0" smtClean="0"/>
+              <a:rPr lang="en-US" altLang="zh-CN" smtClean="0"/>
               <a:t>raft</a:t>
             </a:r>
             <a:r>
-              <a:rPr dirty="0" smtClean="0"/>
+              <a:rPr smtClean="0"/>
               <a:t>协议领导选举过程</a:t>
             </a:r>
-            <a:endParaRPr lang="en-US" dirty="0" smtClean="0"/>
+            <a:endParaRPr lang="en-US" smtClean="0"/>
           </a:p>
           <a:p>
             <a:pPr>
@@ -5984,10 +11073,10 @@
               <a:buChar char="-"/>
             </a:pPr>
             <a:r>
-              <a:rPr dirty="0" smtClean="0"/>
+              <a:rPr smtClean="0"/>
               <a:t>描述下处理死锁过程</a:t>
             </a:r>
-            <a:endParaRPr lang="en-US" dirty="0" smtClean="0"/>
+            <a:endParaRPr lang="en-US" smtClean="0"/>
           </a:p>
           <a:p>
             <a:pPr>
@@ -5995,10 +11084,10 @@
               <a:buChar char="-"/>
             </a:pPr>
             <a:r>
-              <a:rPr dirty="0" smtClean="0"/>
+              <a:rPr smtClean="0"/>
               <a:t>描述下内存暴涨逻辑</a:t>
             </a:r>
-            <a:endParaRPr lang="en-US" dirty="0" smtClean="0"/>
+            <a:endParaRPr lang="en-US" smtClean="0"/>
           </a:p>
           <a:p>
             <a:pPr>
@@ -6006,10 +11095,10 @@
               <a:buChar char="-"/>
             </a:pPr>
             <a:r>
-              <a:rPr dirty="0" smtClean="0"/>
+              <a:rPr smtClean="0"/>
               <a:t>描述业务拆分过程。</a:t>
             </a:r>
-            <a:endParaRPr lang="en-US" dirty="0" smtClean="0"/>
+            <a:endParaRPr lang="en-US" smtClean="0"/>
           </a:p>
           <a:p>
             <a:pPr>
@@ -6017,7 +11106,7 @@
               <a:buChar char="-"/>
             </a:pPr>
             <a:r>
-              <a:rPr lang="en-US" dirty="0"/>
+              <a:rPr lang="en-US"/>
               <a:t>state machine</a:t>
             </a:r>
           </a:p>
@@ -6026,20 +11115,20 @@
               <a:buFontTx/>
               <a:buChar char="-"/>
             </a:pPr>
-            <a:endParaRPr lang="en-US" dirty="0" smtClean="0"/>
+            <a:endParaRPr lang="en-US" smtClean="0"/>
           </a:p>
           <a:p>
             <a:pPr>
               <a:buNone/>
             </a:pPr>
-            <a:endParaRPr lang="en-US" dirty="0" smtClean="0"/>
+            <a:endParaRPr lang="en-US" smtClean="0"/>
           </a:p>
           <a:p>
             <a:pPr>
               <a:buFontTx/>
               <a:buChar char="-"/>
             </a:pPr>
-            <a:endParaRPr lang="zh-CN" altLang="en-US" dirty="0"/>
+            <a:endParaRPr lang="zh-CN" altLang="en-US"/>
           </a:p>
         </p:txBody>
       </p:sp>
@@ -6059,10 +11148,10 @@
           <a:lstStyle/>
           <a:p>
             <a:r>
-              <a:rPr lang="zh-CN" altLang="en-US" dirty="0" smtClean="0"/>
+              <a:rPr lang="zh-CN" altLang="en-US" smtClean="0"/>
               <a:t>项目 </a:t>
             </a:r>
-            <a:endParaRPr lang="zh-CN" altLang="en-US" dirty="0"/>
+            <a:endParaRPr lang="zh-CN" altLang="en-US"/>
           </a:p>
         </p:txBody>
       </p:sp>
@@ -6072,6 +11161,111 @@
     <a:masterClrMapping/>
   </p:clrMapOvr>
   <p:transition/>
+</p:sld>
+</file>
+
+<file path=ppt/slides/slide20.xml><?xml version="1.0" encoding="utf-8"?>
+<p:sld xmlns:a="http://schemas.openxmlformats.org/drawingml/2006/main" xmlns:r="http://schemas.openxmlformats.org/officeDocument/2006/relationships" xmlns:p="http://schemas.openxmlformats.org/presentationml/2006/main">
+  <p:cSld>
+    <p:spTree>
+      <p:nvGrpSpPr>
+        <p:cNvPr id="1" name=""/>
+        <p:cNvGrpSpPr/>
+        <p:nvPr/>
+      </p:nvGrpSpPr>
+      <p:grpSpPr>
+        <a:xfrm>
+          <a:off x="0" y="0"/>
+          <a:ext cx="0" cy="0"/>
+          <a:chOff x="0" y="0"/>
+          <a:chExt cx="0" cy="0"/>
+        </a:xfrm>
+      </p:grpSpPr>
+      <p:sp>
+        <p:nvSpPr>
+          <p:cNvPr id="2" name="文本占位符 1"/>
+          <p:cNvSpPr>
+            <a:spLocks noGrp="1"/>
+          </p:cNvSpPr>
+          <p:nvPr>
+            <p:ph type="body" idx="1"/>
+          </p:nvPr>
+        </p:nvSpPr>
+        <p:spPr/>
+        <p:txBody>
+          <a:bodyPr/>
+          <a:lstStyle/>
+          <a:p>
+            <a:endParaRPr lang="zh-CN" altLang="en-US"/>
+          </a:p>
+        </p:txBody>
+      </p:sp>
+      <p:pic>
+        <p:nvPicPr>
+          <p:cNvPr id="2051" name="Picture 3"/>
+          <p:cNvPicPr>
+            <a:picLocks noChangeAspect="1" noChangeArrowheads="1"/>
+          </p:cNvPicPr>
+          <p:nvPr/>
+        </p:nvPicPr>
+        <p:blipFill>
+          <a:blip r:embed="rId2">
+            <a:extLst>
+              <a:ext uri="{28A0092B-C50C-407E-A947-70E740481C1C}">
+                <a14:useLocalDpi xmlns:a14="http://schemas.microsoft.com/office/drawing/2010/main" val="0"/>
+              </a:ext>
+            </a:extLst>
+          </a:blip>
+          <a:srcRect/>
+          <a:stretch>
+            <a:fillRect/>
+          </a:stretch>
+        </p:blipFill>
+        <p:spPr bwMode="auto">
+          <a:xfrm>
+            <a:off x="755576" y="-92547"/>
+            <a:ext cx="6408712" cy="5065877"/>
+          </a:xfrm>
+          <a:prstGeom prst="rect">
+            <a:avLst/>
+          </a:prstGeom>
+          <a:noFill/>
+          <a:ln>
+            <a:noFill/>
+          </a:ln>
+          <a:extLst>
+            <a:ext uri="{909E8E84-426E-40DD-AFC4-6F175D3DCCD1}">
+              <a14:hiddenFill xmlns:a14="http://schemas.microsoft.com/office/drawing/2010/main">
+                <a:solidFill>
+                  <a:schemeClr val="accent1"/>
+                </a:solidFill>
+              </a14:hiddenFill>
+            </a:ext>
+            <a:ext uri="{91240B29-F687-4F45-9708-019B960494DF}">
+              <a14:hiddenLine xmlns:a14="http://schemas.microsoft.com/office/drawing/2010/main" w="9525">
+                <a:solidFill>
+                  <a:schemeClr val="tx1"/>
+                </a:solidFill>
+                <a:miter lim="800000"/>
+                <a:headEnd/>
+                <a:tailEnd/>
+              </a14:hiddenLine>
+            </a:ext>
+          </a:extLst>
+        </p:spPr>
+      </p:pic>
+    </p:spTree>
+  </p:cSld>
+  <p:clrMapOvr>
+    <a:masterClrMapping/>
+  </p:clrMapOvr>
+  <p:timing>
+    <p:tnLst>
+      <p:par>
+        <p:cTn id="1" dur="indefinite" restart="never" nodeType="tmRoot"/>
+      </p:par>
+    </p:tnLst>
+  </p:timing>
 </p:sld>
 </file>
 
@@ -6110,10 +11304,10 @@
           <a:lstStyle/>
           <a:p>
             <a:r>
-              <a:rPr lang="en-US" dirty="0" err="1" smtClean="0"/>
+              <a:rPr lang="en-US" err="1" smtClean="0"/>
               <a:t>JedisCluster</a:t>
             </a:r>
-            <a:endParaRPr lang="zh-CN" altLang="en-US" dirty="0"/>
+            <a:endParaRPr lang="zh-CN" altLang="en-US"/>
           </a:p>
         </p:txBody>
       </p:sp>
@@ -6220,28 +11414,28 @@
           <a:lstStyle/>
           <a:p>
             <a:r>
-              <a:rPr lang="en-US" altLang="zh-CN" dirty="0" smtClean="0"/>
+              <a:rPr lang="en-US" altLang="zh-CN" smtClean="0"/>
               <a:t> </a:t>
             </a:r>
             <a:r>
-              <a:rPr lang="en-US" dirty="0" err="1" smtClean="0"/>
+              <a:rPr lang="en-US" err="1" smtClean="0"/>
               <a:t>JedisCluster</a:t>
             </a:r>
             <a:r>
-              <a:rPr lang="en-US" dirty="0" smtClean="0"/>
+              <a:rPr lang="en-US" smtClean="0"/>
               <a:t/>
             </a:r>
             <a:br>
-              <a:rPr lang="en-US" dirty="0" smtClean="0"/>
+              <a:rPr lang="en-US" smtClean="0"/>
             </a:br>
             <a:r>
-              <a:rPr lang="en-US" altLang="zh-CN" dirty="0" smtClean="0"/>
+              <a:rPr lang="en-US" altLang="zh-CN" smtClean="0"/>
               <a:t/>
             </a:r>
             <a:br>
-              <a:rPr lang="en-US" altLang="zh-CN" dirty="0" smtClean="0"/>
+              <a:rPr lang="en-US" altLang="zh-CN" smtClean="0"/>
             </a:br>
-            <a:endParaRPr lang="zh-CN" altLang="en-US" dirty="0"/>
+            <a:endParaRPr lang="zh-CN" altLang="en-US"/>
           </a:p>
         </p:txBody>
       </p:sp>
@@ -6508,37 +11702,37 @@
           <a:lstStyle/>
           <a:p>
             <a:r>
-              <a:rPr lang="en-US" dirty="0">
+              <a:rPr lang="en-US">
                 <a:hlinkClick r:id="rId3"/>
               </a:rPr>
               <a:t>https://raft.github.io</a:t>
             </a:r>
             <a:r>
-              <a:rPr lang="en-US" dirty="0" smtClean="0">
+              <a:rPr lang="en-US" smtClean="0">
                 <a:hlinkClick r:id="rId3"/>
               </a:rPr>
               <a:t>/</a:t>
             </a:r>
-            <a:endParaRPr lang="en-US" dirty="0" smtClean="0"/>
-          </a:p>
-          <a:p>
-            <a:r>
-              <a:rPr lang="en-US" altLang="zh-CN" dirty="0" smtClean="0"/>
+            <a:endParaRPr lang="en-US" smtClean="0"/>
+          </a:p>
+          <a:p>
+            <a:r>
+              <a:rPr lang="en-US" altLang="zh-CN" smtClean="0"/>
               <a:t>Select  </a:t>
             </a:r>
             <a:r>
-              <a:rPr lang="en-US" altLang="zh-CN" dirty="0"/>
+              <a:rPr lang="en-US" altLang="zh-CN"/>
               <a:t>Leader </a:t>
             </a:r>
             <a:r>
-              <a:rPr lang="en-US" altLang="zh-CN" dirty="0" smtClean="0"/>
+              <a:rPr lang="en-US" altLang="zh-CN" smtClean="0"/>
               <a:t>  </a:t>
             </a:r>
-            <a:endParaRPr lang="en-US" altLang="zh-CN" dirty="0"/>
-          </a:p>
-          <a:p>
-            <a:r>
-              <a:rPr lang="en-US" dirty="0" smtClean="0">
+            <a:endParaRPr lang="en-US" altLang="zh-CN"/>
+          </a:p>
+          <a:p>
+            <a:r>
+              <a:rPr lang="en-US" smtClean="0">
                 <a:solidFill>
                   <a:srgbClr val="FF0000"/>
                 </a:solidFill>
@@ -6551,14 +11745,14 @@
               <a:buAutoNum type="arabicPeriod"/>
             </a:pPr>
             <a:r>
-              <a:rPr dirty="0" smtClean="0">
+              <a:rPr smtClean="0">
                 <a:solidFill>
                   <a:srgbClr val="FF0000"/>
                 </a:solidFill>
               </a:rPr>
               <a:t>任期号为王，任期异常覆盖日志情况不考虑 （什么网络分区舍去 正常如何）</a:t>
             </a:r>
-            <a:endParaRPr lang="en-US" dirty="0" smtClean="0">
+            <a:endParaRPr lang="en-US" smtClean="0">
               <a:solidFill>
                 <a:srgbClr val="FF0000"/>
               </a:solidFill>
@@ -6569,7 +11763,7 @@
               <a:buAutoNum type="arabicPeriod"/>
             </a:pPr>
             <a:r>
-              <a:rPr lang="en-US" dirty="0" smtClean="0">
+              <a:rPr lang="en-US" smtClean="0">
                 <a:solidFill>
                   <a:srgbClr val="FF0000"/>
                 </a:solidFill>
@@ -6577,7 +11771,7 @@
               <a:t>2</a:t>
             </a:r>
             <a:r>
-              <a:rPr dirty="0" smtClean="0">
+              <a:rPr smtClean="0">
                 <a:solidFill>
                   <a:srgbClr val="FF0000"/>
                 </a:solidFill>
@@ -6585,7 +11779,7 @@
               <a:t>个候选人无限重复选举</a:t>
             </a:r>
             <a:r>
-              <a:rPr lang="en-US" altLang="zh-CN" dirty="0" smtClean="0">
+              <a:rPr lang="en-US" altLang="zh-CN" smtClean="0">
                 <a:solidFill>
                   <a:srgbClr val="FF0000"/>
                 </a:solidFill>
@@ -6593,7 +11787,7 @@
               <a:t>split</a:t>
             </a:r>
             <a:r>
-              <a:rPr dirty="0" smtClean="0">
+              <a:rPr smtClean="0">
                 <a:solidFill>
                   <a:srgbClr val="FF0000"/>
                 </a:solidFill>
@@ -6601,7 +11795,7 @@
               <a:t>一样的（</a:t>
             </a:r>
             <a:r>
-              <a:rPr dirty="0">
+              <a:rPr>
                 <a:solidFill>
                   <a:srgbClr val="FF0000"/>
                 </a:solidFill>
@@ -6609,14 +11803,14 @@
               <a:t>什么网络分区舍去 正常如何</a:t>
             </a:r>
             <a:r>
-              <a:rPr dirty="0" smtClean="0">
+              <a:rPr smtClean="0">
                 <a:solidFill>
                   <a:srgbClr val="FF0000"/>
                 </a:solidFill>
               </a:rPr>
               <a:t>）</a:t>
             </a:r>
-            <a:endParaRPr lang="en-US" dirty="0" smtClean="0">
+            <a:endParaRPr lang="en-US" smtClean="0">
               <a:solidFill>
                 <a:srgbClr val="FF0000"/>
               </a:solidFill>
@@ -6627,7 +11821,7 @@
               <a:buNone/>
             </a:pPr>
             <a:r>
-              <a:rPr lang="en-US" dirty="0">
+              <a:rPr lang="en-US">
                 <a:solidFill>
                   <a:srgbClr val="FF0000"/>
                 </a:solidFill>
@@ -6637,7 +11831,7 @@
           </a:p>
           <a:p>
             <a:r>
-              <a:rPr dirty="0">
+              <a:rPr>
                 <a:solidFill>
                   <a:srgbClr val="FF0000"/>
                 </a:solidFill>
@@ -6645,30 +11839,30 @@
               <a:t>看懂</a:t>
             </a:r>
             <a:r>
-              <a:rPr lang="en-US" dirty="0"/>
+              <a:rPr lang="en-US"/>
               <a:t>Figure </a:t>
             </a:r>
             <a:r>
-              <a:rPr lang="en-US" dirty="0" smtClean="0"/>
+              <a:rPr lang="en-US" smtClean="0"/>
               <a:t>1 2 4 </a:t>
             </a:r>
             <a:r>
-              <a:rPr dirty="0" smtClean="0"/>
+              <a:rPr smtClean="0"/>
               <a:t>举例</a:t>
             </a:r>
-            <a:endParaRPr lang="en-US" dirty="0" smtClean="0"/>
-          </a:p>
-          <a:p>
-            <a:r>
-              <a:rPr lang="en-US" altLang="zh-CN" dirty="0" smtClean="0"/>
+            <a:endParaRPr lang="en-US" smtClean="0"/>
+          </a:p>
+          <a:p>
+            <a:r>
+              <a:rPr lang="en-US" altLang="zh-CN" smtClean="0"/>
               <a:t>Raft </a:t>
             </a:r>
             <a:r>
-              <a:rPr dirty="0" smtClean="0"/>
+              <a:rPr smtClean="0"/>
               <a:t>一共</a:t>
             </a:r>
             <a:r>
-              <a:rPr lang="en-US" dirty="0" smtClean="0">
+              <a:rPr lang="en-US" smtClean="0">
                 <a:solidFill>
                   <a:srgbClr val="FF0000"/>
                 </a:solidFill>
@@ -6676,7 +11870,7 @@
               <a:t>18</a:t>
             </a:r>
             <a:r>
-              <a:rPr dirty="0" smtClean="0">
+              <a:rPr smtClean="0">
                 <a:solidFill>
                   <a:srgbClr val="FF0000"/>
                 </a:solidFill>
@@ -6684,46 +11878,46 @@
               <a:t>个视频</a:t>
             </a:r>
             <a:r>
-              <a:rPr dirty="0" smtClean="0"/>
+              <a:rPr smtClean="0"/>
               <a:t>，全部看完 </a:t>
             </a:r>
             <a:r>
-              <a:rPr lang="en-US" dirty="0" smtClean="0"/>
+              <a:rPr lang="en-US" smtClean="0"/>
               <a:t> </a:t>
             </a:r>
             <a:r>
-              <a:rPr dirty="0" smtClean="0"/>
+              <a:rPr smtClean="0"/>
               <a:t>（</a:t>
             </a:r>
             <a:r>
-              <a:rPr lang="en-US" dirty="0" smtClean="0"/>
+              <a:rPr lang="en-US" smtClean="0"/>
               <a:t>2</a:t>
             </a:r>
             <a:r>
-              <a:rPr dirty="0" smtClean="0"/>
+              <a:rPr smtClean="0"/>
               <a:t>）</a:t>
             </a:r>
-            <a:endParaRPr lang="en-US" dirty="0" smtClean="0"/>
+            <a:endParaRPr lang="en-US" smtClean="0"/>
           </a:p>
           <a:p>
             <a:pPr>
               <a:buNone/>
             </a:pPr>
             <a:r>
-              <a:rPr lang="en-US" dirty="0"/>
+              <a:rPr lang="en-US"/>
               <a:t/>
             </a:r>
             <a:br>
-              <a:rPr lang="en-US" dirty="0"/>
+              <a:rPr lang="en-US"/>
             </a:br>
             <a:r>
-              <a:rPr lang="en-US" dirty="0"/>
+              <a:rPr lang="en-US"/>
               <a:t/>
             </a:r>
             <a:br>
-              <a:rPr lang="en-US" dirty="0"/>
+              <a:rPr lang="en-US"/>
             </a:br>
-            <a:endParaRPr lang="zh-CN" altLang="en-US" dirty="0"/>
+            <a:endParaRPr lang="zh-CN" altLang="en-US"/>
           </a:p>
         </p:txBody>
       </p:sp>
@@ -6743,10 +11937,10 @@
           <a:lstStyle/>
           <a:p>
             <a:r>
-              <a:rPr lang="en-US" altLang="zh-CN" dirty="0" smtClean="0"/>
+              <a:rPr lang="en-US" altLang="zh-CN" smtClean="0"/>
               <a:t>Raft-1</a:t>
             </a:r>
-            <a:endParaRPr lang="zh-CN" altLang="en-US" dirty="0"/>
+            <a:endParaRPr lang="zh-CN" altLang="en-US"/>
           </a:p>
         </p:txBody>
       </p:sp>
@@ -6799,30 +11993,30 @@
           <a:lstStyle/>
           <a:p>
             <a:r>
-              <a:rPr lang="en-US" dirty="0"/>
+              <a:rPr lang="en-US"/>
               <a:t>5.3 Log </a:t>
             </a:r>
             <a:r>
-              <a:rPr lang="en-US" dirty="0" smtClean="0"/>
+              <a:rPr lang="en-US" smtClean="0"/>
               <a:t>replication  </a:t>
             </a:r>
             <a:r>
-              <a:rPr lang="en-US" altLang="zh-CN" dirty="0" smtClean="0"/>
+              <a:rPr lang="en-US" altLang="zh-CN" smtClean="0"/>
               <a:t>time-5</a:t>
             </a:r>
-            <a:endParaRPr lang="en-US" dirty="0" smtClean="0"/>
-          </a:p>
-          <a:p>
-            <a:r>
-              <a:rPr lang="en-US" altLang="zh-CN" dirty="0"/>
+            <a:endParaRPr lang="en-US" smtClean="0"/>
+          </a:p>
+          <a:p>
+            <a:r>
+              <a:rPr lang="en-US" altLang="zh-CN"/>
               <a:t>Raft </a:t>
             </a:r>
             <a:r>
-              <a:rPr dirty="0"/>
+              <a:rPr/>
               <a:t>一共</a:t>
             </a:r>
             <a:r>
-              <a:rPr lang="en-US" altLang="zh-CN" dirty="0">
+              <a:rPr lang="en-US" altLang="zh-CN">
                 <a:solidFill>
                   <a:srgbClr val="FF0000"/>
                 </a:solidFill>
@@ -6830,7 +12024,7 @@
               <a:t>18</a:t>
             </a:r>
             <a:r>
-              <a:rPr dirty="0">
+              <a:rPr>
                 <a:solidFill>
                   <a:srgbClr val="FF0000"/>
                 </a:solidFill>
@@ -6838,56 +12032,56 @@
               <a:t>个视频</a:t>
             </a:r>
             <a:r>
-              <a:rPr dirty="0"/>
+              <a:rPr/>
               <a:t>，全部看完  （</a:t>
             </a:r>
             <a:r>
-              <a:rPr lang="en-US" altLang="zh-CN" dirty="0"/>
+              <a:rPr lang="en-US" altLang="zh-CN"/>
               <a:t>2</a:t>
             </a:r>
             <a:r>
-              <a:rPr dirty="0" smtClean="0"/>
+              <a:rPr smtClean="0"/>
               <a:t>）</a:t>
             </a:r>
-            <a:endParaRPr lang="en-US" dirty="0" smtClean="0"/>
-          </a:p>
-          <a:p>
-            <a:r>
-              <a:rPr lang="en-US" dirty="0">
+            <a:endParaRPr lang="en-US" smtClean="0"/>
+          </a:p>
+          <a:p>
+            <a:r>
+              <a:rPr lang="en-US">
                 <a:hlinkClick r:id="rId3"/>
               </a:rPr>
               <a:t>https://raft.github.io</a:t>
             </a:r>
             <a:r>
-              <a:rPr lang="en-US" dirty="0" smtClean="0">
+              <a:rPr lang="en-US" smtClean="0">
                 <a:hlinkClick r:id="rId3"/>
               </a:rPr>
               <a:t>/</a:t>
             </a:r>
-            <a:endParaRPr lang="en-US" dirty="0" smtClean="0"/>
-          </a:p>
-          <a:p>
-            <a:endParaRPr lang="en-US" dirty="0"/>
-          </a:p>
-          <a:p>
-            <a:endParaRPr dirty="0"/>
+            <a:endParaRPr lang="en-US" smtClean="0"/>
+          </a:p>
+          <a:p>
+            <a:endParaRPr lang="en-US"/>
+          </a:p>
+          <a:p>
+            <a:endParaRPr/>
           </a:p>
           <a:p>
             <a:pPr>
               <a:buNone/>
             </a:pPr>
             <a:r>
-              <a:rPr lang="en-US" dirty="0" smtClean="0"/>
+              <a:rPr lang="en-US" smtClean="0"/>
               <a:t> </a:t>
             </a:r>
             <a:r>
-              <a:rPr lang="en-US" dirty="0"/>
+              <a:rPr lang="en-US"/>
               <a:t/>
             </a:r>
             <a:br>
-              <a:rPr lang="en-US" dirty="0"/>
+              <a:rPr lang="en-US"/>
             </a:br>
-            <a:endParaRPr lang="zh-CN" altLang="en-US" dirty="0"/>
+            <a:endParaRPr lang="zh-CN" altLang="en-US"/>
           </a:p>
         </p:txBody>
       </p:sp>
@@ -6907,10 +12101,10 @@
           <a:lstStyle/>
           <a:p>
             <a:r>
-              <a:rPr lang="en-US" altLang="zh-CN" dirty="0" smtClean="0"/>
+              <a:rPr lang="en-US" altLang="zh-CN" smtClean="0"/>
               <a:t>Raft-2</a:t>
             </a:r>
-            <a:endParaRPr lang="zh-CN" altLang="en-US" dirty="0"/>
+            <a:endParaRPr lang="zh-CN" altLang="en-US"/>
           </a:p>
         </p:txBody>
       </p:sp>
@@ -6996,124 +12190,124 @@
           <a:lstStyle/>
           <a:p>
             <a:r>
-              <a:rPr lang="en-US" altLang="zh-CN" dirty="0" smtClean="0"/>
+              <a:rPr lang="en-US" altLang="zh-CN" smtClean="0"/>
               <a:t>Slave</a:t>
             </a:r>
             <a:r>
-              <a:rPr dirty="0" smtClean="0"/>
+              <a:rPr smtClean="0"/>
               <a:t>：</a:t>
             </a:r>
             <a:r>
-              <a:rPr altLang="en-US" dirty="0" smtClean="0"/>
+              <a:rPr altLang="en-US" smtClean="0"/>
               <a:t>回滚失败怎么办？</a:t>
             </a:r>
             <a:r>
-              <a:rPr lang="en-US" altLang="en-US" dirty="0" smtClean="0"/>
+              <a:rPr lang="en-US" altLang="en-US" smtClean="0"/>
               <a:t>(</a:t>
             </a:r>
             <a:r>
-              <a:rPr altLang="en-US" dirty="0" smtClean="0"/>
+              <a:rPr altLang="en-US" smtClean="0"/>
               <a:t>如果是业务问题肯定无法解决，过网络和主机问题可以</a:t>
             </a:r>
             <a:r>
-              <a:rPr lang="en-US" altLang="en-US" dirty="0" smtClean="0"/>
+              <a:rPr lang="en-US" altLang="en-US" smtClean="0"/>
               <a:t>)</a:t>
             </a:r>
           </a:p>
           <a:p>
             <a:r>
-              <a:rPr lang="en-US" altLang="zh-CN" dirty="0" err="1" smtClean="0"/>
+              <a:rPr lang="en-US" altLang="zh-CN" err="1" smtClean="0"/>
               <a:t>commIndex</a:t>
             </a:r>
             <a:r>
-              <a:rPr dirty="0" smtClean="0"/>
+              <a:rPr smtClean="0"/>
               <a:t>如何界定</a:t>
             </a:r>
-            <a:endParaRPr lang="en-US" dirty="0" smtClean="0"/>
-          </a:p>
-          <a:p>
-            <a:r>
-              <a:rPr lang="en-US" altLang="zh-CN" dirty="0"/>
+            <a:endParaRPr lang="en-US" smtClean="0"/>
+          </a:p>
+          <a:p>
+            <a:r>
+              <a:rPr lang="en-US" altLang="zh-CN"/>
               <a:t>Leader </a:t>
             </a:r>
             <a:r>
-              <a:rPr dirty="0"/>
+              <a:rPr/>
               <a:t>全部</a:t>
             </a:r>
             <a:r>
-              <a:rPr lang="en-US" altLang="zh-CN" dirty="0"/>
+              <a:rPr lang="en-US" altLang="zh-CN"/>
               <a:t>get </a:t>
             </a:r>
             <a:r>
-              <a:rPr lang="en-US" altLang="zh-CN" dirty="0" err="1" smtClean="0"/>
+              <a:rPr lang="en-US" altLang="zh-CN" err="1" smtClean="0"/>
               <a:t>commited</a:t>
             </a:r>
             <a:r>
-              <a:rPr lang="en-US" altLang="zh-CN" dirty="0" smtClean="0"/>
+              <a:rPr lang="en-US" altLang="zh-CN" smtClean="0"/>
               <a:t> </a:t>
             </a:r>
             <a:r>
-              <a:rPr dirty="0" smtClean="0"/>
+              <a:rPr smtClean="0"/>
               <a:t>，然后马上失败怎办？（一般， 特殊情 客户端再次查询）</a:t>
             </a:r>
-            <a:endParaRPr lang="en-US" dirty="0" smtClean="0"/>
-          </a:p>
-          <a:p>
-            <a:r>
-              <a:rPr dirty="0" smtClean="0"/>
+            <a:endParaRPr lang="en-US" smtClean="0"/>
+          </a:p>
+          <a:p>
+            <a:r>
+              <a:rPr smtClean="0"/>
               <a:t>这个地方一致是模糊地方，被问</a:t>
             </a:r>
             <a:r>
-              <a:rPr lang="en-US" dirty="0" smtClean="0"/>
+              <a:rPr lang="en-US" smtClean="0"/>
               <a:t>N</a:t>
             </a:r>
             <a:r>
-              <a:rPr dirty="0" smtClean="0"/>
+              <a:rPr smtClean="0"/>
               <a:t>次，从来没有正确回复过</a:t>
             </a:r>
-            <a:endParaRPr lang="en-US" dirty="0" smtClean="0"/>
-          </a:p>
-          <a:p>
-            <a:r>
-              <a:rPr lang="en-US" dirty="0" smtClean="0"/>
+            <a:endParaRPr lang="en-US" smtClean="0"/>
+          </a:p>
+          <a:p>
+            <a:r>
+              <a:rPr lang="en-US" smtClean="0"/>
               <a:t>(</a:t>
             </a:r>
             <a:r>
-              <a:rPr dirty="0" smtClean="0"/>
+              <a:rPr smtClean="0"/>
               <a:t>客户端肯定失败，内部保持统一，需要客户端再次查询</a:t>
             </a:r>
             <a:r>
-              <a:rPr lang="en-US" dirty="0" smtClean="0"/>
+              <a:rPr lang="en-US" smtClean="0"/>
               <a:t>)</a:t>
             </a:r>
           </a:p>
           <a:p>
             <a:r>
-              <a:rPr dirty="0"/>
+              <a:rPr/>
               <a:t>服务</a:t>
             </a:r>
             <a:r>
-              <a:rPr dirty="0" smtClean="0"/>
+              <a:rPr smtClean="0"/>
               <a:t>状态变化：</a:t>
             </a:r>
-            <a:endParaRPr lang="en-US" dirty="0" smtClean="0"/>
-          </a:p>
-          <a:p>
-            <a:r>
-              <a:rPr dirty="0" smtClean="0"/>
+            <a:endParaRPr lang="en-US" smtClean="0"/>
+          </a:p>
+          <a:p>
+            <a:r>
+              <a:rPr smtClean="0"/>
               <a:t>业务的数据变化</a:t>
             </a:r>
-            <a:endParaRPr lang="en-US" dirty="0" smtClean="0"/>
+            <a:endParaRPr lang="en-US" smtClean="0"/>
           </a:p>
           <a:p>
             <a:r>
               <a:rPr smtClean="0"/>
               <a:t>内存管理</a:t>
             </a:r>
-            <a:endParaRPr dirty="0"/>
-          </a:p>
-          <a:p>
-            <a:endParaRPr lang="zh-CN" altLang="en-US" dirty="0"/>
+            <a:endParaRPr/>
+          </a:p>
+          <a:p>
+            <a:endParaRPr lang="zh-CN" altLang="en-US"/>
           </a:p>
         </p:txBody>
       </p:sp>
@@ -7133,10 +12327,10 @@
           <a:lstStyle/>
           <a:p>
             <a:r>
-              <a:rPr lang="en-US" altLang="zh-CN" dirty="0" smtClean="0"/>
+              <a:rPr lang="en-US" altLang="zh-CN" smtClean="0"/>
               <a:t> MDB</a:t>
             </a:r>
-            <a:endParaRPr lang="zh-CN" altLang="en-US" dirty="0"/>
+            <a:endParaRPr lang="zh-CN" altLang="en-US"/>
           </a:p>
         </p:txBody>
       </p:sp>
@@ -7189,85 +12383,85 @@
           <a:lstStyle/>
           <a:p>
             <a:r>
-              <a:rPr lang="en-US" altLang="zh-CN" dirty="0">
+              <a:rPr lang="en-US" altLang="zh-CN">
                 <a:hlinkClick r:id="rId3"/>
               </a:rPr>
               <a:t>https://</a:t>
             </a:r>
             <a:r>
-              <a:rPr lang="en-US" altLang="zh-CN" dirty="0" err="1">
+              <a:rPr lang="en-US" altLang="zh-CN" err="1">
                 <a:hlinkClick r:id="rId3"/>
               </a:rPr>
               <a:t>wangcy6.github.io</a:t>
             </a:r>
             <a:r>
-              <a:rPr lang="en-US" altLang="zh-CN" dirty="0">
+              <a:rPr lang="en-US" altLang="zh-CN">
                 <a:hlinkClick r:id="rId3"/>
               </a:rPr>
               <a:t>/</a:t>
             </a:r>
             <a:r>
-              <a:rPr lang="en-US" altLang="zh-CN" dirty="0">
+              <a:rPr lang="en-US" altLang="zh-CN">
                 <a:hlinkClick r:id="rId4"/>
               </a:rPr>
               <a:t>/post/</a:t>
             </a:r>
             <a:r>
-              <a:rPr lang="en-US" altLang="zh-CN" dirty="0" err="1">
+              <a:rPr lang="en-US" altLang="zh-CN" err="1">
                 <a:hlinkClick r:id="rId4"/>
               </a:rPr>
               <a:t>DataBase</a:t>
             </a:r>
             <a:r>
-              <a:rPr lang="en-US" altLang="zh-CN" dirty="0">
+              <a:rPr lang="en-US" altLang="zh-CN">
                 <a:hlinkClick r:id="rId4"/>
               </a:rPr>
               <a:t>/</a:t>
             </a:r>
             <a:r>
-              <a:rPr lang="en-US" altLang="zh-CN" dirty="0" err="1">
+              <a:rPr lang="en-US" altLang="zh-CN" err="1">
                 <a:hlinkClick r:id="rId4"/>
               </a:rPr>
               <a:t>server_redis</a:t>
             </a:r>
             <a:r>
-              <a:rPr lang="en-US" altLang="zh-CN" dirty="0" smtClean="0">
+              <a:rPr lang="en-US" altLang="zh-CN" smtClean="0">
                 <a:hlinkClick r:id="rId4"/>
               </a:rPr>
               <a:t>/</a:t>
             </a:r>
-            <a:endParaRPr b="1" dirty="0"/>
-          </a:p>
-          <a:p>
-            <a:r>
-              <a:rPr lang="zh-CN" altLang="en-US" dirty="0" smtClean="0"/>
+            <a:endParaRPr b="1"/>
+          </a:p>
+          <a:p>
+            <a:r>
+              <a:rPr lang="zh-CN" altLang="en-US" smtClean="0"/>
               <a:t>释</a:t>
             </a:r>
             <a:r>
-              <a:rPr lang="en-US" altLang="zh-CN" dirty="0"/>
+              <a:rPr lang="en-US" altLang="zh-CN"/>
               <a:t>Redis</a:t>
             </a:r>
             <a:r>
-              <a:rPr lang="zh-CN" altLang="en-US" dirty="0"/>
+              <a:rPr lang="zh-CN" altLang="en-US"/>
               <a:t>是单线程的，为什么能这么高</a:t>
             </a:r>
             <a:r>
-              <a:rPr lang="zh-CN" altLang="en-US" dirty="0" smtClean="0"/>
+              <a:rPr lang="zh-CN" altLang="en-US" smtClean="0"/>
               <a:t>效！</a:t>
             </a:r>
-            <a:endParaRPr lang="en-US" altLang="zh-CN" dirty="0" smtClean="0"/>
-          </a:p>
-          <a:p>
-            <a:r>
-              <a:rPr lang="en-US" altLang="zh-CN" dirty="0" smtClean="0"/>
+            <a:endParaRPr lang="en-US" altLang="zh-CN" smtClean="0"/>
+          </a:p>
+          <a:p>
+            <a:r>
+              <a:rPr lang="en-US" altLang="zh-CN" smtClean="0"/>
               <a:t>whys-the-design-</a:t>
             </a:r>
             <a:r>
-              <a:rPr lang="en-US" altLang="zh-CN" dirty="0" err="1" smtClean="0"/>
+              <a:rPr lang="en-US" altLang="zh-CN" err="1" smtClean="0"/>
               <a:t>redis</a:t>
             </a:r>
             <a:r>
-              <a:rPr lang="en-US" altLang="zh-CN" dirty="0" smtClean="0"/>
+              <a:rPr lang="en-US" altLang="zh-CN" smtClean="0"/>
               <a:t>-single-thread</a:t>
             </a:r>
           </a:p>
@@ -7275,10 +12469,10 @@
             <a:pPr marL="0" indent="0">
               <a:buNone/>
             </a:pPr>
-            <a:endParaRPr lang="en-US" altLang="zh-CN" dirty="0" smtClean="0"/>
-          </a:p>
-          <a:p>
-            <a:endParaRPr lang="zh-CN" altLang="en-US" dirty="0"/>
+            <a:endParaRPr lang="en-US" altLang="zh-CN" smtClean="0"/>
+          </a:p>
+          <a:p>
+            <a:endParaRPr lang="zh-CN" altLang="en-US"/>
           </a:p>
         </p:txBody>
       </p:sp>
@@ -7298,18 +12492,18 @@
           <a:lstStyle/>
           <a:p>
             <a:r>
-              <a:rPr lang="en-US" altLang="zh-CN" dirty="0" smtClean="0"/>
+              <a:rPr lang="en-US" altLang="zh-CN" smtClean="0"/>
               <a:t> </a:t>
             </a:r>
             <a:r>
-              <a:rPr lang="en-US" altLang="zh-CN" dirty="0" err="1" smtClean="0"/>
+              <a:rPr lang="en-US" altLang="zh-CN" err="1" smtClean="0"/>
               <a:t>redis</a:t>
             </a:r>
             <a:r>
-              <a:rPr lang="en-US" altLang="zh-CN" dirty="0" smtClean="0"/>
+              <a:rPr lang="en-US" altLang="zh-CN" smtClean="0"/>
               <a:t>-</a:t>
             </a:r>
-            <a:endParaRPr lang="zh-CN" altLang="en-US" dirty="0"/>
+            <a:endParaRPr lang="zh-CN" altLang="en-US"/>
           </a:p>
         </p:txBody>
       </p:sp>
